--- a/企画書_Untitle.pptx
+++ b/企画書_Untitle.pptx
@@ -7,6 +7,7 @@
   <p:sldIdLst>
     <p:sldId id="257" r:id="rId5"/>
     <p:sldId id="258" r:id="rId6"/>
+    <p:sldId id="259" r:id="rId7"/>
   </p:sldIdLst>
   <p:sldSz cx="12192000" cy="6858000"/>
   <p:notesSz cx="6858000" cy="9144000"/>
@@ -113,6 +114,193 @@
 </p:presentation>
 </file>
 
+<file path=ppt/changesInfos/changesInfo1.xml><?xml version="1.0" encoding="utf-8"?>
+<pc:chgInfo xmlns:a="http://schemas.openxmlformats.org/drawingml/2006/main" xmlns:r="http://schemas.openxmlformats.org/officeDocument/2006/relationships" xmlns:ac="http://schemas.microsoft.com/office/drawing/2013/main/command" xmlns:pc="http://schemas.microsoft.com/office/powerpoint/2013/main/command">
+  <pc:docChgLst>
+    <pc:chgData name="安藤　歩夢" userId="97dcaf07-b1c4-4be4-9867-11fbbe4b55fc" providerId="ADAL" clId="{91386090-62EF-4C83-9AE8-E6F2223C4615}"/>
+    <pc:docChg chg="custSel addSld modSld">
+      <pc:chgData name="安藤　歩夢" userId="97dcaf07-b1c4-4be4-9867-11fbbe4b55fc" providerId="ADAL" clId="{91386090-62EF-4C83-9AE8-E6F2223C4615}" dt="2025-05-28T07:54:37.972" v="669" actId="20577"/>
+      <pc:docMkLst>
+        <pc:docMk/>
+      </pc:docMkLst>
+      <pc:sldChg chg="addSp delSp modSp mod">
+        <pc:chgData name="安藤　歩夢" userId="97dcaf07-b1c4-4be4-9867-11fbbe4b55fc" providerId="ADAL" clId="{91386090-62EF-4C83-9AE8-E6F2223C4615}" dt="2025-05-28T07:33:40.800" v="295" actId="20577"/>
+        <pc:sldMkLst>
+          <pc:docMk/>
+          <pc:sldMk cId="230798874" sldId="257"/>
+        </pc:sldMkLst>
+        <pc:spChg chg="mod">
+          <ac:chgData name="安藤　歩夢" userId="97dcaf07-b1c4-4be4-9867-11fbbe4b55fc" providerId="ADAL" clId="{91386090-62EF-4C83-9AE8-E6F2223C4615}" dt="2025-05-28T07:31:15.843" v="116" actId="255"/>
+          <ac:spMkLst>
+            <pc:docMk/>
+            <pc:sldMk cId="230798874" sldId="257"/>
+            <ac:spMk id="4" creationId="{68D4C2E4-9F59-4550-826E-B15524F9E232}"/>
+          </ac:spMkLst>
+        </pc:spChg>
+        <pc:spChg chg="del">
+          <ac:chgData name="安藤　歩夢" userId="97dcaf07-b1c4-4be4-9867-11fbbe4b55fc" providerId="ADAL" clId="{91386090-62EF-4C83-9AE8-E6F2223C4615}" dt="2025-05-28T07:26:01.884" v="11" actId="21"/>
+          <ac:spMkLst>
+            <pc:docMk/>
+            <pc:sldMk cId="230798874" sldId="257"/>
+            <ac:spMk id="5" creationId="{4CC8707C-E62B-4DB5-B136-875A79DD19CE}"/>
+          </ac:spMkLst>
+        </pc:spChg>
+        <pc:spChg chg="del">
+          <ac:chgData name="安藤　歩夢" userId="97dcaf07-b1c4-4be4-9867-11fbbe4b55fc" providerId="ADAL" clId="{91386090-62EF-4C83-9AE8-E6F2223C4615}" dt="2025-05-28T07:25:52.231" v="9" actId="21"/>
+          <ac:spMkLst>
+            <pc:docMk/>
+            <pc:sldMk cId="230798874" sldId="257"/>
+            <ac:spMk id="6" creationId="{67A87A3D-7019-4430-9293-E62229DB73C6}"/>
+          </ac:spMkLst>
+        </pc:spChg>
+        <pc:spChg chg="add mod">
+          <ac:chgData name="安藤　歩夢" userId="97dcaf07-b1c4-4be4-9867-11fbbe4b55fc" providerId="ADAL" clId="{91386090-62EF-4C83-9AE8-E6F2223C4615}" dt="2025-05-28T07:33:40.800" v="295" actId="20577"/>
+          <ac:spMkLst>
+            <pc:docMk/>
+            <pc:sldMk cId="230798874" sldId="257"/>
+            <ac:spMk id="9" creationId="{F6E02BE6-1ABA-61DF-DA70-B9C1B6448511}"/>
+          </ac:spMkLst>
+        </pc:spChg>
+        <pc:picChg chg="add mod">
+          <ac:chgData name="安藤　歩夢" userId="97dcaf07-b1c4-4be4-9867-11fbbe4b55fc" providerId="ADAL" clId="{91386090-62EF-4C83-9AE8-E6F2223C4615}" dt="2025-05-28T07:31:20.199" v="117" actId="14100"/>
+          <ac:picMkLst>
+            <pc:docMk/>
+            <pc:sldMk cId="230798874" sldId="257"/>
+            <ac:picMk id="3" creationId="{54982794-8C12-540F-EA8D-69E495ABA8EB}"/>
+          </ac:picMkLst>
+        </pc:picChg>
+      </pc:sldChg>
+      <pc:sldChg chg="modSp mod">
+        <pc:chgData name="安藤　歩夢" userId="97dcaf07-b1c4-4be4-9867-11fbbe4b55fc" providerId="ADAL" clId="{91386090-62EF-4C83-9AE8-E6F2223C4615}" dt="2025-05-28T07:36:20.613" v="504" actId="1076"/>
+        <pc:sldMkLst>
+          <pc:docMk/>
+          <pc:sldMk cId="2956601363" sldId="258"/>
+        </pc:sldMkLst>
+        <pc:spChg chg="mod">
+          <ac:chgData name="安藤　歩夢" userId="97dcaf07-b1c4-4be4-9867-11fbbe4b55fc" providerId="ADAL" clId="{91386090-62EF-4C83-9AE8-E6F2223C4615}" dt="2025-05-28T07:36:20.613" v="504" actId="1076"/>
+          <ac:spMkLst>
+            <pc:docMk/>
+            <pc:sldMk cId="2956601363" sldId="258"/>
+            <ac:spMk id="11" creationId="{94A9DFCB-B975-4FEC-0FA5-034DB6487D75}"/>
+          </ac:spMkLst>
+        </pc:spChg>
+        <pc:spChg chg="mod">
+          <ac:chgData name="安藤　歩夢" userId="97dcaf07-b1c4-4be4-9867-11fbbe4b55fc" providerId="ADAL" clId="{91386090-62EF-4C83-9AE8-E6F2223C4615}" dt="2025-05-28T07:36:19.246" v="503" actId="20577"/>
+          <ac:spMkLst>
+            <pc:docMk/>
+            <pc:sldMk cId="2956601363" sldId="258"/>
+            <ac:spMk id="12" creationId="{1744A712-9ECA-1AA7-D51B-5536A65E42D6}"/>
+          </ac:spMkLst>
+        </pc:spChg>
+        <pc:spChg chg="mod">
+          <ac:chgData name="安藤　歩夢" userId="97dcaf07-b1c4-4be4-9867-11fbbe4b55fc" providerId="ADAL" clId="{91386090-62EF-4C83-9AE8-E6F2223C4615}" dt="2025-05-28T07:35:51.080" v="459" actId="1076"/>
+          <ac:spMkLst>
+            <pc:docMk/>
+            <pc:sldMk cId="2956601363" sldId="258"/>
+            <ac:spMk id="17" creationId="{FC54F7D5-D36E-E62F-B6B9-6760BFAC82BE}"/>
+          </ac:spMkLst>
+        </pc:spChg>
+        <pc:picChg chg="mod">
+          <ac:chgData name="安藤　歩夢" userId="97dcaf07-b1c4-4be4-9867-11fbbe4b55fc" providerId="ADAL" clId="{91386090-62EF-4C83-9AE8-E6F2223C4615}" dt="2025-05-28T07:25:11.746" v="4" actId="1076"/>
+          <ac:picMkLst>
+            <pc:docMk/>
+            <pc:sldMk cId="2956601363" sldId="258"/>
+            <ac:picMk id="7" creationId="{F5C0FDF5-0C43-F89D-31F2-6068944ED182}"/>
+          </ac:picMkLst>
+        </pc:picChg>
+        <pc:picChg chg="mod">
+          <ac:chgData name="安藤　歩夢" userId="97dcaf07-b1c4-4be4-9867-11fbbe4b55fc" providerId="ADAL" clId="{91386090-62EF-4C83-9AE8-E6F2223C4615}" dt="2025-05-28T07:28:16.914" v="20" actId="1076"/>
+          <ac:picMkLst>
+            <pc:docMk/>
+            <pc:sldMk cId="2956601363" sldId="258"/>
+            <ac:picMk id="9" creationId="{E00CC49A-054B-31C3-AE54-56AB462666E1}"/>
+          </ac:picMkLst>
+        </pc:picChg>
+        <pc:picChg chg="mod">
+          <ac:chgData name="安藤　歩夢" userId="97dcaf07-b1c4-4be4-9867-11fbbe4b55fc" providerId="ADAL" clId="{91386090-62EF-4C83-9AE8-E6F2223C4615}" dt="2025-05-28T07:25:15.647" v="5" actId="1076"/>
+          <ac:picMkLst>
+            <pc:docMk/>
+            <pc:sldMk cId="2956601363" sldId="258"/>
+            <ac:picMk id="15" creationId="{AC10EE89-E278-9336-CD45-71857A391EE5}"/>
+          </ac:picMkLst>
+        </pc:picChg>
+      </pc:sldChg>
+      <pc:sldChg chg="addSp delSp modSp new mod">
+        <pc:chgData name="安藤　歩夢" userId="97dcaf07-b1c4-4be4-9867-11fbbe4b55fc" providerId="ADAL" clId="{91386090-62EF-4C83-9AE8-E6F2223C4615}" dt="2025-05-28T07:54:37.972" v="669" actId="20577"/>
+        <pc:sldMkLst>
+          <pc:docMk/>
+          <pc:sldMk cId="2574417855" sldId="259"/>
+        </pc:sldMkLst>
+        <pc:spChg chg="del">
+          <ac:chgData name="安藤　歩夢" userId="97dcaf07-b1c4-4be4-9867-11fbbe4b55fc" providerId="ADAL" clId="{91386090-62EF-4C83-9AE8-E6F2223C4615}" dt="2025-05-28T07:25:29.130" v="8" actId="478"/>
+          <ac:spMkLst>
+            <pc:docMk/>
+            <pc:sldMk cId="2574417855" sldId="259"/>
+            <ac:spMk id="2" creationId="{F8EA3B7E-1F85-2BDB-FF62-236598B9A6F5}"/>
+          </ac:spMkLst>
+        </pc:spChg>
+        <pc:spChg chg="del">
+          <ac:chgData name="安藤　歩夢" userId="97dcaf07-b1c4-4be4-9867-11fbbe4b55fc" providerId="ADAL" clId="{91386090-62EF-4C83-9AE8-E6F2223C4615}" dt="2025-05-28T07:25:29.130" v="8" actId="478"/>
+          <ac:spMkLst>
+            <pc:docMk/>
+            <pc:sldMk cId="2574417855" sldId="259"/>
+            <ac:spMk id="3" creationId="{8FB4AFAF-B938-8521-7DB8-16236FB64E24}"/>
+          </ac:spMkLst>
+        </pc:spChg>
+        <pc:spChg chg="add mod">
+          <ac:chgData name="安藤　歩夢" userId="97dcaf07-b1c4-4be4-9867-11fbbe4b55fc" providerId="ADAL" clId="{91386090-62EF-4C83-9AE8-E6F2223C4615}" dt="2025-05-28T07:39:07.415" v="560" actId="14100"/>
+          <ac:spMkLst>
+            <pc:docMk/>
+            <pc:sldMk cId="2574417855" sldId="259"/>
+            <ac:spMk id="5" creationId="{4CC8707C-E62B-4DB5-B136-875A79DD19CE}"/>
+          </ac:spMkLst>
+        </pc:spChg>
+        <pc:spChg chg="add mod">
+          <ac:chgData name="安藤　歩夢" userId="97dcaf07-b1c4-4be4-9867-11fbbe4b55fc" providerId="ADAL" clId="{91386090-62EF-4C83-9AE8-E6F2223C4615}" dt="2025-05-28T07:39:02.380" v="559" actId="14100"/>
+          <ac:spMkLst>
+            <pc:docMk/>
+            <pc:sldMk cId="2574417855" sldId="259"/>
+            <ac:spMk id="6" creationId="{67A87A3D-7019-4430-9293-E62229DB73C6}"/>
+          </ac:spMkLst>
+        </pc:spChg>
+        <pc:spChg chg="add del mod">
+          <ac:chgData name="安藤　歩夢" userId="97dcaf07-b1c4-4be4-9867-11fbbe4b55fc" providerId="ADAL" clId="{91386090-62EF-4C83-9AE8-E6F2223C4615}" dt="2025-05-28T07:41:54.206" v="563" actId="478"/>
+          <ac:spMkLst>
+            <pc:docMk/>
+            <pc:sldMk cId="2574417855" sldId="259"/>
+            <ac:spMk id="8" creationId="{7FA4D33C-A3B6-8E05-D9FD-9019FA8A24D4}"/>
+          </ac:spMkLst>
+        </pc:spChg>
+        <pc:spChg chg="add mod">
+          <ac:chgData name="安藤　歩夢" userId="97dcaf07-b1c4-4be4-9867-11fbbe4b55fc" providerId="ADAL" clId="{91386090-62EF-4C83-9AE8-E6F2223C4615}" dt="2025-05-28T07:54:37.972" v="669" actId="20577"/>
+          <ac:spMkLst>
+            <pc:docMk/>
+            <pc:sldMk cId="2574417855" sldId="259"/>
+            <ac:spMk id="11" creationId="{C4E394ED-62A5-8FC4-5990-DAC9D5FD7AB8}"/>
+          </ac:spMkLst>
+        </pc:spChg>
+        <pc:picChg chg="add del mod modCrop">
+          <ac:chgData name="安藤　歩夢" userId="97dcaf07-b1c4-4be4-9867-11fbbe4b55fc" providerId="ADAL" clId="{91386090-62EF-4C83-9AE8-E6F2223C4615}" dt="2025-05-28T07:43:11.481" v="618" actId="478"/>
+          <ac:picMkLst>
+            <pc:docMk/>
+            <pc:sldMk cId="2574417855" sldId="259"/>
+            <ac:picMk id="7" creationId="{A4D218FD-685A-EF42-D8F3-4C6E719694C8}"/>
+          </ac:picMkLst>
+        </pc:picChg>
+        <pc:picChg chg="add mod">
+          <ac:chgData name="安藤　歩夢" userId="97dcaf07-b1c4-4be4-9867-11fbbe4b55fc" providerId="ADAL" clId="{91386090-62EF-4C83-9AE8-E6F2223C4615}" dt="2025-05-28T07:42:17.523" v="574" actId="1076"/>
+          <ac:picMkLst>
+            <pc:docMk/>
+            <pc:sldMk cId="2574417855" sldId="259"/>
+            <ac:picMk id="10" creationId="{E8DAE715-E75F-3248-584C-A4FACC4FD42F}"/>
+          </ac:picMkLst>
+        </pc:picChg>
+      </pc:sldChg>
+    </pc:docChg>
+  </pc:docChgLst>
+</pc:chgInfo>
+</file>
+
 <file path=ppt/slideLayouts/slideLayout1.xml><?xml version="1.0" encoding="utf-8"?>
 <p:sldLayout xmlns:a="http://schemas.openxmlformats.org/drawingml/2006/main" xmlns:r="http://schemas.openxmlformats.org/officeDocument/2006/relationships" xmlns:p="http://schemas.openxmlformats.org/presentationml/2006/main" type="title" preserve="1">
   <p:cSld name="タイトル スライド">
@@ -260,7 +448,7 @@
           <a:p>
             <a:fld id="{58BF5568-29AB-45DD-8EFF-69708D92D8DE}" type="datetimeFigureOut">
               <a:rPr kumimoji="1" lang="ja-JP" altLang="en-US" smtClean="0"/>
-              <a:t>2025/5/27</a:t>
+              <a:t>2025/5/28</a:t>
             </a:fld>
             <a:endParaRPr kumimoji="1" lang="ja-JP" altLang="en-US"/>
           </a:p>
@@ -490,7 +678,7 @@
           <a:p>
             <a:fld id="{58BF5568-29AB-45DD-8EFF-69708D92D8DE}" type="datetimeFigureOut">
               <a:rPr kumimoji="1" lang="ja-JP" altLang="en-US" smtClean="0"/>
-              <a:t>2025/5/27</a:t>
+              <a:t>2025/5/28</a:t>
             </a:fld>
             <a:endParaRPr kumimoji="1" lang="ja-JP" altLang="en-US"/>
           </a:p>
@@ -730,7 +918,7 @@
           <a:p>
             <a:fld id="{58BF5568-29AB-45DD-8EFF-69708D92D8DE}" type="datetimeFigureOut">
               <a:rPr kumimoji="1" lang="ja-JP" altLang="en-US" smtClean="0"/>
-              <a:t>2025/5/27</a:t>
+              <a:t>2025/5/28</a:t>
             </a:fld>
             <a:endParaRPr kumimoji="1" lang="ja-JP" altLang="en-US"/>
           </a:p>
@@ -960,7 +1148,7 @@
           <a:p>
             <a:fld id="{58BF5568-29AB-45DD-8EFF-69708D92D8DE}" type="datetimeFigureOut">
               <a:rPr kumimoji="1" lang="ja-JP" altLang="en-US" smtClean="0"/>
-              <a:t>2025/5/27</a:t>
+              <a:t>2025/5/28</a:t>
             </a:fld>
             <a:endParaRPr kumimoji="1" lang="ja-JP" altLang="en-US"/>
           </a:p>
@@ -1235,7 +1423,7 @@
           <a:p>
             <a:fld id="{58BF5568-29AB-45DD-8EFF-69708D92D8DE}" type="datetimeFigureOut">
               <a:rPr kumimoji="1" lang="ja-JP" altLang="en-US" smtClean="0"/>
-              <a:t>2025/5/27</a:t>
+              <a:t>2025/5/28</a:t>
             </a:fld>
             <a:endParaRPr kumimoji="1" lang="ja-JP" altLang="en-US"/>
           </a:p>
@@ -1564,7 +1752,7 @@
           <a:p>
             <a:fld id="{58BF5568-29AB-45DD-8EFF-69708D92D8DE}" type="datetimeFigureOut">
               <a:rPr kumimoji="1" lang="ja-JP" altLang="en-US" smtClean="0"/>
-              <a:t>2025/5/27</a:t>
+              <a:t>2025/5/28</a:t>
             </a:fld>
             <a:endParaRPr kumimoji="1" lang="ja-JP" altLang="en-US"/>
           </a:p>
@@ -2040,7 +2228,7 @@
           <a:p>
             <a:fld id="{58BF5568-29AB-45DD-8EFF-69708D92D8DE}" type="datetimeFigureOut">
               <a:rPr kumimoji="1" lang="ja-JP" altLang="en-US" smtClean="0"/>
-              <a:t>2025/5/27</a:t>
+              <a:t>2025/5/28</a:t>
             </a:fld>
             <a:endParaRPr kumimoji="1" lang="ja-JP" altLang="en-US"/>
           </a:p>
@@ -2181,7 +2369,7 @@
           <a:p>
             <a:fld id="{58BF5568-29AB-45DD-8EFF-69708D92D8DE}" type="datetimeFigureOut">
               <a:rPr kumimoji="1" lang="ja-JP" altLang="en-US" smtClean="0"/>
-              <a:t>2025/5/27</a:t>
+              <a:t>2025/5/28</a:t>
             </a:fld>
             <a:endParaRPr kumimoji="1" lang="ja-JP" altLang="en-US"/>
           </a:p>
@@ -2294,7 +2482,7 @@
           <a:p>
             <a:fld id="{58BF5568-29AB-45DD-8EFF-69708D92D8DE}" type="datetimeFigureOut">
               <a:rPr kumimoji="1" lang="ja-JP" altLang="en-US" smtClean="0"/>
-              <a:t>2025/5/27</a:t>
+              <a:t>2025/5/28</a:t>
             </a:fld>
             <a:endParaRPr kumimoji="1" lang="ja-JP" altLang="en-US"/>
           </a:p>
@@ -2637,7 +2825,7 @@
           <a:p>
             <a:fld id="{58BF5568-29AB-45DD-8EFF-69708D92D8DE}" type="datetimeFigureOut">
               <a:rPr kumimoji="1" lang="ja-JP" altLang="en-US" smtClean="0"/>
-              <a:t>2025/5/27</a:t>
+              <a:t>2025/5/28</a:t>
             </a:fld>
             <a:endParaRPr kumimoji="1" lang="ja-JP" altLang="en-US"/>
           </a:p>
@@ -2925,7 +3113,7 @@
           <a:p>
             <a:fld id="{58BF5568-29AB-45DD-8EFF-69708D92D8DE}" type="datetimeFigureOut">
               <a:rPr kumimoji="1" lang="ja-JP" altLang="en-US" smtClean="0"/>
-              <a:t>2025/5/27</a:t>
+              <a:t>2025/5/28</a:t>
             </a:fld>
             <a:endParaRPr kumimoji="1" lang="ja-JP" altLang="en-US"/>
           </a:p>
@@ -3198,7 +3386,7 @@
           <a:p>
             <a:fld id="{58BF5568-29AB-45DD-8EFF-69708D92D8DE}" type="datetimeFigureOut">
               <a:rPr kumimoji="1" lang="ja-JP" altLang="en-US" smtClean="0"/>
-              <a:t>2025/5/27</a:t>
+              <a:t>2025/5/28</a:t>
             </a:fld>
             <a:endParaRPr kumimoji="1" lang="ja-JP" altLang="en-US"/>
           </a:p>
@@ -3629,8 +3817,8 @@
         </p:nvSpPr>
         <p:spPr>
           <a:xfrm>
-            <a:off x="1169831" y="1902127"/>
-            <a:ext cx="9852338" cy="1754326"/>
+            <a:off x="1169831" y="1812251"/>
+            <a:ext cx="9852338" cy="2308324"/>
           </a:xfrm>
           <a:prstGeom prst="rect">
             <a:avLst/>
@@ -3649,274 +3837,84 @@
           <a:lstStyle/>
           <a:p>
             <a:r>
-              <a:rPr kumimoji="1" lang="ja-JP" altLang="en-US" dirty="0"/>
+              <a:rPr kumimoji="1" lang="ja-JP" altLang="en-US" sz="2400" dirty="0"/>
               <a:t>参考元の作品：しょぼんのアクション</a:t>
             </a:r>
             <a:r>
-              <a:rPr kumimoji="1" lang="en-US" altLang="ja-JP" dirty="0"/>
+              <a:rPr kumimoji="1" lang="en-US" altLang="ja-JP" sz="2400" dirty="0"/>
               <a:t>3D</a:t>
             </a:r>
           </a:p>
           <a:p>
-            <a:endParaRPr lang="en-US" altLang="ja-JP" dirty="0"/>
-          </a:p>
-          <a:p>
-            <a:r>
-              <a:rPr kumimoji="1" lang="ja-JP" altLang="en-US" dirty="0"/>
+            <a:endParaRPr lang="en-US" altLang="ja-JP" sz="2400" dirty="0"/>
+          </a:p>
+          <a:p>
+            <a:r>
+              <a:rPr kumimoji="1" lang="ja-JP" altLang="en-US" sz="2400" dirty="0"/>
               <a:t>概要</a:t>
             </a:r>
             <a:r>
-              <a:rPr lang="en-US" altLang="ja-JP" dirty="0"/>
+              <a:rPr lang="en-US" altLang="ja-JP" sz="2400" dirty="0"/>
               <a:t>:</a:t>
             </a:r>
             <a:r>
-              <a:rPr lang="ja-JP" altLang="en-US" dirty="0"/>
+              <a:rPr lang="ja-JP" altLang="en-US" sz="2400" dirty="0"/>
               <a:t>時間制限ありのジャンプアクションゲーム。</a:t>
             </a:r>
-            <a:endParaRPr lang="en-US" altLang="ja-JP" dirty="0"/>
-          </a:p>
-          <a:p>
-            <a:r>
-              <a:rPr lang="ja-JP" altLang="en-US" dirty="0"/>
+            <a:endParaRPr lang="en-US" altLang="ja-JP" sz="2400" dirty="0"/>
+          </a:p>
+          <a:p>
+            <a:r>
+              <a:rPr lang="ja-JP" altLang="en-US" sz="2400" dirty="0"/>
               <a:t>　　クリア条件はゴールに触れること。</a:t>
             </a:r>
-            <a:endParaRPr lang="en-US" altLang="ja-JP" dirty="0"/>
-          </a:p>
-          <a:p>
-            <a:r>
-              <a:rPr lang="ja-JP" altLang="en-US" dirty="0"/>
+            <a:endParaRPr lang="en-US" altLang="ja-JP" sz="2400" dirty="0"/>
+          </a:p>
+          <a:p>
+            <a:r>
+              <a:rPr lang="ja-JP" altLang="en-US" sz="2400" dirty="0"/>
               <a:t>　　ゲームオーバー条件は敵に触れたときに残り</a:t>
             </a:r>
             <a:r>
-              <a:rPr lang="en-US" altLang="ja-JP" dirty="0"/>
+              <a:rPr lang="en-US" altLang="ja-JP" sz="2400" dirty="0"/>
               <a:t>HP</a:t>
             </a:r>
             <a:r>
-              <a:rPr lang="ja-JP" altLang="en-US" dirty="0"/>
+              <a:rPr lang="ja-JP" altLang="en-US" sz="2400" dirty="0"/>
               <a:t>が</a:t>
             </a:r>
             <a:r>
-              <a:rPr lang="en-US" altLang="ja-JP" dirty="0"/>
+              <a:rPr lang="en-US" altLang="ja-JP" sz="2400" dirty="0"/>
               <a:t>0</a:t>
             </a:r>
             <a:r>
-              <a:rPr lang="ja-JP" altLang="en-US" dirty="0"/>
+              <a:rPr lang="ja-JP" altLang="en-US" sz="2400" dirty="0"/>
               <a:t>になる。</a:t>
             </a:r>
-            <a:endParaRPr lang="en-US" altLang="ja-JP" dirty="0"/>
-          </a:p>
-          <a:p>
-            <a:r>
-              <a:rPr lang="ja-JP" altLang="en-US" dirty="0"/>
+            <a:endParaRPr lang="en-US" altLang="ja-JP" sz="2400" dirty="0"/>
+          </a:p>
+          <a:p>
+            <a:r>
+              <a:rPr lang="ja-JP" altLang="en-US" sz="2400" dirty="0"/>
               <a:t>　　足場のない穴で落下する。残り時間が</a:t>
             </a:r>
             <a:r>
-              <a:rPr lang="en-US" altLang="ja-JP" dirty="0"/>
+              <a:rPr lang="en-US" altLang="ja-JP" sz="2400" dirty="0"/>
               <a:t>0</a:t>
             </a:r>
             <a:r>
-              <a:rPr lang="ja-JP" altLang="en-US" dirty="0"/>
+              <a:rPr lang="ja-JP" altLang="en-US" sz="2400" dirty="0"/>
               <a:t>になる。の</a:t>
             </a:r>
             <a:r>
-              <a:rPr lang="en-US" altLang="ja-JP" dirty="0"/>
+              <a:rPr lang="en-US" altLang="ja-JP" sz="2400" dirty="0"/>
               <a:t>3</a:t>
             </a:r>
             <a:r>
-              <a:rPr lang="ja-JP" altLang="en-US" dirty="0"/>
+              <a:rPr lang="ja-JP" altLang="en-US" sz="2400" dirty="0"/>
               <a:t>つ。</a:t>
             </a:r>
-            <a:endParaRPr kumimoji="1" lang="en-US" altLang="ja-JP" dirty="0"/>
-          </a:p>
-        </p:txBody>
-      </p:sp>
-      <p:sp>
-        <p:nvSpPr>
-          <p:cNvPr id="5" name="テキスト ボックス 4">
-            <a:extLst>
-              <a:ext uri="{FF2B5EF4-FFF2-40B4-BE49-F238E27FC236}">
-                <a16:creationId xmlns:a16="http://schemas.microsoft.com/office/drawing/2014/main" id="{4CC8707C-E62B-4DB5-B136-875A79DD19CE}"/>
-              </a:ext>
-            </a:extLst>
-          </p:cNvPr>
-          <p:cNvSpPr txBox="1"/>
-          <p:nvPr/>
-        </p:nvSpPr>
-        <p:spPr>
-          <a:xfrm>
-            <a:off x="1169828" y="3941974"/>
-            <a:ext cx="9852338" cy="1200329"/>
-          </a:xfrm>
-          <a:prstGeom prst="rect">
-            <a:avLst/>
-          </a:prstGeom>
-          <a:solidFill>
-            <a:schemeClr val="accent1">
-              <a:lumMod val="60000"/>
-              <a:lumOff val="40000"/>
-            </a:schemeClr>
-          </a:solidFill>
-        </p:spPr>
-        <p:txBody>
-          <a:bodyPr wrap="square" rtlCol="0">
-            <a:spAutoFit/>
-          </a:bodyPr>
-          <a:lstStyle/>
-          <a:p>
-            <a:r>
-              <a:rPr kumimoji="1" lang="ja-JP" altLang="en-US" dirty="0"/>
-              <a:t>挑戦したいポイント</a:t>
-            </a:r>
-            <a:endParaRPr kumimoji="1" lang="en-US" altLang="ja-JP" dirty="0"/>
-          </a:p>
-          <a:p>
-            <a:r>
-              <a:rPr lang="ja-JP" altLang="en-US" dirty="0"/>
-              <a:t>・カメラ操作</a:t>
-            </a:r>
-            <a:endParaRPr lang="en-US" altLang="ja-JP" dirty="0"/>
-          </a:p>
-          <a:p>
-            <a:r>
-              <a:rPr kumimoji="1" lang="ja-JP" altLang="en-US" dirty="0"/>
-              <a:t>・</a:t>
-            </a:r>
-            <a:r>
-              <a:rPr kumimoji="1" lang="en-US" altLang="ja-JP" dirty="0"/>
-              <a:t>3D</a:t>
-            </a:r>
-            <a:r>
-              <a:rPr kumimoji="1" lang="ja-JP" altLang="en-US" dirty="0"/>
-              <a:t>の空間とキャラの挙動に慣れること</a:t>
-            </a:r>
-            <a:endParaRPr kumimoji="1" lang="en-US" altLang="ja-JP" dirty="0"/>
-          </a:p>
-          <a:p>
-            <a:r>
-              <a:rPr lang="ja-JP" altLang="en-US" dirty="0"/>
-              <a:t>・</a:t>
-            </a:r>
-            <a:r>
-              <a:rPr lang="en-US" altLang="ja-JP" dirty="0"/>
-              <a:t>(</a:t>
-            </a:r>
-            <a:r>
-              <a:rPr lang="ja-JP" altLang="en-US" dirty="0"/>
-              <a:t>できるならではあるが明暗の違いも表現したいところ</a:t>
-            </a:r>
-            <a:r>
-              <a:rPr lang="en-US" altLang="ja-JP" dirty="0"/>
-              <a:t>)</a:t>
-            </a:r>
-            <a:endParaRPr kumimoji="1" lang="en-US" altLang="ja-JP" dirty="0"/>
-          </a:p>
-        </p:txBody>
-      </p:sp>
-      <p:sp>
-        <p:nvSpPr>
-          <p:cNvPr id="6" name="テキスト ボックス 5">
-            <a:extLst>
-              <a:ext uri="{FF2B5EF4-FFF2-40B4-BE49-F238E27FC236}">
-                <a16:creationId xmlns:a16="http://schemas.microsoft.com/office/drawing/2014/main" id="{67A87A3D-7019-4430-9293-E62229DB73C6}"/>
-              </a:ext>
-            </a:extLst>
-          </p:cNvPr>
-          <p:cNvSpPr txBox="1"/>
-          <p:nvPr/>
-        </p:nvSpPr>
-        <p:spPr>
-          <a:xfrm>
-            <a:off x="1169828" y="5427824"/>
-            <a:ext cx="9852338" cy="923330"/>
-          </a:xfrm>
-          <a:prstGeom prst="rect">
-            <a:avLst/>
-          </a:prstGeom>
-          <a:solidFill>
-            <a:schemeClr val="accent4">
-              <a:lumMod val="60000"/>
-              <a:lumOff val="40000"/>
-            </a:schemeClr>
-          </a:solidFill>
-        </p:spPr>
-        <p:txBody>
-          <a:bodyPr wrap="square" rtlCol="0">
-            <a:spAutoFit/>
-          </a:bodyPr>
-          <a:lstStyle/>
-          <a:p>
-            <a:r>
-              <a:rPr lang="ja-JP" altLang="en-US" dirty="0"/>
-              <a:t>制作期間の目安</a:t>
-            </a:r>
-            <a:endParaRPr lang="en-US" altLang="ja-JP" dirty="0"/>
-          </a:p>
-          <a:p>
-            <a:r>
-              <a:rPr lang="en-US" altLang="ja-JP" dirty="0"/>
-              <a:t>6/17</a:t>
-            </a:r>
-            <a:r>
-              <a:rPr lang="ja-JP" altLang="en-US" dirty="0"/>
-              <a:t>までにプロト、</a:t>
-            </a:r>
-            <a:r>
-              <a:rPr lang="en-US" altLang="ja-JP" dirty="0"/>
-              <a:t>7/14</a:t>
-            </a:r>
-            <a:r>
-              <a:rPr lang="ja-JP" altLang="en-US" dirty="0"/>
-              <a:t>までに</a:t>
-            </a:r>
-            <a:r>
-              <a:rPr lang="en-US" altLang="ja-JP" dirty="0"/>
-              <a:t>α(K2</a:t>
-            </a:r>
-            <a:r>
-              <a:rPr lang="ja-JP" altLang="en-US" dirty="0"/>
-              <a:t>様がいらっしゃる</a:t>
-            </a:r>
-            <a:r>
-              <a:rPr lang="en-US" altLang="ja-JP" dirty="0"/>
-              <a:t>1</a:t>
-            </a:r>
-            <a:r>
-              <a:rPr lang="ja-JP" altLang="en-US" dirty="0"/>
-              <a:t>週間前ほど</a:t>
-            </a:r>
-            <a:r>
-              <a:rPr lang="en-US" altLang="ja-JP" dirty="0"/>
-              <a:t>)</a:t>
-            </a:r>
-            <a:r>
-              <a:rPr lang="ja-JP" altLang="en-US" dirty="0"/>
-              <a:t>、</a:t>
-            </a:r>
-            <a:r>
-              <a:rPr lang="en-US" altLang="ja-JP" dirty="0"/>
-              <a:t>8/24</a:t>
-            </a:r>
-            <a:r>
-              <a:rPr lang="ja-JP" altLang="en-US" dirty="0"/>
-              <a:t>までに</a:t>
-            </a:r>
-            <a:r>
-              <a:rPr lang="en-US" altLang="ja-JP" dirty="0"/>
-              <a:t>β</a:t>
-            </a:r>
-            <a:r>
-              <a:rPr lang="ja-JP" altLang="en-US" dirty="0"/>
-              <a:t>、</a:t>
-            </a:r>
-            <a:r>
-              <a:rPr lang="en-US" altLang="ja-JP" dirty="0"/>
-              <a:t>9/6</a:t>
-            </a:r>
-            <a:r>
-              <a:rPr lang="ja-JP" altLang="en-US" dirty="0"/>
-              <a:t>までにマスターができるくらい</a:t>
-            </a:r>
-            <a:endParaRPr lang="en-US" altLang="ja-JP" dirty="0"/>
+            <a:endParaRPr kumimoji="1" lang="en-US" altLang="ja-JP" sz="2400" dirty="0"/>
           </a:p>
         </p:txBody>
       </p:sp>
@@ -4026,6 +4024,102 @@
               <a:rPr kumimoji="1" lang="ja-JP" altLang="en-US" dirty="0"/>
               <a:t>人</a:t>
             </a:r>
+          </a:p>
+        </p:txBody>
+      </p:sp>
+      <p:pic>
+        <p:nvPicPr>
+          <p:cNvPr id="3" name="図 2" descr="水, 屋外, 海, 木製 が含まれている画像&#10;&#10;AI によって生成されたコンテンツは間違っている可能性があります。">
+            <a:extLst>
+              <a:ext uri="{FF2B5EF4-FFF2-40B4-BE49-F238E27FC236}">
+                <a16:creationId xmlns:a16="http://schemas.microsoft.com/office/drawing/2014/main" id="{54982794-8C12-540F-EA8D-69E495ABA8EB}"/>
+              </a:ext>
+            </a:extLst>
+          </p:cNvPr>
+          <p:cNvPicPr>
+            <a:picLocks noChangeAspect="1"/>
+          </p:cNvPicPr>
+          <p:nvPr/>
+        </p:nvPicPr>
+        <p:blipFill>
+          <a:blip r:embed="rId2">
+            <a:extLst>
+              <a:ext uri="{28A0092B-C50C-407E-A947-70E740481C1C}">
+                <a14:useLocalDpi xmlns:a14="http://schemas.microsoft.com/office/drawing/2010/main" val="0"/>
+              </a:ext>
+            </a:extLst>
+          </a:blip>
+          <a:stretch>
+            <a:fillRect/>
+          </a:stretch>
+        </p:blipFill>
+        <p:spPr>
+          <a:xfrm>
+            <a:off x="185737" y="4241854"/>
+            <a:ext cx="3357563" cy="2482795"/>
+          </a:xfrm>
+          <a:prstGeom prst="rect">
+            <a:avLst/>
+          </a:prstGeom>
+        </p:spPr>
+      </p:pic>
+      <p:sp>
+        <p:nvSpPr>
+          <p:cNvPr id="9" name="テキスト ボックス 8">
+            <a:extLst>
+              <a:ext uri="{FF2B5EF4-FFF2-40B4-BE49-F238E27FC236}">
+                <a16:creationId xmlns:a16="http://schemas.microsoft.com/office/drawing/2014/main" id="{F6E02BE6-1ABA-61DF-DA70-B9C1B6448511}"/>
+              </a:ext>
+            </a:extLst>
+          </p:cNvPr>
+          <p:cNvSpPr txBox="1"/>
+          <p:nvPr/>
+        </p:nvSpPr>
+        <p:spPr>
+          <a:xfrm>
+            <a:off x="3733801" y="5138082"/>
+            <a:ext cx="7467599" cy="1200329"/>
+          </a:xfrm>
+          <a:prstGeom prst="rect">
+            <a:avLst/>
+          </a:prstGeom>
+          <a:solidFill>
+            <a:schemeClr val="accent2">
+              <a:lumMod val="60000"/>
+              <a:lumOff val="40000"/>
+            </a:schemeClr>
+          </a:solidFill>
+        </p:spPr>
+        <p:txBody>
+          <a:bodyPr wrap="square" rtlCol="0">
+            <a:spAutoFit/>
+          </a:bodyPr>
+          <a:lstStyle/>
+          <a:p>
+            <a:r>
+              <a:rPr kumimoji="1" lang="en-US" altLang="ja-JP" sz="2400" dirty="0"/>
+              <a:t>※</a:t>
+            </a:r>
+            <a:r>
+              <a:rPr kumimoji="1" lang="ja-JP" altLang="en-US" sz="2400" dirty="0"/>
+              <a:t>本家しょぼんとは違い、初見殺し要素は省きます。</a:t>
+            </a:r>
+            <a:endParaRPr kumimoji="1" lang="en-US" altLang="ja-JP" sz="2400" dirty="0"/>
+          </a:p>
+          <a:p>
+            <a:r>
+              <a:rPr kumimoji="1" lang="ja-JP" altLang="en-US" sz="2400" dirty="0"/>
+              <a:t>（時間が余るようでしたら追加する可能性はあるが、</a:t>
+            </a:r>
+            <a:r>
+              <a:rPr lang="ja-JP" altLang="en-US" sz="2400" dirty="0"/>
+              <a:t>現時点では実装する予定はありません。</a:t>
+            </a:r>
+            <a:r>
+              <a:rPr kumimoji="1" lang="ja-JP" altLang="en-US" sz="2400" dirty="0"/>
+              <a:t>）</a:t>
+            </a:r>
+            <a:endParaRPr kumimoji="1" lang="en-US" altLang="ja-JP" sz="2400" dirty="0"/>
           </a:p>
         </p:txBody>
       </p:sp>
@@ -4214,7 +4308,7 @@
         </p:blipFill>
         <p:spPr>
           <a:xfrm>
-            <a:off x="7813072" y="3657600"/>
+            <a:off x="7909121" y="3657600"/>
             <a:ext cx="4282877" cy="3200400"/>
           </a:xfrm>
           <a:custGeom>
@@ -4293,7 +4387,7 @@
         </p:blipFill>
         <p:spPr>
           <a:xfrm>
-            <a:off x="-2" y="195216"/>
+            <a:off x="89793" y="56265"/>
             <a:ext cx="5086441" cy="4239491"/>
           </a:xfrm>
           <a:custGeom>
@@ -4653,7 +4747,7 @@
         </p:nvSpPr>
         <p:spPr>
           <a:xfrm>
-            <a:off x="635540" y="4543038"/>
+            <a:off x="788945" y="4352021"/>
             <a:ext cx="5149431" cy="461665"/>
           </a:xfrm>
           <a:prstGeom prst="rect">
@@ -4675,7 +4769,6 @@
               <a:rPr lang="en-US" altLang="ja-JP" sz="2400" dirty="0"/>
               <a:t>…</a:t>
             </a:r>
-            <a:endParaRPr kumimoji="1" lang="ja-JP" altLang="en-US" sz="2400" dirty="0"/>
           </a:p>
         </p:txBody>
       </p:sp>
@@ -4693,8 +4786,8 @@
         </p:nvSpPr>
         <p:spPr>
           <a:xfrm>
-            <a:off x="756927" y="6149053"/>
-            <a:ext cx="7244004" cy="461665"/>
+            <a:off x="681252" y="5639637"/>
+            <a:ext cx="7244004" cy="830997"/>
           </a:xfrm>
           <a:prstGeom prst="rect">
             <a:avLst/>
@@ -4735,6 +4828,18 @@
               <a:rPr kumimoji="1" lang="ja-JP" altLang="en-US" sz="2400" dirty="0"/>
               <a:t>→</a:t>
             </a:r>
+            <a:endParaRPr kumimoji="1" lang="en-US" altLang="ja-JP" sz="2400" dirty="0"/>
+          </a:p>
+          <a:p>
+            <a:r>
+              <a:rPr kumimoji="1" lang="ja-JP" altLang="en-US" sz="2400" dirty="0"/>
+              <a:t>初見殺し的には面白いけど</a:t>
+            </a:r>
+            <a:r>
+              <a:rPr kumimoji="1" lang="en-US" altLang="ja-JP" sz="2400" dirty="0"/>
+              <a:t>…</a:t>
+            </a:r>
+            <a:endParaRPr kumimoji="1" lang="ja-JP" altLang="en-US" sz="2400" dirty="0"/>
           </a:p>
         </p:txBody>
       </p:sp>
@@ -4766,7 +4871,7 @@
         </p:blipFill>
         <p:spPr>
           <a:xfrm>
-            <a:off x="7239898" y="195216"/>
+            <a:off x="6629083" y="0"/>
             <a:ext cx="3538936" cy="2527070"/>
           </a:xfrm>
           <a:prstGeom prst="rect">
@@ -4788,8 +4893,8 @@
         </p:nvSpPr>
         <p:spPr>
           <a:xfrm>
-            <a:off x="6353439" y="2978357"/>
-            <a:ext cx="4901994" cy="461665"/>
+            <a:off x="5938376" y="2600235"/>
+            <a:ext cx="4920349" cy="1200329"/>
           </a:xfrm>
           <a:prstGeom prst="rect">
             <a:avLst/>
@@ -4804,8 +4909,23 @@
           <a:p>
             <a:r>
               <a:rPr kumimoji="1" lang="ja-JP" altLang="en-US" sz="2400" dirty="0"/>
-              <a:t>死んだらその場で倒れこむ↑</a:t>
-            </a:r>
+              <a:t>死んだらその場で倒れこむ。↑</a:t>
+            </a:r>
+            <a:endParaRPr kumimoji="1" lang="en-US" altLang="ja-JP" sz="2400" dirty="0"/>
+          </a:p>
+          <a:p>
+            <a:r>
+              <a:rPr lang="ja-JP" altLang="en-US" sz="2400" dirty="0"/>
+              <a:t>ゲームだとその死体が残りますが、</a:t>
+            </a:r>
+            <a:endParaRPr lang="en-US" altLang="ja-JP" sz="2400" dirty="0"/>
+          </a:p>
+          <a:p>
+            <a:r>
+              <a:rPr lang="ja-JP" altLang="en-US" sz="2400" dirty="0"/>
+              <a:t>今作品では消滅させます。</a:t>
+            </a:r>
+            <a:endParaRPr kumimoji="1" lang="ja-JP" altLang="en-US" sz="2400" dirty="0"/>
           </a:p>
         </p:txBody>
       </p:sp>
@@ -4813,6 +4933,314 @@
     <p:extLst>
       <p:ext uri="{BB962C8B-B14F-4D97-AF65-F5344CB8AC3E}">
         <p14:creationId xmlns:p14="http://schemas.microsoft.com/office/powerpoint/2010/main" val="2956601363"/>
+      </p:ext>
+    </p:extLst>
+  </p:cSld>
+  <p:clrMapOvr>
+    <a:masterClrMapping/>
+  </p:clrMapOvr>
+</p:sld>
+</file>
+
+<file path=ppt/slides/slide3.xml><?xml version="1.0" encoding="utf-8"?>
+<p:sld xmlns:a="http://schemas.openxmlformats.org/drawingml/2006/main" xmlns:r="http://schemas.openxmlformats.org/officeDocument/2006/relationships" xmlns:p="http://schemas.openxmlformats.org/presentationml/2006/main">
+  <p:cSld>
+    <p:spTree>
+      <p:nvGrpSpPr>
+        <p:cNvPr id="1" name=""/>
+        <p:cNvGrpSpPr/>
+        <p:nvPr/>
+      </p:nvGrpSpPr>
+      <p:grpSpPr>
+        <a:xfrm>
+          <a:off x="0" y="0"/>
+          <a:ext cx="0" cy="0"/>
+          <a:chOff x="0" y="0"/>
+          <a:chExt cx="0" cy="0"/>
+        </a:xfrm>
+      </p:grpSpPr>
+      <p:sp>
+        <p:nvSpPr>
+          <p:cNvPr id="6" name="テキスト ボックス 5">
+            <a:extLst>
+              <a:ext uri="{FF2B5EF4-FFF2-40B4-BE49-F238E27FC236}">
+                <a16:creationId xmlns:a16="http://schemas.microsoft.com/office/drawing/2014/main" id="{67A87A3D-7019-4430-9293-E62229DB73C6}"/>
+              </a:ext>
+            </a:extLst>
+          </p:cNvPr>
+          <p:cNvSpPr txBox="1"/>
+          <p:nvPr/>
+        </p:nvSpPr>
+        <p:spPr>
+          <a:xfrm>
+            <a:off x="312578" y="2524035"/>
+            <a:ext cx="10843102" cy="1200329"/>
+          </a:xfrm>
+          <a:prstGeom prst="rect">
+            <a:avLst/>
+          </a:prstGeom>
+          <a:solidFill>
+            <a:schemeClr val="accent4">
+              <a:lumMod val="60000"/>
+              <a:lumOff val="40000"/>
+            </a:schemeClr>
+          </a:solidFill>
+        </p:spPr>
+        <p:txBody>
+          <a:bodyPr wrap="square" rtlCol="0">
+            <a:spAutoFit/>
+          </a:bodyPr>
+          <a:lstStyle/>
+          <a:p>
+            <a:r>
+              <a:rPr lang="ja-JP" altLang="en-US" sz="2400" dirty="0"/>
+              <a:t>制作期間の目安</a:t>
+            </a:r>
+            <a:endParaRPr lang="en-US" altLang="ja-JP" sz="2400" dirty="0"/>
+          </a:p>
+          <a:p>
+            <a:r>
+              <a:rPr lang="en-US" altLang="ja-JP" sz="2400" dirty="0"/>
+              <a:t>6/17</a:t>
+            </a:r>
+            <a:r>
+              <a:rPr lang="ja-JP" altLang="en-US" sz="2400" dirty="0"/>
+              <a:t>までにプロト完成、</a:t>
+            </a:r>
+            <a:r>
+              <a:rPr lang="en-US" altLang="ja-JP" sz="2400" dirty="0"/>
+              <a:t>7/14</a:t>
+            </a:r>
+            <a:r>
+              <a:rPr lang="ja-JP" altLang="en-US" sz="2400" dirty="0"/>
+              <a:t>までに</a:t>
+            </a:r>
+            <a:r>
+              <a:rPr lang="en-US" altLang="ja-JP" sz="2400" dirty="0"/>
+              <a:t>α</a:t>
+            </a:r>
+            <a:r>
+              <a:rPr lang="ja-JP" altLang="en-US" sz="2400" dirty="0"/>
+              <a:t>完成</a:t>
+            </a:r>
+            <a:r>
+              <a:rPr lang="en-US" altLang="ja-JP" sz="2400" dirty="0"/>
+              <a:t>(K2</a:t>
+            </a:r>
+            <a:r>
+              <a:rPr lang="ja-JP" altLang="en-US" sz="2400" dirty="0"/>
+              <a:t>様がいらっしゃる</a:t>
+            </a:r>
+            <a:r>
+              <a:rPr lang="en-US" altLang="ja-JP" sz="2400" dirty="0"/>
+              <a:t>1</a:t>
+            </a:r>
+            <a:r>
+              <a:rPr lang="ja-JP" altLang="en-US" sz="2400" dirty="0"/>
+              <a:t>週間前ほど</a:t>
+            </a:r>
+            <a:r>
+              <a:rPr lang="en-US" altLang="ja-JP" sz="2400" dirty="0"/>
+              <a:t>)</a:t>
+            </a:r>
+            <a:r>
+              <a:rPr lang="ja-JP" altLang="en-US" sz="2400" dirty="0"/>
+              <a:t>、</a:t>
+            </a:r>
+            <a:r>
+              <a:rPr lang="en-US" altLang="ja-JP" sz="2400" dirty="0"/>
+              <a:t>8/24</a:t>
+            </a:r>
+            <a:r>
+              <a:rPr lang="ja-JP" altLang="en-US" sz="2400" dirty="0"/>
+              <a:t>までに</a:t>
+            </a:r>
+            <a:r>
+              <a:rPr lang="en-US" altLang="ja-JP" sz="2400" dirty="0"/>
+              <a:t>β</a:t>
+            </a:r>
+            <a:r>
+              <a:rPr lang="ja-JP" altLang="en-US" sz="2400" dirty="0"/>
+              <a:t>完成、</a:t>
+            </a:r>
+            <a:r>
+              <a:rPr lang="en-US" altLang="ja-JP" sz="2400" dirty="0"/>
+              <a:t>9/6</a:t>
+            </a:r>
+            <a:r>
+              <a:rPr lang="ja-JP" altLang="en-US" sz="2400" dirty="0"/>
+              <a:t>までにマスター完成できるくらい</a:t>
+            </a:r>
+            <a:endParaRPr lang="en-US" altLang="ja-JP" sz="2400" dirty="0"/>
+          </a:p>
+        </p:txBody>
+      </p:sp>
+      <p:sp>
+        <p:nvSpPr>
+          <p:cNvPr id="5" name="テキスト ボックス 4">
+            <a:extLst>
+              <a:ext uri="{FF2B5EF4-FFF2-40B4-BE49-F238E27FC236}">
+                <a16:creationId xmlns:a16="http://schemas.microsoft.com/office/drawing/2014/main" id="{4CC8707C-E62B-4DB5-B136-875A79DD19CE}"/>
+              </a:ext>
+            </a:extLst>
+          </p:cNvPr>
+          <p:cNvSpPr txBox="1"/>
+          <p:nvPr/>
+        </p:nvSpPr>
+        <p:spPr>
+          <a:xfrm>
+            <a:off x="312578" y="524520"/>
+            <a:ext cx="10843102" cy="1569660"/>
+          </a:xfrm>
+          <a:prstGeom prst="rect">
+            <a:avLst/>
+          </a:prstGeom>
+          <a:solidFill>
+            <a:schemeClr val="accent1">
+              <a:lumMod val="60000"/>
+              <a:lumOff val="40000"/>
+            </a:schemeClr>
+          </a:solidFill>
+        </p:spPr>
+        <p:txBody>
+          <a:bodyPr wrap="square" rtlCol="0">
+            <a:spAutoFit/>
+          </a:bodyPr>
+          <a:lstStyle/>
+          <a:p>
+            <a:r>
+              <a:rPr kumimoji="1" lang="ja-JP" altLang="en-US" sz="2400" dirty="0"/>
+              <a:t>挑戦したいポイント</a:t>
+            </a:r>
+            <a:endParaRPr kumimoji="1" lang="en-US" altLang="ja-JP" sz="2400" dirty="0"/>
+          </a:p>
+          <a:p>
+            <a:r>
+              <a:rPr lang="ja-JP" altLang="en-US" sz="2400" dirty="0"/>
+              <a:t>・カメラ操作</a:t>
+            </a:r>
+            <a:endParaRPr lang="en-US" altLang="ja-JP" sz="2400" dirty="0"/>
+          </a:p>
+          <a:p>
+            <a:r>
+              <a:rPr kumimoji="1" lang="ja-JP" altLang="en-US" sz="2400" dirty="0"/>
+              <a:t>・</a:t>
+            </a:r>
+            <a:r>
+              <a:rPr kumimoji="1" lang="en-US" altLang="ja-JP" sz="2400" dirty="0"/>
+              <a:t>3D</a:t>
+            </a:r>
+            <a:r>
+              <a:rPr kumimoji="1" lang="ja-JP" altLang="en-US" sz="2400" dirty="0"/>
+              <a:t>の空間とキャラの挙動に慣れること</a:t>
+            </a:r>
+            <a:endParaRPr kumimoji="1" lang="en-US" altLang="ja-JP" sz="2400" dirty="0"/>
+          </a:p>
+          <a:p>
+            <a:r>
+              <a:rPr lang="ja-JP" altLang="en-US" sz="2400" dirty="0"/>
+              <a:t>・</a:t>
+            </a:r>
+            <a:r>
+              <a:rPr lang="en-US" altLang="ja-JP" sz="2400" dirty="0"/>
+              <a:t>(</a:t>
+            </a:r>
+            <a:r>
+              <a:rPr lang="ja-JP" altLang="en-US" sz="2400" dirty="0"/>
+              <a:t>できるならではあるが明暗の違いも表現したいところ</a:t>
+            </a:r>
+            <a:r>
+              <a:rPr lang="en-US" altLang="ja-JP" sz="2400" dirty="0"/>
+              <a:t>)</a:t>
+            </a:r>
+            <a:endParaRPr kumimoji="1" lang="en-US" altLang="ja-JP" sz="2400" dirty="0"/>
+          </a:p>
+        </p:txBody>
+      </p:sp>
+      <p:pic>
+        <p:nvPicPr>
+          <p:cNvPr id="10" name="図 9" descr="スポーツゲーム, 大きい, 男, 傘 が含まれている画像&#10;&#10;AI によって生成されたコンテンツは間違っている可能性があります。">
+            <a:extLst>
+              <a:ext uri="{FF2B5EF4-FFF2-40B4-BE49-F238E27FC236}">
+                <a16:creationId xmlns:a16="http://schemas.microsoft.com/office/drawing/2014/main" id="{E8DAE715-E75F-3248-584C-A4FACC4FD42F}"/>
+              </a:ext>
+            </a:extLst>
+          </p:cNvPr>
+          <p:cNvPicPr>
+            <a:picLocks noChangeAspect="1"/>
+          </p:cNvPicPr>
+          <p:nvPr/>
+        </p:nvPicPr>
+        <p:blipFill>
+          <a:blip r:embed="rId2">
+            <a:extLst>
+              <a:ext uri="{28A0092B-C50C-407E-A947-70E740481C1C}">
+                <a14:useLocalDpi xmlns:a14="http://schemas.microsoft.com/office/drawing/2010/main" val="0"/>
+              </a:ext>
+            </a:extLst>
+          </a:blip>
+          <a:stretch>
+            <a:fillRect/>
+          </a:stretch>
+        </p:blipFill>
+        <p:spPr>
+          <a:xfrm>
+            <a:off x="7960526" y="3956745"/>
+            <a:ext cx="3677920" cy="2758440"/>
+          </a:xfrm>
+          <a:prstGeom prst="rect">
+            <a:avLst/>
+          </a:prstGeom>
+        </p:spPr>
+      </p:pic>
+      <p:sp>
+        <p:nvSpPr>
+          <p:cNvPr id="11" name="テキスト ボックス 10">
+            <a:extLst>
+              <a:ext uri="{FF2B5EF4-FFF2-40B4-BE49-F238E27FC236}">
+                <a16:creationId xmlns:a16="http://schemas.microsoft.com/office/drawing/2014/main" id="{C4E394ED-62A5-8FC4-5990-DAC9D5FD7AB8}"/>
+              </a:ext>
+            </a:extLst>
+          </p:cNvPr>
+          <p:cNvSpPr txBox="1"/>
+          <p:nvPr/>
+        </p:nvSpPr>
+        <p:spPr>
+          <a:xfrm>
+            <a:off x="312577" y="4592320"/>
+            <a:ext cx="6636863" cy="461665"/>
+          </a:xfrm>
+          <a:prstGeom prst="rect">
+            <a:avLst/>
+          </a:prstGeom>
+          <a:noFill/>
+        </p:spPr>
+        <p:txBody>
+          <a:bodyPr wrap="square" rtlCol="0">
+            <a:spAutoFit/>
+          </a:bodyPr>
+          <a:lstStyle/>
+          <a:p>
+            <a:r>
+              <a:rPr kumimoji="1" lang="ja-JP" altLang="en-US" sz="2400" dirty="0"/>
+              <a:t>ここの先までやってみたいが</a:t>
+            </a:r>
+            <a:r>
+              <a:rPr kumimoji="1" lang="en-US" altLang="ja-JP" sz="2400" dirty="0"/>
+              <a:t>…</a:t>
+            </a:r>
+            <a:r>
+              <a:rPr kumimoji="1" lang="ja-JP" altLang="en-US" sz="2400" dirty="0"/>
+              <a:t>時間的に怪しい</a:t>
+            </a:r>
+            <a:endParaRPr kumimoji="1" lang="en-US" altLang="ja-JP" sz="2400" dirty="0"/>
+          </a:p>
+        </p:txBody>
+      </p:sp>
+    </p:spTree>
+    <p:extLst>
+      <p:ext uri="{BB962C8B-B14F-4D97-AF65-F5344CB8AC3E}">
+        <p14:creationId xmlns:p14="http://schemas.microsoft.com/office/powerpoint/2010/main" val="2574417855"/>
       </p:ext>
     </p:extLst>
   </p:cSld>
@@ -5118,6 +5546,15 @@
 </file>
 
 <file path=customXml/item1.xml><?xml version="1.0" encoding="utf-8"?>
+<?mso-contentType ?>
+<FormTemplates xmlns="http://schemas.microsoft.com/sharepoint/v3/contenttype/forms">
+  <Display>DocumentLibraryForm</Display>
+  <Edit>DocumentLibraryForm</Edit>
+  <New>DocumentLibraryForm</New>
+</FormTemplates>
+</file>
+
+<file path=customXml/item2.xml><?xml version="1.0" encoding="utf-8"?>
 <p:properties xmlns:p="http://schemas.microsoft.com/office/2006/metadata/properties" xmlns:xsi="http://www.w3.org/2001/XMLSchema-instance" xmlns:pc="http://schemas.microsoft.com/office/infopath/2007/PartnerControls">
   <documentManagement>
     <TaxCatchAll xmlns="04574505-c322-4981-8ebb-5d25af8d4de8" xsi:nil="true"/>
@@ -5127,15 +5564,6 @@
     </lcf76f155ced4ddcb4097134ff3c332f>
   </documentManagement>
 </p:properties>
-</file>
-
-<file path=customXml/item2.xml><?xml version="1.0" encoding="utf-8"?>
-<?mso-contentType ?>
-<FormTemplates xmlns="http://schemas.microsoft.com/sharepoint/v3/contenttype/forms">
-  <Display>DocumentLibraryForm</Display>
-  <Edit>DocumentLibraryForm</Edit>
-  <New>DocumentLibraryForm</New>
-</FormTemplates>
 </file>
 
 <file path=customXml/item3.xml><?xml version="1.0" encoding="utf-8"?>
@@ -5382,20 +5810,20 @@
 </file>
 
 <file path=customXml/itemProps1.xml><?xml version="1.0" encoding="utf-8"?>
+<ds:datastoreItem xmlns:ds="http://schemas.openxmlformats.org/officeDocument/2006/customXml" ds:itemID="{D47DC5F2-6523-4655-842F-F9070FE53757}">
+  <ds:schemaRefs>
+    <ds:schemaRef ds:uri="http://schemas.microsoft.com/sharepoint/v3/contenttype/forms"/>
+  </ds:schemaRefs>
+</ds:datastoreItem>
+</file>
+
+<file path=customXml/itemProps2.xml><?xml version="1.0" encoding="utf-8"?>
 <ds:datastoreItem xmlns:ds="http://schemas.openxmlformats.org/officeDocument/2006/customXml" ds:itemID="{DA086267-0271-45C5-A69E-0960670D4E40}">
   <ds:schemaRefs>
     <ds:schemaRef ds:uri="http://schemas.microsoft.com/office/2006/metadata/properties"/>
     <ds:schemaRef ds:uri="http://schemas.microsoft.com/office/infopath/2007/PartnerControls"/>
     <ds:schemaRef ds:uri="04574505-c322-4981-8ebb-5d25af8d4de8"/>
     <ds:schemaRef ds:uri="098a3c11-7ac2-46ba-89ce-8b2d5c9f76f8"/>
-  </ds:schemaRefs>
-</ds:datastoreItem>
-</file>
-
-<file path=customXml/itemProps2.xml><?xml version="1.0" encoding="utf-8"?>
-<ds:datastoreItem xmlns:ds="http://schemas.openxmlformats.org/officeDocument/2006/customXml" ds:itemID="{D47DC5F2-6523-4655-842F-F9070FE53757}">
-  <ds:schemaRefs>
-    <ds:schemaRef ds:uri="http://schemas.microsoft.com/sharepoint/v3/contenttype/forms"/>
   </ds:schemaRefs>
 </ds:datastoreItem>
 </file>

--- a/企画書_Untitle.pptx
+++ b/企画書_Untitle.pptx
@@ -2,21 +2,25 @@
 <file path=ppt/presentation.xml><?xml version="1.0" encoding="utf-8"?>
 <p:presentation xmlns:a="http://schemas.openxmlformats.org/drawingml/2006/main" xmlns:r="http://schemas.openxmlformats.org/officeDocument/2006/relationships" xmlns:p="http://schemas.openxmlformats.org/presentationml/2006/main" saveSubsetFonts="1">
   <p:sldMasterIdLst>
-    <p:sldMasterId id="2147483648" r:id="rId4"/>
+    <p:sldMasterId id="2147483790" r:id="rId4"/>
   </p:sldMasterIdLst>
   <p:sldIdLst>
-    <p:sldId id="257" r:id="rId5"/>
-    <p:sldId id="258" r:id="rId6"/>
-    <p:sldId id="259" r:id="rId7"/>
+    <p:sldId id="260" r:id="rId5"/>
+    <p:sldId id="261" r:id="rId6"/>
+    <p:sldId id="262" r:id="rId7"/>
+    <p:sldId id="263" r:id="rId8"/>
+    <p:sldId id="257" r:id="rId9"/>
+    <p:sldId id="258" r:id="rId10"/>
+    <p:sldId id="259" r:id="rId11"/>
   </p:sldIdLst>
   <p:sldSz cx="12192000" cy="6858000"/>
   <p:notesSz cx="6858000" cy="9144000"/>
   <p:defaultTextStyle>
     <a:defPPr>
-      <a:defRPr lang="ja-JP"/>
+      <a:defRPr lang="en-US"/>
     </a:defPPr>
-    <a:lvl1pPr marL="0" algn="l" defTabSz="914400" rtl="0" eaLnBrk="1" latinLnBrk="0" hangingPunct="1">
-      <a:defRPr kumimoji="1" sz="1800" kern="1200">
+    <a:lvl1pPr marL="0" algn="l" defTabSz="457200" rtl="0" eaLnBrk="1" latinLnBrk="0" hangingPunct="1">
+      <a:defRPr sz="1800" kern="1200">
         <a:solidFill>
           <a:schemeClr val="tx1"/>
         </a:solidFill>
@@ -25,8 +29,8 @@
         <a:cs typeface="+mn-cs"/>
       </a:defRPr>
     </a:lvl1pPr>
-    <a:lvl2pPr marL="457200" algn="l" defTabSz="914400" rtl="0" eaLnBrk="1" latinLnBrk="0" hangingPunct="1">
-      <a:defRPr kumimoji="1" sz="1800" kern="1200">
+    <a:lvl2pPr marL="457200" algn="l" defTabSz="457200" rtl="0" eaLnBrk="1" latinLnBrk="0" hangingPunct="1">
+      <a:defRPr sz="1800" kern="1200">
         <a:solidFill>
           <a:schemeClr val="tx1"/>
         </a:solidFill>
@@ -35,8 +39,8 @@
         <a:cs typeface="+mn-cs"/>
       </a:defRPr>
     </a:lvl2pPr>
-    <a:lvl3pPr marL="914400" algn="l" defTabSz="914400" rtl="0" eaLnBrk="1" latinLnBrk="0" hangingPunct="1">
-      <a:defRPr kumimoji="1" sz="1800" kern="1200">
+    <a:lvl3pPr marL="914400" algn="l" defTabSz="457200" rtl="0" eaLnBrk="1" latinLnBrk="0" hangingPunct="1">
+      <a:defRPr sz="1800" kern="1200">
         <a:solidFill>
           <a:schemeClr val="tx1"/>
         </a:solidFill>
@@ -45,8 +49,8 @@
         <a:cs typeface="+mn-cs"/>
       </a:defRPr>
     </a:lvl3pPr>
-    <a:lvl4pPr marL="1371600" algn="l" defTabSz="914400" rtl="0" eaLnBrk="1" latinLnBrk="0" hangingPunct="1">
-      <a:defRPr kumimoji="1" sz="1800" kern="1200">
+    <a:lvl4pPr marL="1371600" algn="l" defTabSz="457200" rtl="0" eaLnBrk="1" latinLnBrk="0" hangingPunct="1">
+      <a:defRPr sz="1800" kern="1200">
         <a:solidFill>
           <a:schemeClr val="tx1"/>
         </a:solidFill>
@@ -55,8 +59,8 @@
         <a:cs typeface="+mn-cs"/>
       </a:defRPr>
     </a:lvl4pPr>
-    <a:lvl5pPr marL="1828800" algn="l" defTabSz="914400" rtl="0" eaLnBrk="1" latinLnBrk="0" hangingPunct="1">
-      <a:defRPr kumimoji="1" sz="1800" kern="1200">
+    <a:lvl5pPr marL="1828800" algn="l" defTabSz="457200" rtl="0" eaLnBrk="1" latinLnBrk="0" hangingPunct="1">
+      <a:defRPr sz="1800" kern="1200">
         <a:solidFill>
           <a:schemeClr val="tx1"/>
         </a:solidFill>
@@ -65,8 +69,8 @@
         <a:cs typeface="+mn-cs"/>
       </a:defRPr>
     </a:lvl5pPr>
-    <a:lvl6pPr marL="2286000" algn="l" defTabSz="914400" rtl="0" eaLnBrk="1" latinLnBrk="0" hangingPunct="1">
-      <a:defRPr kumimoji="1" sz="1800" kern="1200">
+    <a:lvl6pPr marL="2286000" algn="l" defTabSz="457200" rtl="0" eaLnBrk="1" latinLnBrk="0" hangingPunct="1">
+      <a:defRPr sz="1800" kern="1200">
         <a:solidFill>
           <a:schemeClr val="tx1"/>
         </a:solidFill>
@@ -75,8 +79,8 @@
         <a:cs typeface="+mn-cs"/>
       </a:defRPr>
     </a:lvl6pPr>
-    <a:lvl7pPr marL="2743200" algn="l" defTabSz="914400" rtl="0" eaLnBrk="1" latinLnBrk="0" hangingPunct="1">
-      <a:defRPr kumimoji="1" sz="1800" kern="1200">
+    <a:lvl7pPr marL="2743200" algn="l" defTabSz="457200" rtl="0" eaLnBrk="1" latinLnBrk="0" hangingPunct="1">
+      <a:defRPr sz="1800" kern="1200">
         <a:solidFill>
           <a:schemeClr val="tx1"/>
         </a:solidFill>
@@ -85,8 +89,8 @@
         <a:cs typeface="+mn-cs"/>
       </a:defRPr>
     </a:lvl7pPr>
-    <a:lvl8pPr marL="3200400" algn="l" defTabSz="914400" rtl="0" eaLnBrk="1" latinLnBrk="0" hangingPunct="1">
-      <a:defRPr kumimoji="1" sz="1800" kern="1200">
+    <a:lvl8pPr marL="3200400" algn="l" defTabSz="457200" rtl="0" eaLnBrk="1" latinLnBrk="0" hangingPunct="1">
+      <a:defRPr sz="1800" kern="1200">
         <a:solidFill>
           <a:schemeClr val="tx1"/>
         </a:solidFill>
@@ -95,8 +99,8 @@
         <a:cs typeface="+mn-cs"/>
       </a:defRPr>
     </a:lvl8pPr>
-    <a:lvl9pPr marL="3657600" algn="l" defTabSz="914400" rtl="0" eaLnBrk="1" latinLnBrk="0" hangingPunct="1">
-      <a:defRPr kumimoji="1" sz="1800" kern="1200">
+    <a:lvl9pPr marL="3657600" algn="l" defTabSz="457200" rtl="0" eaLnBrk="1" latinLnBrk="0" hangingPunct="1">
+      <a:defRPr sz="1800" kern="1200">
         <a:solidFill>
           <a:schemeClr val="tx1"/>
         </a:solidFill>
@@ -318,15 +322,39 @@
           <a:chExt cx="0" cy="0"/>
         </a:xfrm>
       </p:grpSpPr>
-      <p:sp>
-        <p:nvSpPr>
-          <p:cNvPr id="2" name="タイトル 1">
+      <p:pic>
+        <p:nvPicPr>
+          <p:cNvPr id="7" name="Picture 6" descr="Droplets-HD-Title-R1d.png"/>
+          <p:cNvPicPr>
+            <a:picLocks noChangeAspect="1"/>
+          </p:cNvPicPr>
+          <p:nvPr/>
+        </p:nvPicPr>
+        <p:blipFill>
+          <a:blip r:embed="rId2">
             <a:extLst>
-              <a:ext uri="{FF2B5EF4-FFF2-40B4-BE49-F238E27FC236}">
-                <a16:creationId xmlns:a16="http://schemas.microsoft.com/office/drawing/2014/main" id="{BBB2BEA4-CD23-47AA-B69C-395A9DB96EA6}"/>
+              <a:ext uri="{28A0092B-C50C-407E-A947-70E740481C1C}">
+                <a14:useLocalDpi xmlns:a14="http://schemas.microsoft.com/office/drawing/2010/main" val="0"/>
               </a:ext>
             </a:extLst>
-          </p:cNvPr>
+          </a:blip>
+          <a:stretch>
+            <a:fillRect/>
+          </a:stretch>
+        </p:blipFill>
+        <p:spPr>
+          <a:xfrm>
+            <a:off x="0" y="0"/>
+            <a:ext cx="12192000" cy="6858000"/>
+          </a:xfrm>
+          <a:prstGeom prst="rect">
+            <a:avLst/>
+          </a:prstGeom>
+        </p:spPr>
+      </p:pic>
+      <p:sp>
+        <p:nvSpPr>
+          <p:cNvPr id="2" name="Title 1"/>
           <p:cNvSpPr>
             <a:spLocks noGrp="1"/>
           </p:cNvSpPr>
@@ -336,34 +364,31 @@
         </p:nvSpPr>
         <p:spPr>
           <a:xfrm>
-            <a:off x="1524000" y="1122363"/>
-            <a:ext cx="9144000" cy="2387600"/>
-          </a:xfrm>
-        </p:spPr>
-        <p:txBody>
-          <a:bodyPr anchor="b"/>
+            <a:off x="1751012" y="1300785"/>
+            <a:ext cx="8689976" cy="2509213"/>
+          </a:xfrm>
+        </p:spPr>
+        <p:txBody>
+          <a:bodyPr anchor="b">
+            <a:normAutofit/>
+          </a:bodyPr>
           <a:lstStyle>
             <a:lvl1pPr algn="ctr">
-              <a:defRPr sz="6000"/>
+              <a:defRPr sz="4800"/>
             </a:lvl1pPr>
           </a:lstStyle>
           <a:p>
             <a:r>
-              <a:rPr kumimoji="1" lang="ja-JP" altLang="en-US"/>
+              <a:rPr lang="ja-JP" altLang="en-US"/>
               <a:t>マスター タイトルの書式設定</a:t>
             </a:r>
-          </a:p>
-        </p:txBody>
-      </p:sp>
-      <p:sp>
-        <p:nvSpPr>
-          <p:cNvPr id="3" name="字幕 2">
-            <a:extLst>
-              <a:ext uri="{FF2B5EF4-FFF2-40B4-BE49-F238E27FC236}">
-                <a16:creationId xmlns:a16="http://schemas.microsoft.com/office/drawing/2014/main" id="{227B9B3E-3888-4555-BA2E-D50E987F6E3A}"/>
-              </a:ext>
-            </a:extLst>
-          </p:cNvPr>
+            <a:endParaRPr lang="en-US" dirty="0"/>
+          </a:p>
+        </p:txBody>
+      </p:sp>
+      <p:sp>
+        <p:nvSpPr>
+          <p:cNvPr id="3" name="Subtitle 2"/>
           <p:cNvSpPr>
             <a:spLocks noGrp="1"/>
           </p:cNvSpPr>
@@ -373,16 +398,24 @@
         </p:nvSpPr>
         <p:spPr>
           <a:xfrm>
-            <a:off x="1524000" y="3602038"/>
-            <a:ext cx="9144000" cy="1655762"/>
-          </a:xfrm>
-        </p:spPr>
-        <p:txBody>
-          <a:bodyPr/>
+            <a:off x="1751012" y="3886200"/>
+            <a:ext cx="8689976" cy="1371599"/>
+          </a:xfrm>
+        </p:spPr>
+        <p:txBody>
+          <a:bodyPr>
+            <a:normAutofit/>
+          </a:bodyPr>
           <a:lstStyle>
             <a:lvl1pPr marL="0" indent="0" algn="ctr">
               <a:buNone/>
-              <a:defRPr sz="2400"/>
+              <a:defRPr sz="2200">
+                <a:solidFill>
+                  <a:schemeClr val="bg1">
+                    <a:lumMod val="50000"/>
+                  </a:schemeClr>
+                </a:solidFill>
+              </a:defRPr>
             </a:lvl1pPr>
             <a:lvl2pPr marL="457200" indent="0" algn="ctr">
               <a:buNone/>
@@ -419,21 +452,16 @@
           </a:lstStyle>
           <a:p>
             <a:r>
-              <a:rPr kumimoji="1" lang="ja-JP" altLang="en-US"/>
+              <a:rPr lang="ja-JP" altLang="en-US"/>
               <a:t>マスター サブタイトルの書式設定</a:t>
             </a:r>
-          </a:p>
-        </p:txBody>
-      </p:sp>
-      <p:sp>
-        <p:nvSpPr>
-          <p:cNvPr id="4" name="日付プレースホルダー 3">
-            <a:extLst>
-              <a:ext uri="{FF2B5EF4-FFF2-40B4-BE49-F238E27FC236}">
-                <a16:creationId xmlns:a16="http://schemas.microsoft.com/office/drawing/2014/main" id="{A787E8DA-5315-4C88-AC23-4AC7E158BB2B}"/>
-              </a:ext>
-            </a:extLst>
-          </p:cNvPr>
+            <a:endParaRPr lang="en-US" dirty="0"/>
+          </a:p>
+        </p:txBody>
+      </p:sp>
+      <p:sp>
+        <p:nvSpPr>
+          <p:cNvPr id="4" name="Date Placeholder 3"/>
           <p:cNvSpPr>
             <a:spLocks noGrp="1"/>
           </p:cNvSpPr>
@@ -456,13 +484,7 @@
       </p:sp>
       <p:sp>
         <p:nvSpPr>
-          <p:cNvPr id="5" name="フッター プレースホルダー 4">
-            <a:extLst>
-              <a:ext uri="{FF2B5EF4-FFF2-40B4-BE49-F238E27FC236}">
-                <a16:creationId xmlns:a16="http://schemas.microsoft.com/office/drawing/2014/main" id="{C079D427-4C48-47E6-BA0F-8E66D8506994}"/>
-              </a:ext>
-            </a:extLst>
-          </p:cNvPr>
+          <p:cNvPr id="5" name="Footer Placeholder 4"/>
           <p:cNvSpPr>
             <a:spLocks noGrp="1"/>
           </p:cNvSpPr>
@@ -481,13 +503,7 @@
       </p:sp>
       <p:sp>
         <p:nvSpPr>
-          <p:cNvPr id="6" name="スライド番号プレースホルダー 5">
-            <a:extLst>
-              <a:ext uri="{FF2B5EF4-FFF2-40B4-BE49-F238E27FC236}">
-                <a16:creationId xmlns:a16="http://schemas.microsoft.com/office/drawing/2014/main" id="{BEDF5C1D-D4EC-4905-94D9-D82B3246D227}"/>
-              </a:ext>
-            </a:extLst>
-          </p:cNvPr>
+          <p:cNvPr id="6" name="Slide Number Placeholder 5"/>
           <p:cNvSpPr>
             <a:spLocks noGrp="1"/>
           </p:cNvSpPr>
@@ -511,7 +527,7 @@
     </p:spTree>
     <p:extLst>
       <p:ext uri="{BB962C8B-B14F-4D97-AF65-F5344CB8AC3E}">
-        <p14:creationId xmlns:p14="http://schemas.microsoft.com/office/powerpoint/2010/main" val="4246584806"/>
+        <p14:creationId xmlns:p14="http://schemas.microsoft.com/office/powerpoint/2010/main" val="4199521176"/>
       </p:ext>
     </p:extLst>
   </p:cSld>
@@ -522,6 +538,2713 @@
 </file>
 
 <file path=ppt/slideLayouts/slideLayout10.xml><?xml version="1.0" encoding="utf-8"?>
+<p:sldLayout xmlns:a="http://schemas.openxmlformats.org/drawingml/2006/main" xmlns:r="http://schemas.openxmlformats.org/officeDocument/2006/relationships" xmlns:p="http://schemas.openxmlformats.org/presentationml/2006/main" preserve="1">
+  <p:cSld name="パノラマ写真 (キャプション付き)">
+    <p:spTree>
+      <p:nvGrpSpPr>
+        <p:cNvPr id="1" name=""/>
+        <p:cNvGrpSpPr/>
+        <p:nvPr/>
+      </p:nvGrpSpPr>
+      <p:grpSpPr>
+        <a:xfrm>
+          <a:off x="0" y="0"/>
+          <a:ext cx="0" cy="0"/>
+          <a:chOff x="0" y="0"/>
+          <a:chExt cx="0" cy="0"/>
+        </a:xfrm>
+      </p:grpSpPr>
+      <p:pic>
+        <p:nvPicPr>
+          <p:cNvPr id="10" name="Picture 9" descr="Droplets-HD-Content-R1d.png"/>
+          <p:cNvPicPr>
+            <a:picLocks noChangeAspect="1"/>
+          </p:cNvPicPr>
+          <p:nvPr/>
+        </p:nvPicPr>
+        <p:blipFill>
+          <a:blip r:embed="rId2">
+            <a:extLst>
+              <a:ext uri="{28A0092B-C50C-407E-A947-70E740481C1C}">
+                <a14:useLocalDpi xmlns:a14="http://schemas.microsoft.com/office/drawing/2010/main" val="0"/>
+              </a:ext>
+            </a:extLst>
+          </a:blip>
+          <a:stretch>
+            <a:fillRect/>
+          </a:stretch>
+        </p:blipFill>
+        <p:spPr>
+          <a:xfrm>
+            <a:off x="0" y="0"/>
+            <a:ext cx="12192000" cy="6858000"/>
+          </a:xfrm>
+          <a:prstGeom prst="rect">
+            <a:avLst/>
+          </a:prstGeom>
+        </p:spPr>
+      </p:pic>
+      <p:sp>
+        <p:nvSpPr>
+          <p:cNvPr id="2" name="Title 1"/>
+          <p:cNvSpPr>
+            <a:spLocks noGrp="1"/>
+          </p:cNvSpPr>
+          <p:nvPr>
+            <p:ph type="title"/>
+          </p:nvPr>
+        </p:nvSpPr>
+        <p:spPr>
+          <a:xfrm>
+            <a:off x="913794" y="4289374"/>
+            <a:ext cx="10364432" cy="811610"/>
+          </a:xfrm>
+        </p:spPr>
+        <p:txBody>
+          <a:bodyPr anchor="b"/>
+          <a:lstStyle>
+            <a:lvl1pPr>
+              <a:defRPr sz="3200"/>
+            </a:lvl1pPr>
+          </a:lstStyle>
+          <a:p>
+            <a:r>
+              <a:rPr lang="ja-JP" altLang="en-US"/>
+              <a:t>マスター タイトルの書式設定</a:t>
+            </a:r>
+            <a:endParaRPr lang="en-US" dirty="0"/>
+          </a:p>
+        </p:txBody>
+      </p:sp>
+      <p:sp>
+        <p:nvSpPr>
+          <p:cNvPr id="3" name="Picture Placeholder 2"/>
+          <p:cNvSpPr>
+            <a:spLocks noGrp="1" noChangeAspect="1"/>
+          </p:cNvSpPr>
+          <p:nvPr>
+            <p:ph type="pic" idx="1"/>
+          </p:nvPr>
+        </p:nvSpPr>
+        <p:spPr>
+          <a:xfrm>
+            <a:off x="1184744" y="698261"/>
+            <a:ext cx="9822532" cy="3214136"/>
+          </a:xfrm>
+          <a:prstGeom prst="roundRect">
+            <a:avLst>
+              <a:gd name="adj" fmla="val 4944"/>
+            </a:avLst>
+          </a:prstGeom>
+          <a:noFill/>
+          <a:ln w="82550" cap="sq">
+            <a:solidFill>
+              <a:srgbClr val="EAEAEA"/>
+            </a:solidFill>
+            <a:miter lim="800000"/>
+          </a:ln>
+          <a:effectLst/>
+          <a:scene3d>
+            <a:camera prst="orthographicFront"/>
+            <a:lightRig rig="threePt" dir="t">
+              <a:rot lat="0" lon="0" rev="2700000"/>
+            </a:lightRig>
+          </a:scene3d>
+          <a:sp3d contourW="6350">
+            <a:bevelT h="38100"/>
+            <a:contourClr>
+              <a:srgbClr val="C0C0C0"/>
+            </a:contourClr>
+          </a:sp3d>
+        </p:spPr>
+        <p:txBody>
+          <a:bodyPr anchor="t"/>
+          <a:lstStyle>
+            <a:lvl1pPr marL="0" indent="0" algn="ctr">
+              <a:buNone/>
+              <a:defRPr sz="3200"/>
+            </a:lvl1pPr>
+            <a:lvl2pPr marL="457200" indent="0">
+              <a:buNone/>
+              <a:defRPr sz="2800"/>
+            </a:lvl2pPr>
+            <a:lvl3pPr marL="914400" indent="0">
+              <a:buNone/>
+              <a:defRPr sz="2400"/>
+            </a:lvl3pPr>
+            <a:lvl4pPr marL="1371600" indent="0">
+              <a:buNone/>
+              <a:defRPr sz="2000"/>
+            </a:lvl4pPr>
+            <a:lvl5pPr marL="1828800" indent="0">
+              <a:buNone/>
+              <a:defRPr sz="2000"/>
+            </a:lvl5pPr>
+            <a:lvl6pPr marL="2286000" indent="0">
+              <a:buNone/>
+              <a:defRPr sz="2000"/>
+            </a:lvl6pPr>
+            <a:lvl7pPr marL="2743200" indent="0">
+              <a:buNone/>
+              <a:defRPr sz="2000"/>
+            </a:lvl7pPr>
+            <a:lvl8pPr marL="3200400" indent="0">
+              <a:buNone/>
+              <a:defRPr sz="2000"/>
+            </a:lvl8pPr>
+            <a:lvl9pPr marL="3657600" indent="0">
+              <a:buNone/>
+              <a:defRPr sz="2000"/>
+            </a:lvl9pPr>
+          </a:lstStyle>
+          <a:p>
+            <a:r>
+              <a:rPr lang="ja-JP" altLang="en-US"/>
+              <a:t>アイコンをクリックして図を追加</a:t>
+            </a:r>
+            <a:endParaRPr lang="en-US" dirty="0"/>
+          </a:p>
+        </p:txBody>
+      </p:sp>
+      <p:sp>
+        <p:nvSpPr>
+          <p:cNvPr id="4" name="Text Placeholder 3"/>
+          <p:cNvSpPr>
+            <a:spLocks noGrp="1"/>
+          </p:cNvSpPr>
+          <p:nvPr>
+            <p:ph type="body" sz="half" idx="2"/>
+          </p:nvPr>
+        </p:nvSpPr>
+        <p:spPr>
+          <a:xfrm>
+            <a:off x="913774" y="5108728"/>
+            <a:ext cx="10364452" cy="682472"/>
+          </a:xfrm>
+        </p:spPr>
+        <p:txBody>
+          <a:bodyPr/>
+          <a:lstStyle>
+            <a:lvl1pPr marL="0" indent="0" algn="ctr">
+              <a:buNone/>
+              <a:defRPr sz="1600"/>
+            </a:lvl1pPr>
+            <a:lvl2pPr marL="457200" indent="0">
+              <a:buNone/>
+              <a:defRPr sz="1400"/>
+            </a:lvl2pPr>
+            <a:lvl3pPr marL="914400" indent="0">
+              <a:buNone/>
+              <a:defRPr sz="1200"/>
+            </a:lvl3pPr>
+            <a:lvl4pPr marL="1371600" indent="0">
+              <a:buNone/>
+              <a:defRPr sz="1000"/>
+            </a:lvl4pPr>
+            <a:lvl5pPr marL="1828800" indent="0">
+              <a:buNone/>
+              <a:defRPr sz="1000"/>
+            </a:lvl5pPr>
+            <a:lvl6pPr marL="2286000" indent="0">
+              <a:buNone/>
+              <a:defRPr sz="1000"/>
+            </a:lvl6pPr>
+            <a:lvl7pPr marL="2743200" indent="0">
+              <a:buNone/>
+              <a:defRPr sz="1000"/>
+            </a:lvl7pPr>
+            <a:lvl8pPr marL="3200400" indent="0">
+              <a:buNone/>
+              <a:defRPr sz="1000"/>
+            </a:lvl8pPr>
+            <a:lvl9pPr marL="3657600" indent="0">
+              <a:buNone/>
+              <a:defRPr sz="1000"/>
+            </a:lvl9pPr>
+          </a:lstStyle>
+          <a:p>
+            <a:pPr lvl="0"/>
+            <a:r>
+              <a:rPr lang="ja-JP" altLang="en-US"/>
+              <a:t>マスター テキストの書式設定</a:t>
+            </a:r>
+          </a:p>
+        </p:txBody>
+      </p:sp>
+      <p:sp>
+        <p:nvSpPr>
+          <p:cNvPr id="5" name="Date Placeholder 4"/>
+          <p:cNvSpPr>
+            <a:spLocks noGrp="1"/>
+          </p:cNvSpPr>
+          <p:nvPr>
+            <p:ph type="dt" sz="half" idx="10"/>
+          </p:nvPr>
+        </p:nvSpPr>
+        <p:spPr/>
+        <p:txBody>
+          <a:bodyPr/>
+          <a:lstStyle/>
+          <a:p>
+            <a:fld id="{58BF5568-29AB-45DD-8EFF-69708D92D8DE}" type="datetimeFigureOut">
+              <a:rPr kumimoji="1" lang="ja-JP" altLang="en-US" smtClean="0"/>
+              <a:t>2025/5/28</a:t>
+            </a:fld>
+            <a:endParaRPr kumimoji="1" lang="ja-JP" altLang="en-US"/>
+          </a:p>
+        </p:txBody>
+      </p:sp>
+      <p:sp>
+        <p:nvSpPr>
+          <p:cNvPr id="6" name="Footer Placeholder 5"/>
+          <p:cNvSpPr>
+            <a:spLocks noGrp="1"/>
+          </p:cNvSpPr>
+          <p:nvPr>
+            <p:ph type="ftr" sz="quarter" idx="11"/>
+          </p:nvPr>
+        </p:nvSpPr>
+        <p:spPr/>
+        <p:txBody>
+          <a:bodyPr/>
+          <a:lstStyle/>
+          <a:p>
+            <a:endParaRPr kumimoji="1" lang="ja-JP" altLang="en-US"/>
+          </a:p>
+        </p:txBody>
+      </p:sp>
+      <p:sp>
+        <p:nvSpPr>
+          <p:cNvPr id="7" name="Slide Number Placeholder 6"/>
+          <p:cNvSpPr>
+            <a:spLocks noGrp="1"/>
+          </p:cNvSpPr>
+          <p:nvPr>
+            <p:ph type="sldNum" sz="quarter" idx="12"/>
+          </p:nvPr>
+        </p:nvSpPr>
+        <p:spPr/>
+        <p:txBody>
+          <a:bodyPr/>
+          <a:lstStyle/>
+          <a:p>
+            <a:fld id="{DB40BF46-C8A2-4AA5-B2B8-D3C0D6FB49FA}" type="slidenum">
+              <a:rPr kumimoji="1" lang="ja-JP" altLang="en-US" smtClean="0"/>
+              <a:t>‹#›</a:t>
+            </a:fld>
+            <a:endParaRPr kumimoji="1" lang="ja-JP" altLang="en-US"/>
+          </a:p>
+        </p:txBody>
+      </p:sp>
+    </p:spTree>
+    <p:extLst>
+      <p:ext uri="{BB962C8B-B14F-4D97-AF65-F5344CB8AC3E}">
+        <p14:creationId xmlns:p14="http://schemas.microsoft.com/office/powerpoint/2010/main" val="3207895079"/>
+      </p:ext>
+    </p:extLst>
+  </p:cSld>
+  <p:clrMapOvr>
+    <a:masterClrMapping/>
+  </p:clrMapOvr>
+</p:sldLayout>
+</file>
+
+<file path=ppt/slideLayouts/slideLayout11.xml><?xml version="1.0" encoding="utf-8"?>
+<p:sldLayout xmlns:a="http://schemas.openxmlformats.org/drawingml/2006/main" xmlns:r="http://schemas.openxmlformats.org/officeDocument/2006/relationships" xmlns:p="http://schemas.openxmlformats.org/presentationml/2006/main" preserve="1">
+  <p:cSld name="タイトルとキャプション">
+    <p:spTree>
+      <p:nvGrpSpPr>
+        <p:cNvPr id="1" name=""/>
+        <p:cNvGrpSpPr/>
+        <p:nvPr/>
+      </p:nvGrpSpPr>
+      <p:grpSpPr>
+        <a:xfrm>
+          <a:off x="0" y="0"/>
+          <a:ext cx="0" cy="0"/>
+          <a:chOff x="0" y="0"/>
+          <a:chExt cx="0" cy="0"/>
+        </a:xfrm>
+      </p:grpSpPr>
+      <p:pic>
+        <p:nvPicPr>
+          <p:cNvPr id="8" name="Picture 7" descr="Droplets-HD-Content-R1d.png"/>
+          <p:cNvPicPr>
+            <a:picLocks noChangeAspect="1"/>
+          </p:cNvPicPr>
+          <p:nvPr/>
+        </p:nvPicPr>
+        <p:blipFill>
+          <a:blip r:embed="rId2">
+            <a:extLst>
+              <a:ext uri="{28A0092B-C50C-407E-A947-70E740481C1C}">
+                <a14:useLocalDpi xmlns:a14="http://schemas.microsoft.com/office/drawing/2010/main" val="0"/>
+              </a:ext>
+            </a:extLst>
+          </a:blip>
+          <a:stretch>
+            <a:fillRect/>
+          </a:stretch>
+        </p:blipFill>
+        <p:spPr>
+          <a:xfrm>
+            <a:off x="0" y="0"/>
+            <a:ext cx="12192000" cy="6858000"/>
+          </a:xfrm>
+          <a:prstGeom prst="rect">
+            <a:avLst/>
+          </a:prstGeom>
+        </p:spPr>
+      </p:pic>
+      <p:sp>
+        <p:nvSpPr>
+          <p:cNvPr id="2" name="Title 1"/>
+          <p:cNvSpPr>
+            <a:spLocks noGrp="1"/>
+          </p:cNvSpPr>
+          <p:nvPr>
+            <p:ph type="title"/>
+          </p:nvPr>
+        </p:nvSpPr>
+        <p:spPr>
+          <a:xfrm>
+            <a:off x="913774" y="609599"/>
+            <a:ext cx="10364452" cy="3427245"/>
+          </a:xfrm>
+        </p:spPr>
+        <p:txBody>
+          <a:bodyPr anchor="ctr"/>
+          <a:lstStyle>
+            <a:lvl1pPr algn="ctr">
+              <a:defRPr sz="3200"/>
+            </a:lvl1pPr>
+          </a:lstStyle>
+          <a:p>
+            <a:r>
+              <a:rPr lang="ja-JP" altLang="en-US"/>
+              <a:t>マスター タイトルの書式設定</a:t>
+            </a:r>
+            <a:endParaRPr lang="en-US" dirty="0"/>
+          </a:p>
+        </p:txBody>
+      </p:sp>
+      <p:sp>
+        <p:nvSpPr>
+          <p:cNvPr id="4" name="Text Placeholder 3"/>
+          <p:cNvSpPr>
+            <a:spLocks noGrp="1"/>
+          </p:cNvSpPr>
+          <p:nvPr>
+            <p:ph type="body" sz="half" idx="2"/>
+          </p:nvPr>
+        </p:nvSpPr>
+        <p:spPr>
+          <a:xfrm>
+            <a:off x="913775" y="4204821"/>
+            <a:ext cx="10364452" cy="1586380"/>
+          </a:xfrm>
+        </p:spPr>
+        <p:txBody>
+          <a:bodyPr anchor="ctr"/>
+          <a:lstStyle>
+            <a:lvl1pPr marL="0" indent="0" algn="ctr">
+              <a:buNone/>
+              <a:defRPr sz="1600"/>
+            </a:lvl1pPr>
+            <a:lvl2pPr marL="457200" indent="0">
+              <a:buNone/>
+              <a:defRPr sz="1400"/>
+            </a:lvl2pPr>
+            <a:lvl3pPr marL="914400" indent="0">
+              <a:buNone/>
+              <a:defRPr sz="1200"/>
+            </a:lvl3pPr>
+            <a:lvl4pPr marL="1371600" indent="0">
+              <a:buNone/>
+              <a:defRPr sz="1000"/>
+            </a:lvl4pPr>
+            <a:lvl5pPr marL="1828800" indent="0">
+              <a:buNone/>
+              <a:defRPr sz="1000"/>
+            </a:lvl5pPr>
+            <a:lvl6pPr marL="2286000" indent="0">
+              <a:buNone/>
+              <a:defRPr sz="1000"/>
+            </a:lvl6pPr>
+            <a:lvl7pPr marL="2743200" indent="0">
+              <a:buNone/>
+              <a:defRPr sz="1000"/>
+            </a:lvl7pPr>
+            <a:lvl8pPr marL="3200400" indent="0">
+              <a:buNone/>
+              <a:defRPr sz="1000"/>
+            </a:lvl8pPr>
+            <a:lvl9pPr marL="3657600" indent="0">
+              <a:buNone/>
+              <a:defRPr sz="1000"/>
+            </a:lvl9pPr>
+          </a:lstStyle>
+          <a:p>
+            <a:pPr lvl="0"/>
+            <a:r>
+              <a:rPr lang="ja-JP" altLang="en-US"/>
+              <a:t>マスター テキストの書式設定</a:t>
+            </a:r>
+          </a:p>
+        </p:txBody>
+      </p:sp>
+      <p:sp>
+        <p:nvSpPr>
+          <p:cNvPr id="5" name="Date Placeholder 4"/>
+          <p:cNvSpPr>
+            <a:spLocks noGrp="1"/>
+          </p:cNvSpPr>
+          <p:nvPr>
+            <p:ph type="dt" sz="half" idx="10"/>
+          </p:nvPr>
+        </p:nvSpPr>
+        <p:spPr/>
+        <p:txBody>
+          <a:bodyPr/>
+          <a:lstStyle/>
+          <a:p>
+            <a:fld id="{58BF5568-29AB-45DD-8EFF-69708D92D8DE}" type="datetimeFigureOut">
+              <a:rPr kumimoji="1" lang="ja-JP" altLang="en-US" smtClean="0"/>
+              <a:t>2025/5/28</a:t>
+            </a:fld>
+            <a:endParaRPr kumimoji="1" lang="ja-JP" altLang="en-US"/>
+          </a:p>
+        </p:txBody>
+      </p:sp>
+      <p:sp>
+        <p:nvSpPr>
+          <p:cNvPr id="6" name="Footer Placeholder 5"/>
+          <p:cNvSpPr>
+            <a:spLocks noGrp="1"/>
+          </p:cNvSpPr>
+          <p:nvPr>
+            <p:ph type="ftr" sz="quarter" idx="11"/>
+          </p:nvPr>
+        </p:nvSpPr>
+        <p:spPr/>
+        <p:txBody>
+          <a:bodyPr/>
+          <a:lstStyle/>
+          <a:p>
+            <a:endParaRPr kumimoji="1" lang="ja-JP" altLang="en-US"/>
+          </a:p>
+        </p:txBody>
+      </p:sp>
+      <p:sp>
+        <p:nvSpPr>
+          <p:cNvPr id="7" name="Slide Number Placeholder 6"/>
+          <p:cNvSpPr>
+            <a:spLocks noGrp="1"/>
+          </p:cNvSpPr>
+          <p:nvPr>
+            <p:ph type="sldNum" sz="quarter" idx="12"/>
+          </p:nvPr>
+        </p:nvSpPr>
+        <p:spPr/>
+        <p:txBody>
+          <a:bodyPr/>
+          <a:lstStyle/>
+          <a:p>
+            <a:fld id="{DB40BF46-C8A2-4AA5-B2B8-D3C0D6FB49FA}" type="slidenum">
+              <a:rPr kumimoji="1" lang="ja-JP" altLang="en-US" smtClean="0"/>
+              <a:t>‹#›</a:t>
+            </a:fld>
+            <a:endParaRPr kumimoji="1" lang="ja-JP" altLang="en-US"/>
+          </a:p>
+        </p:txBody>
+      </p:sp>
+    </p:spTree>
+    <p:extLst>
+      <p:ext uri="{BB962C8B-B14F-4D97-AF65-F5344CB8AC3E}">
+        <p14:creationId xmlns:p14="http://schemas.microsoft.com/office/powerpoint/2010/main" val="730312808"/>
+      </p:ext>
+    </p:extLst>
+  </p:cSld>
+  <p:clrMapOvr>
+    <a:masterClrMapping/>
+  </p:clrMapOvr>
+</p:sldLayout>
+</file>
+
+<file path=ppt/slideLayouts/slideLayout12.xml><?xml version="1.0" encoding="utf-8"?>
+<p:sldLayout xmlns:a="http://schemas.openxmlformats.org/drawingml/2006/main" xmlns:r="http://schemas.openxmlformats.org/officeDocument/2006/relationships" xmlns:p="http://schemas.openxmlformats.org/presentationml/2006/main" preserve="1">
+  <p:cSld name="引用 (キャプション付き)">
+    <p:spTree>
+      <p:nvGrpSpPr>
+        <p:cNvPr id="1" name=""/>
+        <p:cNvGrpSpPr/>
+        <p:nvPr/>
+      </p:nvGrpSpPr>
+      <p:grpSpPr>
+        <a:xfrm>
+          <a:off x="0" y="0"/>
+          <a:ext cx="0" cy="0"/>
+          <a:chOff x="0" y="0"/>
+          <a:chExt cx="0" cy="0"/>
+        </a:xfrm>
+      </p:grpSpPr>
+      <p:pic>
+        <p:nvPicPr>
+          <p:cNvPr id="11" name="Picture 10" descr="Droplets-HD-Content-R1d.png"/>
+          <p:cNvPicPr>
+            <a:picLocks noChangeAspect="1"/>
+          </p:cNvPicPr>
+          <p:nvPr/>
+        </p:nvPicPr>
+        <p:blipFill>
+          <a:blip r:embed="rId2">
+            <a:extLst>
+              <a:ext uri="{28A0092B-C50C-407E-A947-70E740481C1C}">
+                <a14:useLocalDpi xmlns:a14="http://schemas.microsoft.com/office/drawing/2010/main" val="0"/>
+              </a:ext>
+            </a:extLst>
+          </a:blip>
+          <a:stretch>
+            <a:fillRect/>
+          </a:stretch>
+        </p:blipFill>
+        <p:spPr>
+          <a:xfrm>
+            <a:off x="0" y="0"/>
+            <a:ext cx="12192000" cy="6858000"/>
+          </a:xfrm>
+          <a:prstGeom prst="rect">
+            <a:avLst/>
+          </a:prstGeom>
+        </p:spPr>
+      </p:pic>
+      <p:sp>
+        <p:nvSpPr>
+          <p:cNvPr id="2" name="Title 1"/>
+          <p:cNvSpPr>
+            <a:spLocks noGrp="1"/>
+          </p:cNvSpPr>
+          <p:nvPr>
+            <p:ph type="title"/>
+          </p:nvPr>
+        </p:nvSpPr>
+        <p:spPr>
+          <a:xfrm>
+            <a:off x="1446212" y="609600"/>
+            <a:ext cx="9302752" cy="2992904"/>
+          </a:xfrm>
+        </p:spPr>
+        <p:txBody>
+          <a:bodyPr anchor="ctr"/>
+          <a:lstStyle>
+            <a:lvl1pPr>
+              <a:defRPr sz="3200"/>
+            </a:lvl1pPr>
+          </a:lstStyle>
+          <a:p>
+            <a:r>
+              <a:rPr lang="ja-JP" altLang="en-US"/>
+              <a:t>マスター タイトルの書式設定</a:t>
+            </a:r>
+            <a:endParaRPr lang="en-US" dirty="0"/>
+          </a:p>
+        </p:txBody>
+      </p:sp>
+      <p:sp>
+        <p:nvSpPr>
+          <p:cNvPr id="12" name="Text Placeholder 3"/>
+          <p:cNvSpPr>
+            <a:spLocks noGrp="1"/>
+          </p:cNvSpPr>
+          <p:nvPr>
+            <p:ph type="body" sz="half" idx="13"/>
+          </p:nvPr>
+        </p:nvSpPr>
+        <p:spPr>
+          <a:xfrm>
+            <a:off x="1720644" y="3610032"/>
+            <a:ext cx="8752299" cy="594788"/>
+          </a:xfrm>
+        </p:spPr>
+        <p:txBody>
+          <a:bodyPr anchor="t">
+            <a:normAutofit/>
+          </a:bodyPr>
+          <a:lstStyle>
+            <a:lvl1pPr marL="0" indent="0">
+              <a:buNone/>
+              <a:defRPr sz="1400"/>
+            </a:lvl1pPr>
+            <a:lvl2pPr marL="457200" indent="0">
+              <a:buNone/>
+              <a:defRPr sz="1400"/>
+            </a:lvl2pPr>
+            <a:lvl3pPr marL="914400" indent="0">
+              <a:buNone/>
+              <a:defRPr sz="1200"/>
+            </a:lvl3pPr>
+            <a:lvl4pPr marL="1371600" indent="0">
+              <a:buNone/>
+              <a:defRPr sz="1000"/>
+            </a:lvl4pPr>
+            <a:lvl5pPr marL="1828800" indent="0">
+              <a:buNone/>
+              <a:defRPr sz="1000"/>
+            </a:lvl5pPr>
+            <a:lvl6pPr marL="2286000" indent="0">
+              <a:buNone/>
+              <a:defRPr sz="1000"/>
+            </a:lvl6pPr>
+            <a:lvl7pPr marL="2743200" indent="0">
+              <a:buNone/>
+              <a:defRPr sz="1000"/>
+            </a:lvl7pPr>
+            <a:lvl8pPr marL="3200400" indent="0">
+              <a:buNone/>
+              <a:defRPr sz="1000"/>
+            </a:lvl8pPr>
+            <a:lvl9pPr marL="3657600" indent="0">
+              <a:buNone/>
+              <a:defRPr sz="1000"/>
+            </a:lvl9pPr>
+          </a:lstStyle>
+          <a:p>
+            <a:pPr lvl="0"/>
+            <a:r>
+              <a:rPr lang="ja-JP" altLang="en-US"/>
+              <a:t>マスター テキストの書式設定</a:t>
+            </a:r>
+          </a:p>
+        </p:txBody>
+      </p:sp>
+      <p:sp>
+        <p:nvSpPr>
+          <p:cNvPr id="4" name="Text Placeholder 3"/>
+          <p:cNvSpPr>
+            <a:spLocks noGrp="1"/>
+          </p:cNvSpPr>
+          <p:nvPr>
+            <p:ph type="body" sz="half" idx="2"/>
+          </p:nvPr>
+        </p:nvSpPr>
+        <p:spPr>
+          <a:xfrm>
+            <a:off x="913774" y="4372796"/>
+            <a:ext cx="10364452" cy="1421053"/>
+          </a:xfrm>
+        </p:spPr>
+        <p:txBody>
+          <a:bodyPr anchor="ctr">
+            <a:normAutofit/>
+          </a:bodyPr>
+          <a:lstStyle>
+            <a:lvl1pPr marL="0" indent="0" algn="ctr">
+              <a:buNone/>
+              <a:defRPr sz="1600"/>
+            </a:lvl1pPr>
+            <a:lvl2pPr marL="457200" indent="0">
+              <a:buNone/>
+              <a:defRPr sz="1400"/>
+            </a:lvl2pPr>
+            <a:lvl3pPr marL="914400" indent="0">
+              <a:buNone/>
+              <a:defRPr sz="1200"/>
+            </a:lvl3pPr>
+            <a:lvl4pPr marL="1371600" indent="0">
+              <a:buNone/>
+              <a:defRPr sz="1000"/>
+            </a:lvl4pPr>
+            <a:lvl5pPr marL="1828800" indent="0">
+              <a:buNone/>
+              <a:defRPr sz="1000"/>
+            </a:lvl5pPr>
+            <a:lvl6pPr marL="2286000" indent="0">
+              <a:buNone/>
+              <a:defRPr sz="1000"/>
+            </a:lvl6pPr>
+            <a:lvl7pPr marL="2743200" indent="0">
+              <a:buNone/>
+              <a:defRPr sz="1000"/>
+            </a:lvl7pPr>
+            <a:lvl8pPr marL="3200400" indent="0">
+              <a:buNone/>
+              <a:defRPr sz="1000"/>
+            </a:lvl8pPr>
+            <a:lvl9pPr marL="3657600" indent="0">
+              <a:buNone/>
+              <a:defRPr sz="1000"/>
+            </a:lvl9pPr>
+          </a:lstStyle>
+          <a:p>
+            <a:pPr lvl="0"/>
+            <a:r>
+              <a:rPr lang="ja-JP" altLang="en-US"/>
+              <a:t>マスター テキストの書式設定</a:t>
+            </a:r>
+          </a:p>
+        </p:txBody>
+      </p:sp>
+      <p:sp>
+        <p:nvSpPr>
+          <p:cNvPr id="5" name="Date Placeholder 4"/>
+          <p:cNvSpPr>
+            <a:spLocks noGrp="1"/>
+          </p:cNvSpPr>
+          <p:nvPr>
+            <p:ph type="dt" sz="half" idx="10"/>
+          </p:nvPr>
+        </p:nvSpPr>
+        <p:spPr/>
+        <p:txBody>
+          <a:bodyPr/>
+          <a:lstStyle/>
+          <a:p>
+            <a:fld id="{58BF5568-29AB-45DD-8EFF-69708D92D8DE}" type="datetimeFigureOut">
+              <a:rPr kumimoji="1" lang="ja-JP" altLang="en-US" smtClean="0"/>
+              <a:t>2025/5/28</a:t>
+            </a:fld>
+            <a:endParaRPr kumimoji="1" lang="ja-JP" altLang="en-US"/>
+          </a:p>
+        </p:txBody>
+      </p:sp>
+      <p:sp>
+        <p:nvSpPr>
+          <p:cNvPr id="6" name="Footer Placeholder 5"/>
+          <p:cNvSpPr>
+            <a:spLocks noGrp="1"/>
+          </p:cNvSpPr>
+          <p:nvPr>
+            <p:ph type="ftr" sz="quarter" idx="11"/>
+          </p:nvPr>
+        </p:nvSpPr>
+        <p:spPr/>
+        <p:txBody>
+          <a:bodyPr/>
+          <a:lstStyle/>
+          <a:p>
+            <a:endParaRPr kumimoji="1" lang="ja-JP" altLang="en-US"/>
+          </a:p>
+        </p:txBody>
+      </p:sp>
+      <p:sp>
+        <p:nvSpPr>
+          <p:cNvPr id="7" name="Slide Number Placeholder 6"/>
+          <p:cNvSpPr>
+            <a:spLocks noGrp="1"/>
+          </p:cNvSpPr>
+          <p:nvPr>
+            <p:ph type="sldNum" sz="quarter" idx="12"/>
+          </p:nvPr>
+        </p:nvSpPr>
+        <p:spPr/>
+        <p:txBody>
+          <a:bodyPr/>
+          <a:lstStyle/>
+          <a:p>
+            <a:fld id="{DB40BF46-C8A2-4AA5-B2B8-D3C0D6FB49FA}" type="slidenum">
+              <a:rPr kumimoji="1" lang="ja-JP" altLang="en-US" smtClean="0"/>
+              <a:t>‹#›</a:t>
+            </a:fld>
+            <a:endParaRPr kumimoji="1" lang="ja-JP" altLang="en-US"/>
+          </a:p>
+        </p:txBody>
+      </p:sp>
+      <p:sp>
+        <p:nvSpPr>
+          <p:cNvPr id="13" name="TextBox 12"/>
+          <p:cNvSpPr txBox="1"/>
+          <p:nvPr/>
+        </p:nvSpPr>
+        <p:spPr>
+          <a:xfrm>
+            <a:off x="1001488" y="754166"/>
+            <a:ext cx="609600" cy="584776"/>
+          </a:xfrm>
+          <a:prstGeom prst="rect">
+            <a:avLst/>
+          </a:prstGeom>
+        </p:spPr>
+        <p:txBody>
+          <a:bodyPr vert="horz" lIns="91440" tIns="45720" rIns="91440" bIns="45720" rtlCol="0" anchor="ctr">
+            <a:noAutofit/>
+          </a:bodyPr>
+          <a:lstStyle>
+            <a:lvl1pPr>
+              <a:spcBef>
+                <a:spcPct val="0"/>
+              </a:spcBef>
+              <a:buNone/>
+              <a:defRPr sz="3200" b="0" cap="all">
+                <a:ln w="3175" cmpd="sng">
+                  <a:noFill/>
+                </a:ln>
+                <a:effectLst>
+                  <a:glow rad="38100">
+                    <a:schemeClr val="bg1">
+                      <a:lumMod val="65000"/>
+                      <a:lumOff val="35000"/>
+                      <a:alpha val="40000"/>
+                    </a:schemeClr>
+                  </a:glow>
+                  <a:outerShdw blurRad="28575" dist="38100" dir="14040000" algn="tl" rotWithShape="0">
+                    <a:srgbClr val="000000">
+                      <a:alpha val="25000"/>
+                    </a:srgbClr>
+                  </a:outerShdw>
+                </a:effectLst>
+              </a:defRPr>
+            </a:lvl1pPr>
+            <a:lvl2pPr>
+              <a:defRPr>
+                <a:solidFill>
+                  <a:schemeClr val="tx2"/>
+                </a:solidFill>
+              </a:defRPr>
+            </a:lvl2pPr>
+            <a:lvl3pPr>
+              <a:defRPr>
+                <a:solidFill>
+                  <a:schemeClr val="tx2"/>
+                </a:solidFill>
+              </a:defRPr>
+            </a:lvl3pPr>
+            <a:lvl4pPr>
+              <a:defRPr>
+                <a:solidFill>
+                  <a:schemeClr val="tx2"/>
+                </a:solidFill>
+              </a:defRPr>
+            </a:lvl4pPr>
+            <a:lvl5pPr>
+              <a:defRPr>
+                <a:solidFill>
+                  <a:schemeClr val="tx2"/>
+                </a:solidFill>
+              </a:defRPr>
+            </a:lvl5pPr>
+            <a:lvl6pPr>
+              <a:defRPr>
+                <a:solidFill>
+                  <a:schemeClr val="tx2"/>
+                </a:solidFill>
+              </a:defRPr>
+            </a:lvl6pPr>
+            <a:lvl7pPr>
+              <a:defRPr>
+                <a:solidFill>
+                  <a:schemeClr val="tx2"/>
+                </a:solidFill>
+              </a:defRPr>
+            </a:lvl7pPr>
+            <a:lvl8pPr>
+              <a:defRPr>
+                <a:solidFill>
+                  <a:schemeClr val="tx2"/>
+                </a:solidFill>
+              </a:defRPr>
+            </a:lvl8pPr>
+            <a:lvl9pPr>
+              <a:defRPr>
+                <a:solidFill>
+                  <a:schemeClr val="tx2"/>
+                </a:solidFill>
+              </a:defRPr>
+            </a:lvl9pPr>
+          </a:lstStyle>
+          <a:p>
+            <a:pPr lvl="0"/>
+            <a:r>
+              <a:rPr lang="en-US" sz="8000" dirty="0">
+                <a:solidFill>
+                  <a:schemeClr val="tx1"/>
+                </a:solidFill>
+                <a:effectLst/>
+              </a:rPr>
+              <a:t>“</a:t>
+            </a:r>
+          </a:p>
+        </p:txBody>
+      </p:sp>
+      <p:sp>
+        <p:nvSpPr>
+          <p:cNvPr id="14" name="TextBox 13"/>
+          <p:cNvSpPr txBox="1"/>
+          <p:nvPr/>
+        </p:nvSpPr>
+        <p:spPr>
+          <a:xfrm>
+            <a:off x="10557558" y="2993578"/>
+            <a:ext cx="609600" cy="584776"/>
+          </a:xfrm>
+          <a:prstGeom prst="rect">
+            <a:avLst/>
+          </a:prstGeom>
+        </p:spPr>
+        <p:txBody>
+          <a:bodyPr vert="horz" lIns="91440" tIns="45720" rIns="91440" bIns="45720" rtlCol="0" anchor="ctr">
+            <a:noAutofit/>
+          </a:bodyPr>
+          <a:lstStyle>
+            <a:lvl1pPr>
+              <a:spcBef>
+                <a:spcPct val="0"/>
+              </a:spcBef>
+              <a:buNone/>
+              <a:defRPr sz="3200" b="0" cap="all">
+                <a:ln w="3175" cmpd="sng">
+                  <a:noFill/>
+                </a:ln>
+                <a:effectLst>
+                  <a:glow rad="38100">
+                    <a:schemeClr val="bg1">
+                      <a:lumMod val="65000"/>
+                      <a:lumOff val="35000"/>
+                      <a:alpha val="40000"/>
+                    </a:schemeClr>
+                  </a:glow>
+                  <a:outerShdw blurRad="28575" dist="38100" dir="14040000" algn="tl" rotWithShape="0">
+                    <a:srgbClr val="000000">
+                      <a:alpha val="25000"/>
+                    </a:srgbClr>
+                  </a:outerShdw>
+                </a:effectLst>
+              </a:defRPr>
+            </a:lvl1pPr>
+            <a:lvl2pPr>
+              <a:defRPr>
+                <a:solidFill>
+                  <a:schemeClr val="tx2"/>
+                </a:solidFill>
+              </a:defRPr>
+            </a:lvl2pPr>
+            <a:lvl3pPr>
+              <a:defRPr>
+                <a:solidFill>
+                  <a:schemeClr val="tx2"/>
+                </a:solidFill>
+              </a:defRPr>
+            </a:lvl3pPr>
+            <a:lvl4pPr>
+              <a:defRPr>
+                <a:solidFill>
+                  <a:schemeClr val="tx2"/>
+                </a:solidFill>
+              </a:defRPr>
+            </a:lvl4pPr>
+            <a:lvl5pPr>
+              <a:defRPr>
+                <a:solidFill>
+                  <a:schemeClr val="tx2"/>
+                </a:solidFill>
+              </a:defRPr>
+            </a:lvl5pPr>
+            <a:lvl6pPr>
+              <a:defRPr>
+                <a:solidFill>
+                  <a:schemeClr val="tx2"/>
+                </a:solidFill>
+              </a:defRPr>
+            </a:lvl6pPr>
+            <a:lvl7pPr>
+              <a:defRPr>
+                <a:solidFill>
+                  <a:schemeClr val="tx2"/>
+                </a:solidFill>
+              </a:defRPr>
+            </a:lvl7pPr>
+            <a:lvl8pPr>
+              <a:defRPr>
+                <a:solidFill>
+                  <a:schemeClr val="tx2"/>
+                </a:solidFill>
+              </a:defRPr>
+            </a:lvl8pPr>
+            <a:lvl9pPr>
+              <a:defRPr>
+                <a:solidFill>
+                  <a:schemeClr val="tx2"/>
+                </a:solidFill>
+              </a:defRPr>
+            </a:lvl9pPr>
+          </a:lstStyle>
+          <a:p>
+            <a:pPr lvl="0" algn="r"/>
+            <a:r>
+              <a:rPr lang="en-US" sz="8000" dirty="0">
+                <a:solidFill>
+                  <a:schemeClr val="tx1"/>
+                </a:solidFill>
+                <a:effectLst/>
+              </a:rPr>
+              <a:t>”</a:t>
+            </a:r>
+          </a:p>
+        </p:txBody>
+      </p:sp>
+    </p:spTree>
+    <p:extLst>
+      <p:ext uri="{BB962C8B-B14F-4D97-AF65-F5344CB8AC3E}">
+        <p14:creationId xmlns:p14="http://schemas.microsoft.com/office/powerpoint/2010/main" val="1107260392"/>
+      </p:ext>
+    </p:extLst>
+  </p:cSld>
+  <p:clrMapOvr>
+    <a:masterClrMapping/>
+  </p:clrMapOvr>
+</p:sldLayout>
+</file>
+
+<file path=ppt/slideLayouts/slideLayout13.xml><?xml version="1.0" encoding="utf-8"?>
+<p:sldLayout xmlns:a="http://schemas.openxmlformats.org/drawingml/2006/main" xmlns:r="http://schemas.openxmlformats.org/officeDocument/2006/relationships" xmlns:p="http://schemas.openxmlformats.org/presentationml/2006/main" preserve="1">
+  <p:cSld name="名札">
+    <p:spTree>
+      <p:nvGrpSpPr>
+        <p:cNvPr id="1" name=""/>
+        <p:cNvGrpSpPr/>
+        <p:nvPr/>
+      </p:nvGrpSpPr>
+      <p:grpSpPr>
+        <a:xfrm>
+          <a:off x="0" y="0"/>
+          <a:ext cx="0" cy="0"/>
+          <a:chOff x="0" y="0"/>
+          <a:chExt cx="0" cy="0"/>
+        </a:xfrm>
+      </p:grpSpPr>
+      <p:pic>
+        <p:nvPicPr>
+          <p:cNvPr id="8" name="Picture 7" descr="Droplets-HD-Content-R1d.png"/>
+          <p:cNvPicPr>
+            <a:picLocks noChangeAspect="1"/>
+          </p:cNvPicPr>
+          <p:nvPr/>
+        </p:nvPicPr>
+        <p:blipFill>
+          <a:blip r:embed="rId2">
+            <a:extLst>
+              <a:ext uri="{28A0092B-C50C-407E-A947-70E740481C1C}">
+                <a14:useLocalDpi xmlns:a14="http://schemas.microsoft.com/office/drawing/2010/main" val="0"/>
+              </a:ext>
+            </a:extLst>
+          </a:blip>
+          <a:stretch>
+            <a:fillRect/>
+          </a:stretch>
+        </p:blipFill>
+        <p:spPr>
+          <a:xfrm>
+            <a:off x="0" y="0"/>
+            <a:ext cx="12192000" cy="6858000"/>
+          </a:xfrm>
+          <a:prstGeom prst="rect">
+            <a:avLst/>
+          </a:prstGeom>
+        </p:spPr>
+      </p:pic>
+      <p:sp>
+        <p:nvSpPr>
+          <p:cNvPr id="2" name="Title 1"/>
+          <p:cNvSpPr>
+            <a:spLocks noGrp="1"/>
+          </p:cNvSpPr>
+          <p:nvPr>
+            <p:ph type="title"/>
+          </p:nvPr>
+        </p:nvSpPr>
+        <p:spPr>
+          <a:xfrm>
+            <a:off x="913775" y="2138721"/>
+            <a:ext cx="10364452" cy="2511835"/>
+          </a:xfrm>
+        </p:spPr>
+        <p:txBody>
+          <a:bodyPr anchor="b"/>
+          <a:lstStyle>
+            <a:lvl1pPr algn="ctr">
+              <a:defRPr sz="3200"/>
+            </a:lvl1pPr>
+          </a:lstStyle>
+          <a:p>
+            <a:r>
+              <a:rPr lang="ja-JP" altLang="en-US"/>
+              <a:t>マスター タイトルの書式設定</a:t>
+            </a:r>
+            <a:endParaRPr lang="en-US" dirty="0"/>
+          </a:p>
+        </p:txBody>
+      </p:sp>
+      <p:sp>
+        <p:nvSpPr>
+          <p:cNvPr id="4" name="Text Placeholder 3"/>
+          <p:cNvSpPr>
+            <a:spLocks noGrp="1"/>
+          </p:cNvSpPr>
+          <p:nvPr>
+            <p:ph type="body" sz="half" idx="2"/>
+          </p:nvPr>
+        </p:nvSpPr>
+        <p:spPr>
+          <a:xfrm>
+            <a:off x="913775" y="4662335"/>
+            <a:ext cx="10364452" cy="1140644"/>
+          </a:xfrm>
+        </p:spPr>
+        <p:txBody>
+          <a:bodyPr anchor="t"/>
+          <a:lstStyle>
+            <a:lvl1pPr marL="0" indent="0" algn="ctr">
+              <a:buNone/>
+              <a:defRPr sz="1600"/>
+            </a:lvl1pPr>
+            <a:lvl2pPr marL="457200" indent="0">
+              <a:buNone/>
+              <a:defRPr sz="1400"/>
+            </a:lvl2pPr>
+            <a:lvl3pPr marL="914400" indent="0">
+              <a:buNone/>
+              <a:defRPr sz="1200"/>
+            </a:lvl3pPr>
+            <a:lvl4pPr marL="1371600" indent="0">
+              <a:buNone/>
+              <a:defRPr sz="1000"/>
+            </a:lvl4pPr>
+            <a:lvl5pPr marL="1828800" indent="0">
+              <a:buNone/>
+              <a:defRPr sz="1000"/>
+            </a:lvl5pPr>
+            <a:lvl6pPr marL="2286000" indent="0">
+              <a:buNone/>
+              <a:defRPr sz="1000"/>
+            </a:lvl6pPr>
+            <a:lvl7pPr marL="2743200" indent="0">
+              <a:buNone/>
+              <a:defRPr sz="1000"/>
+            </a:lvl7pPr>
+            <a:lvl8pPr marL="3200400" indent="0">
+              <a:buNone/>
+              <a:defRPr sz="1000"/>
+            </a:lvl8pPr>
+            <a:lvl9pPr marL="3657600" indent="0">
+              <a:buNone/>
+              <a:defRPr sz="1000"/>
+            </a:lvl9pPr>
+          </a:lstStyle>
+          <a:p>
+            <a:pPr lvl="0"/>
+            <a:r>
+              <a:rPr lang="ja-JP" altLang="en-US"/>
+              <a:t>マスター テキストの書式設定</a:t>
+            </a:r>
+          </a:p>
+        </p:txBody>
+      </p:sp>
+      <p:sp>
+        <p:nvSpPr>
+          <p:cNvPr id="5" name="Date Placeholder 4"/>
+          <p:cNvSpPr>
+            <a:spLocks noGrp="1"/>
+          </p:cNvSpPr>
+          <p:nvPr>
+            <p:ph type="dt" sz="half" idx="10"/>
+          </p:nvPr>
+        </p:nvSpPr>
+        <p:spPr/>
+        <p:txBody>
+          <a:bodyPr/>
+          <a:lstStyle/>
+          <a:p>
+            <a:fld id="{58BF5568-29AB-45DD-8EFF-69708D92D8DE}" type="datetimeFigureOut">
+              <a:rPr kumimoji="1" lang="ja-JP" altLang="en-US" smtClean="0"/>
+              <a:t>2025/5/28</a:t>
+            </a:fld>
+            <a:endParaRPr kumimoji="1" lang="ja-JP" altLang="en-US"/>
+          </a:p>
+        </p:txBody>
+      </p:sp>
+      <p:sp>
+        <p:nvSpPr>
+          <p:cNvPr id="6" name="Footer Placeholder 5"/>
+          <p:cNvSpPr>
+            <a:spLocks noGrp="1"/>
+          </p:cNvSpPr>
+          <p:nvPr>
+            <p:ph type="ftr" sz="quarter" idx="11"/>
+          </p:nvPr>
+        </p:nvSpPr>
+        <p:spPr/>
+        <p:txBody>
+          <a:bodyPr/>
+          <a:lstStyle/>
+          <a:p>
+            <a:endParaRPr kumimoji="1" lang="ja-JP" altLang="en-US"/>
+          </a:p>
+        </p:txBody>
+      </p:sp>
+      <p:sp>
+        <p:nvSpPr>
+          <p:cNvPr id="7" name="Slide Number Placeholder 6"/>
+          <p:cNvSpPr>
+            <a:spLocks noGrp="1"/>
+          </p:cNvSpPr>
+          <p:nvPr>
+            <p:ph type="sldNum" sz="quarter" idx="12"/>
+          </p:nvPr>
+        </p:nvSpPr>
+        <p:spPr/>
+        <p:txBody>
+          <a:bodyPr/>
+          <a:lstStyle/>
+          <a:p>
+            <a:fld id="{DB40BF46-C8A2-4AA5-B2B8-D3C0D6FB49FA}" type="slidenum">
+              <a:rPr kumimoji="1" lang="ja-JP" altLang="en-US" smtClean="0"/>
+              <a:t>‹#›</a:t>
+            </a:fld>
+            <a:endParaRPr kumimoji="1" lang="ja-JP" altLang="en-US"/>
+          </a:p>
+        </p:txBody>
+      </p:sp>
+    </p:spTree>
+    <p:extLst>
+      <p:ext uri="{BB962C8B-B14F-4D97-AF65-F5344CB8AC3E}">
+        <p14:creationId xmlns:p14="http://schemas.microsoft.com/office/powerpoint/2010/main" val="2222027760"/>
+      </p:ext>
+    </p:extLst>
+  </p:cSld>
+  <p:clrMapOvr>
+    <a:masterClrMapping/>
+  </p:clrMapOvr>
+</p:sldLayout>
+</file>
+
+<file path=ppt/slideLayouts/slideLayout14.xml><?xml version="1.0" encoding="utf-8"?>
+<p:sldLayout xmlns:a="http://schemas.openxmlformats.org/drawingml/2006/main" xmlns:r="http://schemas.openxmlformats.org/officeDocument/2006/relationships" xmlns:p="http://schemas.openxmlformats.org/presentationml/2006/main" preserve="1">
+  <p:cSld name="3 段">
+    <p:spTree>
+      <p:nvGrpSpPr>
+        <p:cNvPr id="1" name=""/>
+        <p:cNvGrpSpPr/>
+        <p:nvPr/>
+      </p:nvGrpSpPr>
+      <p:grpSpPr>
+        <a:xfrm>
+          <a:off x="0" y="0"/>
+          <a:ext cx="0" cy="0"/>
+          <a:chOff x="0" y="0"/>
+          <a:chExt cx="0" cy="0"/>
+        </a:xfrm>
+      </p:grpSpPr>
+      <p:pic>
+        <p:nvPicPr>
+          <p:cNvPr id="13" name="Picture 12" descr="Droplets-HD-Content-R1d.png"/>
+          <p:cNvPicPr>
+            <a:picLocks noChangeAspect="1"/>
+          </p:cNvPicPr>
+          <p:nvPr/>
+        </p:nvPicPr>
+        <p:blipFill>
+          <a:blip r:embed="rId2">
+            <a:extLst>
+              <a:ext uri="{28A0092B-C50C-407E-A947-70E740481C1C}">
+                <a14:useLocalDpi xmlns:a14="http://schemas.microsoft.com/office/drawing/2010/main" val="0"/>
+              </a:ext>
+            </a:extLst>
+          </a:blip>
+          <a:stretch>
+            <a:fillRect/>
+          </a:stretch>
+        </p:blipFill>
+        <p:spPr>
+          <a:xfrm>
+            <a:off x="0" y="0"/>
+            <a:ext cx="12192000" cy="6858000"/>
+          </a:xfrm>
+          <a:prstGeom prst="rect">
+            <a:avLst/>
+          </a:prstGeom>
+        </p:spPr>
+      </p:pic>
+      <p:sp>
+        <p:nvSpPr>
+          <p:cNvPr id="15" name="Title 1"/>
+          <p:cNvSpPr>
+            <a:spLocks noGrp="1"/>
+          </p:cNvSpPr>
+          <p:nvPr>
+            <p:ph type="title"/>
+          </p:nvPr>
+        </p:nvSpPr>
+        <p:spPr>
+          <a:xfrm>
+            <a:off x="913774" y="609600"/>
+            <a:ext cx="10364452" cy="1605094"/>
+          </a:xfrm>
+        </p:spPr>
+        <p:txBody>
+          <a:bodyPr/>
+          <a:lstStyle/>
+          <a:p>
+            <a:r>
+              <a:rPr lang="ja-JP" altLang="en-US"/>
+              <a:t>マスター タイトルの書式設定</a:t>
+            </a:r>
+            <a:endParaRPr lang="en-US" dirty="0"/>
+          </a:p>
+        </p:txBody>
+      </p:sp>
+      <p:sp>
+        <p:nvSpPr>
+          <p:cNvPr id="7" name="Text Placeholder 2"/>
+          <p:cNvSpPr>
+            <a:spLocks noGrp="1"/>
+          </p:cNvSpPr>
+          <p:nvPr>
+            <p:ph type="body" idx="1"/>
+          </p:nvPr>
+        </p:nvSpPr>
+        <p:spPr>
+          <a:xfrm>
+            <a:off x="913774" y="2367093"/>
+            <a:ext cx="3298976" cy="576262"/>
+          </a:xfrm>
+        </p:spPr>
+        <p:txBody>
+          <a:bodyPr anchor="b">
+            <a:noAutofit/>
+          </a:bodyPr>
+          <a:lstStyle>
+            <a:lvl1pPr marL="0" indent="0" algn="ctr">
+              <a:lnSpc>
+                <a:spcPct val="85000"/>
+              </a:lnSpc>
+              <a:buNone/>
+              <a:defRPr sz="2400" b="0">
+                <a:solidFill>
+                  <a:schemeClr val="tx1"/>
+                </a:solidFill>
+              </a:defRPr>
+            </a:lvl1pPr>
+            <a:lvl2pPr marL="457200" indent="0">
+              <a:buNone/>
+              <a:defRPr sz="2000" b="1"/>
+            </a:lvl2pPr>
+            <a:lvl3pPr marL="914400" indent="0">
+              <a:buNone/>
+              <a:defRPr sz="1800" b="1"/>
+            </a:lvl3pPr>
+            <a:lvl4pPr marL="1371600" indent="0">
+              <a:buNone/>
+              <a:defRPr sz="1600" b="1"/>
+            </a:lvl4pPr>
+            <a:lvl5pPr marL="1828800" indent="0">
+              <a:buNone/>
+              <a:defRPr sz="1600" b="1"/>
+            </a:lvl5pPr>
+            <a:lvl6pPr marL="2286000" indent="0">
+              <a:buNone/>
+              <a:defRPr sz="1600" b="1"/>
+            </a:lvl6pPr>
+            <a:lvl7pPr marL="2743200" indent="0">
+              <a:buNone/>
+              <a:defRPr sz="1600" b="1"/>
+            </a:lvl7pPr>
+            <a:lvl8pPr marL="3200400" indent="0">
+              <a:buNone/>
+              <a:defRPr sz="1600" b="1"/>
+            </a:lvl8pPr>
+            <a:lvl9pPr marL="3657600" indent="0">
+              <a:buNone/>
+              <a:defRPr sz="1600" b="1"/>
+            </a:lvl9pPr>
+          </a:lstStyle>
+          <a:p>
+            <a:pPr lvl="0"/>
+            <a:r>
+              <a:rPr lang="ja-JP" altLang="en-US"/>
+              <a:t>マスター テキストの書式設定</a:t>
+            </a:r>
+          </a:p>
+        </p:txBody>
+      </p:sp>
+      <p:sp>
+        <p:nvSpPr>
+          <p:cNvPr id="8" name="Text Placeholder 3"/>
+          <p:cNvSpPr>
+            <a:spLocks noGrp="1"/>
+          </p:cNvSpPr>
+          <p:nvPr>
+            <p:ph type="body" sz="half" idx="15"/>
+          </p:nvPr>
+        </p:nvSpPr>
+        <p:spPr>
+          <a:xfrm>
+            <a:off x="913774" y="2943355"/>
+            <a:ext cx="3298976" cy="2847845"/>
+          </a:xfrm>
+        </p:spPr>
+        <p:txBody>
+          <a:bodyPr anchor="t">
+            <a:normAutofit/>
+          </a:bodyPr>
+          <a:lstStyle>
+            <a:lvl1pPr marL="0" indent="0" algn="ctr">
+              <a:buNone/>
+              <a:defRPr sz="1400"/>
+            </a:lvl1pPr>
+            <a:lvl2pPr marL="457200" indent="0">
+              <a:buNone/>
+              <a:defRPr sz="1200"/>
+            </a:lvl2pPr>
+            <a:lvl3pPr marL="914400" indent="0">
+              <a:buNone/>
+              <a:defRPr sz="1000"/>
+            </a:lvl3pPr>
+            <a:lvl4pPr marL="1371600" indent="0">
+              <a:buNone/>
+              <a:defRPr sz="900"/>
+            </a:lvl4pPr>
+            <a:lvl5pPr marL="1828800" indent="0">
+              <a:buNone/>
+              <a:defRPr sz="900"/>
+            </a:lvl5pPr>
+            <a:lvl6pPr marL="2286000" indent="0">
+              <a:buNone/>
+              <a:defRPr sz="900"/>
+            </a:lvl6pPr>
+            <a:lvl7pPr marL="2743200" indent="0">
+              <a:buNone/>
+              <a:defRPr sz="900"/>
+            </a:lvl7pPr>
+            <a:lvl8pPr marL="3200400" indent="0">
+              <a:buNone/>
+              <a:defRPr sz="900"/>
+            </a:lvl8pPr>
+            <a:lvl9pPr marL="3657600" indent="0">
+              <a:buNone/>
+              <a:defRPr sz="900"/>
+            </a:lvl9pPr>
+          </a:lstStyle>
+          <a:p>
+            <a:pPr lvl="0"/>
+            <a:r>
+              <a:rPr lang="ja-JP" altLang="en-US"/>
+              <a:t>マスター テキストの書式設定</a:t>
+            </a:r>
+          </a:p>
+        </p:txBody>
+      </p:sp>
+      <p:sp>
+        <p:nvSpPr>
+          <p:cNvPr id="9" name="Text Placeholder 4"/>
+          <p:cNvSpPr>
+            <a:spLocks noGrp="1"/>
+          </p:cNvSpPr>
+          <p:nvPr>
+            <p:ph type="body" sz="quarter" idx="3"/>
+          </p:nvPr>
+        </p:nvSpPr>
+        <p:spPr>
+          <a:xfrm>
+            <a:off x="4452389" y="2367093"/>
+            <a:ext cx="3291521" cy="576262"/>
+          </a:xfrm>
+        </p:spPr>
+        <p:txBody>
+          <a:bodyPr anchor="b">
+            <a:noAutofit/>
+          </a:bodyPr>
+          <a:lstStyle>
+            <a:lvl1pPr marL="0" indent="0" algn="ctr">
+              <a:lnSpc>
+                <a:spcPct val="85000"/>
+              </a:lnSpc>
+              <a:buNone/>
+              <a:defRPr sz="2400" b="0">
+                <a:solidFill>
+                  <a:schemeClr val="tx1"/>
+                </a:solidFill>
+              </a:defRPr>
+            </a:lvl1pPr>
+            <a:lvl2pPr marL="457200" indent="0">
+              <a:buNone/>
+              <a:defRPr sz="2000" b="1"/>
+            </a:lvl2pPr>
+            <a:lvl3pPr marL="914400" indent="0">
+              <a:buNone/>
+              <a:defRPr sz="1800" b="1"/>
+            </a:lvl3pPr>
+            <a:lvl4pPr marL="1371600" indent="0">
+              <a:buNone/>
+              <a:defRPr sz="1600" b="1"/>
+            </a:lvl4pPr>
+            <a:lvl5pPr marL="1828800" indent="0">
+              <a:buNone/>
+              <a:defRPr sz="1600" b="1"/>
+            </a:lvl5pPr>
+            <a:lvl6pPr marL="2286000" indent="0">
+              <a:buNone/>
+              <a:defRPr sz="1600" b="1"/>
+            </a:lvl6pPr>
+            <a:lvl7pPr marL="2743200" indent="0">
+              <a:buNone/>
+              <a:defRPr sz="1600" b="1"/>
+            </a:lvl7pPr>
+            <a:lvl8pPr marL="3200400" indent="0">
+              <a:buNone/>
+              <a:defRPr sz="1600" b="1"/>
+            </a:lvl8pPr>
+            <a:lvl9pPr marL="3657600" indent="0">
+              <a:buNone/>
+              <a:defRPr sz="1600" b="1"/>
+            </a:lvl9pPr>
+          </a:lstStyle>
+          <a:p>
+            <a:pPr lvl="0"/>
+            <a:r>
+              <a:rPr lang="ja-JP" altLang="en-US"/>
+              <a:t>マスター テキストの書式設定</a:t>
+            </a:r>
+          </a:p>
+        </p:txBody>
+      </p:sp>
+      <p:sp>
+        <p:nvSpPr>
+          <p:cNvPr id="10" name="Text Placeholder 3"/>
+          <p:cNvSpPr>
+            <a:spLocks noGrp="1"/>
+          </p:cNvSpPr>
+          <p:nvPr>
+            <p:ph type="body" sz="half" idx="16"/>
+          </p:nvPr>
+        </p:nvSpPr>
+        <p:spPr>
+          <a:xfrm>
+            <a:off x="4441348" y="2943355"/>
+            <a:ext cx="3303351" cy="2847845"/>
+          </a:xfrm>
+        </p:spPr>
+        <p:txBody>
+          <a:bodyPr anchor="t">
+            <a:normAutofit/>
+          </a:bodyPr>
+          <a:lstStyle>
+            <a:lvl1pPr marL="0" indent="0" algn="ctr">
+              <a:buNone/>
+              <a:defRPr sz="1400"/>
+            </a:lvl1pPr>
+            <a:lvl2pPr marL="457200" indent="0">
+              <a:buNone/>
+              <a:defRPr sz="1200"/>
+            </a:lvl2pPr>
+            <a:lvl3pPr marL="914400" indent="0">
+              <a:buNone/>
+              <a:defRPr sz="1000"/>
+            </a:lvl3pPr>
+            <a:lvl4pPr marL="1371600" indent="0">
+              <a:buNone/>
+              <a:defRPr sz="900"/>
+            </a:lvl4pPr>
+            <a:lvl5pPr marL="1828800" indent="0">
+              <a:buNone/>
+              <a:defRPr sz="900"/>
+            </a:lvl5pPr>
+            <a:lvl6pPr marL="2286000" indent="0">
+              <a:buNone/>
+              <a:defRPr sz="900"/>
+            </a:lvl6pPr>
+            <a:lvl7pPr marL="2743200" indent="0">
+              <a:buNone/>
+              <a:defRPr sz="900"/>
+            </a:lvl7pPr>
+            <a:lvl8pPr marL="3200400" indent="0">
+              <a:buNone/>
+              <a:defRPr sz="900"/>
+            </a:lvl8pPr>
+            <a:lvl9pPr marL="3657600" indent="0">
+              <a:buNone/>
+              <a:defRPr sz="900"/>
+            </a:lvl9pPr>
+          </a:lstStyle>
+          <a:p>
+            <a:pPr lvl="0"/>
+            <a:r>
+              <a:rPr lang="ja-JP" altLang="en-US"/>
+              <a:t>マスター テキストの書式設定</a:t>
+            </a:r>
+          </a:p>
+        </p:txBody>
+      </p:sp>
+      <p:sp>
+        <p:nvSpPr>
+          <p:cNvPr id="11" name="Text Placeholder 4"/>
+          <p:cNvSpPr>
+            <a:spLocks noGrp="1"/>
+          </p:cNvSpPr>
+          <p:nvPr>
+            <p:ph type="body" sz="quarter" idx="13"/>
+          </p:nvPr>
+        </p:nvSpPr>
+        <p:spPr>
+          <a:xfrm>
+            <a:off x="7973298" y="2367093"/>
+            <a:ext cx="3304928" cy="576262"/>
+          </a:xfrm>
+        </p:spPr>
+        <p:txBody>
+          <a:bodyPr anchor="b">
+            <a:noAutofit/>
+          </a:bodyPr>
+          <a:lstStyle>
+            <a:lvl1pPr marL="0" indent="0" algn="ctr">
+              <a:lnSpc>
+                <a:spcPct val="85000"/>
+              </a:lnSpc>
+              <a:buNone/>
+              <a:defRPr sz="2400" b="0">
+                <a:solidFill>
+                  <a:schemeClr val="tx1"/>
+                </a:solidFill>
+              </a:defRPr>
+            </a:lvl1pPr>
+            <a:lvl2pPr marL="457200" indent="0">
+              <a:buNone/>
+              <a:defRPr sz="2000" b="1"/>
+            </a:lvl2pPr>
+            <a:lvl3pPr marL="914400" indent="0">
+              <a:buNone/>
+              <a:defRPr sz="1800" b="1"/>
+            </a:lvl3pPr>
+            <a:lvl4pPr marL="1371600" indent="0">
+              <a:buNone/>
+              <a:defRPr sz="1600" b="1"/>
+            </a:lvl4pPr>
+            <a:lvl5pPr marL="1828800" indent="0">
+              <a:buNone/>
+              <a:defRPr sz="1600" b="1"/>
+            </a:lvl5pPr>
+            <a:lvl6pPr marL="2286000" indent="0">
+              <a:buNone/>
+              <a:defRPr sz="1600" b="1"/>
+            </a:lvl6pPr>
+            <a:lvl7pPr marL="2743200" indent="0">
+              <a:buNone/>
+              <a:defRPr sz="1600" b="1"/>
+            </a:lvl7pPr>
+            <a:lvl8pPr marL="3200400" indent="0">
+              <a:buNone/>
+              <a:defRPr sz="1600" b="1"/>
+            </a:lvl8pPr>
+            <a:lvl9pPr marL="3657600" indent="0">
+              <a:buNone/>
+              <a:defRPr sz="1600" b="1"/>
+            </a:lvl9pPr>
+          </a:lstStyle>
+          <a:p>
+            <a:pPr lvl="0"/>
+            <a:r>
+              <a:rPr lang="ja-JP" altLang="en-US"/>
+              <a:t>マスター テキストの書式設定</a:t>
+            </a:r>
+          </a:p>
+        </p:txBody>
+      </p:sp>
+      <p:sp>
+        <p:nvSpPr>
+          <p:cNvPr id="12" name="Text Placeholder 3"/>
+          <p:cNvSpPr>
+            <a:spLocks noGrp="1"/>
+          </p:cNvSpPr>
+          <p:nvPr>
+            <p:ph type="body" sz="half" idx="17"/>
+          </p:nvPr>
+        </p:nvSpPr>
+        <p:spPr>
+          <a:xfrm>
+            <a:off x="7973298" y="2943355"/>
+            <a:ext cx="3304928" cy="2847845"/>
+          </a:xfrm>
+        </p:spPr>
+        <p:txBody>
+          <a:bodyPr anchor="t">
+            <a:normAutofit/>
+          </a:bodyPr>
+          <a:lstStyle>
+            <a:lvl1pPr marL="0" indent="0" algn="ctr">
+              <a:buNone/>
+              <a:defRPr sz="1400"/>
+            </a:lvl1pPr>
+            <a:lvl2pPr marL="457200" indent="0">
+              <a:buNone/>
+              <a:defRPr sz="1200"/>
+            </a:lvl2pPr>
+            <a:lvl3pPr marL="914400" indent="0">
+              <a:buNone/>
+              <a:defRPr sz="1000"/>
+            </a:lvl3pPr>
+            <a:lvl4pPr marL="1371600" indent="0">
+              <a:buNone/>
+              <a:defRPr sz="900"/>
+            </a:lvl4pPr>
+            <a:lvl5pPr marL="1828800" indent="0">
+              <a:buNone/>
+              <a:defRPr sz="900"/>
+            </a:lvl5pPr>
+            <a:lvl6pPr marL="2286000" indent="0">
+              <a:buNone/>
+              <a:defRPr sz="900"/>
+            </a:lvl6pPr>
+            <a:lvl7pPr marL="2743200" indent="0">
+              <a:buNone/>
+              <a:defRPr sz="900"/>
+            </a:lvl7pPr>
+            <a:lvl8pPr marL="3200400" indent="0">
+              <a:buNone/>
+              <a:defRPr sz="900"/>
+            </a:lvl8pPr>
+            <a:lvl9pPr marL="3657600" indent="0">
+              <a:buNone/>
+              <a:defRPr sz="900"/>
+            </a:lvl9pPr>
+          </a:lstStyle>
+          <a:p>
+            <a:pPr lvl="0"/>
+            <a:r>
+              <a:rPr lang="ja-JP" altLang="en-US"/>
+              <a:t>マスター テキストの書式設定</a:t>
+            </a:r>
+          </a:p>
+        </p:txBody>
+      </p:sp>
+      <p:sp>
+        <p:nvSpPr>
+          <p:cNvPr id="3" name="Date Placeholder 2"/>
+          <p:cNvSpPr>
+            <a:spLocks noGrp="1"/>
+          </p:cNvSpPr>
+          <p:nvPr>
+            <p:ph type="dt" sz="half" idx="10"/>
+          </p:nvPr>
+        </p:nvSpPr>
+        <p:spPr/>
+        <p:txBody>
+          <a:bodyPr/>
+          <a:lstStyle/>
+          <a:p>
+            <a:fld id="{58BF5568-29AB-45DD-8EFF-69708D92D8DE}" type="datetimeFigureOut">
+              <a:rPr kumimoji="1" lang="ja-JP" altLang="en-US" smtClean="0"/>
+              <a:t>2025/5/28</a:t>
+            </a:fld>
+            <a:endParaRPr kumimoji="1" lang="ja-JP" altLang="en-US"/>
+          </a:p>
+        </p:txBody>
+      </p:sp>
+      <p:sp>
+        <p:nvSpPr>
+          <p:cNvPr id="4" name="Footer Placeholder 3"/>
+          <p:cNvSpPr>
+            <a:spLocks noGrp="1"/>
+          </p:cNvSpPr>
+          <p:nvPr>
+            <p:ph type="ftr" sz="quarter" idx="11"/>
+          </p:nvPr>
+        </p:nvSpPr>
+        <p:spPr/>
+        <p:txBody>
+          <a:bodyPr/>
+          <a:lstStyle/>
+          <a:p>
+            <a:endParaRPr kumimoji="1" lang="ja-JP" altLang="en-US"/>
+          </a:p>
+        </p:txBody>
+      </p:sp>
+      <p:sp>
+        <p:nvSpPr>
+          <p:cNvPr id="5" name="Slide Number Placeholder 4"/>
+          <p:cNvSpPr>
+            <a:spLocks noGrp="1"/>
+          </p:cNvSpPr>
+          <p:nvPr>
+            <p:ph type="sldNum" sz="quarter" idx="12"/>
+          </p:nvPr>
+        </p:nvSpPr>
+        <p:spPr/>
+        <p:txBody>
+          <a:bodyPr/>
+          <a:lstStyle/>
+          <a:p>
+            <a:fld id="{DB40BF46-C8A2-4AA5-B2B8-D3C0D6FB49FA}" type="slidenum">
+              <a:rPr kumimoji="1" lang="ja-JP" altLang="en-US" smtClean="0"/>
+              <a:t>‹#›</a:t>
+            </a:fld>
+            <a:endParaRPr kumimoji="1" lang="ja-JP" altLang="en-US"/>
+          </a:p>
+        </p:txBody>
+      </p:sp>
+    </p:spTree>
+    <p:extLst>
+      <p:ext uri="{BB962C8B-B14F-4D97-AF65-F5344CB8AC3E}">
+        <p14:creationId xmlns:p14="http://schemas.microsoft.com/office/powerpoint/2010/main" val="3936631964"/>
+      </p:ext>
+    </p:extLst>
+  </p:cSld>
+  <p:clrMapOvr>
+    <a:masterClrMapping/>
+  </p:clrMapOvr>
+</p:sldLayout>
+</file>
+
+<file path=ppt/slideLayouts/slideLayout15.xml><?xml version="1.0" encoding="utf-8"?>
+<p:sldLayout xmlns:a="http://schemas.openxmlformats.org/drawingml/2006/main" xmlns:r="http://schemas.openxmlformats.org/officeDocument/2006/relationships" xmlns:p="http://schemas.openxmlformats.org/presentationml/2006/main" preserve="1">
+  <p:cSld name="3 つの画像列">
+    <p:spTree>
+      <p:nvGrpSpPr>
+        <p:cNvPr id="1" name=""/>
+        <p:cNvGrpSpPr/>
+        <p:nvPr/>
+      </p:nvGrpSpPr>
+      <p:grpSpPr>
+        <a:xfrm>
+          <a:off x="0" y="0"/>
+          <a:ext cx="0" cy="0"/>
+          <a:chOff x="0" y="0"/>
+          <a:chExt cx="0" cy="0"/>
+        </a:xfrm>
+      </p:grpSpPr>
+      <p:pic>
+        <p:nvPicPr>
+          <p:cNvPr id="16" name="Picture 15" descr="Droplets-HD-Content-R1d.png"/>
+          <p:cNvPicPr>
+            <a:picLocks noChangeAspect="1"/>
+          </p:cNvPicPr>
+          <p:nvPr/>
+        </p:nvPicPr>
+        <p:blipFill>
+          <a:blip r:embed="rId2">
+            <a:extLst>
+              <a:ext uri="{28A0092B-C50C-407E-A947-70E740481C1C}">
+                <a14:useLocalDpi xmlns:a14="http://schemas.microsoft.com/office/drawing/2010/main" val="0"/>
+              </a:ext>
+            </a:extLst>
+          </a:blip>
+          <a:stretch>
+            <a:fillRect/>
+          </a:stretch>
+        </p:blipFill>
+        <p:spPr>
+          <a:xfrm>
+            <a:off x="0" y="0"/>
+            <a:ext cx="12192000" cy="6858000"/>
+          </a:xfrm>
+          <a:prstGeom prst="rect">
+            <a:avLst/>
+          </a:prstGeom>
+        </p:spPr>
+      </p:pic>
+      <p:sp>
+        <p:nvSpPr>
+          <p:cNvPr id="30" name="Title 1"/>
+          <p:cNvSpPr>
+            <a:spLocks noGrp="1"/>
+          </p:cNvSpPr>
+          <p:nvPr>
+            <p:ph type="title"/>
+          </p:nvPr>
+        </p:nvSpPr>
+        <p:spPr>
+          <a:xfrm>
+            <a:off x="913774" y="610772"/>
+            <a:ext cx="10364452" cy="1603922"/>
+          </a:xfrm>
+        </p:spPr>
+        <p:txBody>
+          <a:bodyPr/>
+          <a:lstStyle/>
+          <a:p>
+            <a:r>
+              <a:rPr lang="ja-JP" altLang="en-US"/>
+              <a:t>マスター タイトルの書式設定</a:t>
+            </a:r>
+            <a:endParaRPr lang="en-US" dirty="0"/>
+          </a:p>
+        </p:txBody>
+      </p:sp>
+      <p:sp>
+        <p:nvSpPr>
+          <p:cNvPr id="19" name="Text Placeholder 2"/>
+          <p:cNvSpPr>
+            <a:spLocks noGrp="1"/>
+          </p:cNvSpPr>
+          <p:nvPr>
+            <p:ph type="body" idx="1"/>
+          </p:nvPr>
+        </p:nvSpPr>
+        <p:spPr>
+          <a:xfrm>
+            <a:off x="913774" y="4204820"/>
+            <a:ext cx="3296409" cy="576262"/>
+          </a:xfrm>
+        </p:spPr>
+        <p:txBody>
+          <a:bodyPr anchor="b">
+            <a:noAutofit/>
+          </a:bodyPr>
+          <a:lstStyle>
+            <a:lvl1pPr marL="0" indent="0" algn="ctr">
+              <a:lnSpc>
+                <a:spcPct val="85000"/>
+              </a:lnSpc>
+              <a:buNone/>
+              <a:defRPr sz="2200" b="0">
+                <a:solidFill>
+                  <a:schemeClr val="tx1"/>
+                </a:solidFill>
+              </a:defRPr>
+            </a:lvl1pPr>
+            <a:lvl2pPr marL="457200" indent="0">
+              <a:buNone/>
+              <a:defRPr sz="2000" b="1"/>
+            </a:lvl2pPr>
+            <a:lvl3pPr marL="914400" indent="0">
+              <a:buNone/>
+              <a:defRPr sz="1800" b="1"/>
+            </a:lvl3pPr>
+            <a:lvl4pPr marL="1371600" indent="0">
+              <a:buNone/>
+              <a:defRPr sz="1600" b="1"/>
+            </a:lvl4pPr>
+            <a:lvl5pPr marL="1828800" indent="0">
+              <a:buNone/>
+              <a:defRPr sz="1600" b="1"/>
+            </a:lvl5pPr>
+            <a:lvl6pPr marL="2286000" indent="0">
+              <a:buNone/>
+              <a:defRPr sz="1600" b="1"/>
+            </a:lvl6pPr>
+            <a:lvl7pPr marL="2743200" indent="0">
+              <a:buNone/>
+              <a:defRPr sz="1600" b="1"/>
+            </a:lvl7pPr>
+            <a:lvl8pPr marL="3200400" indent="0">
+              <a:buNone/>
+              <a:defRPr sz="1600" b="1"/>
+            </a:lvl8pPr>
+            <a:lvl9pPr marL="3657600" indent="0">
+              <a:buNone/>
+              <a:defRPr sz="1600" b="1"/>
+            </a:lvl9pPr>
+          </a:lstStyle>
+          <a:p>
+            <a:pPr lvl="0"/>
+            <a:r>
+              <a:rPr lang="ja-JP" altLang="en-US"/>
+              <a:t>マスター テキストの書式設定</a:t>
+            </a:r>
+          </a:p>
+        </p:txBody>
+      </p:sp>
+      <p:sp>
+        <p:nvSpPr>
+          <p:cNvPr id="20" name="Picture Placeholder 2"/>
+          <p:cNvSpPr>
+            <a:spLocks noGrp="1" noChangeAspect="1"/>
+          </p:cNvSpPr>
+          <p:nvPr>
+            <p:ph type="pic" idx="15"/>
+          </p:nvPr>
+        </p:nvSpPr>
+        <p:spPr>
+          <a:xfrm>
+            <a:off x="913774" y="2367093"/>
+            <a:ext cx="3296409" cy="1524000"/>
+          </a:xfrm>
+          <a:prstGeom prst="roundRect">
+            <a:avLst>
+              <a:gd name="adj" fmla="val 9363"/>
+            </a:avLst>
+          </a:prstGeom>
+          <a:noFill/>
+          <a:ln w="82550" cap="sq">
+            <a:solidFill>
+              <a:srgbClr val="EAEAEA"/>
+            </a:solidFill>
+            <a:miter lim="800000"/>
+          </a:ln>
+          <a:effectLst/>
+          <a:scene3d>
+            <a:camera prst="orthographicFront"/>
+            <a:lightRig rig="threePt" dir="t">
+              <a:rot lat="0" lon="0" rev="2700000"/>
+            </a:lightRig>
+          </a:scene3d>
+          <a:sp3d contourW="6350">
+            <a:bevelT h="38100"/>
+            <a:contourClr>
+              <a:srgbClr val="C0C0C0"/>
+            </a:contourClr>
+          </a:sp3d>
+        </p:spPr>
+        <p:txBody>
+          <a:bodyPr anchor="t">
+            <a:normAutofit/>
+          </a:bodyPr>
+          <a:lstStyle>
+            <a:lvl1pPr marL="0" indent="0" algn="ctr">
+              <a:buNone/>
+              <a:defRPr sz="1600"/>
+            </a:lvl1pPr>
+            <a:lvl2pPr marL="457200" indent="0">
+              <a:buNone/>
+              <a:defRPr sz="1600"/>
+            </a:lvl2pPr>
+            <a:lvl3pPr marL="914400" indent="0">
+              <a:buNone/>
+              <a:defRPr sz="1600"/>
+            </a:lvl3pPr>
+            <a:lvl4pPr marL="1371600" indent="0">
+              <a:buNone/>
+              <a:defRPr sz="1600"/>
+            </a:lvl4pPr>
+            <a:lvl5pPr marL="1828800" indent="0">
+              <a:buNone/>
+              <a:defRPr sz="1600"/>
+            </a:lvl5pPr>
+            <a:lvl6pPr marL="2286000" indent="0">
+              <a:buNone/>
+              <a:defRPr sz="1600"/>
+            </a:lvl6pPr>
+            <a:lvl7pPr marL="2743200" indent="0">
+              <a:buNone/>
+              <a:defRPr sz="1600"/>
+            </a:lvl7pPr>
+            <a:lvl8pPr marL="3200400" indent="0">
+              <a:buNone/>
+              <a:defRPr sz="1600"/>
+            </a:lvl8pPr>
+            <a:lvl9pPr marL="3657600" indent="0">
+              <a:buNone/>
+              <a:defRPr sz="1600"/>
+            </a:lvl9pPr>
+          </a:lstStyle>
+          <a:p>
+            <a:r>
+              <a:rPr lang="ja-JP" altLang="en-US"/>
+              <a:t>アイコンをクリックして図を追加</a:t>
+            </a:r>
+            <a:endParaRPr lang="en-US" dirty="0"/>
+          </a:p>
+        </p:txBody>
+      </p:sp>
+      <p:sp>
+        <p:nvSpPr>
+          <p:cNvPr id="21" name="Text Placeholder 3"/>
+          <p:cNvSpPr>
+            <a:spLocks noGrp="1"/>
+          </p:cNvSpPr>
+          <p:nvPr>
+            <p:ph type="body" sz="half" idx="18"/>
+          </p:nvPr>
+        </p:nvSpPr>
+        <p:spPr>
+          <a:xfrm>
+            <a:off x="913774" y="4781082"/>
+            <a:ext cx="3296409" cy="1010118"/>
+          </a:xfrm>
+        </p:spPr>
+        <p:txBody>
+          <a:bodyPr anchor="t">
+            <a:normAutofit/>
+          </a:bodyPr>
+          <a:lstStyle>
+            <a:lvl1pPr marL="0" indent="0" algn="ctr">
+              <a:buNone/>
+              <a:defRPr sz="1400"/>
+            </a:lvl1pPr>
+            <a:lvl2pPr marL="457200" indent="0">
+              <a:buNone/>
+              <a:defRPr sz="1200"/>
+            </a:lvl2pPr>
+            <a:lvl3pPr marL="914400" indent="0">
+              <a:buNone/>
+              <a:defRPr sz="1000"/>
+            </a:lvl3pPr>
+            <a:lvl4pPr marL="1371600" indent="0">
+              <a:buNone/>
+              <a:defRPr sz="900"/>
+            </a:lvl4pPr>
+            <a:lvl5pPr marL="1828800" indent="0">
+              <a:buNone/>
+              <a:defRPr sz="900"/>
+            </a:lvl5pPr>
+            <a:lvl6pPr marL="2286000" indent="0">
+              <a:buNone/>
+              <a:defRPr sz="900"/>
+            </a:lvl6pPr>
+            <a:lvl7pPr marL="2743200" indent="0">
+              <a:buNone/>
+              <a:defRPr sz="900"/>
+            </a:lvl7pPr>
+            <a:lvl8pPr marL="3200400" indent="0">
+              <a:buNone/>
+              <a:defRPr sz="900"/>
+            </a:lvl8pPr>
+            <a:lvl9pPr marL="3657600" indent="0">
+              <a:buNone/>
+              <a:defRPr sz="900"/>
+            </a:lvl9pPr>
+          </a:lstStyle>
+          <a:p>
+            <a:pPr lvl="0"/>
+            <a:r>
+              <a:rPr lang="ja-JP" altLang="en-US"/>
+              <a:t>マスター テキストの書式設定</a:t>
+            </a:r>
+          </a:p>
+        </p:txBody>
+      </p:sp>
+      <p:sp>
+        <p:nvSpPr>
+          <p:cNvPr id="22" name="Text Placeholder 4"/>
+          <p:cNvSpPr>
+            <a:spLocks noGrp="1"/>
+          </p:cNvSpPr>
+          <p:nvPr>
+            <p:ph type="body" sz="quarter" idx="3"/>
+          </p:nvPr>
+        </p:nvSpPr>
+        <p:spPr>
+          <a:xfrm>
+            <a:off x="4442759" y="4204820"/>
+            <a:ext cx="3301828" cy="576262"/>
+          </a:xfrm>
+        </p:spPr>
+        <p:txBody>
+          <a:bodyPr anchor="b">
+            <a:noAutofit/>
+          </a:bodyPr>
+          <a:lstStyle>
+            <a:lvl1pPr marL="0" indent="0" algn="ctr">
+              <a:lnSpc>
+                <a:spcPct val="85000"/>
+              </a:lnSpc>
+              <a:buNone/>
+              <a:defRPr sz="2200" b="0">
+                <a:solidFill>
+                  <a:schemeClr val="tx1"/>
+                </a:solidFill>
+              </a:defRPr>
+            </a:lvl1pPr>
+            <a:lvl2pPr marL="457200" indent="0">
+              <a:buNone/>
+              <a:defRPr sz="2000" b="1"/>
+            </a:lvl2pPr>
+            <a:lvl3pPr marL="914400" indent="0">
+              <a:buNone/>
+              <a:defRPr sz="1800" b="1"/>
+            </a:lvl3pPr>
+            <a:lvl4pPr marL="1371600" indent="0">
+              <a:buNone/>
+              <a:defRPr sz="1600" b="1"/>
+            </a:lvl4pPr>
+            <a:lvl5pPr marL="1828800" indent="0">
+              <a:buNone/>
+              <a:defRPr sz="1600" b="1"/>
+            </a:lvl5pPr>
+            <a:lvl6pPr marL="2286000" indent="0">
+              <a:buNone/>
+              <a:defRPr sz="1600" b="1"/>
+            </a:lvl6pPr>
+            <a:lvl7pPr marL="2743200" indent="0">
+              <a:buNone/>
+              <a:defRPr sz="1600" b="1"/>
+            </a:lvl7pPr>
+            <a:lvl8pPr marL="3200400" indent="0">
+              <a:buNone/>
+              <a:defRPr sz="1600" b="1"/>
+            </a:lvl8pPr>
+            <a:lvl9pPr marL="3657600" indent="0">
+              <a:buNone/>
+              <a:defRPr sz="1600" b="1"/>
+            </a:lvl9pPr>
+          </a:lstStyle>
+          <a:p>
+            <a:pPr lvl="0"/>
+            <a:r>
+              <a:rPr lang="ja-JP" altLang="en-US"/>
+              <a:t>マスター テキストの書式設定</a:t>
+            </a:r>
+          </a:p>
+        </p:txBody>
+      </p:sp>
+      <p:sp>
+        <p:nvSpPr>
+          <p:cNvPr id="23" name="Picture Placeholder 2"/>
+          <p:cNvSpPr>
+            <a:spLocks noGrp="1" noChangeAspect="1"/>
+          </p:cNvSpPr>
+          <p:nvPr>
+            <p:ph type="pic" idx="21"/>
+          </p:nvPr>
+        </p:nvSpPr>
+        <p:spPr>
+          <a:xfrm>
+            <a:off x="4441348" y="2367093"/>
+            <a:ext cx="3303352" cy="1524000"/>
+          </a:xfrm>
+          <a:prstGeom prst="roundRect">
+            <a:avLst>
+              <a:gd name="adj" fmla="val 8841"/>
+            </a:avLst>
+          </a:prstGeom>
+          <a:noFill/>
+          <a:ln w="82550" cap="sq">
+            <a:solidFill>
+              <a:srgbClr val="EAEAEA"/>
+            </a:solidFill>
+            <a:miter lim="800000"/>
+          </a:ln>
+          <a:effectLst/>
+          <a:scene3d>
+            <a:camera prst="orthographicFront"/>
+            <a:lightRig rig="threePt" dir="t">
+              <a:rot lat="0" lon="0" rev="2700000"/>
+            </a:lightRig>
+          </a:scene3d>
+          <a:sp3d contourW="6350">
+            <a:bevelT h="38100"/>
+            <a:contourClr>
+              <a:srgbClr val="C0C0C0"/>
+            </a:contourClr>
+          </a:sp3d>
+        </p:spPr>
+        <p:txBody>
+          <a:bodyPr anchor="t">
+            <a:normAutofit/>
+          </a:bodyPr>
+          <a:lstStyle>
+            <a:lvl1pPr marL="0" indent="0" algn="ctr">
+              <a:buNone/>
+              <a:defRPr sz="1600"/>
+            </a:lvl1pPr>
+            <a:lvl2pPr marL="457200" indent="0">
+              <a:buNone/>
+              <a:defRPr sz="1600"/>
+            </a:lvl2pPr>
+            <a:lvl3pPr marL="914400" indent="0">
+              <a:buNone/>
+              <a:defRPr sz="1600"/>
+            </a:lvl3pPr>
+            <a:lvl4pPr marL="1371600" indent="0">
+              <a:buNone/>
+              <a:defRPr sz="1600"/>
+            </a:lvl4pPr>
+            <a:lvl5pPr marL="1828800" indent="0">
+              <a:buNone/>
+              <a:defRPr sz="1600"/>
+            </a:lvl5pPr>
+            <a:lvl6pPr marL="2286000" indent="0">
+              <a:buNone/>
+              <a:defRPr sz="1600"/>
+            </a:lvl6pPr>
+            <a:lvl7pPr marL="2743200" indent="0">
+              <a:buNone/>
+              <a:defRPr sz="1600"/>
+            </a:lvl7pPr>
+            <a:lvl8pPr marL="3200400" indent="0">
+              <a:buNone/>
+              <a:defRPr sz="1600"/>
+            </a:lvl8pPr>
+            <a:lvl9pPr marL="3657600" indent="0">
+              <a:buNone/>
+              <a:defRPr sz="1600"/>
+            </a:lvl9pPr>
+          </a:lstStyle>
+          <a:p>
+            <a:r>
+              <a:rPr lang="ja-JP" altLang="en-US"/>
+              <a:t>アイコンをクリックして図を追加</a:t>
+            </a:r>
+            <a:endParaRPr lang="en-US" dirty="0"/>
+          </a:p>
+        </p:txBody>
+      </p:sp>
+      <p:sp>
+        <p:nvSpPr>
+          <p:cNvPr id="24" name="Text Placeholder 3"/>
+          <p:cNvSpPr>
+            <a:spLocks noGrp="1"/>
+          </p:cNvSpPr>
+          <p:nvPr>
+            <p:ph type="body" sz="half" idx="19"/>
+          </p:nvPr>
+        </p:nvSpPr>
+        <p:spPr>
+          <a:xfrm>
+            <a:off x="4441348" y="4781080"/>
+            <a:ext cx="3303352" cy="1010119"/>
+          </a:xfrm>
+        </p:spPr>
+        <p:txBody>
+          <a:bodyPr anchor="t">
+            <a:normAutofit/>
+          </a:bodyPr>
+          <a:lstStyle>
+            <a:lvl1pPr marL="0" indent="0" algn="ctr">
+              <a:buNone/>
+              <a:defRPr sz="1400"/>
+            </a:lvl1pPr>
+            <a:lvl2pPr marL="457200" indent="0">
+              <a:buNone/>
+              <a:defRPr sz="1200"/>
+            </a:lvl2pPr>
+            <a:lvl3pPr marL="914400" indent="0">
+              <a:buNone/>
+              <a:defRPr sz="1000"/>
+            </a:lvl3pPr>
+            <a:lvl4pPr marL="1371600" indent="0">
+              <a:buNone/>
+              <a:defRPr sz="900"/>
+            </a:lvl4pPr>
+            <a:lvl5pPr marL="1828800" indent="0">
+              <a:buNone/>
+              <a:defRPr sz="900"/>
+            </a:lvl5pPr>
+            <a:lvl6pPr marL="2286000" indent="0">
+              <a:buNone/>
+              <a:defRPr sz="900"/>
+            </a:lvl6pPr>
+            <a:lvl7pPr marL="2743200" indent="0">
+              <a:buNone/>
+              <a:defRPr sz="900"/>
+            </a:lvl7pPr>
+            <a:lvl8pPr marL="3200400" indent="0">
+              <a:buNone/>
+              <a:defRPr sz="900"/>
+            </a:lvl8pPr>
+            <a:lvl9pPr marL="3657600" indent="0">
+              <a:buNone/>
+              <a:defRPr sz="900"/>
+            </a:lvl9pPr>
+          </a:lstStyle>
+          <a:p>
+            <a:pPr lvl="0"/>
+            <a:r>
+              <a:rPr lang="ja-JP" altLang="en-US"/>
+              <a:t>マスター テキストの書式設定</a:t>
+            </a:r>
+          </a:p>
+        </p:txBody>
+      </p:sp>
+      <p:sp>
+        <p:nvSpPr>
+          <p:cNvPr id="25" name="Text Placeholder 4"/>
+          <p:cNvSpPr>
+            <a:spLocks noGrp="1"/>
+          </p:cNvSpPr>
+          <p:nvPr>
+            <p:ph type="body" sz="quarter" idx="13"/>
+          </p:nvPr>
+        </p:nvSpPr>
+        <p:spPr>
+          <a:xfrm>
+            <a:off x="7973298" y="4204820"/>
+            <a:ext cx="3300681" cy="576262"/>
+          </a:xfrm>
+        </p:spPr>
+        <p:txBody>
+          <a:bodyPr anchor="b">
+            <a:noAutofit/>
+          </a:bodyPr>
+          <a:lstStyle>
+            <a:lvl1pPr marL="0" indent="0" algn="ctr">
+              <a:lnSpc>
+                <a:spcPct val="85000"/>
+              </a:lnSpc>
+              <a:buNone/>
+              <a:defRPr sz="2200" b="0">
+                <a:solidFill>
+                  <a:schemeClr val="tx1"/>
+                </a:solidFill>
+              </a:defRPr>
+            </a:lvl1pPr>
+            <a:lvl2pPr marL="457200" indent="0">
+              <a:buNone/>
+              <a:defRPr sz="2000" b="1"/>
+            </a:lvl2pPr>
+            <a:lvl3pPr marL="914400" indent="0">
+              <a:buNone/>
+              <a:defRPr sz="1800" b="1"/>
+            </a:lvl3pPr>
+            <a:lvl4pPr marL="1371600" indent="0">
+              <a:buNone/>
+              <a:defRPr sz="1600" b="1"/>
+            </a:lvl4pPr>
+            <a:lvl5pPr marL="1828800" indent="0">
+              <a:buNone/>
+              <a:defRPr sz="1600" b="1"/>
+            </a:lvl5pPr>
+            <a:lvl6pPr marL="2286000" indent="0">
+              <a:buNone/>
+              <a:defRPr sz="1600" b="1"/>
+            </a:lvl6pPr>
+            <a:lvl7pPr marL="2743200" indent="0">
+              <a:buNone/>
+              <a:defRPr sz="1600" b="1"/>
+            </a:lvl7pPr>
+            <a:lvl8pPr marL="3200400" indent="0">
+              <a:buNone/>
+              <a:defRPr sz="1600" b="1"/>
+            </a:lvl8pPr>
+            <a:lvl9pPr marL="3657600" indent="0">
+              <a:buNone/>
+              <a:defRPr sz="1600" b="1"/>
+            </a:lvl9pPr>
+          </a:lstStyle>
+          <a:p>
+            <a:pPr lvl="0"/>
+            <a:r>
+              <a:rPr lang="ja-JP" altLang="en-US"/>
+              <a:t>マスター テキストの書式設定</a:t>
+            </a:r>
+          </a:p>
+        </p:txBody>
+      </p:sp>
+      <p:sp>
+        <p:nvSpPr>
+          <p:cNvPr id="26" name="Picture Placeholder 2"/>
+          <p:cNvSpPr>
+            <a:spLocks noGrp="1" noChangeAspect="1"/>
+          </p:cNvSpPr>
+          <p:nvPr>
+            <p:ph type="pic" idx="22"/>
+          </p:nvPr>
+        </p:nvSpPr>
+        <p:spPr>
+          <a:xfrm>
+            <a:off x="7973298" y="2367093"/>
+            <a:ext cx="3304928" cy="1524000"/>
+          </a:xfrm>
+          <a:prstGeom prst="roundRect">
+            <a:avLst>
+              <a:gd name="adj" fmla="val 8841"/>
+            </a:avLst>
+          </a:prstGeom>
+          <a:noFill/>
+          <a:ln w="82550" cap="sq">
+            <a:solidFill>
+              <a:srgbClr val="EAEAEA"/>
+            </a:solidFill>
+            <a:miter lim="800000"/>
+          </a:ln>
+          <a:effectLst/>
+          <a:scene3d>
+            <a:camera prst="orthographicFront"/>
+            <a:lightRig rig="threePt" dir="t">
+              <a:rot lat="0" lon="0" rev="2700000"/>
+            </a:lightRig>
+          </a:scene3d>
+          <a:sp3d contourW="6350">
+            <a:bevelT h="38100"/>
+            <a:contourClr>
+              <a:srgbClr val="C0C0C0"/>
+            </a:contourClr>
+          </a:sp3d>
+        </p:spPr>
+        <p:txBody>
+          <a:bodyPr anchor="t">
+            <a:normAutofit/>
+          </a:bodyPr>
+          <a:lstStyle>
+            <a:lvl1pPr marL="0" indent="0" algn="ctr">
+              <a:buNone/>
+              <a:defRPr sz="1600"/>
+            </a:lvl1pPr>
+            <a:lvl2pPr marL="457200" indent="0">
+              <a:buNone/>
+              <a:defRPr sz="1600"/>
+            </a:lvl2pPr>
+            <a:lvl3pPr marL="914400" indent="0">
+              <a:buNone/>
+              <a:defRPr sz="1600"/>
+            </a:lvl3pPr>
+            <a:lvl4pPr marL="1371600" indent="0">
+              <a:buNone/>
+              <a:defRPr sz="1600"/>
+            </a:lvl4pPr>
+            <a:lvl5pPr marL="1828800" indent="0">
+              <a:buNone/>
+              <a:defRPr sz="1600"/>
+            </a:lvl5pPr>
+            <a:lvl6pPr marL="2286000" indent="0">
+              <a:buNone/>
+              <a:defRPr sz="1600"/>
+            </a:lvl6pPr>
+            <a:lvl7pPr marL="2743200" indent="0">
+              <a:buNone/>
+              <a:defRPr sz="1600"/>
+            </a:lvl7pPr>
+            <a:lvl8pPr marL="3200400" indent="0">
+              <a:buNone/>
+              <a:defRPr sz="1600"/>
+            </a:lvl8pPr>
+            <a:lvl9pPr marL="3657600" indent="0">
+              <a:buNone/>
+              <a:defRPr sz="1600"/>
+            </a:lvl9pPr>
+          </a:lstStyle>
+          <a:p>
+            <a:r>
+              <a:rPr lang="ja-JP" altLang="en-US"/>
+              <a:t>アイコンをクリックして図を追加</a:t>
+            </a:r>
+            <a:endParaRPr lang="en-US" dirty="0"/>
+          </a:p>
+        </p:txBody>
+      </p:sp>
+      <p:sp>
+        <p:nvSpPr>
+          <p:cNvPr id="27" name="Text Placeholder 3"/>
+          <p:cNvSpPr>
+            <a:spLocks noGrp="1"/>
+          </p:cNvSpPr>
+          <p:nvPr>
+            <p:ph type="body" sz="half" idx="20"/>
+          </p:nvPr>
+        </p:nvSpPr>
+        <p:spPr>
+          <a:xfrm>
+            <a:off x="7973173" y="4781078"/>
+            <a:ext cx="3305053" cy="1010121"/>
+          </a:xfrm>
+        </p:spPr>
+        <p:txBody>
+          <a:bodyPr anchor="t">
+            <a:normAutofit/>
+          </a:bodyPr>
+          <a:lstStyle>
+            <a:lvl1pPr marL="0" indent="0" algn="ctr">
+              <a:buNone/>
+              <a:defRPr sz="1400"/>
+            </a:lvl1pPr>
+            <a:lvl2pPr marL="457200" indent="0">
+              <a:buNone/>
+              <a:defRPr sz="1200"/>
+            </a:lvl2pPr>
+            <a:lvl3pPr marL="914400" indent="0">
+              <a:buNone/>
+              <a:defRPr sz="1000"/>
+            </a:lvl3pPr>
+            <a:lvl4pPr marL="1371600" indent="0">
+              <a:buNone/>
+              <a:defRPr sz="900"/>
+            </a:lvl4pPr>
+            <a:lvl5pPr marL="1828800" indent="0">
+              <a:buNone/>
+              <a:defRPr sz="900"/>
+            </a:lvl5pPr>
+            <a:lvl6pPr marL="2286000" indent="0">
+              <a:buNone/>
+              <a:defRPr sz="900"/>
+            </a:lvl6pPr>
+            <a:lvl7pPr marL="2743200" indent="0">
+              <a:buNone/>
+              <a:defRPr sz="900"/>
+            </a:lvl7pPr>
+            <a:lvl8pPr marL="3200400" indent="0">
+              <a:buNone/>
+              <a:defRPr sz="900"/>
+            </a:lvl8pPr>
+            <a:lvl9pPr marL="3657600" indent="0">
+              <a:buNone/>
+              <a:defRPr sz="900"/>
+            </a:lvl9pPr>
+          </a:lstStyle>
+          <a:p>
+            <a:pPr lvl="0"/>
+            <a:r>
+              <a:rPr lang="ja-JP" altLang="en-US"/>
+              <a:t>マスター テキストの書式設定</a:t>
+            </a:r>
+          </a:p>
+        </p:txBody>
+      </p:sp>
+      <p:sp>
+        <p:nvSpPr>
+          <p:cNvPr id="3" name="Date Placeholder 2"/>
+          <p:cNvSpPr>
+            <a:spLocks noGrp="1"/>
+          </p:cNvSpPr>
+          <p:nvPr>
+            <p:ph type="dt" sz="half" idx="10"/>
+          </p:nvPr>
+        </p:nvSpPr>
+        <p:spPr/>
+        <p:txBody>
+          <a:bodyPr/>
+          <a:lstStyle/>
+          <a:p>
+            <a:fld id="{58BF5568-29AB-45DD-8EFF-69708D92D8DE}" type="datetimeFigureOut">
+              <a:rPr kumimoji="1" lang="ja-JP" altLang="en-US" smtClean="0"/>
+              <a:t>2025/5/28</a:t>
+            </a:fld>
+            <a:endParaRPr kumimoji="1" lang="ja-JP" altLang="en-US"/>
+          </a:p>
+        </p:txBody>
+      </p:sp>
+      <p:sp>
+        <p:nvSpPr>
+          <p:cNvPr id="4" name="Footer Placeholder 3"/>
+          <p:cNvSpPr>
+            <a:spLocks noGrp="1"/>
+          </p:cNvSpPr>
+          <p:nvPr>
+            <p:ph type="ftr" sz="quarter" idx="11"/>
+          </p:nvPr>
+        </p:nvSpPr>
+        <p:spPr/>
+        <p:txBody>
+          <a:bodyPr/>
+          <a:lstStyle/>
+          <a:p>
+            <a:endParaRPr kumimoji="1" lang="ja-JP" altLang="en-US"/>
+          </a:p>
+        </p:txBody>
+      </p:sp>
+      <p:sp>
+        <p:nvSpPr>
+          <p:cNvPr id="5" name="Slide Number Placeholder 4"/>
+          <p:cNvSpPr>
+            <a:spLocks noGrp="1"/>
+          </p:cNvSpPr>
+          <p:nvPr>
+            <p:ph type="sldNum" sz="quarter" idx="12"/>
+          </p:nvPr>
+        </p:nvSpPr>
+        <p:spPr/>
+        <p:txBody>
+          <a:bodyPr/>
+          <a:lstStyle/>
+          <a:p>
+            <a:fld id="{DB40BF46-C8A2-4AA5-B2B8-D3C0D6FB49FA}" type="slidenum">
+              <a:rPr kumimoji="1" lang="ja-JP" altLang="en-US" smtClean="0"/>
+              <a:t>‹#›</a:t>
+            </a:fld>
+            <a:endParaRPr kumimoji="1" lang="ja-JP" altLang="en-US"/>
+          </a:p>
+        </p:txBody>
+      </p:sp>
+    </p:spTree>
+    <p:extLst>
+      <p:ext uri="{BB962C8B-B14F-4D97-AF65-F5344CB8AC3E}">
+        <p14:creationId xmlns:p14="http://schemas.microsoft.com/office/powerpoint/2010/main" val="1145581710"/>
+      </p:ext>
+    </p:extLst>
+  </p:cSld>
+  <p:clrMapOvr>
+    <a:masterClrMapping/>
+  </p:clrMapOvr>
+</p:sldLayout>
+</file>
+
+<file path=ppt/slideLayouts/slideLayout16.xml><?xml version="1.0" encoding="utf-8"?>
 <p:sldLayout xmlns:a="http://schemas.openxmlformats.org/drawingml/2006/main" xmlns:r="http://schemas.openxmlformats.org/officeDocument/2006/relationships" xmlns:p="http://schemas.openxmlformats.org/presentationml/2006/main" type="vertTx" preserve="1">
   <p:cSld name="タイトルと縦書きテキスト">
     <p:spTree>
@@ -538,15 +3261,39 @@
           <a:chExt cx="0" cy="0"/>
         </a:xfrm>
       </p:grpSpPr>
-      <p:sp>
-        <p:nvSpPr>
-          <p:cNvPr id="2" name="タイトル 1">
+      <p:pic>
+        <p:nvPicPr>
+          <p:cNvPr id="8" name="Picture 7" descr="Droplets-HD-Content-R1d.png"/>
+          <p:cNvPicPr>
+            <a:picLocks noChangeAspect="1"/>
+          </p:cNvPicPr>
+          <p:nvPr/>
+        </p:nvPicPr>
+        <p:blipFill>
+          <a:blip r:embed="rId2">
             <a:extLst>
-              <a:ext uri="{FF2B5EF4-FFF2-40B4-BE49-F238E27FC236}">
-                <a16:creationId xmlns:a16="http://schemas.microsoft.com/office/drawing/2014/main" id="{246FE928-8A19-412C-9C9E-50B71442A924}"/>
+              <a:ext uri="{28A0092B-C50C-407E-A947-70E740481C1C}">
+                <a14:useLocalDpi xmlns:a14="http://schemas.microsoft.com/office/drawing/2010/main" val="0"/>
               </a:ext>
             </a:extLst>
-          </p:cNvPr>
+          </a:blip>
+          <a:stretch>
+            <a:fillRect/>
+          </a:stretch>
+        </p:blipFill>
+        <p:spPr>
+          <a:xfrm>
+            <a:off x="0" y="0"/>
+            <a:ext cx="12192000" cy="6858000"/>
+          </a:xfrm>
+          <a:prstGeom prst="rect">
+            <a:avLst/>
+          </a:prstGeom>
+        </p:spPr>
+      </p:pic>
+      <p:sp>
+        <p:nvSpPr>
+          <p:cNvPr id="2" name="Title 1"/>
           <p:cNvSpPr>
             <a:spLocks noGrp="1"/>
           </p:cNvSpPr>
@@ -560,110 +3307,105 @@
           <a:lstStyle/>
           <a:p>
             <a:r>
-              <a:rPr kumimoji="1" lang="ja-JP" altLang="en-US"/>
+              <a:rPr lang="ja-JP" altLang="en-US"/>
               <a:t>マスター タイトルの書式設定</a:t>
             </a:r>
-          </a:p>
-        </p:txBody>
-      </p:sp>
-      <p:sp>
-        <p:nvSpPr>
-          <p:cNvPr id="3" name="縦書きテキスト プレースホルダー 2">
-            <a:extLst>
-              <a:ext uri="{FF2B5EF4-FFF2-40B4-BE49-F238E27FC236}">
-                <a16:creationId xmlns:a16="http://schemas.microsoft.com/office/drawing/2014/main" id="{6F2C3DF7-3607-4377-A0AB-51F9E6A2D143}"/>
-              </a:ext>
-            </a:extLst>
-          </p:cNvPr>
-          <p:cNvSpPr>
-            <a:spLocks noGrp="1"/>
-          </p:cNvSpPr>
-          <p:nvPr>
-            <p:ph type="body" orient="vert" idx="1"/>
-          </p:nvPr>
-        </p:nvSpPr>
-        <p:spPr/>
+            <a:endParaRPr lang="en-US" dirty="0"/>
+          </a:p>
+        </p:txBody>
+      </p:sp>
+      <p:sp>
+        <p:nvSpPr>
+          <p:cNvPr id="11" name="Vertical Text Placeholder 2"/>
+          <p:cNvSpPr>
+            <a:spLocks noGrp="1"/>
+          </p:cNvSpPr>
+          <p:nvPr>
+            <p:ph type="body" orient="vert" sz="quarter" idx="13"/>
+          </p:nvPr>
+        </p:nvSpPr>
+        <p:spPr>
+          <a:xfrm>
+            <a:off x="913775" y="2367093"/>
+            <a:ext cx="10364452" cy="3424107"/>
+          </a:xfrm>
+        </p:spPr>
         <p:txBody>
           <a:bodyPr vert="eaVert"/>
           <a:lstStyle/>
           <a:p>
             <a:pPr lvl="0"/>
             <a:r>
-              <a:rPr kumimoji="1" lang="ja-JP" altLang="en-US"/>
+              <a:rPr lang="ja-JP" altLang="en-US"/>
               <a:t>マスター テキストの書式設定</a:t>
             </a:r>
           </a:p>
           <a:p>
             <a:pPr lvl="1"/>
             <a:r>
-              <a:rPr kumimoji="1" lang="ja-JP" altLang="en-US"/>
+              <a:rPr lang="ja-JP" altLang="en-US"/>
               <a:t>第 </a:t>
             </a:r>
             <a:r>
-              <a:rPr kumimoji="1" lang="en-US" altLang="ja-JP"/>
+              <a:rPr lang="en-US" altLang="ja-JP"/>
               <a:t>2 </a:t>
             </a:r>
             <a:r>
-              <a:rPr kumimoji="1" lang="ja-JP" altLang="en-US"/>
+              <a:rPr lang="ja-JP" altLang="en-US"/>
               <a:t>レベル</a:t>
             </a:r>
           </a:p>
           <a:p>
             <a:pPr lvl="2"/>
             <a:r>
-              <a:rPr kumimoji="1" lang="ja-JP" altLang="en-US"/>
+              <a:rPr lang="ja-JP" altLang="en-US"/>
               <a:t>第 </a:t>
             </a:r>
             <a:r>
-              <a:rPr kumimoji="1" lang="en-US" altLang="ja-JP"/>
+              <a:rPr lang="en-US" altLang="ja-JP"/>
               <a:t>3 </a:t>
             </a:r>
             <a:r>
-              <a:rPr kumimoji="1" lang="ja-JP" altLang="en-US"/>
+              <a:rPr lang="ja-JP" altLang="en-US"/>
               <a:t>レベル</a:t>
             </a:r>
           </a:p>
           <a:p>
             <a:pPr lvl="3"/>
             <a:r>
-              <a:rPr kumimoji="1" lang="ja-JP" altLang="en-US"/>
+              <a:rPr lang="ja-JP" altLang="en-US"/>
               <a:t>第 </a:t>
             </a:r>
             <a:r>
-              <a:rPr kumimoji="1" lang="en-US" altLang="ja-JP"/>
+              <a:rPr lang="en-US" altLang="ja-JP"/>
               <a:t>4 </a:t>
             </a:r>
             <a:r>
-              <a:rPr kumimoji="1" lang="ja-JP" altLang="en-US"/>
+              <a:rPr lang="ja-JP" altLang="en-US"/>
               <a:t>レベル</a:t>
             </a:r>
           </a:p>
           <a:p>
             <a:pPr lvl="4"/>
             <a:r>
-              <a:rPr kumimoji="1" lang="ja-JP" altLang="en-US"/>
+              <a:rPr lang="ja-JP" altLang="en-US"/>
               <a:t>第 </a:t>
             </a:r>
             <a:r>
-              <a:rPr kumimoji="1" lang="en-US" altLang="ja-JP"/>
+              <a:rPr lang="en-US" altLang="ja-JP"/>
               <a:t>5 </a:t>
             </a:r>
             <a:r>
-              <a:rPr kumimoji="1" lang="ja-JP" altLang="en-US"/>
+              <a:rPr lang="ja-JP" altLang="en-US"/>
               <a:t>レベル</a:t>
             </a:r>
-          </a:p>
-        </p:txBody>
-      </p:sp>
-      <p:sp>
-        <p:nvSpPr>
-          <p:cNvPr id="4" name="日付プレースホルダー 3">
-            <a:extLst>
-              <a:ext uri="{FF2B5EF4-FFF2-40B4-BE49-F238E27FC236}">
-                <a16:creationId xmlns:a16="http://schemas.microsoft.com/office/drawing/2014/main" id="{F84555B8-922F-4366-B07D-9B9FB66A2074}"/>
-              </a:ext>
-            </a:extLst>
-          </p:cNvPr>
+            <a:endParaRPr lang="en-US" dirty="0"/>
+          </a:p>
+        </p:txBody>
+      </p:sp>
+      <p:sp>
+        <p:nvSpPr>
+          <p:cNvPr id="4" name="Date Placeholder 3"/>
           <p:cNvSpPr>
             <a:spLocks noGrp="1"/>
           </p:cNvSpPr>
@@ -686,13 +3428,7 @@
       </p:sp>
       <p:sp>
         <p:nvSpPr>
-          <p:cNvPr id="5" name="フッター プレースホルダー 4">
-            <a:extLst>
-              <a:ext uri="{FF2B5EF4-FFF2-40B4-BE49-F238E27FC236}">
-                <a16:creationId xmlns:a16="http://schemas.microsoft.com/office/drawing/2014/main" id="{33C155E1-98A2-411C-A80F-C06EE6351CA3}"/>
-              </a:ext>
-            </a:extLst>
-          </p:cNvPr>
+          <p:cNvPr id="5" name="Footer Placeholder 4"/>
           <p:cNvSpPr>
             <a:spLocks noGrp="1"/>
           </p:cNvSpPr>
@@ -711,13 +3447,7 @@
       </p:sp>
       <p:sp>
         <p:nvSpPr>
-          <p:cNvPr id="6" name="スライド番号プレースホルダー 5">
-            <a:extLst>
-              <a:ext uri="{FF2B5EF4-FFF2-40B4-BE49-F238E27FC236}">
-                <a16:creationId xmlns:a16="http://schemas.microsoft.com/office/drawing/2014/main" id="{B4D3AF37-C5D3-4E07-B7D6-979C1385B6C6}"/>
-              </a:ext>
-            </a:extLst>
-          </p:cNvPr>
+          <p:cNvPr id="6" name="Slide Number Placeholder 5"/>
           <p:cNvSpPr>
             <a:spLocks noGrp="1"/>
           </p:cNvSpPr>
@@ -741,7 +3471,7 @@
     </p:spTree>
     <p:extLst>
       <p:ext uri="{BB962C8B-B14F-4D97-AF65-F5344CB8AC3E}">
-        <p14:creationId xmlns:p14="http://schemas.microsoft.com/office/powerpoint/2010/main" val="3713499619"/>
+        <p14:creationId xmlns:p14="http://schemas.microsoft.com/office/powerpoint/2010/main" val="2983463365"/>
       </p:ext>
     </p:extLst>
   </p:cSld>
@@ -751,7 +3481,7 @@
 </p:sldLayout>
 </file>
 
-<file path=ppt/slideLayouts/slideLayout11.xml><?xml version="1.0" encoding="utf-8"?>
+<file path=ppt/slideLayouts/slideLayout17.xml><?xml version="1.0" encoding="utf-8"?>
 <p:sldLayout xmlns:a="http://schemas.openxmlformats.org/drawingml/2006/main" xmlns:r="http://schemas.openxmlformats.org/officeDocument/2006/relationships" xmlns:p="http://schemas.openxmlformats.org/presentationml/2006/main" type="vertTitleAndTx" preserve="1">
   <p:cSld name="縦書きタイトルと&#10;縦書きテキスト">
     <p:spTree>
@@ -768,15 +3498,39 @@
           <a:chExt cx="0" cy="0"/>
         </a:xfrm>
       </p:grpSpPr>
-      <p:sp>
-        <p:nvSpPr>
-          <p:cNvPr id="2" name="縦書きタイトル 1">
+      <p:pic>
+        <p:nvPicPr>
+          <p:cNvPr id="9" name="Picture 8" descr="Droplets-HD-Content-R1d.png"/>
+          <p:cNvPicPr>
+            <a:picLocks noChangeAspect="1"/>
+          </p:cNvPicPr>
+          <p:nvPr/>
+        </p:nvPicPr>
+        <p:blipFill>
+          <a:blip r:embed="rId2">
             <a:extLst>
-              <a:ext uri="{FF2B5EF4-FFF2-40B4-BE49-F238E27FC236}">
-                <a16:creationId xmlns:a16="http://schemas.microsoft.com/office/drawing/2014/main" id="{40A22459-1E8B-43BA-B28F-91BC489F602F}"/>
+              <a:ext uri="{28A0092B-C50C-407E-A947-70E740481C1C}">
+                <a14:useLocalDpi xmlns:a14="http://schemas.microsoft.com/office/drawing/2010/main" val="0"/>
               </a:ext>
             </a:extLst>
-          </p:cNvPr>
+          </a:blip>
+          <a:stretch>
+            <a:fillRect/>
+          </a:stretch>
+        </p:blipFill>
+        <p:spPr>
+          <a:xfrm>
+            <a:off x="0" y="0"/>
+            <a:ext cx="12192000" cy="6858000"/>
+          </a:xfrm>
+          <a:prstGeom prst="rect">
+            <a:avLst/>
+          </a:prstGeom>
+        </p:spPr>
+      </p:pic>
+      <p:sp>
+        <p:nvSpPr>
+          <p:cNvPr id="2" name="Vertical Title 1"/>
           <p:cNvSpPr>
             <a:spLocks noGrp="1"/>
           </p:cNvSpPr>
@@ -786,124 +3540,118 @@
         </p:nvSpPr>
         <p:spPr>
           <a:xfrm>
-            <a:off x="8724900" y="365125"/>
-            <a:ext cx="2628900" cy="5811838"/>
+            <a:off x="8724900" y="609601"/>
+            <a:ext cx="2553326" cy="5181599"/>
+          </a:xfrm>
+        </p:spPr>
+        <p:txBody>
+          <a:bodyPr vert="eaVert"/>
+          <a:lstStyle>
+            <a:lvl1pPr algn="l">
+              <a:defRPr/>
+            </a:lvl1pPr>
+          </a:lstStyle>
+          <a:p>
+            <a:r>
+              <a:rPr lang="ja-JP" altLang="en-US"/>
+              <a:t>マスター タイトルの書式設定</a:t>
+            </a:r>
+            <a:endParaRPr lang="en-US" dirty="0"/>
+          </a:p>
+        </p:txBody>
+      </p:sp>
+      <p:sp>
+        <p:nvSpPr>
+          <p:cNvPr id="8" name="Vertical Text Placeholder 2"/>
+          <p:cNvSpPr>
+            <a:spLocks noGrp="1"/>
+          </p:cNvSpPr>
+          <p:nvPr>
+            <p:ph type="body" orient="vert" sz="quarter" idx="13"/>
+          </p:nvPr>
+        </p:nvSpPr>
+        <p:spPr>
+          <a:xfrm>
+            <a:off x="913775" y="609601"/>
+            <a:ext cx="7658724" cy="5181599"/>
           </a:xfrm>
         </p:spPr>
         <p:txBody>
           <a:bodyPr vert="eaVert"/>
           <a:lstStyle/>
           <a:p>
-            <a:r>
-              <a:rPr kumimoji="1" lang="ja-JP" altLang="en-US"/>
-              <a:t>マスター タイトルの書式設定</a:t>
-            </a:r>
-          </a:p>
-        </p:txBody>
-      </p:sp>
-      <p:sp>
-        <p:nvSpPr>
-          <p:cNvPr id="3" name="縦書きテキスト プレースホルダー 2">
-            <a:extLst>
-              <a:ext uri="{FF2B5EF4-FFF2-40B4-BE49-F238E27FC236}">
-                <a16:creationId xmlns:a16="http://schemas.microsoft.com/office/drawing/2014/main" id="{F71387A3-DD4E-47CB-9956-0EEA7E0D3BC9}"/>
-              </a:ext>
-            </a:extLst>
-          </p:cNvPr>
-          <p:cNvSpPr>
-            <a:spLocks noGrp="1"/>
-          </p:cNvSpPr>
-          <p:nvPr>
-            <p:ph type="body" orient="vert" idx="1"/>
-          </p:nvPr>
-        </p:nvSpPr>
-        <p:spPr>
-          <a:xfrm>
-            <a:off x="838200" y="365125"/>
-            <a:ext cx="7734300" cy="5811838"/>
-          </a:xfrm>
-        </p:spPr>
-        <p:txBody>
-          <a:bodyPr vert="eaVert"/>
-          <a:lstStyle/>
-          <a:p>
             <a:pPr lvl="0"/>
             <a:r>
-              <a:rPr kumimoji="1" lang="ja-JP" altLang="en-US"/>
+              <a:rPr lang="ja-JP" altLang="en-US"/>
               <a:t>マスター テキストの書式設定</a:t>
             </a:r>
           </a:p>
           <a:p>
             <a:pPr lvl="1"/>
             <a:r>
-              <a:rPr kumimoji="1" lang="ja-JP" altLang="en-US"/>
+              <a:rPr lang="ja-JP" altLang="en-US"/>
               <a:t>第 </a:t>
             </a:r>
             <a:r>
-              <a:rPr kumimoji="1" lang="en-US" altLang="ja-JP"/>
+              <a:rPr lang="en-US" altLang="ja-JP"/>
               <a:t>2 </a:t>
             </a:r>
             <a:r>
-              <a:rPr kumimoji="1" lang="ja-JP" altLang="en-US"/>
+              <a:rPr lang="ja-JP" altLang="en-US"/>
               <a:t>レベル</a:t>
             </a:r>
           </a:p>
           <a:p>
             <a:pPr lvl="2"/>
             <a:r>
-              <a:rPr kumimoji="1" lang="ja-JP" altLang="en-US"/>
+              <a:rPr lang="ja-JP" altLang="en-US"/>
               <a:t>第 </a:t>
             </a:r>
             <a:r>
-              <a:rPr kumimoji="1" lang="en-US" altLang="ja-JP"/>
+              <a:rPr lang="en-US" altLang="ja-JP"/>
               <a:t>3 </a:t>
             </a:r>
             <a:r>
-              <a:rPr kumimoji="1" lang="ja-JP" altLang="en-US"/>
+              <a:rPr lang="ja-JP" altLang="en-US"/>
               <a:t>レベル</a:t>
             </a:r>
           </a:p>
           <a:p>
             <a:pPr lvl="3"/>
             <a:r>
-              <a:rPr kumimoji="1" lang="ja-JP" altLang="en-US"/>
+              <a:rPr lang="ja-JP" altLang="en-US"/>
               <a:t>第 </a:t>
             </a:r>
             <a:r>
-              <a:rPr kumimoji="1" lang="en-US" altLang="ja-JP"/>
+              <a:rPr lang="en-US" altLang="ja-JP"/>
               <a:t>4 </a:t>
             </a:r>
             <a:r>
-              <a:rPr kumimoji="1" lang="ja-JP" altLang="en-US"/>
+              <a:rPr lang="ja-JP" altLang="en-US"/>
               <a:t>レベル</a:t>
             </a:r>
           </a:p>
           <a:p>
             <a:pPr lvl="4"/>
             <a:r>
-              <a:rPr kumimoji="1" lang="ja-JP" altLang="en-US"/>
+              <a:rPr lang="ja-JP" altLang="en-US"/>
               <a:t>第 </a:t>
             </a:r>
             <a:r>
-              <a:rPr kumimoji="1" lang="en-US" altLang="ja-JP"/>
+              <a:rPr lang="en-US" altLang="ja-JP"/>
               <a:t>5 </a:t>
             </a:r>
             <a:r>
-              <a:rPr kumimoji="1" lang="ja-JP" altLang="en-US"/>
+              <a:rPr lang="ja-JP" altLang="en-US"/>
               <a:t>レベル</a:t>
             </a:r>
-          </a:p>
-        </p:txBody>
-      </p:sp>
-      <p:sp>
-        <p:nvSpPr>
-          <p:cNvPr id="4" name="日付プレースホルダー 3">
-            <a:extLst>
-              <a:ext uri="{FF2B5EF4-FFF2-40B4-BE49-F238E27FC236}">
-                <a16:creationId xmlns:a16="http://schemas.microsoft.com/office/drawing/2014/main" id="{FA9A63C2-64CB-4174-B2FC-37C33A1CFCD2}"/>
-              </a:ext>
-            </a:extLst>
-          </p:cNvPr>
+            <a:endParaRPr lang="en-US" dirty="0"/>
+          </a:p>
+        </p:txBody>
+      </p:sp>
+      <p:sp>
+        <p:nvSpPr>
+          <p:cNvPr id="4" name="Date Placeholder 3"/>
           <p:cNvSpPr>
             <a:spLocks noGrp="1"/>
           </p:cNvSpPr>
@@ -926,13 +3674,7 @@
       </p:sp>
       <p:sp>
         <p:nvSpPr>
-          <p:cNvPr id="5" name="フッター プレースホルダー 4">
-            <a:extLst>
-              <a:ext uri="{FF2B5EF4-FFF2-40B4-BE49-F238E27FC236}">
-                <a16:creationId xmlns:a16="http://schemas.microsoft.com/office/drawing/2014/main" id="{A9FAF45D-335F-4529-96A1-EF25A226BF2A}"/>
-              </a:ext>
-            </a:extLst>
-          </p:cNvPr>
+          <p:cNvPr id="5" name="Footer Placeholder 4"/>
           <p:cNvSpPr>
             <a:spLocks noGrp="1"/>
           </p:cNvSpPr>
@@ -951,13 +3693,7 @@
       </p:sp>
       <p:sp>
         <p:nvSpPr>
-          <p:cNvPr id="6" name="スライド番号プレースホルダー 5">
-            <a:extLst>
-              <a:ext uri="{FF2B5EF4-FFF2-40B4-BE49-F238E27FC236}">
-                <a16:creationId xmlns:a16="http://schemas.microsoft.com/office/drawing/2014/main" id="{0CD3FD79-B2AA-4125-8315-E685D34F8E94}"/>
-              </a:ext>
-            </a:extLst>
-          </p:cNvPr>
+          <p:cNvPr id="6" name="Slide Number Placeholder 5"/>
           <p:cNvSpPr>
             <a:spLocks noGrp="1"/>
           </p:cNvSpPr>
@@ -981,7 +3717,209 @@
     </p:spTree>
     <p:extLst>
       <p:ext uri="{BB962C8B-B14F-4D97-AF65-F5344CB8AC3E}">
-        <p14:creationId xmlns:p14="http://schemas.microsoft.com/office/powerpoint/2010/main" val="2361347505"/>
+        <p14:creationId xmlns:p14="http://schemas.microsoft.com/office/powerpoint/2010/main" val="1104536478"/>
+      </p:ext>
+    </p:extLst>
+  </p:cSld>
+  <p:clrMapOvr>
+    <a:masterClrMapping/>
+  </p:clrMapOvr>
+</p:sldLayout>
+</file>
+
+<file path=ppt/slideLayouts/slideLayout18.xml><?xml version="1.0" encoding="utf-8"?>
+<p:sldLayout xmlns:a="http://schemas.openxmlformats.org/drawingml/2006/main" xmlns:r="http://schemas.openxmlformats.org/officeDocument/2006/relationships" xmlns:p="http://schemas.openxmlformats.org/presentationml/2006/main" type="obj">
+  <p:cSld name="1_タイトルとコンテンツ">
+    <p:spTree>
+      <p:nvGrpSpPr>
+        <p:cNvPr id="1" name=""/>
+        <p:cNvGrpSpPr/>
+        <p:nvPr/>
+      </p:nvGrpSpPr>
+      <p:grpSpPr>
+        <a:xfrm>
+          <a:off x="0" y="0"/>
+          <a:ext cx="0" cy="0"/>
+          <a:chOff x="0" y="0"/>
+          <a:chExt cx="0" cy="0"/>
+        </a:xfrm>
+      </p:grpSpPr>
+      <p:sp>
+        <p:nvSpPr>
+          <p:cNvPr id="2" name="Title 1"/>
+          <p:cNvSpPr>
+            <a:spLocks noGrp="1"/>
+          </p:cNvSpPr>
+          <p:nvPr>
+            <p:ph type="title"/>
+          </p:nvPr>
+        </p:nvSpPr>
+        <p:spPr/>
+        <p:txBody>
+          <a:bodyPr/>
+          <a:lstStyle/>
+          <a:p>
+            <a:r>
+              <a:rPr lang="ja-JP" altLang="en-US"/>
+              <a:t>マスター タイトルの書式設定</a:t>
+            </a:r>
+            <a:endParaRPr lang="en-US" dirty="0"/>
+          </a:p>
+        </p:txBody>
+      </p:sp>
+      <p:sp>
+        <p:nvSpPr>
+          <p:cNvPr id="3" name="Content Placeholder 2"/>
+          <p:cNvSpPr>
+            <a:spLocks noGrp="1"/>
+          </p:cNvSpPr>
+          <p:nvPr>
+            <p:ph idx="1"/>
+          </p:nvPr>
+        </p:nvSpPr>
+        <p:spPr/>
+        <p:txBody>
+          <a:bodyPr anchor="t"/>
+          <a:lstStyle/>
+          <a:p>
+            <a:pPr lvl="0"/>
+            <a:r>
+              <a:rPr lang="ja-JP" altLang="en-US"/>
+              <a:t>マスター テキストの書式設定</a:t>
+            </a:r>
+          </a:p>
+          <a:p>
+            <a:pPr lvl="1"/>
+            <a:r>
+              <a:rPr lang="ja-JP" altLang="en-US"/>
+              <a:t>第 </a:t>
+            </a:r>
+            <a:r>
+              <a:rPr lang="en-US" altLang="ja-JP"/>
+              <a:t>2 </a:t>
+            </a:r>
+            <a:r>
+              <a:rPr lang="ja-JP" altLang="en-US"/>
+              <a:t>レベル</a:t>
+            </a:r>
+          </a:p>
+          <a:p>
+            <a:pPr lvl="2"/>
+            <a:r>
+              <a:rPr lang="ja-JP" altLang="en-US"/>
+              <a:t>第 </a:t>
+            </a:r>
+            <a:r>
+              <a:rPr lang="en-US" altLang="ja-JP"/>
+              <a:t>3 </a:t>
+            </a:r>
+            <a:r>
+              <a:rPr lang="ja-JP" altLang="en-US"/>
+              <a:t>レベル</a:t>
+            </a:r>
+          </a:p>
+          <a:p>
+            <a:pPr lvl="3"/>
+            <a:r>
+              <a:rPr lang="ja-JP" altLang="en-US"/>
+              <a:t>第 </a:t>
+            </a:r>
+            <a:r>
+              <a:rPr lang="en-US" altLang="ja-JP"/>
+              <a:t>4 </a:t>
+            </a:r>
+            <a:r>
+              <a:rPr lang="ja-JP" altLang="en-US"/>
+              <a:t>レベル</a:t>
+            </a:r>
+          </a:p>
+          <a:p>
+            <a:pPr lvl="4"/>
+            <a:r>
+              <a:rPr lang="ja-JP" altLang="en-US"/>
+              <a:t>第 </a:t>
+            </a:r>
+            <a:r>
+              <a:rPr lang="en-US" altLang="ja-JP"/>
+              <a:t>5 </a:t>
+            </a:r>
+            <a:r>
+              <a:rPr lang="ja-JP" altLang="en-US"/>
+              <a:t>レベル</a:t>
+            </a:r>
+            <a:endParaRPr lang="en-US" dirty="0"/>
+          </a:p>
+        </p:txBody>
+      </p:sp>
+      <p:sp>
+        <p:nvSpPr>
+          <p:cNvPr id="4" name="Date Placeholder 3"/>
+          <p:cNvSpPr>
+            <a:spLocks noGrp="1"/>
+          </p:cNvSpPr>
+          <p:nvPr>
+            <p:ph type="dt" sz="half" idx="10"/>
+          </p:nvPr>
+        </p:nvSpPr>
+        <p:spPr/>
+        <p:txBody>
+          <a:bodyPr/>
+          <a:lstStyle/>
+          <a:p>
+            <a:fld id="{58BF5568-29AB-45DD-8EFF-69708D92D8DE}" type="datetimeFigureOut">
+              <a:rPr kumimoji="1" lang="ja-JP" altLang="en-US" smtClean="0"/>
+              <a:t>2025/5/28</a:t>
+            </a:fld>
+            <a:endParaRPr kumimoji="1" lang="ja-JP" altLang="en-US"/>
+          </a:p>
+        </p:txBody>
+      </p:sp>
+      <p:sp>
+        <p:nvSpPr>
+          <p:cNvPr id="5" name="Footer Placeholder 4"/>
+          <p:cNvSpPr>
+            <a:spLocks noGrp="1"/>
+          </p:cNvSpPr>
+          <p:nvPr>
+            <p:ph type="ftr" sz="quarter" idx="11"/>
+          </p:nvPr>
+        </p:nvSpPr>
+        <p:spPr/>
+        <p:txBody>
+          <a:bodyPr/>
+          <a:lstStyle/>
+          <a:p>
+            <a:endParaRPr kumimoji="1" lang="ja-JP" altLang="en-US"/>
+          </a:p>
+        </p:txBody>
+      </p:sp>
+      <p:sp>
+        <p:nvSpPr>
+          <p:cNvPr id="6" name="Slide Number Placeholder 5"/>
+          <p:cNvSpPr>
+            <a:spLocks noGrp="1"/>
+          </p:cNvSpPr>
+          <p:nvPr>
+            <p:ph type="sldNum" sz="quarter" idx="12"/>
+          </p:nvPr>
+        </p:nvSpPr>
+        <p:spPr/>
+        <p:txBody>
+          <a:bodyPr/>
+          <a:lstStyle/>
+          <a:p>
+            <a:fld id="{DB40BF46-C8A2-4AA5-B2B8-D3C0D6FB49FA}" type="slidenum">
+              <a:rPr kumimoji="1" lang="ja-JP" altLang="en-US" smtClean="0"/>
+              <a:t>‹#›</a:t>
+            </a:fld>
+            <a:endParaRPr kumimoji="1" lang="ja-JP" altLang="en-US"/>
+          </a:p>
+        </p:txBody>
+      </p:sp>
+    </p:spTree>
+    <p:extLst>
+      <p:ext uri="{BB962C8B-B14F-4D97-AF65-F5344CB8AC3E}">
+        <p14:creationId xmlns:p14="http://schemas.microsoft.com/office/powerpoint/2010/main" val="3198508349"/>
       </p:ext>
     </p:extLst>
   </p:cSld>
@@ -1008,15 +3946,39 @@
           <a:chExt cx="0" cy="0"/>
         </a:xfrm>
       </p:grpSpPr>
-      <p:sp>
-        <p:nvSpPr>
-          <p:cNvPr id="2" name="タイトル 1">
+      <p:pic>
+        <p:nvPicPr>
+          <p:cNvPr id="3" name="Picture 2" descr="Droplets-HD-Content-R1d.png"/>
+          <p:cNvPicPr>
+            <a:picLocks noChangeAspect="1"/>
+          </p:cNvPicPr>
+          <p:nvPr/>
+        </p:nvPicPr>
+        <p:blipFill>
+          <a:blip r:embed="rId2">
             <a:extLst>
-              <a:ext uri="{FF2B5EF4-FFF2-40B4-BE49-F238E27FC236}">
-                <a16:creationId xmlns:a16="http://schemas.microsoft.com/office/drawing/2014/main" id="{973A9606-3C78-453F-96B9-0B438086ED9F}"/>
+              <a:ext uri="{28A0092B-C50C-407E-A947-70E740481C1C}">
+                <a14:useLocalDpi xmlns:a14="http://schemas.microsoft.com/office/drawing/2010/main" val="0"/>
               </a:ext>
             </a:extLst>
-          </p:cNvPr>
+          </a:blip>
+          <a:stretch>
+            <a:fillRect/>
+          </a:stretch>
+        </p:blipFill>
+        <p:spPr>
+          <a:xfrm>
+            <a:off x="0" y="0"/>
+            <a:ext cx="12192000" cy="6858000"/>
+          </a:xfrm>
+          <a:prstGeom prst="rect">
+            <a:avLst/>
+          </a:prstGeom>
+        </p:spPr>
+      </p:pic>
+      <p:sp>
+        <p:nvSpPr>
+          <p:cNvPr id="2" name="Title 1"/>
           <p:cNvSpPr>
             <a:spLocks noGrp="1"/>
           </p:cNvSpPr>
@@ -1030,110 +3992,105 @@
           <a:lstStyle/>
           <a:p>
             <a:r>
-              <a:rPr kumimoji="1" lang="ja-JP" altLang="en-US"/>
+              <a:rPr lang="ja-JP" altLang="en-US"/>
               <a:t>マスター タイトルの書式設定</a:t>
             </a:r>
-          </a:p>
-        </p:txBody>
-      </p:sp>
-      <p:sp>
-        <p:nvSpPr>
-          <p:cNvPr id="3" name="コンテンツ プレースホルダー 2">
-            <a:extLst>
-              <a:ext uri="{FF2B5EF4-FFF2-40B4-BE49-F238E27FC236}">
-                <a16:creationId xmlns:a16="http://schemas.microsoft.com/office/drawing/2014/main" id="{6718152D-FF19-4A64-9CB2-5302D346CADE}"/>
-              </a:ext>
-            </a:extLst>
-          </p:cNvPr>
-          <p:cNvSpPr>
-            <a:spLocks noGrp="1"/>
-          </p:cNvSpPr>
-          <p:nvPr>
-            <p:ph idx="1"/>
-          </p:nvPr>
-        </p:nvSpPr>
-        <p:spPr/>
+            <a:endParaRPr lang="en-US" dirty="0"/>
+          </a:p>
+        </p:txBody>
+      </p:sp>
+      <p:sp>
+        <p:nvSpPr>
+          <p:cNvPr id="12" name="Content Placeholder 2"/>
+          <p:cNvSpPr>
+            <a:spLocks noGrp="1"/>
+          </p:cNvSpPr>
+          <p:nvPr>
+            <p:ph sz="quarter" idx="13"/>
+          </p:nvPr>
+        </p:nvSpPr>
+        <p:spPr>
+          <a:xfrm>
+            <a:off x="913774" y="2367092"/>
+            <a:ext cx="10363826" cy="3424107"/>
+          </a:xfrm>
+        </p:spPr>
         <p:txBody>
           <a:bodyPr/>
           <a:lstStyle/>
           <a:p>
             <a:pPr lvl="0"/>
             <a:r>
-              <a:rPr kumimoji="1" lang="ja-JP" altLang="en-US"/>
+              <a:rPr lang="ja-JP" altLang="en-US"/>
               <a:t>マスター テキストの書式設定</a:t>
             </a:r>
           </a:p>
           <a:p>
             <a:pPr lvl="1"/>
             <a:r>
-              <a:rPr kumimoji="1" lang="ja-JP" altLang="en-US"/>
+              <a:rPr lang="ja-JP" altLang="en-US"/>
               <a:t>第 </a:t>
             </a:r>
             <a:r>
-              <a:rPr kumimoji="1" lang="en-US" altLang="ja-JP"/>
+              <a:rPr lang="en-US" altLang="ja-JP"/>
               <a:t>2 </a:t>
             </a:r>
             <a:r>
-              <a:rPr kumimoji="1" lang="ja-JP" altLang="en-US"/>
+              <a:rPr lang="ja-JP" altLang="en-US"/>
               <a:t>レベル</a:t>
             </a:r>
           </a:p>
           <a:p>
             <a:pPr lvl="2"/>
             <a:r>
-              <a:rPr kumimoji="1" lang="ja-JP" altLang="en-US"/>
+              <a:rPr lang="ja-JP" altLang="en-US"/>
               <a:t>第 </a:t>
             </a:r>
             <a:r>
-              <a:rPr kumimoji="1" lang="en-US" altLang="ja-JP"/>
+              <a:rPr lang="en-US" altLang="ja-JP"/>
               <a:t>3 </a:t>
             </a:r>
             <a:r>
-              <a:rPr kumimoji="1" lang="ja-JP" altLang="en-US"/>
+              <a:rPr lang="ja-JP" altLang="en-US"/>
               <a:t>レベル</a:t>
             </a:r>
           </a:p>
           <a:p>
             <a:pPr lvl="3"/>
             <a:r>
-              <a:rPr kumimoji="1" lang="ja-JP" altLang="en-US"/>
+              <a:rPr lang="ja-JP" altLang="en-US"/>
               <a:t>第 </a:t>
             </a:r>
             <a:r>
-              <a:rPr kumimoji="1" lang="en-US" altLang="ja-JP"/>
+              <a:rPr lang="en-US" altLang="ja-JP"/>
               <a:t>4 </a:t>
             </a:r>
             <a:r>
-              <a:rPr kumimoji="1" lang="ja-JP" altLang="en-US"/>
+              <a:rPr lang="ja-JP" altLang="en-US"/>
               <a:t>レベル</a:t>
             </a:r>
           </a:p>
           <a:p>
             <a:pPr lvl="4"/>
             <a:r>
-              <a:rPr kumimoji="1" lang="ja-JP" altLang="en-US"/>
+              <a:rPr lang="ja-JP" altLang="en-US"/>
               <a:t>第 </a:t>
             </a:r>
             <a:r>
-              <a:rPr kumimoji="1" lang="en-US" altLang="ja-JP"/>
+              <a:rPr lang="en-US" altLang="ja-JP"/>
               <a:t>5 </a:t>
             </a:r>
             <a:r>
-              <a:rPr kumimoji="1" lang="ja-JP" altLang="en-US"/>
+              <a:rPr lang="ja-JP" altLang="en-US"/>
               <a:t>レベル</a:t>
             </a:r>
-          </a:p>
-        </p:txBody>
-      </p:sp>
-      <p:sp>
-        <p:nvSpPr>
-          <p:cNvPr id="4" name="日付プレースホルダー 3">
-            <a:extLst>
-              <a:ext uri="{FF2B5EF4-FFF2-40B4-BE49-F238E27FC236}">
-                <a16:creationId xmlns:a16="http://schemas.microsoft.com/office/drawing/2014/main" id="{980427CE-628A-4C2E-91FE-1A33D8049787}"/>
-              </a:ext>
-            </a:extLst>
-          </p:cNvPr>
+            <a:endParaRPr lang="en-US" dirty="0"/>
+          </a:p>
+        </p:txBody>
+      </p:sp>
+      <p:sp>
+        <p:nvSpPr>
+          <p:cNvPr id="4" name="Date Placeholder 3"/>
           <p:cNvSpPr>
             <a:spLocks noGrp="1"/>
           </p:cNvSpPr>
@@ -1156,13 +4113,7 @@
       </p:sp>
       <p:sp>
         <p:nvSpPr>
-          <p:cNvPr id="5" name="フッター プレースホルダー 4">
-            <a:extLst>
-              <a:ext uri="{FF2B5EF4-FFF2-40B4-BE49-F238E27FC236}">
-                <a16:creationId xmlns:a16="http://schemas.microsoft.com/office/drawing/2014/main" id="{C7E22F25-63AB-4760-BAFF-EDAE8F72792C}"/>
-              </a:ext>
-            </a:extLst>
-          </p:cNvPr>
+          <p:cNvPr id="5" name="Footer Placeholder 4"/>
           <p:cNvSpPr>
             <a:spLocks noGrp="1"/>
           </p:cNvSpPr>
@@ -1181,13 +4132,7 @@
       </p:sp>
       <p:sp>
         <p:nvSpPr>
-          <p:cNvPr id="6" name="スライド番号プレースホルダー 5">
-            <a:extLst>
-              <a:ext uri="{FF2B5EF4-FFF2-40B4-BE49-F238E27FC236}">
-                <a16:creationId xmlns:a16="http://schemas.microsoft.com/office/drawing/2014/main" id="{92B3EF9E-6537-4087-B2E2-8B06C124CC8D}"/>
-              </a:ext>
-            </a:extLst>
-          </p:cNvPr>
+          <p:cNvPr id="6" name="Slide Number Placeholder 5"/>
           <p:cNvSpPr>
             <a:spLocks noGrp="1"/>
           </p:cNvSpPr>
@@ -1211,7 +4156,7 @@
     </p:spTree>
     <p:extLst>
       <p:ext uri="{BB962C8B-B14F-4D97-AF65-F5344CB8AC3E}">
-        <p14:creationId xmlns:p14="http://schemas.microsoft.com/office/powerpoint/2010/main" val="2728477125"/>
+        <p14:creationId xmlns:p14="http://schemas.microsoft.com/office/powerpoint/2010/main" val="2835556675"/>
       </p:ext>
     </p:extLst>
   </p:cSld>
@@ -1238,15 +4183,39 @@
           <a:chExt cx="0" cy="0"/>
         </a:xfrm>
       </p:grpSpPr>
-      <p:sp>
-        <p:nvSpPr>
-          <p:cNvPr id="2" name="タイトル 1">
+      <p:pic>
+        <p:nvPicPr>
+          <p:cNvPr id="9" name="Picture 8" descr="Droplets-HD-Content-R1d.png"/>
+          <p:cNvPicPr>
+            <a:picLocks noChangeAspect="1"/>
+          </p:cNvPicPr>
+          <p:nvPr/>
+        </p:nvPicPr>
+        <p:blipFill>
+          <a:blip r:embed="rId2">
             <a:extLst>
-              <a:ext uri="{FF2B5EF4-FFF2-40B4-BE49-F238E27FC236}">
-                <a16:creationId xmlns:a16="http://schemas.microsoft.com/office/drawing/2014/main" id="{39ED9075-D7B9-4B9A-BA9B-016805A91C9A}"/>
+              <a:ext uri="{28A0092B-C50C-407E-A947-70E740481C1C}">
+                <a14:useLocalDpi xmlns:a14="http://schemas.microsoft.com/office/drawing/2010/main" val="0"/>
               </a:ext>
             </a:extLst>
-          </p:cNvPr>
+          </a:blip>
+          <a:stretch>
+            <a:fillRect/>
+          </a:stretch>
+        </p:blipFill>
+        <p:spPr>
+          <a:xfrm>
+            <a:off x="0" y="0"/>
+            <a:ext cx="12192000" cy="6858000"/>
+          </a:xfrm>
+          <a:prstGeom prst="rect">
+            <a:avLst/>
+          </a:prstGeom>
+        </p:spPr>
+      </p:pic>
+      <p:sp>
+        <p:nvSpPr>
+          <p:cNvPr id="2" name="Title 1"/>
           <p:cNvSpPr>
             <a:spLocks noGrp="1"/>
           </p:cNvSpPr>
@@ -1256,34 +4225,31 @@
         </p:nvSpPr>
         <p:spPr>
           <a:xfrm>
-            <a:off x="831850" y="1709738"/>
-            <a:ext cx="10515600" cy="2852737"/>
-          </a:xfrm>
-        </p:spPr>
-        <p:txBody>
-          <a:bodyPr anchor="b"/>
+            <a:off x="913774" y="828563"/>
+            <a:ext cx="10351752" cy="2736819"/>
+          </a:xfrm>
+        </p:spPr>
+        <p:txBody>
+          <a:bodyPr anchor="b">
+            <a:normAutofit/>
+          </a:bodyPr>
           <a:lstStyle>
             <a:lvl1pPr>
-              <a:defRPr sz="6000"/>
+              <a:defRPr sz="4000"/>
             </a:lvl1pPr>
           </a:lstStyle>
           <a:p>
             <a:r>
-              <a:rPr kumimoji="1" lang="ja-JP" altLang="en-US"/>
+              <a:rPr lang="ja-JP" altLang="en-US"/>
               <a:t>マスター タイトルの書式設定</a:t>
             </a:r>
-          </a:p>
-        </p:txBody>
-      </p:sp>
-      <p:sp>
-        <p:nvSpPr>
-          <p:cNvPr id="3" name="テキスト プレースホルダー 2">
-            <a:extLst>
-              <a:ext uri="{FF2B5EF4-FFF2-40B4-BE49-F238E27FC236}">
-                <a16:creationId xmlns:a16="http://schemas.microsoft.com/office/drawing/2014/main" id="{945BC981-81F9-4813-A8CD-FDB9E78D8844}"/>
-              </a:ext>
-            </a:extLst>
-          </p:cNvPr>
+            <a:endParaRPr lang="en-US" dirty="0"/>
+          </a:p>
+        </p:txBody>
+      </p:sp>
+      <p:sp>
+        <p:nvSpPr>
+          <p:cNvPr id="3" name="Text Placeholder 2"/>
           <p:cNvSpPr>
             <a:spLocks noGrp="1"/>
           </p:cNvSpPr>
@@ -1293,19 +4259,21 @@
         </p:nvSpPr>
         <p:spPr>
           <a:xfrm>
-            <a:off x="831850" y="4589463"/>
-            <a:ext cx="10515600" cy="1500187"/>
-          </a:xfrm>
-        </p:spPr>
-        <p:txBody>
-          <a:bodyPr/>
+            <a:off x="913774" y="3657457"/>
+            <a:ext cx="10351752" cy="1368183"/>
+          </a:xfrm>
+        </p:spPr>
+        <p:txBody>
+          <a:bodyPr>
+            <a:normAutofit/>
+          </a:bodyPr>
           <a:lstStyle>
-            <a:lvl1pPr marL="0" indent="0">
-              <a:buNone/>
-              <a:defRPr sz="2400">
+            <a:lvl1pPr marL="0" indent="0" algn="ctr">
+              <a:buNone/>
+              <a:defRPr sz="2000">
                 <a:solidFill>
-                  <a:schemeClr val="tx1">
-                    <a:tint val="75000"/>
+                  <a:schemeClr val="bg1">
+                    <a:lumMod val="50000"/>
                   </a:schemeClr>
                 </a:solidFill>
               </a:defRPr>
@@ -1394,7 +4362,7 @@
           <a:p>
             <a:pPr lvl="0"/>
             <a:r>
-              <a:rPr kumimoji="1" lang="ja-JP" altLang="en-US"/>
+              <a:rPr lang="ja-JP" altLang="en-US"/>
               <a:t>マスター テキストの書式設定</a:t>
             </a:r>
           </a:p>
@@ -1402,13 +4370,7 @@
       </p:sp>
       <p:sp>
         <p:nvSpPr>
-          <p:cNvPr id="4" name="日付プレースホルダー 3">
-            <a:extLst>
-              <a:ext uri="{FF2B5EF4-FFF2-40B4-BE49-F238E27FC236}">
-                <a16:creationId xmlns:a16="http://schemas.microsoft.com/office/drawing/2014/main" id="{EEC68B27-3820-4519-B12B-D707042D1DF4}"/>
-              </a:ext>
-            </a:extLst>
-          </p:cNvPr>
+          <p:cNvPr id="4" name="Date Placeholder 3"/>
           <p:cNvSpPr>
             <a:spLocks noGrp="1"/>
           </p:cNvSpPr>
@@ -1431,13 +4393,7 @@
       </p:sp>
       <p:sp>
         <p:nvSpPr>
-          <p:cNvPr id="5" name="フッター プレースホルダー 4">
-            <a:extLst>
-              <a:ext uri="{FF2B5EF4-FFF2-40B4-BE49-F238E27FC236}">
-                <a16:creationId xmlns:a16="http://schemas.microsoft.com/office/drawing/2014/main" id="{0D0BA1D0-DB1E-44DE-8C67-294433512844}"/>
-              </a:ext>
-            </a:extLst>
-          </p:cNvPr>
+          <p:cNvPr id="5" name="Footer Placeholder 4"/>
           <p:cNvSpPr>
             <a:spLocks noGrp="1"/>
           </p:cNvSpPr>
@@ -1456,13 +4412,7 @@
       </p:sp>
       <p:sp>
         <p:nvSpPr>
-          <p:cNvPr id="6" name="スライド番号プレースホルダー 5">
-            <a:extLst>
-              <a:ext uri="{FF2B5EF4-FFF2-40B4-BE49-F238E27FC236}">
-                <a16:creationId xmlns:a16="http://schemas.microsoft.com/office/drawing/2014/main" id="{91F75525-6D8E-4F3A-8FCF-E98579B50422}"/>
-              </a:ext>
-            </a:extLst>
-          </p:cNvPr>
+          <p:cNvPr id="6" name="Slide Number Placeholder 5"/>
           <p:cNvSpPr>
             <a:spLocks noGrp="1"/>
           </p:cNvSpPr>
@@ -1486,7 +4436,7 @@
     </p:spTree>
     <p:extLst>
       <p:ext uri="{BB962C8B-B14F-4D97-AF65-F5344CB8AC3E}">
-        <p14:creationId xmlns:p14="http://schemas.microsoft.com/office/powerpoint/2010/main" val="2673664109"/>
+        <p14:creationId xmlns:p14="http://schemas.microsoft.com/office/powerpoint/2010/main" val="3275243416"/>
       </p:ext>
     </p:extLst>
   </p:cSld>
@@ -1513,15 +4463,39 @@
           <a:chExt cx="0" cy="0"/>
         </a:xfrm>
       </p:grpSpPr>
-      <p:sp>
-        <p:nvSpPr>
-          <p:cNvPr id="2" name="タイトル 1">
+      <p:pic>
+        <p:nvPicPr>
+          <p:cNvPr id="10" name="Picture 9" descr="Droplets-HD-Content-R1d.png"/>
+          <p:cNvPicPr>
+            <a:picLocks noChangeAspect="1"/>
+          </p:cNvPicPr>
+          <p:nvPr/>
+        </p:nvPicPr>
+        <p:blipFill>
+          <a:blip r:embed="rId2">
             <a:extLst>
-              <a:ext uri="{FF2B5EF4-FFF2-40B4-BE49-F238E27FC236}">
-                <a16:creationId xmlns:a16="http://schemas.microsoft.com/office/drawing/2014/main" id="{3BBFFE47-CE0F-4312-9B4B-3020282E013E}"/>
+              <a:ext uri="{28A0092B-C50C-407E-A947-70E740481C1C}">
+                <a14:useLocalDpi xmlns:a14="http://schemas.microsoft.com/office/drawing/2010/main" val="0"/>
               </a:ext>
             </a:extLst>
-          </p:cNvPr>
+          </a:blip>
+          <a:stretch>
+            <a:fillRect/>
+          </a:stretch>
+        </p:blipFill>
+        <p:spPr>
+          <a:xfrm>
+            <a:off x="0" y="0"/>
+            <a:ext cx="12192000" cy="6858000"/>
+          </a:xfrm>
+          <a:prstGeom prst="rect">
+            <a:avLst/>
+          </a:prstGeom>
+        </p:spPr>
+      </p:pic>
+      <p:sp>
+        <p:nvSpPr>
+          <p:cNvPr id="14" name="Title 1"/>
           <p:cNvSpPr>
             <a:spLocks noGrp="1"/>
           </p:cNvSpPr>
@@ -1529,38 +4503,38 @@
             <p:ph type="title"/>
           </p:nvPr>
         </p:nvSpPr>
-        <p:spPr/>
+        <p:spPr>
+          <a:xfrm>
+            <a:off x="913775" y="618517"/>
+            <a:ext cx="10364451" cy="1596177"/>
+          </a:xfrm>
+        </p:spPr>
         <p:txBody>
           <a:bodyPr/>
           <a:lstStyle/>
           <a:p>
             <a:r>
-              <a:rPr kumimoji="1" lang="ja-JP" altLang="en-US"/>
+              <a:rPr lang="ja-JP" altLang="en-US"/>
               <a:t>マスター タイトルの書式設定</a:t>
             </a:r>
-          </a:p>
-        </p:txBody>
-      </p:sp>
-      <p:sp>
-        <p:nvSpPr>
-          <p:cNvPr id="3" name="コンテンツ プレースホルダー 2">
-            <a:extLst>
-              <a:ext uri="{FF2B5EF4-FFF2-40B4-BE49-F238E27FC236}">
-                <a16:creationId xmlns:a16="http://schemas.microsoft.com/office/drawing/2014/main" id="{AE29F3FE-09FC-46D0-A119-543C66182934}"/>
-              </a:ext>
-            </a:extLst>
-          </p:cNvPr>
-          <p:cNvSpPr>
-            <a:spLocks noGrp="1"/>
-          </p:cNvSpPr>
-          <p:nvPr>
-            <p:ph sz="half" idx="1"/>
-          </p:nvPr>
-        </p:nvSpPr>
-        <p:spPr>
-          <a:xfrm>
-            <a:off x="838200" y="1825625"/>
-            <a:ext cx="5181600" cy="4351338"/>
+            <a:endParaRPr lang="en-US" dirty="0"/>
+          </a:p>
+        </p:txBody>
+      </p:sp>
+      <p:sp>
+        <p:nvSpPr>
+          <p:cNvPr id="12" name="Content Placeholder 2"/>
+          <p:cNvSpPr>
+            <a:spLocks noGrp="1"/>
+          </p:cNvSpPr>
+          <p:nvPr>
+            <p:ph sz="quarter" idx="13"/>
+          </p:nvPr>
+        </p:nvSpPr>
+        <p:spPr>
+          <a:xfrm>
+            <a:off x="913774" y="2367092"/>
+            <a:ext cx="5106026" cy="3424107"/>
           </a:xfrm>
         </p:spPr>
         <p:txBody>
@@ -1569,92 +4543,87 @@
           <a:p>
             <a:pPr lvl="0"/>
             <a:r>
-              <a:rPr kumimoji="1" lang="ja-JP" altLang="en-US"/>
+              <a:rPr lang="ja-JP" altLang="en-US"/>
               <a:t>マスター テキストの書式設定</a:t>
             </a:r>
           </a:p>
           <a:p>
             <a:pPr lvl="1"/>
             <a:r>
-              <a:rPr kumimoji="1" lang="ja-JP" altLang="en-US"/>
+              <a:rPr lang="ja-JP" altLang="en-US"/>
               <a:t>第 </a:t>
             </a:r>
             <a:r>
-              <a:rPr kumimoji="1" lang="en-US" altLang="ja-JP"/>
+              <a:rPr lang="en-US" altLang="ja-JP"/>
               <a:t>2 </a:t>
             </a:r>
             <a:r>
-              <a:rPr kumimoji="1" lang="ja-JP" altLang="en-US"/>
+              <a:rPr lang="ja-JP" altLang="en-US"/>
               <a:t>レベル</a:t>
             </a:r>
           </a:p>
           <a:p>
             <a:pPr lvl="2"/>
             <a:r>
-              <a:rPr kumimoji="1" lang="ja-JP" altLang="en-US"/>
+              <a:rPr lang="ja-JP" altLang="en-US"/>
               <a:t>第 </a:t>
             </a:r>
             <a:r>
-              <a:rPr kumimoji="1" lang="en-US" altLang="ja-JP"/>
+              <a:rPr lang="en-US" altLang="ja-JP"/>
               <a:t>3 </a:t>
             </a:r>
             <a:r>
-              <a:rPr kumimoji="1" lang="ja-JP" altLang="en-US"/>
+              <a:rPr lang="ja-JP" altLang="en-US"/>
               <a:t>レベル</a:t>
             </a:r>
           </a:p>
           <a:p>
             <a:pPr lvl="3"/>
             <a:r>
-              <a:rPr kumimoji="1" lang="ja-JP" altLang="en-US"/>
+              <a:rPr lang="ja-JP" altLang="en-US"/>
               <a:t>第 </a:t>
             </a:r>
             <a:r>
-              <a:rPr kumimoji="1" lang="en-US" altLang="ja-JP"/>
+              <a:rPr lang="en-US" altLang="ja-JP"/>
               <a:t>4 </a:t>
             </a:r>
             <a:r>
-              <a:rPr kumimoji="1" lang="ja-JP" altLang="en-US"/>
+              <a:rPr lang="ja-JP" altLang="en-US"/>
               <a:t>レベル</a:t>
             </a:r>
           </a:p>
           <a:p>
             <a:pPr lvl="4"/>
             <a:r>
-              <a:rPr kumimoji="1" lang="ja-JP" altLang="en-US"/>
+              <a:rPr lang="ja-JP" altLang="en-US"/>
               <a:t>第 </a:t>
             </a:r>
             <a:r>
-              <a:rPr kumimoji="1" lang="en-US" altLang="ja-JP"/>
+              <a:rPr lang="en-US" altLang="ja-JP"/>
               <a:t>5 </a:t>
             </a:r>
             <a:r>
-              <a:rPr kumimoji="1" lang="ja-JP" altLang="en-US"/>
+              <a:rPr lang="ja-JP" altLang="en-US"/>
               <a:t>レベル</a:t>
             </a:r>
-          </a:p>
-        </p:txBody>
-      </p:sp>
-      <p:sp>
-        <p:nvSpPr>
-          <p:cNvPr id="4" name="コンテンツ プレースホルダー 3">
-            <a:extLst>
-              <a:ext uri="{FF2B5EF4-FFF2-40B4-BE49-F238E27FC236}">
-                <a16:creationId xmlns:a16="http://schemas.microsoft.com/office/drawing/2014/main" id="{2ECC3A77-EB39-4AB8-A4C8-BF1F508DE7EF}"/>
-              </a:ext>
-            </a:extLst>
-          </p:cNvPr>
-          <p:cNvSpPr>
-            <a:spLocks noGrp="1"/>
-          </p:cNvSpPr>
-          <p:nvPr>
-            <p:ph sz="half" idx="2"/>
-          </p:nvPr>
-        </p:nvSpPr>
-        <p:spPr>
-          <a:xfrm>
-            <a:off x="6172200" y="1825625"/>
-            <a:ext cx="5181600" cy="4351338"/>
+            <a:endParaRPr lang="en-US" dirty="0"/>
+          </a:p>
+        </p:txBody>
+      </p:sp>
+      <p:sp>
+        <p:nvSpPr>
+          <p:cNvPr id="13" name="Content Placeholder 3"/>
+          <p:cNvSpPr>
+            <a:spLocks noGrp="1"/>
+          </p:cNvSpPr>
+          <p:nvPr>
+            <p:ph sz="quarter" idx="14"/>
+          </p:nvPr>
+        </p:nvSpPr>
+        <p:spPr>
+          <a:xfrm>
+            <a:off x="6172200" y="2367092"/>
+            <a:ext cx="5105400" cy="3424107"/>
           </a:xfrm>
         </p:spPr>
         <p:txBody>
@@ -1663,81 +4632,76 @@
           <a:p>
             <a:pPr lvl="0"/>
             <a:r>
-              <a:rPr kumimoji="1" lang="ja-JP" altLang="en-US"/>
+              <a:rPr lang="ja-JP" altLang="en-US"/>
               <a:t>マスター テキストの書式設定</a:t>
             </a:r>
           </a:p>
           <a:p>
             <a:pPr lvl="1"/>
             <a:r>
-              <a:rPr kumimoji="1" lang="ja-JP" altLang="en-US"/>
+              <a:rPr lang="ja-JP" altLang="en-US"/>
               <a:t>第 </a:t>
             </a:r>
             <a:r>
-              <a:rPr kumimoji="1" lang="en-US" altLang="ja-JP"/>
+              <a:rPr lang="en-US" altLang="ja-JP"/>
               <a:t>2 </a:t>
             </a:r>
             <a:r>
-              <a:rPr kumimoji="1" lang="ja-JP" altLang="en-US"/>
+              <a:rPr lang="ja-JP" altLang="en-US"/>
               <a:t>レベル</a:t>
             </a:r>
           </a:p>
           <a:p>
             <a:pPr lvl="2"/>
             <a:r>
-              <a:rPr kumimoji="1" lang="ja-JP" altLang="en-US"/>
+              <a:rPr lang="ja-JP" altLang="en-US"/>
               <a:t>第 </a:t>
             </a:r>
             <a:r>
-              <a:rPr kumimoji="1" lang="en-US" altLang="ja-JP"/>
+              <a:rPr lang="en-US" altLang="ja-JP"/>
               <a:t>3 </a:t>
             </a:r>
             <a:r>
-              <a:rPr kumimoji="1" lang="ja-JP" altLang="en-US"/>
+              <a:rPr lang="ja-JP" altLang="en-US"/>
               <a:t>レベル</a:t>
             </a:r>
           </a:p>
           <a:p>
             <a:pPr lvl="3"/>
             <a:r>
-              <a:rPr kumimoji="1" lang="ja-JP" altLang="en-US"/>
+              <a:rPr lang="ja-JP" altLang="en-US"/>
               <a:t>第 </a:t>
             </a:r>
             <a:r>
-              <a:rPr kumimoji="1" lang="en-US" altLang="ja-JP"/>
+              <a:rPr lang="en-US" altLang="ja-JP"/>
               <a:t>4 </a:t>
             </a:r>
             <a:r>
-              <a:rPr kumimoji="1" lang="ja-JP" altLang="en-US"/>
+              <a:rPr lang="ja-JP" altLang="en-US"/>
               <a:t>レベル</a:t>
             </a:r>
           </a:p>
           <a:p>
             <a:pPr lvl="4"/>
             <a:r>
-              <a:rPr kumimoji="1" lang="ja-JP" altLang="en-US"/>
+              <a:rPr lang="ja-JP" altLang="en-US"/>
               <a:t>第 </a:t>
             </a:r>
             <a:r>
-              <a:rPr kumimoji="1" lang="en-US" altLang="ja-JP"/>
+              <a:rPr lang="en-US" altLang="ja-JP"/>
               <a:t>5 </a:t>
             </a:r>
             <a:r>
-              <a:rPr kumimoji="1" lang="ja-JP" altLang="en-US"/>
+              <a:rPr lang="ja-JP" altLang="en-US"/>
               <a:t>レベル</a:t>
             </a:r>
-          </a:p>
-        </p:txBody>
-      </p:sp>
-      <p:sp>
-        <p:nvSpPr>
-          <p:cNvPr id="5" name="日付プレースホルダー 4">
-            <a:extLst>
-              <a:ext uri="{FF2B5EF4-FFF2-40B4-BE49-F238E27FC236}">
-                <a16:creationId xmlns:a16="http://schemas.microsoft.com/office/drawing/2014/main" id="{8E5CD27C-DB7E-4CA8-870C-DCC3F24965C5}"/>
-              </a:ext>
-            </a:extLst>
-          </p:cNvPr>
+            <a:endParaRPr lang="en-US" dirty="0"/>
+          </a:p>
+        </p:txBody>
+      </p:sp>
+      <p:sp>
+        <p:nvSpPr>
+          <p:cNvPr id="5" name="Date Placeholder 4"/>
           <p:cNvSpPr>
             <a:spLocks noGrp="1"/>
           </p:cNvSpPr>
@@ -1760,13 +4724,7 @@
       </p:sp>
       <p:sp>
         <p:nvSpPr>
-          <p:cNvPr id="6" name="フッター プレースホルダー 5">
-            <a:extLst>
-              <a:ext uri="{FF2B5EF4-FFF2-40B4-BE49-F238E27FC236}">
-                <a16:creationId xmlns:a16="http://schemas.microsoft.com/office/drawing/2014/main" id="{153BE8AE-89E3-422E-9CDC-1EA65B0EC19C}"/>
-              </a:ext>
-            </a:extLst>
-          </p:cNvPr>
+          <p:cNvPr id="6" name="Footer Placeholder 5"/>
           <p:cNvSpPr>
             <a:spLocks noGrp="1"/>
           </p:cNvSpPr>
@@ -1785,13 +4743,7 @@
       </p:sp>
       <p:sp>
         <p:nvSpPr>
-          <p:cNvPr id="7" name="スライド番号プレースホルダー 6">
-            <a:extLst>
-              <a:ext uri="{FF2B5EF4-FFF2-40B4-BE49-F238E27FC236}">
-                <a16:creationId xmlns:a16="http://schemas.microsoft.com/office/drawing/2014/main" id="{2C2D8F6B-E365-425F-AACD-6FE7D8815ECC}"/>
-              </a:ext>
-            </a:extLst>
-          </p:cNvPr>
+          <p:cNvPr id="7" name="Slide Number Placeholder 6"/>
           <p:cNvSpPr>
             <a:spLocks noGrp="1"/>
           </p:cNvSpPr>
@@ -1815,7 +4767,7 @@
     </p:spTree>
     <p:extLst>
       <p:ext uri="{BB962C8B-B14F-4D97-AF65-F5344CB8AC3E}">
-        <p14:creationId xmlns:p14="http://schemas.microsoft.com/office/powerpoint/2010/main" val="1478546386"/>
+        <p14:creationId xmlns:p14="http://schemas.microsoft.com/office/powerpoint/2010/main" val="3312104717"/>
       </p:ext>
     </p:extLst>
   </p:cSld>
@@ -1842,15 +4794,39 @@
           <a:chExt cx="0" cy="0"/>
         </a:xfrm>
       </p:grpSpPr>
-      <p:sp>
-        <p:nvSpPr>
-          <p:cNvPr id="2" name="タイトル 1">
+      <p:pic>
+        <p:nvPicPr>
+          <p:cNvPr id="15" name="Picture 14" descr="Droplets-HD-Content-R1d.png"/>
+          <p:cNvPicPr>
+            <a:picLocks noChangeAspect="1"/>
+          </p:cNvPicPr>
+          <p:nvPr/>
+        </p:nvPicPr>
+        <p:blipFill>
+          <a:blip r:embed="rId2">
             <a:extLst>
-              <a:ext uri="{FF2B5EF4-FFF2-40B4-BE49-F238E27FC236}">
-                <a16:creationId xmlns:a16="http://schemas.microsoft.com/office/drawing/2014/main" id="{D3718EC0-8CD3-4432-BDA8-BF5E233FB7DA}"/>
+              <a:ext uri="{28A0092B-C50C-407E-A947-70E740481C1C}">
+                <a14:useLocalDpi xmlns:a14="http://schemas.microsoft.com/office/drawing/2010/main" val="0"/>
               </a:ext>
             </a:extLst>
-          </p:cNvPr>
+          </a:blip>
+          <a:stretch>
+            <a:fillRect/>
+          </a:stretch>
+        </p:blipFill>
+        <p:spPr>
+          <a:xfrm>
+            <a:off x="0" y="0"/>
+            <a:ext cx="12192000" cy="6858000"/>
+          </a:xfrm>
+          <a:prstGeom prst="rect">
+            <a:avLst/>
+          </a:prstGeom>
+        </p:spPr>
+      </p:pic>
+      <p:sp>
+        <p:nvSpPr>
+          <p:cNvPr id="14" name="Title 1"/>
           <p:cNvSpPr>
             <a:spLocks noGrp="1"/>
           </p:cNvSpPr>
@@ -1860,8 +4836,8 @@
         </p:nvSpPr>
         <p:spPr>
           <a:xfrm>
-            <a:off x="839788" y="365125"/>
-            <a:ext cx="10515600" cy="1325563"/>
+            <a:off x="913775" y="618517"/>
+            <a:ext cx="10364451" cy="1596177"/>
           </a:xfrm>
         </p:spPr>
         <p:txBody>
@@ -1869,21 +4845,16 @@
           <a:lstStyle/>
           <a:p>
             <a:r>
-              <a:rPr kumimoji="1" lang="ja-JP" altLang="en-US"/>
+              <a:rPr lang="ja-JP" altLang="en-US"/>
               <a:t>マスター タイトルの書式設定</a:t>
             </a:r>
-          </a:p>
-        </p:txBody>
-      </p:sp>
-      <p:sp>
-        <p:nvSpPr>
-          <p:cNvPr id="3" name="テキスト プレースホルダー 2">
-            <a:extLst>
-              <a:ext uri="{FF2B5EF4-FFF2-40B4-BE49-F238E27FC236}">
-                <a16:creationId xmlns:a16="http://schemas.microsoft.com/office/drawing/2014/main" id="{EC05C76B-88FC-42D5-A6D8-4DBABE79FCE7}"/>
-              </a:ext>
-            </a:extLst>
-          </p:cNvPr>
+            <a:endParaRPr lang="en-US" dirty="0"/>
+          </a:p>
+        </p:txBody>
+      </p:sp>
+      <p:sp>
+        <p:nvSpPr>
+          <p:cNvPr id="3" name="Text Placeholder 2"/>
           <p:cNvSpPr>
             <a:spLocks noGrp="1"/>
           </p:cNvSpPr>
@@ -1893,16 +4864,25 @@
         </p:nvSpPr>
         <p:spPr>
           <a:xfrm>
-            <a:off x="839788" y="1681163"/>
-            <a:ext cx="5157787" cy="823912"/>
-          </a:xfrm>
-        </p:spPr>
-        <p:txBody>
-          <a:bodyPr anchor="b"/>
+            <a:off x="1146328" y="2371018"/>
+            <a:ext cx="4873474" cy="679994"/>
+          </a:xfrm>
+        </p:spPr>
+        <p:txBody>
+          <a:bodyPr anchor="b">
+            <a:noAutofit/>
+          </a:bodyPr>
           <a:lstStyle>
             <a:lvl1pPr marL="0" indent="0">
-              <a:buNone/>
-              <a:defRPr sz="2400" b="1"/>
+              <a:lnSpc>
+                <a:spcPct val="85000"/>
+              </a:lnSpc>
+              <a:buNone/>
+              <a:defRPr sz="2600" b="0">
+                <a:solidFill>
+                  <a:schemeClr val="tx1"/>
+                </a:solidFill>
+              </a:defRPr>
             </a:lvl1pPr>
             <a:lvl2pPr marL="457200" indent="0">
               <a:buNone/>
@@ -1940,7 +4920,7 @@
           <a:p>
             <a:pPr lvl="0"/>
             <a:r>
-              <a:rPr kumimoji="1" lang="ja-JP" altLang="en-US"/>
+              <a:rPr lang="ja-JP" altLang="en-US"/>
               <a:t>マスター テキストの書式設定</a:t>
             </a:r>
           </a:p>
@@ -1948,24 +4928,18 @@
       </p:sp>
       <p:sp>
         <p:nvSpPr>
-          <p:cNvPr id="4" name="コンテンツ プレースホルダー 3">
-            <a:extLst>
-              <a:ext uri="{FF2B5EF4-FFF2-40B4-BE49-F238E27FC236}">
-                <a16:creationId xmlns:a16="http://schemas.microsoft.com/office/drawing/2014/main" id="{CBEB2D74-F6CA-486D-B6CD-9D2A231F1766}"/>
-              </a:ext>
-            </a:extLst>
-          </p:cNvPr>
-          <p:cNvSpPr>
-            <a:spLocks noGrp="1"/>
-          </p:cNvSpPr>
-          <p:nvPr>
-            <p:ph sz="half" idx="2"/>
-          </p:nvPr>
-        </p:nvSpPr>
-        <p:spPr>
-          <a:xfrm>
-            <a:off x="839788" y="2505075"/>
-            <a:ext cx="5157787" cy="3684588"/>
+          <p:cNvPr id="12" name="Content Placeholder 3"/>
+          <p:cNvSpPr>
+            <a:spLocks noGrp="1"/>
+          </p:cNvSpPr>
+          <p:nvPr>
+            <p:ph sz="quarter" idx="13"/>
+          </p:nvPr>
+        </p:nvSpPr>
+        <p:spPr>
+          <a:xfrm>
+            <a:off x="913774" y="3051012"/>
+            <a:ext cx="5106027" cy="2740187"/>
           </a:xfrm>
         </p:spPr>
         <p:txBody>
@@ -1974,81 +4948,76 @@
           <a:p>
             <a:pPr lvl="0"/>
             <a:r>
-              <a:rPr kumimoji="1" lang="ja-JP" altLang="en-US"/>
+              <a:rPr lang="ja-JP" altLang="en-US"/>
               <a:t>マスター テキストの書式設定</a:t>
             </a:r>
           </a:p>
           <a:p>
             <a:pPr lvl="1"/>
             <a:r>
-              <a:rPr kumimoji="1" lang="ja-JP" altLang="en-US"/>
+              <a:rPr lang="ja-JP" altLang="en-US"/>
               <a:t>第 </a:t>
             </a:r>
             <a:r>
-              <a:rPr kumimoji="1" lang="en-US" altLang="ja-JP"/>
+              <a:rPr lang="en-US" altLang="ja-JP"/>
               <a:t>2 </a:t>
             </a:r>
             <a:r>
-              <a:rPr kumimoji="1" lang="ja-JP" altLang="en-US"/>
+              <a:rPr lang="ja-JP" altLang="en-US"/>
               <a:t>レベル</a:t>
             </a:r>
           </a:p>
           <a:p>
             <a:pPr lvl="2"/>
             <a:r>
-              <a:rPr kumimoji="1" lang="ja-JP" altLang="en-US"/>
+              <a:rPr lang="ja-JP" altLang="en-US"/>
               <a:t>第 </a:t>
             </a:r>
             <a:r>
-              <a:rPr kumimoji="1" lang="en-US" altLang="ja-JP"/>
+              <a:rPr lang="en-US" altLang="ja-JP"/>
               <a:t>3 </a:t>
             </a:r>
             <a:r>
-              <a:rPr kumimoji="1" lang="ja-JP" altLang="en-US"/>
+              <a:rPr lang="ja-JP" altLang="en-US"/>
               <a:t>レベル</a:t>
             </a:r>
           </a:p>
           <a:p>
             <a:pPr lvl="3"/>
             <a:r>
-              <a:rPr kumimoji="1" lang="ja-JP" altLang="en-US"/>
+              <a:rPr lang="ja-JP" altLang="en-US"/>
               <a:t>第 </a:t>
             </a:r>
             <a:r>
-              <a:rPr kumimoji="1" lang="en-US" altLang="ja-JP"/>
+              <a:rPr lang="en-US" altLang="ja-JP"/>
               <a:t>4 </a:t>
             </a:r>
             <a:r>
-              <a:rPr kumimoji="1" lang="ja-JP" altLang="en-US"/>
+              <a:rPr lang="ja-JP" altLang="en-US"/>
               <a:t>レベル</a:t>
             </a:r>
           </a:p>
           <a:p>
             <a:pPr lvl="4"/>
             <a:r>
-              <a:rPr kumimoji="1" lang="ja-JP" altLang="en-US"/>
+              <a:rPr lang="ja-JP" altLang="en-US"/>
               <a:t>第 </a:t>
             </a:r>
             <a:r>
-              <a:rPr kumimoji="1" lang="en-US" altLang="ja-JP"/>
+              <a:rPr lang="en-US" altLang="ja-JP"/>
               <a:t>5 </a:t>
             </a:r>
             <a:r>
-              <a:rPr kumimoji="1" lang="ja-JP" altLang="en-US"/>
+              <a:rPr lang="ja-JP" altLang="en-US"/>
               <a:t>レベル</a:t>
             </a:r>
-          </a:p>
-        </p:txBody>
-      </p:sp>
-      <p:sp>
-        <p:nvSpPr>
-          <p:cNvPr id="5" name="テキスト プレースホルダー 4">
-            <a:extLst>
-              <a:ext uri="{FF2B5EF4-FFF2-40B4-BE49-F238E27FC236}">
-                <a16:creationId xmlns:a16="http://schemas.microsoft.com/office/drawing/2014/main" id="{1ED517FA-645B-472E-A0FA-9915FE0F3988}"/>
-              </a:ext>
-            </a:extLst>
-          </p:cNvPr>
+            <a:endParaRPr lang="en-US" dirty="0"/>
+          </a:p>
+        </p:txBody>
+      </p:sp>
+      <p:sp>
+        <p:nvSpPr>
+          <p:cNvPr id="5" name="Text Placeholder 4"/>
           <p:cNvSpPr>
             <a:spLocks noGrp="1"/>
           </p:cNvSpPr>
@@ -2058,16 +5027,25 @@
         </p:nvSpPr>
         <p:spPr>
           <a:xfrm>
-            <a:off x="6172200" y="1681163"/>
-            <a:ext cx="5183188" cy="823912"/>
-          </a:xfrm>
-        </p:spPr>
-        <p:txBody>
-          <a:bodyPr anchor="b"/>
+            <a:off x="6396423" y="2371018"/>
+            <a:ext cx="4881804" cy="679994"/>
+          </a:xfrm>
+        </p:spPr>
+        <p:txBody>
+          <a:bodyPr anchor="b">
+            <a:noAutofit/>
+          </a:bodyPr>
           <a:lstStyle>
             <a:lvl1pPr marL="0" indent="0">
-              <a:buNone/>
-              <a:defRPr sz="2400" b="1"/>
+              <a:lnSpc>
+                <a:spcPct val="85000"/>
+              </a:lnSpc>
+              <a:buNone/>
+              <a:defRPr sz="2600" b="0">
+                <a:solidFill>
+                  <a:schemeClr val="tx1"/>
+                </a:solidFill>
+              </a:defRPr>
             </a:lvl1pPr>
             <a:lvl2pPr marL="457200" indent="0">
               <a:buNone/>
@@ -2105,7 +5083,7 @@
           <a:p>
             <a:pPr lvl="0"/>
             <a:r>
-              <a:rPr kumimoji="1" lang="ja-JP" altLang="en-US"/>
+              <a:rPr lang="ja-JP" altLang="en-US"/>
               <a:t>マスター テキストの書式設定</a:t>
             </a:r>
           </a:p>
@@ -2113,24 +5091,18 @@
       </p:sp>
       <p:sp>
         <p:nvSpPr>
-          <p:cNvPr id="6" name="コンテンツ プレースホルダー 5">
-            <a:extLst>
-              <a:ext uri="{FF2B5EF4-FFF2-40B4-BE49-F238E27FC236}">
-                <a16:creationId xmlns:a16="http://schemas.microsoft.com/office/drawing/2014/main" id="{8ECEC80F-D292-4BF3-89D6-7CB01F89EB50}"/>
-              </a:ext>
-            </a:extLst>
-          </p:cNvPr>
-          <p:cNvSpPr>
-            <a:spLocks noGrp="1"/>
-          </p:cNvSpPr>
-          <p:nvPr>
-            <p:ph sz="quarter" idx="4"/>
-          </p:nvPr>
-        </p:nvSpPr>
-        <p:spPr>
-          <a:xfrm>
-            <a:off x="6172200" y="2505075"/>
-            <a:ext cx="5183188" cy="3684588"/>
+          <p:cNvPr id="13" name="Content Placeholder 5"/>
+          <p:cNvSpPr>
+            <a:spLocks noGrp="1"/>
+          </p:cNvSpPr>
+          <p:nvPr>
+            <p:ph sz="quarter" idx="14"/>
+          </p:nvPr>
+        </p:nvSpPr>
+        <p:spPr>
+          <a:xfrm>
+            <a:off x="6172200" y="3051012"/>
+            <a:ext cx="5105401" cy="2740187"/>
           </a:xfrm>
         </p:spPr>
         <p:txBody>
@@ -2139,81 +5111,76 @@
           <a:p>
             <a:pPr lvl="0"/>
             <a:r>
-              <a:rPr kumimoji="1" lang="ja-JP" altLang="en-US"/>
+              <a:rPr lang="ja-JP" altLang="en-US"/>
               <a:t>マスター テキストの書式設定</a:t>
             </a:r>
           </a:p>
           <a:p>
             <a:pPr lvl="1"/>
             <a:r>
-              <a:rPr kumimoji="1" lang="ja-JP" altLang="en-US"/>
+              <a:rPr lang="ja-JP" altLang="en-US"/>
               <a:t>第 </a:t>
             </a:r>
             <a:r>
-              <a:rPr kumimoji="1" lang="en-US" altLang="ja-JP"/>
+              <a:rPr lang="en-US" altLang="ja-JP"/>
               <a:t>2 </a:t>
             </a:r>
             <a:r>
-              <a:rPr kumimoji="1" lang="ja-JP" altLang="en-US"/>
+              <a:rPr lang="ja-JP" altLang="en-US"/>
               <a:t>レベル</a:t>
             </a:r>
           </a:p>
           <a:p>
             <a:pPr lvl="2"/>
             <a:r>
-              <a:rPr kumimoji="1" lang="ja-JP" altLang="en-US"/>
+              <a:rPr lang="ja-JP" altLang="en-US"/>
               <a:t>第 </a:t>
             </a:r>
             <a:r>
-              <a:rPr kumimoji="1" lang="en-US" altLang="ja-JP"/>
+              <a:rPr lang="en-US" altLang="ja-JP"/>
               <a:t>3 </a:t>
             </a:r>
             <a:r>
-              <a:rPr kumimoji="1" lang="ja-JP" altLang="en-US"/>
+              <a:rPr lang="ja-JP" altLang="en-US"/>
               <a:t>レベル</a:t>
             </a:r>
           </a:p>
           <a:p>
             <a:pPr lvl="3"/>
             <a:r>
-              <a:rPr kumimoji="1" lang="ja-JP" altLang="en-US"/>
+              <a:rPr lang="ja-JP" altLang="en-US"/>
               <a:t>第 </a:t>
             </a:r>
             <a:r>
-              <a:rPr kumimoji="1" lang="en-US" altLang="ja-JP"/>
+              <a:rPr lang="en-US" altLang="ja-JP"/>
               <a:t>4 </a:t>
             </a:r>
             <a:r>
-              <a:rPr kumimoji="1" lang="ja-JP" altLang="en-US"/>
+              <a:rPr lang="ja-JP" altLang="en-US"/>
               <a:t>レベル</a:t>
             </a:r>
           </a:p>
           <a:p>
             <a:pPr lvl="4"/>
             <a:r>
-              <a:rPr kumimoji="1" lang="ja-JP" altLang="en-US"/>
+              <a:rPr lang="ja-JP" altLang="en-US"/>
               <a:t>第 </a:t>
             </a:r>
             <a:r>
-              <a:rPr kumimoji="1" lang="en-US" altLang="ja-JP"/>
+              <a:rPr lang="en-US" altLang="ja-JP"/>
               <a:t>5 </a:t>
             </a:r>
             <a:r>
-              <a:rPr kumimoji="1" lang="ja-JP" altLang="en-US"/>
+              <a:rPr lang="ja-JP" altLang="en-US"/>
               <a:t>レベル</a:t>
             </a:r>
-          </a:p>
-        </p:txBody>
-      </p:sp>
-      <p:sp>
-        <p:nvSpPr>
-          <p:cNvPr id="7" name="日付プレースホルダー 6">
-            <a:extLst>
-              <a:ext uri="{FF2B5EF4-FFF2-40B4-BE49-F238E27FC236}">
-                <a16:creationId xmlns:a16="http://schemas.microsoft.com/office/drawing/2014/main" id="{C90646BF-B731-426B-AC8B-8D61C082B6E9}"/>
-              </a:ext>
-            </a:extLst>
-          </p:cNvPr>
+            <a:endParaRPr lang="en-US" dirty="0"/>
+          </a:p>
+        </p:txBody>
+      </p:sp>
+      <p:sp>
+        <p:nvSpPr>
+          <p:cNvPr id="7" name="Date Placeholder 6"/>
           <p:cNvSpPr>
             <a:spLocks noGrp="1"/>
           </p:cNvSpPr>
@@ -2236,13 +5203,7 @@
       </p:sp>
       <p:sp>
         <p:nvSpPr>
-          <p:cNvPr id="8" name="フッター プレースホルダー 7">
-            <a:extLst>
-              <a:ext uri="{FF2B5EF4-FFF2-40B4-BE49-F238E27FC236}">
-                <a16:creationId xmlns:a16="http://schemas.microsoft.com/office/drawing/2014/main" id="{65CFBB87-9857-4520-B9DA-988CBAD732B9}"/>
-              </a:ext>
-            </a:extLst>
-          </p:cNvPr>
+          <p:cNvPr id="8" name="Footer Placeholder 7"/>
           <p:cNvSpPr>
             <a:spLocks noGrp="1"/>
           </p:cNvSpPr>
@@ -2261,13 +5222,7 @@
       </p:sp>
       <p:sp>
         <p:nvSpPr>
-          <p:cNvPr id="9" name="スライド番号プレースホルダー 8">
-            <a:extLst>
-              <a:ext uri="{FF2B5EF4-FFF2-40B4-BE49-F238E27FC236}">
-                <a16:creationId xmlns:a16="http://schemas.microsoft.com/office/drawing/2014/main" id="{9C29E6B8-9DF1-4536-AD0A-E9F438CEA15E}"/>
-              </a:ext>
-            </a:extLst>
-          </p:cNvPr>
+          <p:cNvPr id="9" name="Slide Number Placeholder 8"/>
           <p:cNvSpPr>
             <a:spLocks noGrp="1"/>
           </p:cNvSpPr>
@@ -2291,7 +5246,7 @@
     </p:spTree>
     <p:extLst>
       <p:ext uri="{BB962C8B-B14F-4D97-AF65-F5344CB8AC3E}">
-        <p14:creationId xmlns:p14="http://schemas.microsoft.com/office/powerpoint/2010/main" val="3759760527"/>
+        <p14:creationId xmlns:p14="http://schemas.microsoft.com/office/powerpoint/2010/main" val="4054987470"/>
       </p:ext>
     </p:extLst>
   </p:cSld>
@@ -2318,15 +5273,39 @@
           <a:chExt cx="0" cy="0"/>
         </a:xfrm>
       </p:grpSpPr>
-      <p:sp>
-        <p:nvSpPr>
-          <p:cNvPr id="2" name="タイトル 1">
+      <p:pic>
+        <p:nvPicPr>
+          <p:cNvPr id="8" name="Picture 7" descr="Droplets-HD-Content-R1d.png"/>
+          <p:cNvPicPr>
+            <a:picLocks noChangeAspect="1"/>
+          </p:cNvPicPr>
+          <p:nvPr/>
+        </p:nvPicPr>
+        <p:blipFill>
+          <a:blip r:embed="rId2">
             <a:extLst>
-              <a:ext uri="{FF2B5EF4-FFF2-40B4-BE49-F238E27FC236}">
-                <a16:creationId xmlns:a16="http://schemas.microsoft.com/office/drawing/2014/main" id="{BFAC3E5B-02CD-4083-AC40-5FDD37009125}"/>
+              <a:ext uri="{28A0092B-C50C-407E-A947-70E740481C1C}">
+                <a14:useLocalDpi xmlns:a14="http://schemas.microsoft.com/office/drawing/2010/main" val="0"/>
               </a:ext>
             </a:extLst>
-          </p:cNvPr>
+          </a:blip>
+          <a:stretch>
+            <a:fillRect/>
+          </a:stretch>
+        </p:blipFill>
+        <p:spPr>
+          <a:xfrm>
+            <a:off x="0" y="0"/>
+            <a:ext cx="12192000" cy="6858000"/>
+          </a:xfrm>
+          <a:prstGeom prst="rect">
+            <a:avLst/>
+          </a:prstGeom>
+        </p:spPr>
+      </p:pic>
+      <p:sp>
+        <p:nvSpPr>
+          <p:cNvPr id="2" name="Title 1"/>
           <p:cNvSpPr>
             <a:spLocks noGrp="1"/>
           </p:cNvSpPr>
@@ -2340,21 +5319,16 @@
           <a:lstStyle/>
           <a:p>
             <a:r>
-              <a:rPr kumimoji="1" lang="ja-JP" altLang="en-US"/>
+              <a:rPr lang="ja-JP" altLang="en-US"/>
               <a:t>マスター タイトルの書式設定</a:t>
             </a:r>
-          </a:p>
-        </p:txBody>
-      </p:sp>
-      <p:sp>
-        <p:nvSpPr>
-          <p:cNvPr id="3" name="日付プレースホルダー 2">
-            <a:extLst>
-              <a:ext uri="{FF2B5EF4-FFF2-40B4-BE49-F238E27FC236}">
-                <a16:creationId xmlns:a16="http://schemas.microsoft.com/office/drawing/2014/main" id="{BE631F0E-582A-4F18-AA3E-8B341FB2165A}"/>
-              </a:ext>
-            </a:extLst>
-          </p:cNvPr>
+            <a:endParaRPr lang="en-US" dirty="0"/>
+          </a:p>
+        </p:txBody>
+      </p:sp>
+      <p:sp>
+        <p:nvSpPr>
+          <p:cNvPr id="3" name="Date Placeholder 2"/>
           <p:cNvSpPr>
             <a:spLocks noGrp="1"/>
           </p:cNvSpPr>
@@ -2377,13 +5351,7 @@
       </p:sp>
       <p:sp>
         <p:nvSpPr>
-          <p:cNvPr id="4" name="フッター プレースホルダー 3">
-            <a:extLst>
-              <a:ext uri="{FF2B5EF4-FFF2-40B4-BE49-F238E27FC236}">
-                <a16:creationId xmlns:a16="http://schemas.microsoft.com/office/drawing/2014/main" id="{61C74A6B-B697-41AC-B108-C918D8598365}"/>
-              </a:ext>
-            </a:extLst>
-          </p:cNvPr>
+          <p:cNvPr id="4" name="Footer Placeholder 3"/>
           <p:cNvSpPr>
             <a:spLocks noGrp="1"/>
           </p:cNvSpPr>
@@ -2402,13 +5370,7 @@
       </p:sp>
       <p:sp>
         <p:nvSpPr>
-          <p:cNvPr id="5" name="スライド番号プレースホルダー 4">
-            <a:extLst>
-              <a:ext uri="{FF2B5EF4-FFF2-40B4-BE49-F238E27FC236}">
-                <a16:creationId xmlns:a16="http://schemas.microsoft.com/office/drawing/2014/main" id="{69ED81A4-7375-4886-9C4B-69FE43D95A8C}"/>
-              </a:ext>
-            </a:extLst>
-          </p:cNvPr>
+          <p:cNvPr id="5" name="Slide Number Placeholder 4"/>
           <p:cNvSpPr>
             <a:spLocks noGrp="1"/>
           </p:cNvSpPr>
@@ -2432,7 +5394,7 @@
     </p:spTree>
     <p:extLst>
       <p:ext uri="{BB962C8B-B14F-4D97-AF65-F5344CB8AC3E}">
-        <p14:creationId xmlns:p14="http://schemas.microsoft.com/office/powerpoint/2010/main" val="3429709704"/>
+        <p14:creationId xmlns:p14="http://schemas.microsoft.com/office/powerpoint/2010/main" val="4121854775"/>
       </p:ext>
     </p:extLst>
   </p:cSld>
@@ -2459,15 +5421,39 @@
           <a:chExt cx="0" cy="0"/>
         </a:xfrm>
       </p:grpSpPr>
-      <p:sp>
-        <p:nvSpPr>
-          <p:cNvPr id="2" name="日付プレースホルダー 1">
+      <p:pic>
+        <p:nvPicPr>
+          <p:cNvPr id="7" name="Picture 6" descr="Droplets-HD-Content-R1d.png"/>
+          <p:cNvPicPr>
+            <a:picLocks noChangeAspect="1"/>
+          </p:cNvPicPr>
+          <p:nvPr/>
+        </p:nvPicPr>
+        <p:blipFill>
+          <a:blip r:embed="rId2">
             <a:extLst>
-              <a:ext uri="{FF2B5EF4-FFF2-40B4-BE49-F238E27FC236}">
-                <a16:creationId xmlns:a16="http://schemas.microsoft.com/office/drawing/2014/main" id="{FBA2785E-7487-49E0-A849-A3367966B9B6}"/>
+              <a:ext uri="{28A0092B-C50C-407E-A947-70E740481C1C}">
+                <a14:useLocalDpi xmlns:a14="http://schemas.microsoft.com/office/drawing/2010/main" val="0"/>
               </a:ext>
             </a:extLst>
-          </p:cNvPr>
+          </a:blip>
+          <a:stretch>
+            <a:fillRect/>
+          </a:stretch>
+        </p:blipFill>
+        <p:spPr>
+          <a:xfrm>
+            <a:off x="0" y="0"/>
+            <a:ext cx="12192000" cy="6858000"/>
+          </a:xfrm>
+          <a:prstGeom prst="rect">
+            <a:avLst/>
+          </a:prstGeom>
+        </p:spPr>
+      </p:pic>
+      <p:sp>
+        <p:nvSpPr>
+          <p:cNvPr id="2" name="Date Placeholder 1"/>
           <p:cNvSpPr>
             <a:spLocks noGrp="1"/>
           </p:cNvSpPr>
@@ -2490,13 +5476,7 @@
       </p:sp>
       <p:sp>
         <p:nvSpPr>
-          <p:cNvPr id="3" name="フッター プレースホルダー 2">
-            <a:extLst>
-              <a:ext uri="{FF2B5EF4-FFF2-40B4-BE49-F238E27FC236}">
-                <a16:creationId xmlns:a16="http://schemas.microsoft.com/office/drawing/2014/main" id="{BE12214E-DF25-4A42-B68F-52B7A24D415E}"/>
-              </a:ext>
-            </a:extLst>
-          </p:cNvPr>
+          <p:cNvPr id="3" name="Footer Placeholder 2"/>
           <p:cNvSpPr>
             <a:spLocks noGrp="1"/>
           </p:cNvSpPr>
@@ -2515,13 +5495,7 @@
       </p:sp>
       <p:sp>
         <p:nvSpPr>
-          <p:cNvPr id="4" name="スライド番号プレースホルダー 3">
-            <a:extLst>
-              <a:ext uri="{FF2B5EF4-FFF2-40B4-BE49-F238E27FC236}">
-                <a16:creationId xmlns:a16="http://schemas.microsoft.com/office/drawing/2014/main" id="{59DC43D1-4822-4A0E-99A7-3A958A7E96D8}"/>
-              </a:ext>
-            </a:extLst>
-          </p:cNvPr>
+          <p:cNvPr id="4" name="Slide Number Placeholder 3"/>
           <p:cNvSpPr>
             <a:spLocks noGrp="1"/>
           </p:cNvSpPr>
@@ -2545,7 +5519,7 @@
     </p:spTree>
     <p:extLst>
       <p:ext uri="{BB962C8B-B14F-4D97-AF65-F5344CB8AC3E}">
-        <p14:creationId xmlns:p14="http://schemas.microsoft.com/office/powerpoint/2010/main" val="2324935212"/>
+        <p14:creationId xmlns:p14="http://schemas.microsoft.com/office/powerpoint/2010/main" val="4022627765"/>
       </p:ext>
     </p:extLst>
   </p:cSld>
@@ -2572,15 +5546,39 @@
           <a:chExt cx="0" cy="0"/>
         </a:xfrm>
       </p:grpSpPr>
-      <p:sp>
-        <p:nvSpPr>
-          <p:cNvPr id="2" name="タイトル 1">
+      <p:pic>
+        <p:nvPicPr>
+          <p:cNvPr id="11" name="Picture 10" descr="Droplets-HD-Content-R1d.png"/>
+          <p:cNvPicPr>
+            <a:picLocks noChangeAspect="1"/>
+          </p:cNvPicPr>
+          <p:nvPr/>
+        </p:nvPicPr>
+        <p:blipFill>
+          <a:blip r:embed="rId2">
             <a:extLst>
-              <a:ext uri="{FF2B5EF4-FFF2-40B4-BE49-F238E27FC236}">
-                <a16:creationId xmlns:a16="http://schemas.microsoft.com/office/drawing/2014/main" id="{14C45515-A4C2-4C53-9D27-2EE449A59D15}"/>
+              <a:ext uri="{28A0092B-C50C-407E-A947-70E740481C1C}">
+                <a14:useLocalDpi xmlns:a14="http://schemas.microsoft.com/office/drawing/2010/main" val="0"/>
               </a:ext>
             </a:extLst>
-          </p:cNvPr>
+          </a:blip>
+          <a:stretch>
+            <a:fillRect/>
+          </a:stretch>
+        </p:blipFill>
+        <p:spPr>
+          <a:xfrm>
+            <a:off x="0" y="0"/>
+            <a:ext cx="12192000" cy="6858000"/>
+          </a:xfrm>
+          <a:prstGeom prst="rect">
+            <a:avLst/>
+          </a:prstGeom>
+        </p:spPr>
+      </p:pic>
+      <p:sp>
+        <p:nvSpPr>
+          <p:cNvPr id="2" name="Title 1"/>
           <p:cNvSpPr>
             <a:spLocks noGrp="1"/>
           </p:cNvSpPr>
@@ -2590,173 +5588,135 @@
         </p:nvSpPr>
         <p:spPr>
           <a:xfrm>
-            <a:off x="839788" y="457200"/>
-            <a:ext cx="3932237" cy="1600200"/>
+            <a:off x="913775" y="609600"/>
+            <a:ext cx="3935688" cy="2023252"/>
           </a:xfrm>
         </p:spPr>
         <p:txBody>
           <a:bodyPr anchor="b"/>
           <a:lstStyle>
-            <a:lvl1pPr>
+            <a:lvl1pPr algn="ctr">
               <a:defRPr sz="3200"/>
             </a:lvl1pPr>
           </a:lstStyle>
           <a:p>
             <a:r>
-              <a:rPr kumimoji="1" lang="ja-JP" altLang="en-US"/>
+              <a:rPr lang="ja-JP" altLang="en-US"/>
               <a:t>マスター タイトルの書式設定</a:t>
             </a:r>
-          </a:p>
-        </p:txBody>
-      </p:sp>
-      <p:sp>
-        <p:nvSpPr>
-          <p:cNvPr id="3" name="コンテンツ プレースホルダー 2">
-            <a:extLst>
-              <a:ext uri="{FF2B5EF4-FFF2-40B4-BE49-F238E27FC236}">
-                <a16:creationId xmlns:a16="http://schemas.microsoft.com/office/drawing/2014/main" id="{68A19B29-F390-4623-9537-9A1BD5797239}"/>
-              </a:ext>
-            </a:extLst>
-          </p:cNvPr>
-          <p:cNvSpPr>
-            <a:spLocks noGrp="1"/>
-          </p:cNvSpPr>
-          <p:nvPr>
-            <p:ph idx="1"/>
-          </p:nvPr>
-        </p:nvSpPr>
-        <p:spPr>
-          <a:xfrm>
-            <a:off x="5183188" y="987425"/>
-            <a:ext cx="6172200" cy="4873625"/>
+            <a:endParaRPr lang="en-US" dirty="0"/>
+          </a:p>
+        </p:txBody>
+      </p:sp>
+      <p:sp>
+        <p:nvSpPr>
+          <p:cNvPr id="10" name="Content Placeholder 2"/>
+          <p:cNvSpPr>
+            <a:spLocks noGrp="1"/>
+          </p:cNvSpPr>
+          <p:nvPr>
+            <p:ph sz="quarter" idx="13"/>
+          </p:nvPr>
+        </p:nvSpPr>
+        <p:spPr>
+          <a:xfrm>
+            <a:off x="5078062" y="609600"/>
+            <a:ext cx="6200163" cy="5181599"/>
+          </a:xfrm>
+        </p:spPr>
+        <p:txBody>
+          <a:bodyPr/>
+          <a:lstStyle/>
+          <a:p>
+            <a:pPr lvl="0"/>
+            <a:r>
+              <a:rPr lang="ja-JP" altLang="en-US"/>
+              <a:t>マスター テキストの書式設定</a:t>
+            </a:r>
+          </a:p>
+          <a:p>
+            <a:pPr lvl="1"/>
+            <a:r>
+              <a:rPr lang="ja-JP" altLang="en-US"/>
+              <a:t>第 </a:t>
+            </a:r>
+            <a:r>
+              <a:rPr lang="en-US" altLang="ja-JP"/>
+              <a:t>2 </a:t>
+            </a:r>
+            <a:r>
+              <a:rPr lang="ja-JP" altLang="en-US"/>
+              <a:t>レベル</a:t>
+            </a:r>
+          </a:p>
+          <a:p>
+            <a:pPr lvl="2"/>
+            <a:r>
+              <a:rPr lang="ja-JP" altLang="en-US"/>
+              <a:t>第 </a:t>
+            </a:r>
+            <a:r>
+              <a:rPr lang="en-US" altLang="ja-JP"/>
+              <a:t>3 </a:t>
+            </a:r>
+            <a:r>
+              <a:rPr lang="ja-JP" altLang="en-US"/>
+              <a:t>レベル</a:t>
+            </a:r>
+          </a:p>
+          <a:p>
+            <a:pPr lvl="3"/>
+            <a:r>
+              <a:rPr lang="ja-JP" altLang="en-US"/>
+              <a:t>第 </a:t>
+            </a:r>
+            <a:r>
+              <a:rPr lang="en-US" altLang="ja-JP"/>
+              <a:t>4 </a:t>
+            </a:r>
+            <a:r>
+              <a:rPr lang="ja-JP" altLang="en-US"/>
+              <a:t>レベル</a:t>
+            </a:r>
+          </a:p>
+          <a:p>
+            <a:pPr lvl="4"/>
+            <a:r>
+              <a:rPr lang="ja-JP" altLang="en-US"/>
+              <a:t>第 </a:t>
+            </a:r>
+            <a:r>
+              <a:rPr lang="en-US" altLang="ja-JP"/>
+              <a:t>5 </a:t>
+            </a:r>
+            <a:r>
+              <a:rPr lang="ja-JP" altLang="en-US"/>
+              <a:t>レベル</a:t>
+            </a:r>
+            <a:endParaRPr lang="en-US" dirty="0"/>
+          </a:p>
+        </p:txBody>
+      </p:sp>
+      <p:sp>
+        <p:nvSpPr>
+          <p:cNvPr id="4" name="Text Placeholder 3"/>
+          <p:cNvSpPr>
+            <a:spLocks noGrp="1"/>
+          </p:cNvSpPr>
+          <p:nvPr>
+            <p:ph type="body" sz="half" idx="2"/>
+          </p:nvPr>
+        </p:nvSpPr>
+        <p:spPr>
+          <a:xfrm>
+            <a:off x="913774" y="2632852"/>
+            <a:ext cx="3935689" cy="3158348"/>
           </a:xfrm>
         </p:spPr>
         <p:txBody>
           <a:bodyPr/>
           <a:lstStyle>
-            <a:lvl1pPr>
-              <a:defRPr sz="3200"/>
-            </a:lvl1pPr>
-            <a:lvl2pPr>
-              <a:defRPr sz="2800"/>
-            </a:lvl2pPr>
-            <a:lvl3pPr>
-              <a:defRPr sz="2400"/>
-            </a:lvl3pPr>
-            <a:lvl4pPr>
-              <a:defRPr sz="2000"/>
-            </a:lvl4pPr>
-            <a:lvl5pPr>
-              <a:defRPr sz="2000"/>
-            </a:lvl5pPr>
-            <a:lvl6pPr>
-              <a:defRPr sz="2000"/>
-            </a:lvl6pPr>
-            <a:lvl7pPr>
-              <a:defRPr sz="2000"/>
-            </a:lvl7pPr>
-            <a:lvl8pPr>
-              <a:defRPr sz="2000"/>
-            </a:lvl8pPr>
-            <a:lvl9pPr>
-              <a:defRPr sz="2000"/>
-            </a:lvl9pPr>
-          </a:lstStyle>
-          <a:p>
-            <a:pPr lvl="0"/>
-            <a:r>
-              <a:rPr kumimoji="1" lang="ja-JP" altLang="en-US"/>
-              <a:t>マスター テキストの書式設定</a:t>
-            </a:r>
-          </a:p>
-          <a:p>
-            <a:pPr lvl="1"/>
-            <a:r>
-              <a:rPr kumimoji="1" lang="ja-JP" altLang="en-US"/>
-              <a:t>第 </a:t>
-            </a:r>
-            <a:r>
-              <a:rPr kumimoji="1" lang="en-US" altLang="ja-JP"/>
-              <a:t>2 </a:t>
-            </a:r>
-            <a:r>
-              <a:rPr kumimoji="1" lang="ja-JP" altLang="en-US"/>
-              <a:t>レベル</a:t>
-            </a:r>
-          </a:p>
-          <a:p>
-            <a:pPr lvl="2"/>
-            <a:r>
-              <a:rPr kumimoji="1" lang="ja-JP" altLang="en-US"/>
-              <a:t>第 </a:t>
-            </a:r>
-            <a:r>
-              <a:rPr kumimoji="1" lang="en-US" altLang="ja-JP"/>
-              <a:t>3 </a:t>
-            </a:r>
-            <a:r>
-              <a:rPr kumimoji="1" lang="ja-JP" altLang="en-US"/>
-              <a:t>レベル</a:t>
-            </a:r>
-          </a:p>
-          <a:p>
-            <a:pPr lvl="3"/>
-            <a:r>
-              <a:rPr kumimoji="1" lang="ja-JP" altLang="en-US"/>
-              <a:t>第 </a:t>
-            </a:r>
-            <a:r>
-              <a:rPr kumimoji="1" lang="en-US" altLang="ja-JP"/>
-              <a:t>4 </a:t>
-            </a:r>
-            <a:r>
-              <a:rPr kumimoji="1" lang="ja-JP" altLang="en-US"/>
-              <a:t>レベル</a:t>
-            </a:r>
-          </a:p>
-          <a:p>
-            <a:pPr lvl="4"/>
-            <a:r>
-              <a:rPr kumimoji="1" lang="ja-JP" altLang="en-US"/>
-              <a:t>第 </a:t>
-            </a:r>
-            <a:r>
-              <a:rPr kumimoji="1" lang="en-US" altLang="ja-JP"/>
-              <a:t>5 </a:t>
-            </a:r>
-            <a:r>
-              <a:rPr kumimoji="1" lang="ja-JP" altLang="en-US"/>
-              <a:t>レベル</a:t>
-            </a:r>
-          </a:p>
-        </p:txBody>
-      </p:sp>
-      <p:sp>
-        <p:nvSpPr>
-          <p:cNvPr id="4" name="テキスト プレースホルダー 3">
-            <a:extLst>
-              <a:ext uri="{FF2B5EF4-FFF2-40B4-BE49-F238E27FC236}">
-                <a16:creationId xmlns:a16="http://schemas.microsoft.com/office/drawing/2014/main" id="{45CE0C9B-A5B4-4D11-8E1D-C5C4613819E7}"/>
-              </a:ext>
-            </a:extLst>
-          </p:cNvPr>
-          <p:cNvSpPr>
-            <a:spLocks noGrp="1"/>
-          </p:cNvSpPr>
-          <p:nvPr>
-            <p:ph type="body" sz="half" idx="2"/>
-          </p:nvPr>
-        </p:nvSpPr>
-        <p:spPr>
-          <a:xfrm>
-            <a:off x="839788" y="2057400"/>
-            <a:ext cx="3932237" cy="3811588"/>
-          </a:xfrm>
-        </p:spPr>
-        <p:txBody>
-          <a:bodyPr/>
-          <a:lstStyle>
-            <a:lvl1pPr marL="0" indent="0">
+            <a:lvl1pPr marL="0" indent="0" algn="ctr">
               <a:buNone/>
               <a:defRPr sz="1600"/>
             </a:lvl1pPr>
@@ -2796,7 +5756,7 @@
           <a:p>
             <a:pPr lvl="0"/>
             <a:r>
-              <a:rPr kumimoji="1" lang="ja-JP" altLang="en-US"/>
+              <a:rPr lang="ja-JP" altLang="en-US"/>
               <a:t>マスター テキストの書式設定</a:t>
             </a:r>
           </a:p>
@@ -2804,13 +5764,7 @@
       </p:sp>
       <p:sp>
         <p:nvSpPr>
-          <p:cNvPr id="5" name="日付プレースホルダー 4">
-            <a:extLst>
-              <a:ext uri="{FF2B5EF4-FFF2-40B4-BE49-F238E27FC236}">
-                <a16:creationId xmlns:a16="http://schemas.microsoft.com/office/drawing/2014/main" id="{57750AEB-19B2-4151-BCD5-B70E8761A639}"/>
-              </a:ext>
-            </a:extLst>
-          </p:cNvPr>
+          <p:cNvPr id="5" name="Date Placeholder 4"/>
           <p:cNvSpPr>
             <a:spLocks noGrp="1"/>
           </p:cNvSpPr>
@@ -2833,13 +5787,7 @@
       </p:sp>
       <p:sp>
         <p:nvSpPr>
-          <p:cNvPr id="6" name="フッター プレースホルダー 5">
-            <a:extLst>
-              <a:ext uri="{FF2B5EF4-FFF2-40B4-BE49-F238E27FC236}">
-                <a16:creationId xmlns:a16="http://schemas.microsoft.com/office/drawing/2014/main" id="{E6D2524B-DEE4-41E4-8664-AAEC4F3DA6CA}"/>
-              </a:ext>
-            </a:extLst>
-          </p:cNvPr>
+          <p:cNvPr id="6" name="Footer Placeholder 5"/>
           <p:cNvSpPr>
             <a:spLocks noGrp="1"/>
           </p:cNvSpPr>
@@ -2858,13 +5806,7 @@
       </p:sp>
       <p:sp>
         <p:nvSpPr>
-          <p:cNvPr id="7" name="スライド番号プレースホルダー 6">
-            <a:extLst>
-              <a:ext uri="{FF2B5EF4-FFF2-40B4-BE49-F238E27FC236}">
-                <a16:creationId xmlns:a16="http://schemas.microsoft.com/office/drawing/2014/main" id="{734AC690-EE85-48C8-B0EA-C790CD6F9147}"/>
-              </a:ext>
-            </a:extLst>
-          </p:cNvPr>
+          <p:cNvPr id="7" name="Slide Number Placeholder 6"/>
           <p:cNvSpPr>
             <a:spLocks noGrp="1"/>
           </p:cNvSpPr>
@@ -2888,7 +5830,7 @@
     </p:spTree>
     <p:extLst>
       <p:ext uri="{BB962C8B-B14F-4D97-AF65-F5344CB8AC3E}">
-        <p14:creationId xmlns:p14="http://schemas.microsoft.com/office/powerpoint/2010/main" val="4100362684"/>
+        <p14:creationId xmlns:p14="http://schemas.microsoft.com/office/powerpoint/2010/main" val="1209009415"/>
       </p:ext>
     </p:extLst>
   </p:cSld>
@@ -2915,15 +5857,39 @@
           <a:chExt cx="0" cy="0"/>
         </a:xfrm>
       </p:grpSpPr>
-      <p:sp>
-        <p:nvSpPr>
-          <p:cNvPr id="2" name="タイトル 1">
+      <p:pic>
+        <p:nvPicPr>
+          <p:cNvPr id="10" name="Picture 9" descr="Droplets-HD-Content-R1d.png"/>
+          <p:cNvPicPr>
+            <a:picLocks noChangeAspect="1"/>
+          </p:cNvPicPr>
+          <p:nvPr/>
+        </p:nvPicPr>
+        <p:blipFill>
+          <a:blip r:embed="rId2">
             <a:extLst>
-              <a:ext uri="{FF2B5EF4-FFF2-40B4-BE49-F238E27FC236}">
-                <a16:creationId xmlns:a16="http://schemas.microsoft.com/office/drawing/2014/main" id="{B74FBDB0-4491-490A-9468-AE57E02ED846}"/>
+              <a:ext uri="{28A0092B-C50C-407E-A947-70E740481C1C}">
+                <a14:useLocalDpi xmlns:a14="http://schemas.microsoft.com/office/drawing/2010/main" val="0"/>
               </a:ext>
             </a:extLst>
-          </p:cNvPr>
+          </a:blip>
+          <a:stretch>
+            <a:fillRect/>
+          </a:stretch>
+        </p:blipFill>
+        <p:spPr>
+          <a:xfrm>
+            <a:off x="0" y="0"/>
+            <a:ext cx="12192000" cy="6858000"/>
+          </a:xfrm>
+          <a:prstGeom prst="rect">
+            <a:avLst/>
+          </a:prstGeom>
+        </p:spPr>
+      </p:pic>
+      <p:sp>
+        <p:nvSpPr>
+          <p:cNvPr id="2" name="Title 1"/>
           <p:cNvSpPr>
             <a:spLocks noGrp="1"/>
           </p:cNvSpPr>
@@ -2933,36 +5899,31 @@
         </p:nvSpPr>
         <p:spPr>
           <a:xfrm>
-            <a:off x="839788" y="457200"/>
-            <a:ext cx="3932237" cy="1600200"/>
+            <a:off x="913774" y="609600"/>
+            <a:ext cx="5934969" cy="2023254"/>
           </a:xfrm>
         </p:spPr>
         <p:txBody>
           <a:bodyPr anchor="b"/>
           <a:lstStyle>
-            <a:lvl1pPr>
+            <a:lvl1pPr algn="ctr">
               <a:defRPr sz="3200"/>
             </a:lvl1pPr>
           </a:lstStyle>
           <a:p>
             <a:r>
-              <a:rPr kumimoji="1" lang="ja-JP" altLang="en-US"/>
+              <a:rPr lang="ja-JP" altLang="en-US"/>
               <a:t>マスター タイトルの書式設定</a:t>
             </a:r>
-          </a:p>
-        </p:txBody>
-      </p:sp>
-      <p:sp>
-        <p:nvSpPr>
-          <p:cNvPr id="3" name="図プレースホルダー 2">
-            <a:extLst>
-              <a:ext uri="{FF2B5EF4-FFF2-40B4-BE49-F238E27FC236}">
-                <a16:creationId xmlns:a16="http://schemas.microsoft.com/office/drawing/2014/main" id="{C215E335-EBF0-4F35-88B3-F043BEFA3ED8}"/>
-              </a:ext>
-            </a:extLst>
-          </p:cNvPr>
-          <p:cNvSpPr>
-            <a:spLocks noGrp="1"/>
+            <a:endParaRPr lang="en-US" dirty="0"/>
+          </a:p>
+        </p:txBody>
+      </p:sp>
+      <p:sp>
+        <p:nvSpPr>
+          <p:cNvPr id="3" name="Picture Placeholder 2"/>
+          <p:cNvSpPr>
+            <a:spLocks noGrp="1" noChangeAspect="1"/>
           </p:cNvSpPr>
           <p:nvPr>
             <p:ph type="pic" idx="1"/>
@@ -2970,12 +5931,37 @@
         </p:nvSpPr>
         <p:spPr>
           <a:xfrm>
-            <a:off x="5183188" y="987425"/>
-            <a:ext cx="6172200" cy="4873625"/>
-          </a:xfrm>
-        </p:spPr>
-        <p:txBody>
-          <a:bodyPr/>
+            <a:off x="7424803" y="609601"/>
+            <a:ext cx="3255358" cy="5181600"/>
+          </a:xfrm>
+          <a:prstGeom prst="roundRect">
+            <a:avLst>
+              <a:gd name="adj" fmla="val 4943"/>
+            </a:avLst>
+          </a:prstGeom>
+          <a:noFill/>
+          <a:ln w="82550" cap="sq">
+            <a:solidFill>
+              <a:srgbClr val="EAEAEA"/>
+            </a:solidFill>
+            <a:miter lim="800000"/>
+          </a:ln>
+          <a:effectLst/>
+          <a:scene3d>
+            <a:camera prst="orthographicFront"/>
+            <a:lightRig rig="threePt" dir="t">
+              <a:rot lat="0" lon="0" rev="2700000"/>
+            </a:lightRig>
+          </a:scene3d>
+          <a:sp3d contourW="6350">
+            <a:bevelT h="38100"/>
+            <a:contourClr>
+              <a:srgbClr val="C0C0C0"/>
+            </a:contourClr>
+          </a:sp3d>
+        </p:spPr>
+        <p:txBody>
+          <a:bodyPr anchor="t"/>
           <a:lstStyle>
             <a:lvl1pPr marL="0" indent="0">
               <a:buNone/>
@@ -3015,19 +6001,17 @@
             </a:lvl9pPr>
           </a:lstStyle>
           <a:p>
-            <a:endParaRPr kumimoji="1" lang="ja-JP" altLang="en-US"/>
-          </a:p>
-        </p:txBody>
-      </p:sp>
-      <p:sp>
-        <p:nvSpPr>
-          <p:cNvPr id="4" name="テキスト プレースホルダー 3">
-            <a:extLst>
-              <a:ext uri="{FF2B5EF4-FFF2-40B4-BE49-F238E27FC236}">
-                <a16:creationId xmlns:a16="http://schemas.microsoft.com/office/drawing/2014/main" id="{852E0BD4-D228-46AC-A001-E0BCE0DDC3C4}"/>
-              </a:ext>
-            </a:extLst>
-          </p:cNvPr>
+            <a:r>
+              <a:rPr lang="ja-JP" altLang="en-US"/>
+              <a:t>アイコンをクリックして図を追加</a:t>
+            </a:r>
+            <a:endParaRPr lang="en-US" dirty="0"/>
+          </a:p>
+        </p:txBody>
+      </p:sp>
+      <p:sp>
+        <p:nvSpPr>
+          <p:cNvPr id="4" name="Text Placeholder 3"/>
           <p:cNvSpPr>
             <a:spLocks noGrp="1"/>
           </p:cNvSpPr>
@@ -3037,14 +6021,14 @@
         </p:nvSpPr>
         <p:spPr>
           <a:xfrm>
-            <a:off x="839788" y="2057400"/>
-            <a:ext cx="3932237" cy="3811588"/>
+            <a:off x="913794" y="2632852"/>
+            <a:ext cx="5934949" cy="3158347"/>
           </a:xfrm>
         </p:spPr>
         <p:txBody>
           <a:bodyPr/>
           <a:lstStyle>
-            <a:lvl1pPr marL="0" indent="0">
+            <a:lvl1pPr marL="0" indent="0" algn="ctr">
               <a:buNone/>
               <a:defRPr sz="1600"/>
             </a:lvl1pPr>
@@ -3084,7 +6068,7 @@
           <a:p>
             <a:pPr lvl="0"/>
             <a:r>
-              <a:rPr kumimoji="1" lang="ja-JP" altLang="en-US"/>
+              <a:rPr lang="ja-JP" altLang="en-US"/>
               <a:t>マスター テキストの書式設定</a:t>
             </a:r>
           </a:p>
@@ -3092,13 +6076,7 @@
       </p:sp>
       <p:sp>
         <p:nvSpPr>
-          <p:cNvPr id="5" name="日付プレースホルダー 4">
-            <a:extLst>
-              <a:ext uri="{FF2B5EF4-FFF2-40B4-BE49-F238E27FC236}">
-                <a16:creationId xmlns:a16="http://schemas.microsoft.com/office/drawing/2014/main" id="{237BC849-C6BA-4268-AB27-4A0749AA07D8}"/>
-              </a:ext>
-            </a:extLst>
-          </p:cNvPr>
+          <p:cNvPr id="5" name="Date Placeholder 4"/>
           <p:cNvSpPr>
             <a:spLocks noGrp="1"/>
           </p:cNvSpPr>
@@ -3121,13 +6099,7 @@
       </p:sp>
       <p:sp>
         <p:nvSpPr>
-          <p:cNvPr id="6" name="フッター プレースホルダー 5">
-            <a:extLst>
-              <a:ext uri="{FF2B5EF4-FFF2-40B4-BE49-F238E27FC236}">
-                <a16:creationId xmlns:a16="http://schemas.microsoft.com/office/drawing/2014/main" id="{D7116361-7982-4337-A50C-2CBC46CCBC32}"/>
-              </a:ext>
-            </a:extLst>
-          </p:cNvPr>
+          <p:cNvPr id="6" name="Footer Placeholder 5"/>
           <p:cNvSpPr>
             <a:spLocks noGrp="1"/>
           </p:cNvSpPr>
@@ -3146,13 +6118,7 @@
       </p:sp>
       <p:sp>
         <p:nvSpPr>
-          <p:cNvPr id="7" name="スライド番号プレースホルダー 6">
-            <a:extLst>
-              <a:ext uri="{FF2B5EF4-FFF2-40B4-BE49-F238E27FC236}">
-                <a16:creationId xmlns:a16="http://schemas.microsoft.com/office/drawing/2014/main" id="{5D00DC23-6B64-4455-BDAC-5F733BBA0895}"/>
-              </a:ext>
-            </a:extLst>
-          </p:cNvPr>
+          <p:cNvPr id="7" name="Slide Number Placeholder 6"/>
           <p:cNvSpPr>
             <a:spLocks noGrp="1"/>
           </p:cNvSpPr>
@@ -3176,7 +6142,7 @@
     </p:spTree>
     <p:extLst>
       <p:ext uri="{BB962C8B-B14F-4D97-AF65-F5344CB8AC3E}">
-        <p14:creationId xmlns:p14="http://schemas.microsoft.com/office/powerpoint/2010/main" val="310177146"/>
+        <p14:creationId xmlns:p14="http://schemas.microsoft.com/office/powerpoint/2010/main" val="1217864127"/>
       </p:ext>
     </p:extLst>
   </p:cSld>
@@ -3190,7 +6156,7 @@
 <p:sldMaster xmlns:a="http://schemas.openxmlformats.org/drawingml/2006/main" xmlns:r="http://schemas.openxmlformats.org/officeDocument/2006/relationships" xmlns:p="http://schemas.openxmlformats.org/presentationml/2006/main">
   <p:cSld>
     <p:bg>
-      <p:bgRef idx="1001">
+      <p:bgRef idx="1002">
         <a:schemeClr val="bg1"/>
       </p:bgRef>
     </p:bg>
@@ -3208,15 +6174,51 @@
           <a:chExt cx="0" cy="0"/>
         </a:xfrm>
       </p:grpSpPr>
-      <p:sp>
-        <p:nvSpPr>
-          <p:cNvPr id="2" name="タイトル プレースホルダー 1">
+      <p:pic>
+        <p:nvPicPr>
+          <p:cNvPr id="1026" name="Picture 2" descr="\\DROBO-FS\QuickDrops\JB\PPTX NG\Droplets\LightingOverlay.png"/>
+          <p:cNvPicPr>
+            <a:picLocks noChangeAspect="1" noChangeArrowheads="1"/>
+          </p:cNvPicPr>
+          <p:nvPr/>
+        </p:nvPicPr>
+        <p:blipFill>
+          <a:blip r:embed="rId20">
+            <a:alphaModFix/>
             <a:extLst>
-              <a:ext uri="{FF2B5EF4-FFF2-40B4-BE49-F238E27FC236}">
-                <a16:creationId xmlns:a16="http://schemas.microsoft.com/office/drawing/2014/main" id="{7F9D3139-1824-4C2B-8F7E-5292FD98A984}"/>
+              <a:ext uri="{28A0092B-C50C-407E-A947-70E740481C1C}">
+                <a14:useLocalDpi xmlns:a14="http://schemas.microsoft.com/office/drawing/2010/main" val="0"/>
               </a:ext>
             </a:extLst>
-          </p:cNvPr>
+          </a:blip>
+          <a:srcRect/>
+          <a:stretch>
+            <a:fillRect/>
+          </a:stretch>
+        </p:blipFill>
+        <p:spPr bwMode="auto">
+          <a:xfrm>
+            <a:off x="0" y="-1"/>
+            <a:ext cx="12192003" cy="6858001"/>
+          </a:xfrm>
+          <a:prstGeom prst="rect">
+            <a:avLst/>
+          </a:prstGeom>
+          <a:noFill/>
+          <a:extLst>
+            <a:ext uri="{909E8E84-426E-40DD-AFC4-6F175D3DCCD1}">
+              <a14:hiddenFill xmlns:a14="http://schemas.microsoft.com/office/drawing/2010/main">
+                <a:solidFill>
+                  <a:srgbClr val="FFFFFF"/>
+                </a:solidFill>
+              </a14:hiddenFill>
+            </a:ext>
+          </a:extLst>
+        </p:spPr>
+      </p:pic>
+      <p:sp>
+        <p:nvSpPr>
+          <p:cNvPr id="2" name="Title Placeholder 1"/>
           <p:cNvSpPr>
             <a:spLocks noGrp="1"/>
           </p:cNvSpPr>
@@ -3226,8 +6228,8 @@
         </p:nvSpPr>
         <p:spPr>
           <a:xfrm>
-            <a:off x="838200" y="365125"/>
-            <a:ext cx="10515600" cy="1325563"/>
+            <a:off x="913775" y="618517"/>
+            <a:ext cx="10364451" cy="1596177"/>
           </a:xfrm>
           <a:prstGeom prst="rect">
             <a:avLst/>
@@ -3240,21 +6242,16 @@
           <a:lstStyle/>
           <a:p>
             <a:r>
-              <a:rPr kumimoji="1" lang="ja-JP" altLang="en-US"/>
+              <a:rPr lang="ja-JP" altLang="en-US"/>
               <a:t>マスター タイトルの書式設定</a:t>
             </a:r>
-          </a:p>
-        </p:txBody>
-      </p:sp>
-      <p:sp>
-        <p:nvSpPr>
-          <p:cNvPr id="3" name="テキスト プレースホルダー 2">
-            <a:extLst>
-              <a:ext uri="{FF2B5EF4-FFF2-40B4-BE49-F238E27FC236}">
-                <a16:creationId xmlns:a16="http://schemas.microsoft.com/office/drawing/2014/main" id="{AEA4AB45-DDA7-4F99-B404-31031D6523EA}"/>
-              </a:ext>
-            </a:extLst>
-          </p:cNvPr>
+            <a:endParaRPr lang="en-US" dirty="0"/>
+          </a:p>
+        </p:txBody>
+      </p:sp>
+      <p:sp>
+        <p:nvSpPr>
+          <p:cNvPr id="3" name="Text Placeholder 2"/>
           <p:cNvSpPr>
             <a:spLocks noGrp="1"/>
           </p:cNvSpPr>
@@ -3264,8 +6261,8 @@
         </p:nvSpPr>
         <p:spPr>
           <a:xfrm>
-            <a:off x="838200" y="1825625"/>
-            <a:ext cx="10515600" cy="4351338"/>
+            <a:off x="913775" y="2367093"/>
+            <a:ext cx="10364452" cy="3424107"/>
           </a:xfrm>
           <a:prstGeom prst="rect">
             <a:avLst/>
@@ -3279,81 +6276,76 @@
           <a:p>
             <a:pPr lvl="0"/>
             <a:r>
-              <a:rPr kumimoji="1" lang="ja-JP" altLang="en-US"/>
+              <a:rPr lang="ja-JP" altLang="en-US"/>
               <a:t>マスター テキストの書式設定</a:t>
             </a:r>
           </a:p>
           <a:p>
             <a:pPr lvl="1"/>
             <a:r>
-              <a:rPr kumimoji="1" lang="ja-JP" altLang="en-US"/>
+              <a:rPr lang="ja-JP" altLang="en-US"/>
               <a:t>第 </a:t>
             </a:r>
             <a:r>
-              <a:rPr kumimoji="1" lang="en-US" altLang="ja-JP"/>
+              <a:rPr lang="en-US" altLang="ja-JP"/>
               <a:t>2 </a:t>
             </a:r>
             <a:r>
-              <a:rPr kumimoji="1" lang="ja-JP" altLang="en-US"/>
+              <a:rPr lang="ja-JP" altLang="en-US"/>
               <a:t>レベル</a:t>
             </a:r>
           </a:p>
           <a:p>
             <a:pPr lvl="2"/>
             <a:r>
-              <a:rPr kumimoji="1" lang="ja-JP" altLang="en-US"/>
+              <a:rPr lang="ja-JP" altLang="en-US"/>
               <a:t>第 </a:t>
             </a:r>
             <a:r>
-              <a:rPr kumimoji="1" lang="en-US" altLang="ja-JP"/>
+              <a:rPr lang="en-US" altLang="ja-JP"/>
               <a:t>3 </a:t>
             </a:r>
             <a:r>
-              <a:rPr kumimoji="1" lang="ja-JP" altLang="en-US"/>
+              <a:rPr lang="ja-JP" altLang="en-US"/>
               <a:t>レベル</a:t>
             </a:r>
           </a:p>
           <a:p>
             <a:pPr lvl="3"/>
             <a:r>
-              <a:rPr kumimoji="1" lang="ja-JP" altLang="en-US"/>
+              <a:rPr lang="ja-JP" altLang="en-US"/>
               <a:t>第 </a:t>
             </a:r>
             <a:r>
-              <a:rPr kumimoji="1" lang="en-US" altLang="ja-JP"/>
+              <a:rPr lang="en-US" altLang="ja-JP"/>
               <a:t>4 </a:t>
             </a:r>
             <a:r>
-              <a:rPr kumimoji="1" lang="ja-JP" altLang="en-US"/>
+              <a:rPr lang="ja-JP" altLang="en-US"/>
               <a:t>レベル</a:t>
             </a:r>
           </a:p>
           <a:p>
             <a:pPr lvl="4"/>
             <a:r>
-              <a:rPr kumimoji="1" lang="ja-JP" altLang="en-US"/>
+              <a:rPr lang="ja-JP" altLang="en-US"/>
               <a:t>第 </a:t>
             </a:r>
             <a:r>
-              <a:rPr kumimoji="1" lang="en-US" altLang="ja-JP"/>
+              <a:rPr lang="en-US" altLang="ja-JP"/>
               <a:t>5 </a:t>
             </a:r>
             <a:r>
-              <a:rPr kumimoji="1" lang="ja-JP" altLang="en-US"/>
+              <a:rPr lang="ja-JP" altLang="en-US"/>
               <a:t>レベル</a:t>
             </a:r>
-          </a:p>
-        </p:txBody>
-      </p:sp>
-      <p:sp>
-        <p:nvSpPr>
-          <p:cNvPr id="4" name="日付プレースホルダー 3">
-            <a:extLst>
-              <a:ext uri="{FF2B5EF4-FFF2-40B4-BE49-F238E27FC236}">
-                <a16:creationId xmlns:a16="http://schemas.microsoft.com/office/drawing/2014/main" id="{6AEF9C16-A3A8-4280-93C9-B0C79B0A7888}"/>
-              </a:ext>
-            </a:extLst>
-          </p:cNvPr>
+            <a:endParaRPr lang="en-US" dirty="0"/>
+          </a:p>
+        </p:txBody>
+      </p:sp>
+      <p:sp>
+        <p:nvSpPr>
+          <p:cNvPr id="4" name="Date Placeholder 3"/>
           <p:cNvSpPr>
             <a:spLocks noGrp="1"/>
           </p:cNvSpPr>
@@ -3363,7 +6355,7 @@
         </p:nvSpPr>
         <p:spPr>
           <a:xfrm>
-            <a:off x="838200" y="6356350"/>
+            <a:off x="7678737" y="5883275"/>
             <a:ext cx="2743200" cy="365125"/>
           </a:xfrm>
           <a:prstGeom prst="rect">
@@ -3373,12 +6365,10 @@
         <p:txBody>
           <a:bodyPr vert="horz" lIns="91440" tIns="45720" rIns="91440" bIns="45720" rtlCol="0" anchor="ctr"/>
           <a:lstStyle>
-            <a:lvl1pPr algn="l">
-              <a:defRPr sz="1200">
+            <a:lvl1pPr algn="r">
+              <a:defRPr sz="1000">
                 <a:solidFill>
-                  <a:schemeClr val="tx1">
-                    <a:tint val="75000"/>
-                  </a:schemeClr>
+                  <a:schemeClr val="tx1"/>
                 </a:solidFill>
               </a:defRPr>
             </a:lvl1pPr>
@@ -3394,13 +6384,7 @@
       </p:sp>
       <p:sp>
         <p:nvSpPr>
-          <p:cNvPr id="5" name="フッター プレースホルダー 4">
-            <a:extLst>
-              <a:ext uri="{FF2B5EF4-FFF2-40B4-BE49-F238E27FC236}">
-                <a16:creationId xmlns:a16="http://schemas.microsoft.com/office/drawing/2014/main" id="{AC57F44F-4256-4437-B896-3F257D0CF5FD}"/>
-              </a:ext>
-            </a:extLst>
-          </p:cNvPr>
+          <p:cNvPr id="5" name="Footer Placeholder 4"/>
           <p:cNvSpPr>
             <a:spLocks noGrp="1"/>
           </p:cNvSpPr>
@@ -3410,8 +6394,8 @@
         </p:nvSpPr>
         <p:spPr>
           <a:xfrm>
-            <a:off x="4038600" y="6356350"/>
-            <a:ext cx="4114800" cy="365125"/>
+            <a:off x="913774" y="5883275"/>
+            <a:ext cx="6672887" cy="365125"/>
           </a:xfrm>
           <a:prstGeom prst="rect">
             <a:avLst/>
@@ -3420,12 +6404,10 @@
         <p:txBody>
           <a:bodyPr vert="horz" lIns="91440" tIns="45720" rIns="91440" bIns="45720" rtlCol="0" anchor="ctr"/>
           <a:lstStyle>
-            <a:lvl1pPr algn="ctr">
-              <a:defRPr sz="1200">
+            <a:lvl1pPr algn="l">
+              <a:defRPr sz="1000">
                 <a:solidFill>
-                  <a:schemeClr val="tx1">
-                    <a:tint val="75000"/>
-                  </a:schemeClr>
+                  <a:schemeClr val="tx1"/>
                 </a:solidFill>
               </a:defRPr>
             </a:lvl1pPr>
@@ -3437,13 +6419,7 @@
       </p:sp>
       <p:sp>
         <p:nvSpPr>
-          <p:cNvPr id="6" name="スライド番号プレースホルダー 5">
-            <a:extLst>
-              <a:ext uri="{FF2B5EF4-FFF2-40B4-BE49-F238E27FC236}">
-                <a16:creationId xmlns:a16="http://schemas.microsoft.com/office/drawing/2014/main" id="{BC09B700-03DC-4783-A66A-48E3DCBF8144}"/>
-              </a:ext>
-            </a:extLst>
-          </p:cNvPr>
+          <p:cNvPr id="6" name="Slide Number Placeholder 5"/>
           <p:cNvSpPr>
             <a:spLocks noGrp="1"/>
           </p:cNvSpPr>
@@ -3453,8 +6429,8 @@
         </p:nvSpPr>
         <p:spPr>
           <a:xfrm>
-            <a:off x="8610600" y="6356350"/>
-            <a:ext cx="2743200" cy="365125"/>
+            <a:off x="10514011" y="5883275"/>
+            <a:ext cx="764215" cy="365125"/>
           </a:xfrm>
           <a:prstGeom prst="rect">
             <a:avLst/>
@@ -3464,11 +6440,9 @@
           <a:bodyPr vert="horz" lIns="91440" tIns="45720" rIns="91440" bIns="45720" rtlCol="0" anchor="ctr"/>
           <a:lstStyle>
             <a:lvl1pPr algn="r">
-              <a:defRPr sz="1200">
+              <a:defRPr sz="1000">
                 <a:solidFill>
-                  <a:schemeClr val="tx1">
-                    <a:tint val="75000"/>
-                  </a:schemeClr>
+                  <a:schemeClr val="tx1"/>
                 </a:solidFill>
               </a:defRPr>
             </a:lvl1pPr>
@@ -3485,27 +6459,34 @@
     </p:spTree>
     <p:extLst>
       <p:ext uri="{BB962C8B-B14F-4D97-AF65-F5344CB8AC3E}">
-        <p14:creationId xmlns:p14="http://schemas.microsoft.com/office/powerpoint/2010/main" val="61178395"/>
+        <p14:creationId xmlns:p14="http://schemas.microsoft.com/office/powerpoint/2010/main" val="2740430299"/>
       </p:ext>
     </p:extLst>
   </p:cSld>
   <p:clrMap bg1="lt1" tx1="dk1" bg2="lt2" tx2="dk2" accent1="accent1" accent2="accent2" accent3="accent3" accent4="accent4" accent5="accent5" accent6="accent6" hlink="hlink" folHlink="folHlink"/>
   <p:sldLayoutIdLst>
-    <p:sldLayoutId id="2147483649" r:id="rId1"/>
-    <p:sldLayoutId id="2147483650" r:id="rId2"/>
-    <p:sldLayoutId id="2147483651" r:id="rId3"/>
-    <p:sldLayoutId id="2147483652" r:id="rId4"/>
-    <p:sldLayoutId id="2147483653" r:id="rId5"/>
-    <p:sldLayoutId id="2147483654" r:id="rId6"/>
-    <p:sldLayoutId id="2147483655" r:id="rId7"/>
-    <p:sldLayoutId id="2147483656" r:id="rId8"/>
-    <p:sldLayoutId id="2147483657" r:id="rId9"/>
-    <p:sldLayoutId id="2147483658" r:id="rId10"/>
-    <p:sldLayoutId id="2147483659" r:id="rId11"/>
+    <p:sldLayoutId id="2147483791" r:id="rId1"/>
+    <p:sldLayoutId id="2147483792" r:id="rId2"/>
+    <p:sldLayoutId id="2147483793" r:id="rId3"/>
+    <p:sldLayoutId id="2147483794" r:id="rId4"/>
+    <p:sldLayoutId id="2147483795" r:id="rId5"/>
+    <p:sldLayoutId id="2147483796" r:id="rId6"/>
+    <p:sldLayoutId id="2147483797" r:id="rId7"/>
+    <p:sldLayoutId id="2147483798" r:id="rId8"/>
+    <p:sldLayoutId id="2147483799" r:id="rId9"/>
+    <p:sldLayoutId id="2147483800" r:id="rId10"/>
+    <p:sldLayoutId id="2147483801" r:id="rId11"/>
+    <p:sldLayoutId id="2147483802" r:id="rId12"/>
+    <p:sldLayoutId id="2147483803" r:id="rId13"/>
+    <p:sldLayoutId id="2147483804" r:id="rId14"/>
+    <p:sldLayoutId id="2147483805" r:id="rId15"/>
+    <p:sldLayoutId id="2147483806" r:id="rId16"/>
+    <p:sldLayoutId id="2147483807" r:id="rId17"/>
+    <p:sldLayoutId id="2147483808" r:id="rId18"/>
   </p:sldLayoutIdLst>
   <p:txStyles>
     <p:titleStyle>
-      <a:lvl1pPr algn="l" defTabSz="914400" rtl="0" eaLnBrk="1" latinLnBrk="0" hangingPunct="1">
+      <a:lvl1pPr algn="ctr" defTabSz="914400" rtl="0" eaLnBrk="1" latinLnBrk="0" hangingPunct="1">
         <a:lnSpc>
           <a:spcPct val="90000"/>
         </a:lnSpc>
@@ -3513,10 +6494,11 @@
           <a:spcPct val="0"/>
         </a:spcBef>
         <a:buNone/>
-        <a:defRPr kumimoji="1" sz="4400" kern="1200">
+        <a:defRPr kumimoji="1" sz="3600" kern="1200" cap="all" baseline="0">
           <a:solidFill>
             <a:schemeClr val="tx1"/>
           </a:solidFill>
+          <a:effectLst/>
           <a:latin typeface="+mj-lt"/>
           <a:ea typeface="+mj-ea"/>
           <a:cs typeface="+mj-cs"/>
@@ -3526,17 +6508,21 @@
     <p:bodyStyle>
       <a:lvl1pPr marL="228600" indent="-228600" algn="l" defTabSz="914400" rtl="0" eaLnBrk="1" latinLnBrk="0" hangingPunct="1">
         <a:lnSpc>
-          <a:spcPct val="90000"/>
+          <a:spcPct val="120000"/>
         </a:lnSpc>
         <a:spcBef>
           <a:spcPts val="1000"/>
         </a:spcBef>
+        <a:buClr>
+          <a:schemeClr val="tx1"/>
+        </a:buClr>
         <a:buFont typeface="Arial" panose="020B0604020202020204" pitchFamily="34" charset="0"/>
         <a:buChar char="•"/>
-        <a:defRPr kumimoji="1" sz="2800" kern="1200">
+        <a:defRPr kumimoji="1" sz="2000" kern="1200" cap="all" baseline="0">
           <a:solidFill>
             <a:schemeClr val="tx1"/>
           </a:solidFill>
+          <a:effectLst/>
           <a:latin typeface="+mn-lt"/>
           <a:ea typeface="+mn-ea"/>
           <a:cs typeface="+mn-cs"/>
@@ -3544,17 +6530,21 @@
       </a:lvl1pPr>
       <a:lvl2pPr marL="685800" indent="-228600" algn="l" defTabSz="914400" rtl="0" eaLnBrk="1" latinLnBrk="0" hangingPunct="1">
         <a:lnSpc>
-          <a:spcPct val="90000"/>
+          <a:spcPct val="120000"/>
         </a:lnSpc>
         <a:spcBef>
           <a:spcPts val="500"/>
         </a:spcBef>
+        <a:buClr>
+          <a:schemeClr val="tx1"/>
+        </a:buClr>
         <a:buFont typeface="Arial" panose="020B0604020202020204" pitchFamily="34" charset="0"/>
         <a:buChar char="•"/>
-        <a:defRPr kumimoji="1" sz="2400" kern="1200">
+        <a:defRPr kumimoji="1" sz="1800" kern="1200" cap="all" baseline="0">
           <a:solidFill>
             <a:schemeClr val="tx1"/>
           </a:solidFill>
+          <a:effectLst/>
           <a:latin typeface="+mn-lt"/>
           <a:ea typeface="+mn-ea"/>
           <a:cs typeface="+mn-cs"/>
@@ -3562,17 +6552,21 @@
       </a:lvl2pPr>
       <a:lvl3pPr marL="1143000" indent="-228600" algn="l" defTabSz="914400" rtl="0" eaLnBrk="1" latinLnBrk="0" hangingPunct="1">
         <a:lnSpc>
-          <a:spcPct val="90000"/>
+          <a:spcPct val="120000"/>
         </a:lnSpc>
         <a:spcBef>
           <a:spcPts val="500"/>
         </a:spcBef>
+        <a:buClr>
+          <a:schemeClr val="tx1"/>
+        </a:buClr>
         <a:buFont typeface="Arial" panose="020B0604020202020204" pitchFamily="34" charset="0"/>
         <a:buChar char="•"/>
-        <a:defRPr kumimoji="1" sz="2000" kern="1200">
+        <a:defRPr kumimoji="1" sz="1600" kern="1200" cap="all" baseline="0">
           <a:solidFill>
             <a:schemeClr val="tx1"/>
           </a:solidFill>
+          <a:effectLst/>
           <a:latin typeface="+mn-lt"/>
           <a:ea typeface="+mn-ea"/>
           <a:cs typeface="+mn-cs"/>
@@ -3580,17 +6574,21 @@
       </a:lvl3pPr>
       <a:lvl4pPr marL="1600200" indent="-228600" algn="l" defTabSz="914400" rtl="0" eaLnBrk="1" latinLnBrk="0" hangingPunct="1">
         <a:lnSpc>
-          <a:spcPct val="90000"/>
+          <a:spcPct val="120000"/>
         </a:lnSpc>
         <a:spcBef>
           <a:spcPts val="500"/>
         </a:spcBef>
+        <a:buClr>
+          <a:schemeClr val="tx1"/>
+        </a:buClr>
         <a:buFont typeface="Arial" panose="020B0604020202020204" pitchFamily="34" charset="0"/>
         <a:buChar char="•"/>
-        <a:defRPr kumimoji="1" sz="1800" kern="1200">
+        <a:defRPr kumimoji="1" sz="1400" kern="1200" cap="all" baseline="0">
           <a:solidFill>
             <a:schemeClr val="tx1"/>
           </a:solidFill>
+          <a:effectLst/>
           <a:latin typeface="+mn-lt"/>
           <a:ea typeface="+mn-ea"/>
           <a:cs typeface="+mn-cs"/>
@@ -3598,17 +6596,21 @@
       </a:lvl4pPr>
       <a:lvl5pPr marL="2057400" indent="-228600" algn="l" defTabSz="914400" rtl="0" eaLnBrk="1" latinLnBrk="0" hangingPunct="1">
         <a:lnSpc>
-          <a:spcPct val="90000"/>
+          <a:spcPct val="120000"/>
         </a:lnSpc>
         <a:spcBef>
           <a:spcPts val="500"/>
         </a:spcBef>
+        <a:buClr>
+          <a:schemeClr val="tx1"/>
+        </a:buClr>
         <a:buFont typeface="Arial" panose="020B0604020202020204" pitchFamily="34" charset="0"/>
         <a:buChar char="•"/>
-        <a:defRPr kumimoji="1" sz="1800" kern="1200">
+        <a:defRPr kumimoji="1" sz="1400" kern="1200" cap="all" baseline="0">
           <a:solidFill>
             <a:schemeClr val="tx1"/>
           </a:solidFill>
+          <a:effectLst/>
           <a:latin typeface="+mn-lt"/>
           <a:ea typeface="+mn-ea"/>
           <a:cs typeface="+mn-cs"/>
@@ -3616,17 +6618,21 @@
       </a:lvl5pPr>
       <a:lvl6pPr marL="2514600" indent="-228600" algn="l" defTabSz="914400" rtl="0" eaLnBrk="1" latinLnBrk="0" hangingPunct="1">
         <a:lnSpc>
-          <a:spcPct val="90000"/>
+          <a:spcPct val="120000"/>
         </a:lnSpc>
         <a:spcBef>
           <a:spcPts val="500"/>
         </a:spcBef>
+        <a:buClr>
+          <a:schemeClr val="tx1"/>
+        </a:buClr>
         <a:buFont typeface="Arial" panose="020B0604020202020204" pitchFamily="34" charset="0"/>
         <a:buChar char="•"/>
-        <a:defRPr kumimoji="1" sz="1800" kern="1200">
+        <a:defRPr kumimoji="1" sz="1400" kern="1200" cap="all" baseline="0">
           <a:solidFill>
             <a:schemeClr val="tx1"/>
           </a:solidFill>
+          <a:effectLst/>
           <a:latin typeface="+mn-lt"/>
           <a:ea typeface="+mn-ea"/>
           <a:cs typeface="+mn-cs"/>
@@ -3634,17 +6640,21 @@
       </a:lvl6pPr>
       <a:lvl7pPr marL="2971800" indent="-228600" algn="l" defTabSz="914400" rtl="0" eaLnBrk="1" latinLnBrk="0" hangingPunct="1">
         <a:lnSpc>
-          <a:spcPct val="90000"/>
+          <a:spcPct val="120000"/>
         </a:lnSpc>
         <a:spcBef>
           <a:spcPts val="500"/>
         </a:spcBef>
+        <a:buClr>
+          <a:schemeClr val="tx1"/>
+        </a:buClr>
         <a:buFont typeface="Arial" panose="020B0604020202020204" pitchFamily="34" charset="0"/>
         <a:buChar char="•"/>
-        <a:defRPr kumimoji="1" sz="1800" kern="1200">
+        <a:defRPr kumimoji="1" sz="1400" kern="1200" cap="all" baseline="0">
           <a:solidFill>
             <a:schemeClr val="tx1"/>
           </a:solidFill>
+          <a:effectLst/>
           <a:latin typeface="+mn-lt"/>
           <a:ea typeface="+mn-ea"/>
           <a:cs typeface="+mn-cs"/>
@@ -3652,17 +6662,21 @@
       </a:lvl7pPr>
       <a:lvl8pPr marL="3429000" indent="-228600" algn="l" defTabSz="914400" rtl="0" eaLnBrk="1" latinLnBrk="0" hangingPunct="1">
         <a:lnSpc>
-          <a:spcPct val="90000"/>
+          <a:spcPct val="120000"/>
         </a:lnSpc>
         <a:spcBef>
           <a:spcPts val="500"/>
         </a:spcBef>
+        <a:buClr>
+          <a:schemeClr val="tx1"/>
+        </a:buClr>
         <a:buFont typeface="Arial" panose="020B0604020202020204" pitchFamily="34" charset="0"/>
         <a:buChar char="•"/>
-        <a:defRPr kumimoji="1" sz="1800" kern="1200">
+        <a:defRPr kumimoji="1" sz="1400" kern="1200" cap="all" baseline="0">
           <a:solidFill>
             <a:schemeClr val="tx1"/>
           </a:solidFill>
+          <a:effectLst/>
           <a:latin typeface="+mn-lt"/>
           <a:ea typeface="+mn-ea"/>
           <a:cs typeface="+mn-cs"/>
@@ -3670,17 +6684,21 @@
       </a:lvl8pPr>
       <a:lvl9pPr marL="3886200" indent="-228600" algn="l" defTabSz="914400" rtl="0" eaLnBrk="1" latinLnBrk="0" hangingPunct="1">
         <a:lnSpc>
-          <a:spcPct val="90000"/>
+          <a:spcPct val="120000"/>
         </a:lnSpc>
         <a:spcBef>
           <a:spcPts val="500"/>
         </a:spcBef>
+        <a:buClr>
+          <a:schemeClr val="tx1"/>
+        </a:buClr>
         <a:buFont typeface="Arial" panose="020B0604020202020204" pitchFamily="34" charset="0"/>
         <a:buChar char="•"/>
-        <a:defRPr kumimoji="1" sz="1800" kern="1200">
+        <a:defRPr kumimoji="1" sz="1400" kern="1200" cap="all" baseline="0">
           <a:solidFill>
             <a:schemeClr val="tx1"/>
           </a:solidFill>
+          <a:effectLst/>
           <a:latin typeface="+mn-lt"/>
           <a:ea typeface="+mn-ea"/>
           <a:cs typeface="+mn-cs"/>
@@ -3689,7 +6707,7 @@
     </p:bodyStyle>
     <p:otherStyle>
       <a:defPPr>
-        <a:defRPr lang="ja-JP"/>
+        <a:defRPr lang="en-US"/>
       </a:defPPr>
       <a:lvl1pPr marL="0" algn="l" defTabSz="914400" rtl="0" eaLnBrk="1" latinLnBrk="0" hangingPunct="1">
         <a:defRPr kumimoji="1" sz="1800" kern="1200">
@@ -3805,6 +6823,935 @@
       </p:grpSpPr>
       <p:sp>
         <p:nvSpPr>
+          <p:cNvPr id="2" name="正方形/長方形 1">
+            <a:extLst>
+              <a:ext uri="{FF2B5EF4-FFF2-40B4-BE49-F238E27FC236}">
+                <a16:creationId xmlns:a16="http://schemas.microsoft.com/office/drawing/2014/main" id="{039529E1-5585-4C88-8723-462ED4098B43}"/>
+              </a:ext>
+            </a:extLst>
+          </p:cNvPr>
+          <p:cNvSpPr/>
+          <p:nvPr/>
+        </p:nvSpPr>
+        <p:spPr>
+          <a:xfrm>
+            <a:off x="1968319" y="321975"/>
+            <a:ext cx="8255360" cy="2575772"/>
+          </a:xfrm>
+          <a:prstGeom prst="rect">
+            <a:avLst/>
+          </a:prstGeom>
+        </p:spPr>
+        <p:style>
+          <a:lnRef idx="2">
+            <a:schemeClr val="accent1">
+              <a:shade val="50000"/>
+            </a:schemeClr>
+          </a:lnRef>
+          <a:fillRef idx="1">
+            <a:schemeClr val="accent1"/>
+          </a:fillRef>
+          <a:effectRef idx="0">
+            <a:schemeClr val="accent1"/>
+          </a:effectRef>
+          <a:fontRef idx="minor">
+            <a:schemeClr val="lt1"/>
+          </a:fontRef>
+        </p:style>
+        <p:txBody>
+          <a:bodyPr rtlCol="0" anchor="ctr"/>
+          <a:lstStyle/>
+          <a:p>
+            <a:pPr algn="ctr"/>
+            <a:r>
+              <a:rPr lang="ja-JP" altLang="en-US" sz="11500" b="1" dirty="0"/>
+              <a:t>森の安藤</a:t>
+            </a:r>
+            <a:endParaRPr lang="en-US" altLang="ja-JP" sz="11500" b="1" dirty="0"/>
+          </a:p>
+          <a:p>
+            <a:pPr algn="ctr"/>
+            <a:r>
+              <a:rPr kumimoji="1" lang="ja-JP" altLang="en-US" sz="4000" dirty="0"/>
+              <a:t>～ジャンプする～</a:t>
+            </a:r>
+          </a:p>
+        </p:txBody>
+      </p:sp>
+      <p:sp>
+        <p:nvSpPr>
+          <p:cNvPr id="3" name="正方形/長方形 2">
+            <a:extLst>
+              <a:ext uri="{FF2B5EF4-FFF2-40B4-BE49-F238E27FC236}">
+                <a16:creationId xmlns:a16="http://schemas.microsoft.com/office/drawing/2014/main" id="{E308F865-B8A9-4663-8388-7FF0DCC8FD04}"/>
+              </a:ext>
+            </a:extLst>
+          </p:cNvPr>
+          <p:cNvSpPr/>
+          <p:nvPr/>
+        </p:nvSpPr>
+        <p:spPr>
+          <a:xfrm>
+            <a:off x="1388771" y="3142445"/>
+            <a:ext cx="9414457" cy="3503054"/>
+          </a:xfrm>
+          <a:prstGeom prst="rect">
+            <a:avLst/>
+          </a:prstGeom>
+        </p:spPr>
+        <p:style>
+          <a:lnRef idx="2">
+            <a:schemeClr val="accent1">
+              <a:shade val="50000"/>
+            </a:schemeClr>
+          </a:lnRef>
+          <a:fillRef idx="1">
+            <a:schemeClr val="accent1"/>
+          </a:fillRef>
+          <a:effectRef idx="0">
+            <a:schemeClr val="accent1"/>
+          </a:effectRef>
+          <a:fontRef idx="minor">
+            <a:schemeClr val="lt1"/>
+          </a:fontRef>
+        </p:style>
+        <p:txBody>
+          <a:bodyPr rtlCol="0" anchor="ctr"/>
+          <a:lstStyle/>
+          <a:p>
+            <a:r>
+              <a:rPr kumimoji="1" lang="ja-JP" altLang="en-US" sz="3200" dirty="0"/>
+              <a:t>タイトル　　未定</a:t>
+            </a:r>
+            <a:endParaRPr kumimoji="1" lang="en-US" altLang="ja-JP" sz="3200" dirty="0"/>
+          </a:p>
+          <a:p>
+            <a:r>
+              <a:rPr lang="ja-JP" altLang="en-US" sz="3200" dirty="0"/>
+              <a:t>ジャンル　　ジャンプアクション</a:t>
+            </a:r>
+            <a:endParaRPr lang="en-US" altLang="ja-JP" sz="3200" dirty="0"/>
+          </a:p>
+          <a:p>
+            <a:r>
+              <a:rPr kumimoji="1" lang="ja-JP" altLang="en-US" sz="3200" dirty="0"/>
+              <a:t>予定日　　　</a:t>
+            </a:r>
+            <a:r>
+              <a:rPr kumimoji="1" lang="ja-JP" altLang="en-US" sz="2000" dirty="0"/>
+              <a:t>プロトタイプ：</a:t>
+            </a:r>
+            <a:r>
+              <a:rPr kumimoji="1" lang="en-US" altLang="ja-JP" sz="2000" dirty="0"/>
+              <a:t>6/17</a:t>
+            </a:r>
+            <a:r>
+              <a:rPr kumimoji="1" lang="ja-JP" altLang="en-US" sz="2000" dirty="0"/>
+              <a:t>、</a:t>
+            </a:r>
+            <a:r>
+              <a:rPr kumimoji="1" lang="en-US" altLang="ja-JP" sz="2000" dirty="0"/>
+              <a:t>α</a:t>
+            </a:r>
+            <a:r>
+              <a:rPr kumimoji="1" lang="ja-JP" altLang="en-US" sz="2000" dirty="0"/>
+              <a:t>：</a:t>
+            </a:r>
+            <a:r>
+              <a:rPr kumimoji="1" lang="en-US" altLang="ja-JP" sz="2000" dirty="0"/>
+              <a:t>7/14</a:t>
+            </a:r>
+            <a:r>
+              <a:rPr kumimoji="1" lang="ja-JP" altLang="en-US" sz="2000" dirty="0"/>
+              <a:t>、</a:t>
+            </a:r>
+            <a:r>
+              <a:rPr kumimoji="1" lang="en-US" altLang="ja-JP" sz="2000" dirty="0"/>
+              <a:t>β</a:t>
+            </a:r>
+            <a:r>
+              <a:rPr kumimoji="1" lang="ja-JP" altLang="en-US" sz="2000" dirty="0"/>
+              <a:t>：</a:t>
+            </a:r>
+            <a:r>
+              <a:rPr kumimoji="1" lang="en-US" altLang="ja-JP" sz="2000" dirty="0"/>
+              <a:t>8/15</a:t>
+            </a:r>
+            <a:r>
+              <a:rPr kumimoji="1" lang="ja-JP" altLang="en-US" sz="2000" dirty="0"/>
+              <a:t>、マスタ：</a:t>
+            </a:r>
+            <a:r>
+              <a:rPr kumimoji="1" lang="en-US" altLang="ja-JP" sz="2000" dirty="0"/>
+              <a:t>8/25</a:t>
+            </a:r>
+            <a:endParaRPr kumimoji="1" lang="en-US" altLang="ja-JP" sz="3200" dirty="0"/>
+          </a:p>
+          <a:p>
+            <a:r>
+              <a:rPr kumimoji="1" lang="ja-JP" altLang="en-US" sz="3200" dirty="0"/>
+              <a:t>機種</a:t>
+            </a:r>
+            <a:r>
+              <a:rPr kumimoji="1" lang="en-US" altLang="ja-JP" sz="3200" dirty="0"/>
+              <a:t>	</a:t>
+            </a:r>
+            <a:r>
+              <a:rPr kumimoji="1" lang="ja-JP" altLang="en-US" sz="3200" dirty="0"/>
+              <a:t>　　　　</a:t>
+            </a:r>
+            <a:r>
+              <a:rPr kumimoji="1" lang="en-US" altLang="ja-JP" sz="3200" dirty="0"/>
+              <a:t>Windows</a:t>
+            </a:r>
+          </a:p>
+          <a:p>
+            <a:r>
+              <a:rPr lang="ja-JP" altLang="en-US" sz="3200" dirty="0"/>
+              <a:t>使用環境　　</a:t>
+            </a:r>
+            <a:r>
+              <a:rPr kumimoji="1" lang="en-US" altLang="ja-JP" sz="3200" dirty="0"/>
+              <a:t> C++</a:t>
+            </a:r>
+            <a:r>
+              <a:rPr lang="en-US" altLang="ja-JP" sz="3200" dirty="0"/>
+              <a:t>/</a:t>
+            </a:r>
+            <a:r>
+              <a:rPr lang="en-US" altLang="ja-JP" sz="3200" dirty="0" err="1"/>
+              <a:t>Dxlib</a:t>
+            </a:r>
+            <a:endParaRPr lang="en-US" altLang="ja-JP" sz="3200" dirty="0"/>
+          </a:p>
+          <a:p>
+            <a:r>
+              <a:rPr kumimoji="1" lang="ja-JP" altLang="en-US" sz="3200" dirty="0"/>
+              <a:t>ターゲット　 企業の人</a:t>
+            </a:r>
+            <a:endParaRPr kumimoji="1" lang="en-US" altLang="ja-JP" sz="3200" dirty="0"/>
+          </a:p>
+          <a:p>
+            <a:r>
+              <a:rPr kumimoji="1" lang="ja-JP" altLang="en-US" sz="3200" dirty="0"/>
+              <a:t>プレイ人数　一人用</a:t>
+            </a:r>
+          </a:p>
+        </p:txBody>
+      </p:sp>
+    </p:spTree>
+    <p:extLst>
+      <p:ext uri="{BB962C8B-B14F-4D97-AF65-F5344CB8AC3E}">
+        <p14:creationId xmlns:p14="http://schemas.microsoft.com/office/powerpoint/2010/main" val="3524426642"/>
+      </p:ext>
+    </p:extLst>
+  </p:cSld>
+  <p:clrMapOvr>
+    <a:masterClrMapping/>
+  </p:clrMapOvr>
+</p:sld>
+</file>
+
+<file path=ppt/slides/slide2.xml><?xml version="1.0" encoding="utf-8"?>
+<p:sld xmlns:a="http://schemas.openxmlformats.org/drawingml/2006/main" xmlns:r="http://schemas.openxmlformats.org/officeDocument/2006/relationships" xmlns:p="http://schemas.openxmlformats.org/presentationml/2006/main">
+  <p:cSld>
+    <p:spTree>
+      <p:nvGrpSpPr>
+        <p:cNvPr id="1" name=""/>
+        <p:cNvGrpSpPr/>
+        <p:nvPr/>
+      </p:nvGrpSpPr>
+      <p:grpSpPr>
+        <a:xfrm>
+          <a:off x="0" y="0"/>
+          <a:ext cx="0" cy="0"/>
+          <a:chOff x="0" y="0"/>
+          <a:chExt cx="0" cy="0"/>
+        </a:xfrm>
+      </p:grpSpPr>
+      <p:sp>
+        <p:nvSpPr>
+          <p:cNvPr id="4" name="正方形/長方形 3">
+            <a:extLst>
+              <a:ext uri="{FF2B5EF4-FFF2-40B4-BE49-F238E27FC236}">
+                <a16:creationId xmlns:a16="http://schemas.microsoft.com/office/drawing/2014/main" id="{9D5ACEE4-3F8D-4036-B79C-DB1D040D789F}"/>
+              </a:ext>
+            </a:extLst>
+          </p:cNvPr>
+          <p:cNvSpPr/>
+          <p:nvPr/>
+        </p:nvSpPr>
+        <p:spPr>
+          <a:xfrm>
+            <a:off x="103031" y="2120868"/>
+            <a:ext cx="11603865" cy="3477875"/>
+          </a:xfrm>
+          <a:prstGeom prst="rect">
+            <a:avLst/>
+          </a:prstGeom>
+          <a:noFill/>
+        </p:spPr>
+        <p:txBody>
+          <a:bodyPr wrap="square" lIns="91440" tIns="45720" rIns="91440" bIns="45720">
+            <a:spAutoFit/>
+          </a:bodyPr>
+          <a:lstStyle/>
+          <a:p>
+            <a:pPr algn="ctr"/>
+            <a:r>
+              <a:rPr lang="ja-JP" altLang="en-US" sz="4400" dirty="0">
+                <a:ln w="0"/>
+              </a:rPr>
+              <a:t>“簡単”操作で敵や地形をジャンプで飛び越え、</a:t>
+            </a:r>
+            <a:endParaRPr lang="en-US" altLang="ja-JP" sz="4400" dirty="0">
+              <a:ln w="0"/>
+            </a:endParaRPr>
+          </a:p>
+          <a:p>
+            <a:pPr algn="ctr"/>
+            <a:r>
+              <a:rPr lang="ja-JP" altLang="en-US" sz="4400" dirty="0">
+                <a:ln w="0"/>
+              </a:rPr>
+              <a:t>ジャンプ一つで超えれないなら</a:t>
+            </a:r>
+            <a:endParaRPr lang="en-US" altLang="ja-JP" sz="4400" dirty="0">
+              <a:ln w="0"/>
+            </a:endParaRPr>
+          </a:p>
+          <a:p>
+            <a:pPr algn="ctr"/>
+            <a:r>
+              <a:rPr lang="ja-JP" altLang="en-US" sz="4400" dirty="0">
+                <a:ln w="0"/>
+              </a:rPr>
+              <a:t>その場の“地形”を利用して</a:t>
+            </a:r>
+            <a:endParaRPr lang="en-US" altLang="ja-JP" sz="4400" dirty="0">
+              <a:ln w="0"/>
+            </a:endParaRPr>
+          </a:p>
+          <a:p>
+            <a:pPr algn="ctr"/>
+            <a:r>
+              <a:rPr lang="ja-JP" altLang="en-US" sz="4400" dirty="0">
+                <a:ln w="0"/>
+              </a:rPr>
+              <a:t>“制限時間以内”にゴールを目指す</a:t>
+            </a:r>
+            <a:endParaRPr lang="en-US" altLang="ja-JP" sz="4400" dirty="0">
+              <a:ln w="0"/>
+            </a:endParaRPr>
+          </a:p>
+          <a:p>
+            <a:pPr algn="ctr"/>
+            <a:r>
+              <a:rPr lang="ja-JP" altLang="en-US" sz="4400" dirty="0">
+                <a:ln w="0"/>
+              </a:rPr>
+              <a:t>ジャンプアクションゲーム</a:t>
+            </a:r>
+            <a:endParaRPr lang="en-US" altLang="ja-JP" sz="4400" dirty="0">
+              <a:ln w="0"/>
+            </a:endParaRPr>
+          </a:p>
+        </p:txBody>
+      </p:sp>
+      <p:sp>
+        <p:nvSpPr>
+          <p:cNvPr id="5" name="正方形/長方形 4">
+            <a:extLst>
+              <a:ext uri="{FF2B5EF4-FFF2-40B4-BE49-F238E27FC236}">
+                <a16:creationId xmlns:a16="http://schemas.microsoft.com/office/drawing/2014/main" id="{6AEE453B-BD2F-4665-94A6-7A8C595CFFB3}"/>
+              </a:ext>
+            </a:extLst>
+          </p:cNvPr>
+          <p:cNvSpPr/>
+          <p:nvPr/>
+        </p:nvSpPr>
+        <p:spPr>
+          <a:xfrm>
+            <a:off x="360608" y="226002"/>
+            <a:ext cx="3915178" cy="1543597"/>
+          </a:xfrm>
+          <a:prstGeom prst="rect">
+            <a:avLst/>
+          </a:prstGeom>
+          <a:solidFill>
+            <a:schemeClr val="accent2">
+              <a:lumMod val="60000"/>
+              <a:lumOff val="40000"/>
+            </a:schemeClr>
+          </a:solidFill>
+        </p:spPr>
+        <p:style>
+          <a:lnRef idx="2">
+            <a:schemeClr val="accent1">
+              <a:shade val="50000"/>
+            </a:schemeClr>
+          </a:lnRef>
+          <a:fillRef idx="1">
+            <a:schemeClr val="accent1"/>
+          </a:fillRef>
+          <a:effectRef idx="0">
+            <a:schemeClr val="accent1"/>
+          </a:effectRef>
+          <a:fontRef idx="minor">
+            <a:schemeClr val="lt1"/>
+          </a:fontRef>
+        </p:style>
+        <p:txBody>
+          <a:bodyPr rtlCol="0" anchor="ctr"/>
+          <a:lstStyle/>
+          <a:p>
+            <a:pPr algn="ctr">
+              <a:lnSpc>
+                <a:spcPct val="150000"/>
+              </a:lnSpc>
+            </a:pPr>
+            <a:r>
+              <a:rPr lang="ja-JP" altLang="en-US" sz="5400" b="0" cap="none" spc="0" dirty="0">
+                <a:ln w="0"/>
+                <a:solidFill>
+                  <a:schemeClr val="tx1"/>
+                </a:solidFill>
+                <a:effectLst>
+                  <a:outerShdw blurRad="38100" dist="38100" dir="2700000" algn="tl">
+                    <a:srgbClr val="000000">
+                      <a:alpha val="43137"/>
+                    </a:srgbClr>
+                  </a:outerShdw>
+                </a:effectLst>
+              </a:rPr>
+              <a:t>ゲーム概要</a:t>
+            </a:r>
+          </a:p>
+          <a:p>
+            <a:pPr algn="ctr"/>
+            <a:endParaRPr kumimoji="1" lang="ja-JP" altLang="en-US" dirty="0"/>
+          </a:p>
+        </p:txBody>
+      </p:sp>
+    </p:spTree>
+    <p:extLst>
+      <p:ext uri="{BB962C8B-B14F-4D97-AF65-F5344CB8AC3E}">
+        <p14:creationId xmlns:p14="http://schemas.microsoft.com/office/powerpoint/2010/main" val="2463113969"/>
+      </p:ext>
+    </p:extLst>
+  </p:cSld>
+  <p:clrMapOvr>
+    <a:masterClrMapping/>
+  </p:clrMapOvr>
+</p:sld>
+</file>
+
+<file path=ppt/slides/slide3.xml><?xml version="1.0" encoding="utf-8"?>
+<p:sld xmlns:a="http://schemas.openxmlformats.org/drawingml/2006/main" xmlns:r="http://schemas.openxmlformats.org/officeDocument/2006/relationships" xmlns:p="http://schemas.openxmlformats.org/presentationml/2006/main">
+  <p:cSld>
+    <p:spTree>
+      <p:nvGrpSpPr>
+        <p:cNvPr id="1" name=""/>
+        <p:cNvGrpSpPr/>
+        <p:nvPr/>
+      </p:nvGrpSpPr>
+      <p:grpSpPr>
+        <a:xfrm>
+          <a:off x="0" y="0"/>
+          <a:ext cx="0" cy="0"/>
+          <a:chOff x="0" y="0"/>
+          <a:chExt cx="0" cy="0"/>
+        </a:xfrm>
+      </p:grpSpPr>
+      <p:sp>
+        <p:nvSpPr>
+          <p:cNvPr id="2" name="正方形/長方形 1">
+            <a:extLst>
+              <a:ext uri="{FF2B5EF4-FFF2-40B4-BE49-F238E27FC236}">
+                <a16:creationId xmlns:a16="http://schemas.microsoft.com/office/drawing/2014/main" id="{62327D0D-FF96-47B2-A38F-3F8229038FB9}"/>
+              </a:ext>
+            </a:extLst>
+          </p:cNvPr>
+          <p:cNvSpPr/>
+          <p:nvPr/>
+        </p:nvSpPr>
+        <p:spPr>
+          <a:xfrm>
+            <a:off x="0" y="0"/>
+            <a:ext cx="9879628" cy="923330"/>
+          </a:xfrm>
+          <a:prstGeom prst="rect">
+            <a:avLst/>
+          </a:prstGeom>
+          <a:noFill/>
+        </p:spPr>
+        <p:txBody>
+          <a:bodyPr wrap="none" lIns="91440" tIns="45720" rIns="91440" bIns="45720">
+            <a:spAutoFit/>
+          </a:bodyPr>
+          <a:lstStyle/>
+          <a:p>
+            <a:pPr algn="ctr"/>
+            <a:r>
+              <a:rPr lang="ja-JP" altLang="en-US" sz="5400" b="0" cap="none" spc="0" dirty="0">
+                <a:ln w="0"/>
+                <a:solidFill>
+                  <a:schemeClr val="tx1"/>
+                </a:solidFill>
+                <a:effectLst>
+                  <a:outerShdw blurRad="38100" dist="19050" dir="2700000" algn="tl" rotWithShape="0">
+                    <a:schemeClr val="dk1">
+                      <a:alpha val="40000"/>
+                    </a:schemeClr>
+                  </a:outerShdw>
+                </a:effectLst>
+              </a:rPr>
+              <a:t>このゲームの目的と面白い部分</a:t>
+            </a:r>
+          </a:p>
+        </p:txBody>
+      </p:sp>
+      <p:sp>
+        <p:nvSpPr>
+          <p:cNvPr id="3" name="正方形/長方形 2">
+            <a:extLst>
+              <a:ext uri="{FF2B5EF4-FFF2-40B4-BE49-F238E27FC236}">
+                <a16:creationId xmlns:a16="http://schemas.microsoft.com/office/drawing/2014/main" id="{B54F3F24-8A01-4C14-B041-50B542CFE17A}"/>
+              </a:ext>
+            </a:extLst>
+          </p:cNvPr>
+          <p:cNvSpPr/>
+          <p:nvPr/>
+        </p:nvSpPr>
+        <p:spPr>
+          <a:xfrm>
+            <a:off x="218941" y="151531"/>
+            <a:ext cx="10058400" cy="1543597"/>
+          </a:xfrm>
+          <a:prstGeom prst="rect">
+            <a:avLst/>
+          </a:prstGeom>
+          <a:solidFill>
+            <a:schemeClr val="accent2">
+              <a:lumMod val="60000"/>
+              <a:lumOff val="40000"/>
+            </a:schemeClr>
+          </a:solidFill>
+        </p:spPr>
+        <p:style>
+          <a:lnRef idx="2">
+            <a:schemeClr val="accent1">
+              <a:shade val="50000"/>
+            </a:schemeClr>
+          </a:lnRef>
+          <a:fillRef idx="1">
+            <a:schemeClr val="accent1"/>
+          </a:fillRef>
+          <a:effectRef idx="0">
+            <a:schemeClr val="accent1"/>
+          </a:effectRef>
+          <a:fontRef idx="minor">
+            <a:schemeClr val="lt1"/>
+          </a:fontRef>
+        </p:style>
+        <p:txBody>
+          <a:bodyPr rtlCol="0" anchor="ctr"/>
+          <a:lstStyle/>
+          <a:p>
+            <a:pPr algn="ctr"/>
+            <a:r>
+              <a:rPr lang="ja-JP" altLang="en-US" sz="5400" b="0" cap="none" spc="0" dirty="0">
+                <a:ln w="0"/>
+                <a:solidFill>
+                  <a:schemeClr val="tx1"/>
+                </a:solidFill>
+              </a:rPr>
+              <a:t>このゲームの目的と面白い部分</a:t>
+            </a:r>
+          </a:p>
+          <a:p>
+            <a:pPr algn="ctr"/>
+            <a:endParaRPr kumimoji="1" lang="ja-JP" altLang="en-US" dirty="0"/>
+          </a:p>
+        </p:txBody>
+      </p:sp>
+      <p:sp>
+        <p:nvSpPr>
+          <p:cNvPr id="4" name="正方形/長方形 3">
+            <a:extLst>
+              <a:ext uri="{FF2B5EF4-FFF2-40B4-BE49-F238E27FC236}">
+                <a16:creationId xmlns:a16="http://schemas.microsoft.com/office/drawing/2014/main" id="{13822AB2-7D95-4E92-93B8-9FA10E9DFC01}"/>
+              </a:ext>
+            </a:extLst>
+          </p:cNvPr>
+          <p:cNvSpPr/>
+          <p:nvPr/>
+        </p:nvSpPr>
+        <p:spPr>
+          <a:xfrm>
+            <a:off x="613635" y="2234678"/>
+            <a:ext cx="10603863" cy="4154984"/>
+          </a:xfrm>
+          <a:prstGeom prst="rect">
+            <a:avLst/>
+          </a:prstGeom>
+          <a:noFill/>
+        </p:spPr>
+        <p:txBody>
+          <a:bodyPr wrap="square" lIns="91440" tIns="45720" rIns="91440" bIns="45720">
+            <a:spAutoFit/>
+          </a:bodyPr>
+          <a:lstStyle/>
+          <a:p>
+            <a:pPr algn="ctr"/>
+            <a:r>
+              <a:rPr lang="ja-JP" altLang="en-US" sz="4400" b="0" cap="none" spc="0" dirty="0">
+                <a:ln w="0"/>
+                <a:solidFill>
+                  <a:schemeClr val="tx1"/>
+                </a:solidFill>
+              </a:rPr>
+              <a:t>ゲームが苦手な人でも、”簡単に”</a:t>
+            </a:r>
+            <a:endParaRPr lang="en-US" altLang="ja-JP" sz="4400" b="0" cap="none" spc="0" dirty="0">
+              <a:ln w="0"/>
+              <a:solidFill>
+                <a:schemeClr val="tx1"/>
+              </a:solidFill>
+            </a:endParaRPr>
+          </a:p>
+          <a:p>
+            <a:pPr algn="ctr"/>
+            <a:r>
+              <a:rPr lang="ja-JP" altLang="en-US" sz="4400" b="0" cap="none" spc="0" dirty="0">
+                <a:ln w="0"/>
+                <a:solidFill>
+                  <a:schemeClr val="tx1"/>
+                </a:solidFill>
+              </a:rPr>
+              <a:t>楽しく“盛り上がる”ことが目的！</a:t>
+            </a:r>
+            <a:endParaRPr lang="en-US" altLang="ja-JP" sz="4400" dirty="0">
+              <a:ln w="0"/>
+            </a:endParaRPr>
+          </a:p>
+          <a:p>
+            <a:r>
+              <a:rPr lang="ja-JP" altLang="en-US" sz="4400" dirty="0">
+                <a:ln w="0"/>
+              </a:rPr>
+              <a:t>　</a:t>
+            </a:r>
+            <a:endParaRPr lang="en-US" altLang="ja-JP" sz="4400" dirty="0">
+              <a:ln w="0"/>
+            </a:endParaRPr>
+          </a:p>
+          <a:p>
+            <a:pPr algn="ctr"/>
+            <a:r>
+              <a:rPr lang="ja-JP" altLang="en-US" sz="4400" b="0" cap="none" spc="0" dirty="0">
+                <a:ln w="0"/>
+                <a:solidFill>
+                  <a:schemeClr val="tx1"/>
+                </a:solidFill>
+              </a:rPr>
+              <a:t>どうやって敵を飛び越えるか。</a:t>
+            </a:r>
+            <a:endParaRPr lang="en-US" altLang="ja-JP" sz="4400" b="0" cap="none" spc="0" dirty="0">
+              <a:ln w="0"/>
+              <a:solidFill>
+                <a:schemeClr val="tx1"/>
+              </a:solidFill>
+            </a:endParaRPr>
+          </a:p>
+          <a:p>
+            <a:pPr algn="ctr"/>
+            <a:r>
+              <a:rPr lang="ja-JP" altLang="en-US" sz="4400" dirty="0">
+                <a:ln w="0"/>
+              </a:rPr>
+              <a:t>どうやって障害を乗り越えるか。</a:t>
+            </a:r>
+            <a:endParaRPr lang="en-US" altLang="ja-JP" sz="4400" dirty="0">
+              <a:ln w="0"/>
+            </a:endParaRPr>
+          </a:p>
+          <a:p>
+            <a:pPr algn="ctr"/>
+            <a:endParaRPr lang="ja-JP" altLang="en-US" sz="4400" b="0" cap="none" spc="0" dirty="0">
+              <a:ln w="0"/>
+              <a:solidFill>
+                <a:schemeClr val="tx1"/>
+              </a:solidFill>
+              <a:effectLst>
+                <a:outerShdw blurRad="38100" dist="19050" dir="2700000" algn="tl" rotWithShape="0">
+                  <a:schemeClr val="dk1">
+                    <a:alpha val="40000"/>
+                  </a:schemeClr>
+                </a:outerShdw>
+              </a:effectLst>
+            </a:endParaRPr>
+          </a:p>
+        </p:txBody>
+      </p:sp>
+    </p:spTree>
+    <p:extLst>
+      <p:ext uri="{BB962C8B-B14F-4D97-AF65-F5344CB8AC3E}">
+        <p14:creationId xmlns:p14="http://schemas.microsoft.com/office/powerpoint/2010/main" val="4127770972"/>
+      </p:ext>
+    </p:extLst>
+  </p:cSld>
+  <p:clrMapOvr>
+    <a:masterClrMapping/>
+  </p:clrMapOvr>
+</p:sld>
+</file>
+
+<file path=ppt/slides/slide4.xml><?xml version="1.0" encoding="utf-8"?>
+<p:sld xmlns:a="http://schemas.openxmlformats.org/drawingml/2006/main" xmlns:r="http://schemas.openxmlformats.org/officeDocument/2006/relationships" xmlns:p="http://schemas.openxmlformats.org/presentationml/2006/main">
+  <p:cSld>
+    <p:spTree>
+      <p:nvGrpSpPr>
+        <p:cNvPr id="1" name=""/>
+        <p:cNvGrpSpPr/>
+        <p:nvPr/>
+      </p:nvGrpSpPr>
+      <p:grpSpPr>
+        <a:xfrm>
+          <a:off x="0" y="0"/>
+          <a:ext cx="0" cy="0"/>
+          <a:chOff x="0" y="0"/>
+          <a:chExt cx="0" cy="0"/>
+        </a:xfrm>
+      </p:grpSpPr>
+      <p:sp>
+        <p:nvSpPr>
+          <p:cNvPr id="3" name="正方形/長方形 2">
+            <a:extLst>
+              <a:ext uri="{FF2B5EF4-FFF2-40B4-BE49-F238E27FC236}">
+                <a16:creationId xmlns:a16="http://schemas.microsoft.com/office/drawing/2014/main" id="{1D2A9B1E-7F3D-475D-AA68-C261DEFC248C}"/>
+              </a:ext>
+            </a:extLst>
+          </p:cNvPr>
+          <p:cNvSpPr/>
+          <p:nvPr/>
+        </p:nvSpPr>
+        <p:spPr>
+          <a:xfrm>
+            <a:off x="0" y="-14973"/>
+            <a:ext cx="7109639" cy="923330"/>
+          </a:xfrm>
+          <a:prstGeom prst="rect">
+            <a:avLst/>
+          </a:prstGeom>
+          <a:noFill/>
+        </p:spPr>
+        <p:txBody>
+          <a:bodyPr wrap="none" lIns="91440" tIns="45720" rIns="91440" bIns="45720">
+            <a:spAutoFit/>
+          </a:bodyPr>
+          <a:lstStyle/>
+          <a:p>
+            <a:pPr algn="ctr"/>
+            <a:r>
+              <a:rPr lang="ja-JP" altLang="en-US" sz="5400" b="0" cap="none" spc="0" dirty="0">
+                <a:ln w="0"/>
+                <a:solidFill>
+                  <a:schemeClr val="tx1"/>
+                </a:solidFill>
+                <a:effectLst>
+                  <a:outerShdw blurRad="38100" dist="19050" dir="2700000" algn="tl" rotWithShape="0">
+                    <a:schemeClr val="dk1">
+                      <a:alpha val="40000"/>
+                    </a:schemeClr>
+                  </a:outerShdw>
+                </a:effectLst>
+              </a:rPr>
+              <a:t>このゲームを作る目的</a:t>
+            </a:r>
+          </a:p>
+        </p:txBody>
+      </p:sp>
+      <p:sp>
+        <p:nvSpPr>
+          <p:cNvPr id="4" name="テキスト ボックス 3">
+            <a:extLst>
+              <a:ext uri="{FF2B5EF4-FFF2-40B4-BE49-F238E27FC236}">
+                <a16:creationId xmlns:a16="http://schemas.microsoft.com/office/drawing/2014/main" id="{627E3392-0F56-4901-A722-D5FF01F5B9ED}"/>
+              </a:ext>
+            </a:extLst>
+          </p:cNvPr>
+          <p:cNvSpPr txBox="1"/>
+          <p:nvPr/>
+        </p:nvSpPr>
+        <p:spPr>
+          <a:xfrm>
+            <a:off x="476518" y="2279561"/>
+            <a:ext cx="10573555" cy="3570208"/>
+          </a:xfrm>
+          <a:prstGeom prst="rect">
+            <a:avLst/>
+          </a:prstGeom>
+          <a:noFill/>
+        </p:spPr>
+        <p:txBody>
+          <a:bodyPr wrap="square" rtlCol="0">
+            <a:spAutoFit/>
+          </a:bodyPr>
+          <a:lstStyle/>
+          <a:p>
+            <a:pPr>
+              <a:lnSpc>
+                <a:spcPct val="150000"/>
+              </a:lnSpc>
+            </a:pPr>
+            <a:r>
+              <a:rPr lang="ja-JP" altLang="en-US" sz="4000" dirty="0"/>
+              <a:t>・カメラ操作の理屈を”詳しく”知る。</a:t>
+            </a:r>
+            <a:endParaRPr lang="en-US" altLang="ja-JP" sz="4000" dirty="0"/>
+          </a:p>
+          <a:p>
+            <a:pPr>
+              <a:lnSpc>
+                <a:spcPct val="150000"/>
+              </a:lnSpc>
+            </a:pPr>
+            <a:r>
+              <a:rPr kumimoji="1" lang="ja-JP" altLang="en-US" sz="4000" dirty="0"/>
+              <a:t>・</a:t>
+            </a:r>
+            <a:r>
+              <a:rPr kumimoji="1" lang="en-US" altLang="ja-JP" sz="4000" dirty="0"/>
+              <a:t>3D</a:t>
+            </a:r>
+            <a:r>
+              <a:rPr kumimoji="1" lang="ja-JP" altLang="en-US" sz="4000" dirty="0"/>
+              <a:t>の空間ゲーム制作に”慣れる”こと。</a:t>
+            </a:r>
+            <a:endParaRPr kumimoji="1" lang="en-US" altLang="ja-JP" sz="4000" dirty="0"/>
+          </a:p>
+          <a:p>
+            <a:endParaRPr kumimoji="1" lang="en-US" altLang="ja-JP" sz="4000" dirty="0"/>
+          </a:p>
+          <a:p>
+            <a:r>
+              <a:rPr kumimoji="1" lang="ja-JP" altLang="en-US" sz="2400" dirty="0"/>
+              <a:t>その二つが主な目的。</a:t>
+            </a:r>
+            <a:endParaRPr kumimoji="1" lang="en-US" altLang="ja-JP" sz="2400" dirty="0"/>
+          </a:p>
+          <a:p>
+            <a:endParaRPr kumimoji="1" lang="en-US" altLang="ja-JP" sz="2400" dirty="0"/>
+          </a:p>
+          <a:p>
+            <a:endParaRPr kumimoji="1" lang="ja-JP" altLang="en-US" dirty="0"/>
+          </a:p>
+        </p:txBody>
+      </p:sp>
+      <p:sp>
+        <p:nvSpPr>
+          <p:cNvPr id="5" name="正方形/長方形 4">
+            <a:extLst>
+              <a:ext uri="{FF2B5EF4-FFF2-40B4-BE49-F238E27FC236}">
+                <a16:creationId xmlns:a16="http://schemas.microsoft.com/office/drawing/2014/main" id="{C640BE0C-4F6B-4B48-9118-7AB8156651FC}"/>
+              </a:ext>
+            </a:extLst>
+          </p:cNvPr>
+          <p:cNvSpPr/>
+          <p:nvPr/>
+        </p:nvSpPr>
+        <p:spPr>
+          <a:xfrm>
+            <a:off x="206062" y="0"/>
+            <a:ext cx="7521262" cy="1543597"/>
+          </a:xfrm>
+          <a:prstGeom prst="rect">
+            <a:avLst/>
+          </a:prstGeom>
+          <a:solidFill>
+            <a:schemeClr val="accent2">
+              <a:lumMod val="60000"/>
+              <a:lumOff val="40000"/>
+            </a:schemeClr>
+          </a:solidFill>
+        </p:spPr>
+        <p:style>
+          <a:lnRef idx="2">
+            <a:schemeClr val="accent1">
+              <a:shade val="50000"/>
+            </a:schemeClr>
+          </a:lnRef>
+          <a:fillRef idx="1">
+            <a:schemeClr val="accent1"/>
+          </a:fillRef>
+          <a:effectRef idx="0">
+            <a:schemeClr val="accent1"/>
+          </a:effectRef>
+          <a:fontRef idx="minor">
+            <a:schemeClr val="lt1"/>
+          </a:fontRef>
+        </p:style>
+        <p:txBody>
+          <a:bodyPr rtlCol="0" anchor="ctr"/>
+          <a:lstStyle/>
+          <a:p>
+            <a:pPr algn="ctr"/>
+            <a:r>
+              <a:rPr lang="ja-JP" altLang="en-US" sz="5400" b="0" cap="none" spc="0" dirty="0">
+                <a:ln w="0"/>
+                <a:solidFill>
+                  <a:schemeClr val="tx1"/>
+                </a:solidFill>
+                <a:effectLst>
+                  <a:outerShdw blurRad="38100" dist="19050" dir="2700000" algn="tl" rotWithShape="0">
+                    <a:schemeClr val="dk1">
+                      <a:alpha val="40000"/>
+                    </a:schemeClr>
+                  </a:outerShdw>
+                </a:effectLst>
+              </a:rPr>
+              <a:t>このゲームを作る目的</a:t>
+            </a:r>
+          </a:p>
+          <a:p>
+            <a:pPr algn="ctr"/>
+            <a:endParaRPr kumimoji="1" lang="ja-JP" altLang="en-US" dirty="0"/>
+          </a:p>
+        </p:txBody>
+      </p:sp>
+    </p:spTree>
+    <p:extLst>
+      <p:ext uri="{BB962C8B-B14F-4D97-AF65-F5344CB8AC3E}">
+        <p14:creationId xmlns:p14="http://schemas.microsoft.com/office/powerpoint/2010/main" val="303389379"/>
+      </p:ext>
+    </p:extLst>
+  </p:cSld>
+  <p:clrMapOvr>
+    <a:masterClrMapping/>
+  </p:clrMapOvr>
+</p:sld>
+</file>
+
+<file path=ppt/slides/slide5.xml><?xml version="1.0" encoding="utf-8"?>
+<p:sld xmlns:a="http://schemas.openxmlformats.org/drawingml/2006/main" xmlns:r="http://schemas.openxmlformats.org/officeDocument/2006/relationships" xmlns:p="http://schemas.openxmlformats.org/presentationml/2006/main">
+  <p:cSld>
+    <p:spTree>
+      <p:nvGrpSpPr>
+        <p:cNvPr id="1" name=""/>
+        <p:cNvGrpSpPr/>
+        <p:nvPr/>
+      </p:nvGrpSpPr>
+      <p:grpSpPr>
+        <a:xfrm>
+          <a:off x="0" y="0"/>
+          <a:ext cx="0" cy="0"/>
+          <a:chOff x="0" y="0"/>
+          <a:chExt cx="0" cy="0"/>
+        </a:xfrm>
+      </p:grpSpPr>
+      <p:sp>
+        <p:nvSpPr>
           <p:cNvPr id="4" name="テキスト ボックス 3">
             <a:extLst>
               <a:ext uri="{FF2B5EF4-FFF2-40B4-BE49-F238E27FC236}">
@@ -4136,7 +8083,7 @@
 </p:sld>
 </file>
 
-<file path=ppt/slides/slide2.xml><?xml version="1.0" encoding="utf-8"?>
+<file path=ppt/slides/slide6.xml><?xml version="1.0" encoding="utf-8"?>
 <p:sld xmlns:a="http://schemas.openxmlformats.org/drawingml/2006/main" xmlns:r="http://schemas.openxmlformats.org/officeDocument/2006/relationships" xmlns:p="http://schemas.openxmlformats.org/presentationml/2006/main">
   <p:cSld>
     <p:bg>
@@ -4161,126 +8108,6 @@
           <a:chExt cx="0" cy="0"/>
         </a:xfrm>
       </p:grpSpPr>
-      <p:sp useBgFill="1">
-        <p:nvSpPr>
-          <p:cNvPr id="14" name="Rectangle 13">
-            <a:extLst>
-              <a:ext uri="{FF2B5EF4-FFF2-40B4-BE49-F238E27FC236}">
-                <a16:creationId xmlns:a16="http://schemas.microsoft.com/office/drawing/2014/main" id="{2FAA70C3-2AD5-42D6-AC00-5977FEA4DA14}"/>
-              </a:ext>
-              <a:ext uri="{C183D7F6-B498-43B3-948B-1728B52AA6E4}">
-                <adec:decorative xmlns:adec="http://schemas.microsoft.com/office/drawing/2017/decorative" val="1"/>
-              </a:ext>
-            </a:extLst>
-          </p:cNvPr>
-          <p:cNvSpPr>
-            <a:spLocks noGrp="1" noRot="1" noChangeAspect="1" noMove="1" noResize="1" noEditPoints="1" noAdjustHandles="1" noChangeArrowheads="1" noChangeShapeType="1" noTextEdit="1"/>
-          </p:cNvSpPr>
-          <p:nvPr>
-            <p:extLst>
-              <p:ext uri="{386F3935-93C4-4BCD-93E2-E3B085C9AB24}">
-                <p16:designElem xmlns:p16="http://schemas.microsoft.com/office/powerpoint/2015/main" val="1"/>
-              </p:ext>
-            </p:extLst>
-          </p:nvPr>
-        </p:nvSpPr>
-        <p:spPr>
-          <a:xfrm>
-            <a:off x="-2" y="0"/>
-            <a:ext cx="12192005" cy="6858000"/>
-          </a:xfrm>
-          <a:prstGeom prst="rect">
-            <a:avLst/>
-          </a:prstGeom>
-          <a:ln>
-            <a:noFill/>
-          </a:ln>
-        </p:spPr>
-        <p:style>
-          <a:lnRef idx="2">
-            <a:schemeClr val="accent1">
-              <a:shade val="50000"/>
-            </a:schemeClr>
-          </a:lnRef>
-          <a:fillRef idx="1">
-            <a:schemeClr val="accent1"/>
-          </a:fillRef>
-          <a:effectRef idx="0">
-            <a:schemeClr val="accent1"/>
-          </a:effectRef>
-          <a:fontRef idx="minor">
-            <a:schemeClr val="lt1"/>
-          </a:fontRef>
-        </p:style>
-        <p:txBody>
-          <a:bodyPr rtlCol="0" anchor="ctr"/>
-          <a:lstStyle/>
-          <a:p>
-            <a:pPr algn="ctr"/>
-            <a:endParaRPr lang="en-US"/>
-          </a:p>
-        </p:txBody>
-      </p:sp>
-      <p:sp useBgFill="1">
-        <p:nvSpPr>
-          <p:cNvPr id="16" name="Rectangle 15">
-            <a:extLst>
-              <a:ext uri="{FF2B5EF4-FFF2-40B4-BE49-F238E27FC236}">
-                <a16:creationId xmlns:a16="http://schemas.microsoft.com/office/drawing/2014/main" id="{5D1D4658-32CD-4903-BDA6-7B54EEA4ED6F}"/>
-              </a:ext>
-              <a:ext uri="{C183D7F6-B498-43B3-948B-1728B52AA6E4}">
-                <adec:decorative xmlns:adec="http://schemas.microsoft.com/office/drawing/2017/decorative" val="1"/>
-              </a:ext>
-            </a:extLst>
-          </p:cNvPr>
-          <p:cNvSpPr>
-            <a:spLocks noGrp="1" noRot="1" noChangeAspect="1" noMove="1" noResize="1" noEditPoints="1" noAdjustHandles="1" noChangeArrowheads="1" noChangeShapeType="1" noTextEdit="1"/>
-          </p:cNvSpPr>
-          <p:nvPr>
-            <p:extLst>
-              <p:ext uri="{386F3935-93C4-4BCD-93E2-E3B085C9AB24}">
-                <p16:designElem xmlns:p16="http://schemas.microsoft.com/office/powerpoint/2015/main" val="1"/>
-              </p:ext>
-            </p:extLst>
-          </p:nvPr>
-        </p:nvSpPr>
-        <p:spPr>
-          <a:xfrm>
-            <a:off x="2" y="0"/>
-            <a:ext cx="12191997" cy="6858000"/>
-          </a:xfrm>
-          <a:prstGeom prst="rect">
-            <a:avLst/>
-          </a:prstGeom>
-          <a:ln>
-            <a:noFill/>
-          </a:ln>
-        </p:spPr>
-        <p:style>
-          <a:lnRef idx="2">
-            <a:schemeClr val="accent1">
-              <a:shade val="50000"/>
-            </a:schemeClr>
-          </a:lnRef>
-          <a:fillRef idx="1">
-            <a:schemeClr val="accent1"/>
-          </a:fillRef>
-          <a:effectRef idx="0">
-            <a:schemeClr val="accent1"/>
-          </a:effectRef>
-          <a:fontRef idx="minor">
-            <a:schemeClr val="lt1"/>
-          </a:fontRef>
-        </p:style>
-        <p:txBody>
-          <a:bodyPr rtlCol="0" anchor="ctr"/>
-          <a:lstStyle/>
-          <a:p>
-            <a:pPr algn="ctr"/>
-            <a:endParaRPr lang="en-US"/>
-          </a:p>
-        </p:txBody>
-      </p:sp>
       <p:pic>
         <p:nvPicPr>
           <p:cNvPr id="7" name="図 6">
@@ -4942,7 +8769,7 @@
 </p:sld>
 </file>
 
-<file path=ppt/slides/slide3.xml><?xml version="1.0" encoding="utf-8"?>
+<file path=ppt/slides/slide7.xml><?xml version="1.0" encoding="utf-8"?>
 <p:sld xmlns:a="http://schemas.openxmlformats.org/drawingml/2006/main" xmlns:r="http://schemas.openxmlformats.org/officeDocument/2006/relationships" xmlns:p="http://schemas.openxmlformats.org/presentationml/2006/main">
   <p:cSld>
     <p:spTree>
@@ -5251,9 +9078,9 @@
 </file>
 
 <file path=ppt/theme/theme1.xml><?xml version="1.0" encoding="utf-8"?>
-<a:theme xmlns:a="http://schemas.openxmlformats.org/drawingml/2006/main" name="Office テーマ">
+<a:theme xmlns:a="http://schemas.openxmlformats.org/drawingml/2006/main" name="しずく">
   <a:themeElements>
-    <a:clrScheme name="Office">
+    <a:clrScheme name="しずく">
       <a:dk1>
         <a:sysClr val="windowText" lastClr="000000"/>
       </a:dk1>
@@ -5261,44 +9088,44 @@
         <a:sysClr val="window" lastClr="FFFFFF"/>
       </a:lt1>
       <a:dk2>
-        <a:srgbClr val="44546A"/>
+        <a:srgbClr val="355071"/>
       </a:dk2>
       <a:lt2>
-        <a:srgbClr val="E7E6E6"/>
+        <a:srgbClr val="AABED7"/>
       </a:lt2>
       <a:accent1>
-        <a:srgbClr val="4472C4"/>
+        <a:srgbClr val="2FA3EE"/>
       </a:accent1>
       <a:accent2>
-        <a:srgbClr val="ED7D31"/>
+        <a:srgbClr val="4BCAAD"/>
       </a:accent2>
       <a:accent3>
-        <a:srgbClr val="A5A5A5"/>
+        <a:srgbClr val="86C157"/>
       </a:accent3>
       <a:accent4>
-        <a:srgbClr val="FFC000"/>
+        <a:srgbClr val="D99C3F"/>
       </a:accent4>
       <a:accent5>
-        <a:srgbClr val="5B9BD5"/>
+        <a:srgbClr val="CE6633"/>
       </a:accent5>
       <a:accent6>
-        <a:srgbClr val="70AD47"/>
+        <a:srgbClr val="A35DD1"/>
       </a:accent6>
       <a:hlink>
-        <a:srgbClr val="0563C1"/>
+        <a:srgbClr val="56BCFE"/>
       </a:hlink>
       <a:folHlink>
-        <a:srgbClr val="954F72"/>
+        <a:srgbClr val="97C5E3"/>
       </a:folHlink>
     </a:clrScheme>
-    <a:fontScheme name="Office">
+    <a:fontScheme name="しずく">
       <a:majorFont>
-        <a:latin typeface="游ゴシック Light" panose="020F0302020204030204"/>
+        <a:latin typeface="Tw Cen MT" panose="020B0602020104020603"/>
         <a:ea typeface=""/>
         <a:cs typeface=""/>
-        <a:font script="Jpan" typeface="游ゴシック Light"/>
+        <a:font script="Jpan" typeface="ＭＳ Ｐゴシック"/>
         <a:font script="Hang" typeface="맑은 고딕"/>
-        <a:font script="Hans" typeface="等线 Light"/>
+        <a:font script="Hans" typeface="宋体"/>
         <a:font script="Hant" typeface="新細明體"/>
         <a:font script="Arab" typeface="Times New Roman"/>
         <a:font script="Hebr" typeface="Times New Roman"/>
@@ -5326,31 +9153,14 @@
         <a:font script="Viet" typeface="Times New Roman"/>
         <a:font script="Uigh" typeface="Microsoft Uighur"/>
         <a:font script="Geor" typeface="Sylfaen"/>
-        <a:font script="Armn" typeface="Arial"/>
-        <a:font script="Bugi" typeface="Leelawadee UI"/>
-        <a:font script="Bopo" typeface="Microsoft JhengHei"/>
-        <a:font script="Java" typeface="Javanese Text"/>
-        <a:font script="Lisu" typeface="Segoe UI"/>
-        <a:font script="Mymr" typeface="Myanmar Text"/>
-        <a:font script="Nkoo" typeface="Ebrima"/>
-        <a:font script="Olck" typeface="Nirmala UI"/>
-        <a:font script="Osma" typeface="Ebrima"/>
-        <a:font script="Phag" typeface="Phagspa"/>
-        <a:font script="Syrn" typeface="Estrangelo Edessa"/>
-        <a:font script="Syrj" typeface="Estrangelo Edessa"/>
-        <a:font script="Syre" typeface="Estrangelo Edessa"/>
-        <a:font script="Sora" typeface="Nirmala UI"/>
-        <a:font script="Tale" typeface="Microsoft Tai Le"/>
-        <a:font script="Talu" typeface="Microsoft New Tai Lue"/>
-        <a:font script="Tfng" typeface="Ebrima"/>
       </a:majorFont>
       <a:minorFont>
-        <a:latin typeface="游ゴシック" panose="020F0502020204030204"/>
+        <a:latin typeface="Tw Cen MT" panose="020B0602020104020603"/>
         <a:ea typeface=""/>
         <a:cs typeface=""/>
-        <a:font script="Jpan" typeface="游ゴシック"/>
+        <a:font script="Jpan" typeface="ＭＳ Ｐゴシック"/>
         <a:font script="Hang" typeface="맑은 고딕"/>
-        <a:font script="Hans" typeface="等线"/>
+        <a:font script="Hans" typeface="宋体"/>
         <a:font script="Hant" typeface="新細明體"/>
         <a:font script="Arab" typeface="Arial"/>
         <a:font script="Hebr" typeface="Arial"/>
@@ -5378,27 +9188,105 @@
         <a:font script="Viet" typeface="Arial"/>
         <a:font script="Uigh" typeface="Microsoft Uighur"/>
         <a:font script="Geor" typeface="Sylfaen"/>
-        <a:font script="Armn" typeface="Arial"/>
-        <a:font script="Bugi" typeface="Leelawadee UI"/>
-        <a:font script="Bopo" typeface="Microsoft JhengHei"/>
-        <a:font script="Java" typeface="Javanese Text"/>
-        <a:font script="Lisu" typeface="Segoe UI"/>
-        <a:font script="Mymr" typeface="Myanmar Text"/>
-        <a:font script="Nkoo" typeface="Ebrima"/>
-        <a:font script="Olck" typeface="Nirmala UI"/>
-        <a:font script="Osma" typeface="Ebrima"/>
-        <a:font script="Phag" typeface="Phagspa"/>
-        <a:font script="Syrn" typeface="Estrangelo Edessa"/>
-        <a:font script="Syrj" typeface="Estrangelo Edessa"/>
-        <a:font script="Syre" typeface="Estrangelo Edessa"/>
-        <a:font script="Sora" typeface="Nirmala UI"/>
-        <a:font script="Tale" typeface="Microsoft Tai Le"/>
-        <a:font script="Talu" typeface="Microsoft New Tai Lue"/>
-        <a:font script="Tfng" typeface="Ebrima"/>
       </a:minorFont>
     </a:fontScheme>
-    <a:fmtScheme name="Office">
+    <a:fmtScheme name="しずく">
       <a:fillStyleLst>
+        <a:solidFill>
+          <a:schemeClr val="phClr"/>
+        </a:solidFill>
+        <a:solidFill>
+          <a:schemeClr val="phClr">
+            <a:tint val="69000"/>
+            <a:satMod val="105000"/>
+            <a:lumMod val="110000"/>
+          </a:schemeClr>
+        </a:solidFill>
+        <a:gradFill rotWithShape="1">
+          <a:gsLst>
+            <a:gs pos="0">
+              <a:schemeClr val="phClr">
+                <a:tint val="94000"/>
+                <a:satMod val="100000"/>
+                <a:lumMod val="108000"/>
+              </a:schemeClr>
+            </a:gs>
+            <a:gs pos="50000">
+              <a:schemeClr val="phClr">
+                <a:tint val="98000"/>
+                <a:shade val="100000"/>
+                <a:satMod val="100000"/>
+                <a:lumMod val="100000"/>
+              </a:schemeClr>
+            </a:gs>
+            <a:gs pos="100000">
+              <a:schemeClr val="phClr">
+                <a:shade val="72000"/>
+                <a:satMod val="120000"/>
+                <a:lumMod val="100000"/>
+              </a:schemeClr>
+            </a:gs>
+          </a:gsLst>
+          <a:lin ang="5400000" scaled="0"/>
+        </a:gradFill>
+      </a:fillStyleLst>
+      <a:lnStyleLst>
+        <a:ln w="9525" cap="flat" cmpd="sng" algn="ctr">
+          <a:solidFill>
+            <a:schemeClr val="phClr">
+              <a:shade val="60000"/>
+            </a:schemeClr>
+          </a:solidFill>
+          <a:prstDash val="solid"/>
+        </a:ln>
+        <a:ln w="15875" cap="flat" cmpd="sng" algn="ctr">
+          <a:solidFill>
+            <a:schemeClr val="phClr"/>
+          </a:solidFill>
+          <a:prstDash val="solid"/>
+        </a:ln>
+        <a:ln w="22225" cap="flat" cmpd="sng" algn="ctr">
+          <a:solidFill>
+            <a:schemeClr val="phClr"/>
+          </a:solidFill>
+          <a:prstDash val="solid"/>
+        </a:ln>
+      </a:lnStyleLst>
+      <a:effectStyleLst>
+        <a:effectStyle>
+          <a:effectLst/>
+        </a:effectStyle>
+        <a:effectStyle>
+          <a:effectLst>
+            <a:outerShdw blurRad="50800" dist="25400" dir="5400000" rotWithShape="0">
+              <a:srgbClr val="000000">
+                <a:alpha val="28000"/>
+              </a:srgbClr>
+            </a:outerShdw>
+          </a:effectLst>
+        </a:effectStyle>
+        <a:effectStyle>
+          <a:effectLst>
+            <a:outerShdw blurRad="63500" dist="25400" dir="5400000" algn="ctr" rotWithShape="0">
+              <a:srgbClr val="000000">
+                <a:alpha val="69000"/>
+              </a:srgbClr>
+            </a:outerShdw>
+          </a:effectLst>
+          <a:scene3d>
+            <a:camera prst="orthographicFront">
+              <a:rot lat="0" lon="0" rev="0"/>
+            </a:camera>
+            <a:lightRig rig="balanced" dir="t">
+              <a:rot lat="0" lon="0" rev="1200000"/>
+            </a:lightRig>
+          </a:scene3d>
+          <a:sp3d prstMaterial="plastic">
+            <a:bevelT w="25400" h="25400"/>
+          </a:sp3d>
+        </a:effectStyle>
+      </a:effectStyleLst>
+      <a:bgFillStyleLst>
         <a:solidFill>
           <a:schemeClr val="phClr"/>
         </a:solidFill>
@@ -5406,23 +9294,14 @@
           <a:gsLst>
             <a:gs pos="0">
               <a:schemeClr val="phClr">
+                <a:tint val="90000"/>
                 <a:lumMod val="110000"/>
-                <a:satMod val="105000"/>
-                <a:tint val="67000"/>
-              </a:schemeClr>
-            </a:gs>
-            <a:gs pos="50000">
-              <a:schemeClr val="phClr">
-                <a:lumMod val="105000"/>
-                <a:satMod val="103000"/>
-                <a:tint val="73000"/>
               </a:schemeClr>
             </a:gs>
             <a:gs pos="100000">
               <a:schemeClr val="phClr">
-                <a:lumMod val="105000"/>
-                <a:satMod val="109000"/>
-                <a:tint val="81000"/>
+                <a:shade val="64000"/>
+                <a:lumMod val="88000"/>
               </a:schemeClr>
             </a:gs>
           </a:gsLst>
@@ -5432,101 +9311,18 @@
           <a:gsLst>
             <a:gs pos="0">
               <a:schemeClr val="phClr">
-                <a:satMod val="103000"/>
-                <a:lumMod val="102000"/>
-                <a:tint val="94000"/>
-              </a:schemeClr>
-            </a:gs>
-            <a:gs pos="50000">
-              <a:schemeClr val="phClr">
-                <a:satMod val="110000"/>
-                <a:lumMod val="100000"/>
+                <a:tint val="84000"/>
                 <a:shade val="100000"/>
+                <a:hueMod val="130000"/>
+                <a:satMod val="150000"/>
+                <a:lumMod val="112000"/>
               </a:schemeClr>
             </a:gs>
             <a:gs pos="100000">
               <a:schemeClr val="phClr">
-                <a:lumMod val="99000"/>
-                <a:satMod val="120000"/>
-                <a:shade val="78000"/>
-              </a:schemeClr>
-            </a:gs>
-          </a:gsLst>
-          <a:lin ang="5400000" scaled="0"/>
-        </a:gradFill>
-      </a:fillStyleLst>
-      <a:lnStyleLst>
-        <a:ln w="6350" cap="flat" cmpd="sng" algn="ctr">
-          <a:solidFill>
-            <a:schemeClr val="phClr"/>
-          </a:solidFill>
-          <a:prstDash val="solid"/>
-          <a:miter lim="800000"/>
-        </a:ln>
-        <a:ln w="12700" cap="flat" cmpd="sng" algn="ctr">
-          <a:solidFill>
-            <a:schemeClr val="phClr"/>
-          </a:solidFill>
-          <a:prstDash val="solid"/>
-          <a:miter lim="800000"/>
-        </a:ln>
-        <a:ln w="19050" cap="flat" cmpd="sng" algn="ctr">
-          <a:solidFill>
-            <a:schemeClr val="phClr"/>
-          </a:solidFill>
-          <a:prstDash val="solid"/>
-          <a:miter lim="800000"/>
-        </a:ln>
-      </a:lnStyleLst>
-      <a:effectStyleLst>
-        <a:effectStyle>
-          <a:effectLst/>
-        </a:effectStyle>
-        <a:effectStyle>
-          <a:effectLst/>
-        </a:effectStyle>
-        <a:effectStyle>
-          <a:effectLst>
-            <a:outerShdw blurRad="57150" dist="19050" dir="5400000" algn="ctr" rotWithShape="0">
-              <a:srgbClr val="000000">
-                <a:alpha val="63000"/>
-              </a:srgbClr>
-            </a:outerShdw>
-          </a:effectLst>
-        </a:effectStyle>
-      </a:effectStyleLst>
-      <a:bgFillStyleLst>
-        <a:solidFill>
-          <a:schemeClr val="phClr"/>
-        </a:solidFill>
-        <a:solidFill>
-          <a:schemeClr val="phClr">
-            <a:tint val="95000"/>
-            <a:satMod val="170000"/>
-          </a:schemeClr>
-        </a:solidFill>
-        <a:gradFill rotWithShape="1">
-          <a:gsLst>
-            <a:gs pos="0">
-              <a:schemeClr val="phClr">
-                <a:tint val="93000"/>
-                <a:satMod val="150000"/>
-                <a:shade val="98000"/>
-                <a:lumMod val="102000"/>
-              </a:schemeClr>
-            </a:gs>
-            <a:gs pos="50000">
-              <a:schemeClr val="phClr">
-                <a:tint val="98000"/>
-                <a:satMod val="130000"/>
-                <a:shade val="90000"/>
-                <a:lumMod val="103000"/>
-              </a:schemeClr>
-            </a:gs>
-            <a:gs pos="100000">
-              <a:schemeClr val="phClr">
-                <a:shade val="63000"/>
-                <a:satMod val="120000"/>
+                <a:shade val="92000"/>
+                <a:satMod val="140000"/>
+                <a:lumMod val="110000"/>
               </a:schemeClr>
             </a:gs>
           </a:gsLst>
@@ -5539,34 +9335,13 @@
   <a:extraClrSchemeLst/>
   <a:extLst>
     <a:ext uri="{05A4C25C-085E-4340-85A3-A5531E510DB2}">
-      <thm15:themeFamily xmlns:thm15="http://schemas.microsoft.com/office/thememl/2012/main" name="Office Theme" id="{62F939B6-93AF-4DB8-9C6B-D6C7DFDC589F}" vid="{4A3C46E8-61CC-4603-A589-7422A47A8E4A}"/>
+      <thm15:themeFamily xmlns:thm15="http://schemas.microsoft.com/office/thememl/2012/main" name="Droplet" id="{8984A317-299A-4E50-B45D-BFC9EDE2337A}" vid="{A633B6A3-9E7F-4C10-9C98-2517A3134361}"/>
     </a:ext>
   </a:extLst>
 </a:theme>
 </file>
 
 <file path=customXml/item1.xml><?xml version="1.0" encoding="utf-8"?>
-<?mso-contentType ?>
-<FormTemplates xmlns="http://schemas.microsoft.com/sharepoint/v3/contenttype/forms">
-  <Display>DocumentLibraryForm</Display>
-  <Edit>DocumentLibraryForm</Edit>
-  <New>DocumentLibraryForm</New>
-</FormTemplates>
-</file>
-
-<file path=customXml/item2.xml><?xml version="1.0" encoding="utf-8"?>
-<p:properties xmlns:p="http://schemas.microsoft.com/office/2006/metadata/properties" xmlns:xsi="http://www.w3.org/2001/XMLSchema-instance" xmlns:pc="http://schemas.microsoft.com/office/infopath/2007/PartnerControls">
-  <documentManagement>
-    <TaxCatchAll xmlns="04574505-c322-4981-8ebb-5d25af8d4de8" xsi:nil="true"/>
-    <_x8a73__x7d30_ xmlns="098a3c11-7ac2-46ba-89ce-8b2d5c9f76f8" xsi:nil="true"/>
-    <lcf76f155ced4ddcb4097134ff3c332f xmlns="098a3c11-7ac2-46ba-89ce-8b2d5c9f76f8">
-      <Terms xmlns="http://schemas.microsoft.com/office/infopath/2007/PartnerControls"/>
-    </lcf76f155ced4ddcb4097134ff3c332f>
-  </documentManagement>
-</p:properties>
-</file>
-
-<file path=customXml/item3.xml><?xml version="1.0" encoding="utf-8"?>
 <ct:contentTypeSchema xmlns:ct="http://schemas.microsoft.com/office/2006/metadata/contentType" xmlns:ma="http://schemas.microsoft.com/office/2006/metadata/properties/metaAttributes" ct:_="" ma:_="" ma:contentTypeName="ドキュメント" ma:contentTypeID="0x0101009C7952A5A25B2543AB99BC9B879A46ED" ma:contentTypeVersion="16" ma:contentTypeDescription="新しいドキュメントを作成します。" ma:contentTypeScope="" ma:versionID="18ce886227b4f7d0c1a56646945dc47e">
   <xsd:schema xmlns:xsd="http://www.w3.org/2001/XMLSchema" xmlns:xs="http://www.w3.org/2001/XMLSchema" xmlns:p="http://schemas.microsoft.com/office/2006/metadata/properties" xmlns:ns2="098a3c11-7ac2-46ba-89ce-8b2d5c9f76f8" xmlns:ns3="04574505-c322-4981-8ebb-5d25af8d4de8" targetNamespace="http://schemas.microsoft.com/office/2006/metadata/properties" ma:root="true" ma:fieldsID="e5be0a050d98fc17aa9c3986a154fc28" ns2:_="" ns3:_="">
     <xsd:import namespace="098a3c11-7ac2-46ba-89ce-8b2d5c9f76f8"/>
@@ -5809,10 +9584,42 @@
 </ct:contentTypeSchema>
 </file>
 
+<file path=customXml/item2.xml><?xml version="1.0" encoding="utf-8"?>
+<p:properties xmlns:p="http://schemas.microsoft.com/office/2006/metadata/properties" xmlns:xsi="http://www.w3.org/2001/XMLSchema-instance" xmlns:pc="http://schemas.microsoft.com/office/infopath/2007/PartnerControls">
+  <documentManagement>
+    <TaxCatchAll xmlns="04574505-c322-4981-8ebb-5d25af8d4de8" xsi:nil="true"/>
+    <_x8a73__x7d30_ xmlns="098a3c11-7ac2-46ba-89ce-8b2d5c9f76f8" xsi:nil="true"/>
+    <lcf76f155ced4ddcb4097134ff3c332f xmlns="098a3c11-7ac2-46ba-89ce-8b2d5c9f76f8">
+      <Terms xmlns="http://schemas.microsoft.com/office/infopath/2007/PartnerControls"/>
+    </lcf76f155ced4ddcb4097134ff3c332f>
+  </documentManagement>
+</p:properties>
+</file>
+
+<file path=customXml/item3.xml><?xml version="1.0" encoding="utf-8"?>
+<?mso-contentType ?>
+<FormTemplates xmlns="http://schemas.microsoft.com/sharepoint/v3/contenttype/forms">
+  <Display>DocumentLibraryForm</Display>
+  <Edit>DocumentLibraryForm</Edit>
+  <New>DocumentLibraryForm</New>
+</FormTemplates>
+</file>
+
 <file path=customXml/itemProps1.xml><?xml version="1.0" encoding="utf-8"?>
-<ds:datastoreItem xmlns:ds="http://schemas.openxmlformats.org/officeDocument/2006/customXml" ds:itemID="{D47DC5F2-6523-4655-842F-F9070FE53757}">
+<ds:datastoreItem xmlns:ds="http://schemas.openxmlformats.org/officeDocument/2006/customXml" ds:itemID="{B5EBCEBD-8959-49F6-8EEB-98E8559AC7CD}">
   <ds:schemaRefs>
-    <ds:schemaRef ds:uri="http://schemas.microsoft.com/sharepoint/v3/contenttype/forms"/>
+    <ds:schemaRef ds:uri="http://schemas.microsoft.com/office/2006/metadata/contentType"/>
+    <ds:schemaRef ds:uri="http://schemas.microsoft.com/office/2006/metadata/properties/metaAttributes"/>
+    <ds:schemaRef ds:uri="http://www.w3.org/2001/XMLSchema"/>
+    <ds:schemaRef ds:uri="http://schemas.microsoft.com/office/2006/metadata/properties"/>
+    <ds:schemaRef ds:uri="098a3c11-7ac2-46ba-89ce-8b2d5c9f76f8"/>
+    <ds:schemaRef ds:uri="04574505-c322-4981-8ebb-5d25af8d4de8"/>
+    <ds:schemaRef ds:uri="http://schemas.microsoft.com/office/2006/documentManagement/types"/>
+    <ds:schemaRef ds:uri="http://schemas.microsoft.com/office/infopath/2007/PartnerControls"/>
+    <ds:schemaRef ds:uri="http://schemas.openxmlformats.org/package/2006/metadata/core-properties"/>
+    <ds:schemaRef ds:uri="http://purl.org/dc/elements/1.1/"/>
+    <ds:schemaRef ds:uri="http://purl.org/dc/terms/"/>
+    <ds:schemaRef ds:uri="http://schemas.microsoft.com/internal/obd"/>
   </ds:schemaRefs>
 </ds:datastoreItem>
 </file>
@@ -5829,20 +9636,9 @@
 </file>
 
 <file path=customXml/itemProps3.xml><?xml version="1.0" encoding="utf-8"?>
-<ds:datastoreItem xmlns:ds="http://schemas.openxmlformats.org/officeDocument/2006/customXml" ds:itemID="{B5EBCEBD-8959-49F6-8EEB-98E8559AC7CD}">
+<ds:datastoreItem xmlns:ds="http://schemas.openxmlformats.org/officeDocument/2006/customXml" ds:itemID="{D47DC5F2-6523-4655-842F-F9070FE53757}">
   <ds:schemaRefs>
-    <ds:schemaRef ds:uri="http://schemas.microsoft.com/office/2006/metadata/contentType"/>
-    <ds:schemaRef ds:uri="http://schemas.microsoft.com/office/2006/metadata/properties/metaAttributes"/>
-    <ds:schemaRef ds:uri="http://www.w3.org/2001/XMLSchema"/>
-    <ds:schemaRef ds:uri="http://schemas.microsoft.com/office/2006/metadata/properties"/>
-    <ds:schemaRef ds:uri="098a3c11-7ac2-46ba-89ce-8b2d5c9f76f8"/>
-    <ds:schemaRef ds:uri="04574505-c322-4981-8ebb-5d25af8d4de8"/>
-    <ds:schemaRef ds:uri="http://schemas.microsoft.com/office/2006/documentManagement/types"/>
-    <ds:schemaRef ds:uri="http://schemas.microsoft.com/office/infopath/2007/PartnerControls"/>
-    <ds:schemaRef ds:uri="http://schemas.openxmlformats.org/package/2006/metadata/core-properties"/>
-    <ds:schemaRef ds:uri="http://purl.org/dc/elements/1.1/"/>
-    <ds:schemaRef ds:uri="http://purl.org/dc/terms/"/>
-    <ds:schemaRef ds:uri="http://schemas.microsoft.com/internal/obd"/>
+    <ds:schemaRef ds:uri="http://schemas.microsoft.com/sharepoint/v3/contenttype/forms"/>
   </ds:schemaRefs>
 </ds:datastoreItem>
 </file>
--- a/企画書_Untitle.pptx
+++ b/企画書_Untitle.pptx
@@ -123,12 +123,12 @@
   <pc:docChgLst>
     <pc:chgData name="安藤　歩夢" userId="97dcaf07-b1c4-4be4-9867-11fbbe4b55fc" providerId="ADAL" clId="{91386090-62EF-4C83-9AE8-E6F2223C4615}"/>
     <pc:docChg chg="custSel addSld modSld">
-      <pc:chgData name="安藤　歩夢" userId="97dcaf07-b1c4-4be4-9867-11fbbe4b55fc" providerId="ADAL" clId="{91386090-62EF-4C83-9AE8-E6F2223C4615}" dt="2025-05-28T07:54:37.972" v="669" actId="20577"/>
+      <pc:chgData name="安藤　歩夢" userId="97dcaf07-b1c4-4be4-9867-11fbbe4b55fc" providerId="ADAL" clId="{91386090-62EF-4C83-9AE8-E6F2223C4615}" dt="2025-06-09T07:45:41.463" v="676" actId="1076"/>
       <pc:docMkLst>
         <pc:docMk/>
       </pc:docMkLst>
       <pc:sldChg chg="addSp delSp modSp mod">
-        <pc:chgData name="安藤　歩夢" userId="97dcaf07-b1c4-4be4-9867-11fbbe4b55fc" providerId="ADAL" clId="{91386090-62EF-4C83-9AE8-E6F2223C4615}" dt="2025-05-28T07:33:40.800" v="295" actId="20577"/>
+        <pc:chgData name="安藤　歩夢" userId="97dcaf07-b1c4-4be4-9867-11fbbe4b55fc" providerId="ADAL" clId="{91386090-62EF-4C83-9AE8-E6F2223C4615}" dt="2025-06-09T07:42:17.834" v="670" actId="21"/>
         <pc:sldMkLst>
           <pc:docMk/>
           <pc:sldMk cId="230798874" sldId="257"/>
@@ -141,22 +141,6 @@
             <ac:spMk id="4" creationId="{68D4C2E4-9F59-4550-826E-B15524F9E232}"/>
           </ac:spMkLst>
         </pc:spChg>
-        <pc:spChg chg="del">
-          <ac:chgData name="安藤　歩夢" userId="97dcaf07-b1c4-4be4-9867-11fbbe4b55fc" providerId="ADAL" clId="{91386090-62EF-4C83-9AE8-E6F2223C4615}" dt="2025-05-28T07:26:01.884" v="11" actId="21"/>
-          <ac:spMkLst>
-            <pc:docMk/>
-            <pc:sldMk cId="230798874" sldId="257"/>
-            <ac:spMk id="5" creationId="{4CC8707C-E62B-4DB5-B136-875A79DD19CE}"/>
-          </ac:spMkLst>
-        </pc:spChg>
-        <pc:spChg chg="del">
-          <ac:chgData name="安藤　歩夢" userId="97dcaf07-b1c4-4be4-9867-11fbbe4b55fc" providerId="ADAL" clId="{91386090-62EF-4C83-9AE8-E6F2223C4615}" dt="2025-05-28T07:25:52.231" v="9" actId="21"/>
-          <ac:spMkLst>
-            <pc:docMk/>
-            <pc:sldMk cId="230798874" sldId="257"/>
-            <ac:spMk id="6" creationId="{67A87A3D-7019-4430-9293-E62229DB73C6}"/>
-          </ac:spMkLst>
-        </pc:spChg>
         <pc:spChg chg="add mod">
           <ac:chgData name="安藤　歩夢" userId="97dcaf07-b1c4-4be4-9867-11fbbe4b55fc" providerId="ADAL" clId="{91386090-62EF-4C83-9AE8-E6F2223C4615}" dt="2025-05-28T07:33:40.800" v="295" actId="20577"/>
           <ac:spMkLst>
@@ -165,8 +149,8 @@
             <ac:spMk id="9" creationId="{F6E02BE6-1ABA-61DF-DA70-B9C1B6448511}"/>
           </ac:spMkLst>
         </pc:spChg>
-        <pc:picChg chg="add mod">
-          <ac:chgData name="安藤　歩夢" userId="97dcaf07-b1c4-4be4-9867-11fbbe4b55fc" providerId="ADAL" clId="{91386090-62EF-4C83-9AE8-E6F2223C4615}" dt="2025-05-28T07:31:20.199" v="117" actId="14100"/>
+        <pc:picChg chg="add del mod">
+          <ac:chgData name="安藤　歩夢" userId="97dcaf07-b1c4-4be4-9867-11fbbe4b55fc" providerId="ADAL" clId="{91386090-62EF-4C83-9AE8-E6F2223C4615}" dt="2025-06-09T07:42:17.834" v="670" actId="21"/>
           <ac:picMkLst>
             <pc:docMk/>
             <pc:sldMk cId="230798874" sldId="257"/>
@@ -235,22 +219,6 @@
           <pc:docMk/>
           <pc:sldMk cId="2574417855" sldId="259"/>
         </pc:sldMkLst>
-        <pc:spChg chg="del">
-          <ac:chgData name="安藤　歩夢" userId="97dcaf07-b1c4-4be4-9867-11fbbe4b55fc" providerId="ADAL" clId="{91386090-62EF-4C83-9AE8-E6F2223C4615}" dt="2025-05-28T07:25:29.130" v="8" actId="478"/>
-          <ac:spMkLst>
-            <pc:docMk/>
-            <pc:sldMk cId="2574417855" sldId="259"/>
-            <ac:spMk id="2" creationId="{F8EA3B7E-1F85-2BDB-FF62-236598B9A6F5}"/>
-          </ac:spMkLst>
-        </pc:spChg>
-        <pc:spChg chg="del">
-          <ac:chgData name="安藤　歩夢" userId="97dcaf07-b1c4-4be4-9867-11fbbe4b55fc" providerId="ADAL" clId="{91386090-62EF-4C83-9AE8-E6F2223C4615}" dt="2025-05-28T07:25:29.130" v="8" actId="478"/>
-          <ac:spMkLst>
-            <pc:docMk/>
-            <pc:sldMk cId="2574417855" sldId="259"/>
-            <ac:spMk id="3" creationId="{8FB4AFAF-B938-8521-7DB8-16236FB64E24}"/>
-          </ac:spMkLst>
-        </pc:spChg>
         <pc:spChg chg="add mod">
           <ac:chgData name="安藤　歩夢" userId="97dcaf07-b1c4-4be4-9867-11fbbe4b55fc" providerId="ADAL" clId="{91386090-62EF-4C83-9AE8-E6F2223C4615}" dt="2025-05-28T07:39:07.415" v="560" actId="14100"/>
           <ac:spMkLst>
@@ -267,14 +235,6 @@
             <ac:spMk id="6" creationId="{67A87A3D-7019-4430-9293-E62229DB73C6}"/>
           </ac:spMkLst>
         </pc:spChg>
-        <pc:spChg chg="add del mod">
-          <ac:chgData name="安藤　歩夢" userId="97dcaf07-b1c4-4be4-9867-11fbbe4b55fc" providerId="ADAL" clId="{91386090-62EF-4C83-9AE8-E6F2223C4615}" dt="2025-05-28T07:41:54.206" v="563" actId="478"/>
-          <ac:spMkLst>
-            <pc:docMk/>
-            <pc:sldMk cId="2574417855" sldId="259"/>
-            <ac:spMk id="8" creationId="{7FA4D33C-A3B6-8E05-D9FD-9019FA8A24D4}"/>
-          </ac:spMkLst>
-        </pc:spChg>
         <pc:spChg chg="add mod">
           <ac:chgData name="安藤　歩夢" userId="97dcaf07-b1c4-4be4-9867-11fbbe4b55fc" providerId="ADAL" clId="{91386090-62EF-4C83-9AE8-E6F2223C4615}" dt="2025-05-28T07:54:37.972" v="669" actId="20577"/>
           <ac:spMkLst>
@@ -283,20 +243,27 @@
             <ac:spMk id="11" creationId="{C4E394ED-62A5-8FC4-5990-DAC9D5FD7AB8}"/>
           </ac:spMkLst>
         </pc:spChg>
-        <pc:picChg chg="add del mod modCrop">
-          <ac:chgData name="安藤　歩夢" userId="97dcaf07-b1c4-4be4-9867-11fbbe4b55fc" providerId="ADAL" clId="{91386090-62EF-4C83-9AE8-E6F2223C4615}" dt="2025-05-28T07:43:11.481" v="618" actId="478"/>
-          <ac:picMkLst>
-            <pc:docMk/>
-            <pc:sldMk cId="2574417855" sldId="259"/>
-            <ac:picMk id="7" creationId="{A4D218FD-685A-EF42-D8F3-4C6E719694C8}"/>
-          </ac:picMkLst>
-        </pc:picChg>
         <pc:picChg chg="add mod">
           <ac:chgData name="安藤　歩夢" userId="97dcaf07-b1c4-4be4-9867-11fbbe4b55fc" providerId="ADAL" clId="{91386090-62EF-4C83-9AE8-E6F2223C4615}" dt="2025-05-28T07:42:17.523" v="574" actId="1076"/>
           <ac:picMkLst>
             <pc:docMk/>
             <pc:sldMk cId="2574417855" sldId="259"/>
             <ac:picMk id="10" creationId="{E8DAE715-E75F-3248-584C-A4FACC4FD42F}"/>
+          </ac:picMkLst>
+        </pc:picChg>
+      </pc:sldChg>
+      <pc:sldChg chg="addSp modSp mod">
+        <pc:chgData name="安藤　歩夢" userId="97dcaf07-b1c4-4be4-9867-11fbbe4b55fc" providerId="ADAL" clId="{91386090-62EF-4C83-9AE8-E6F2223C4615}" dt="2025-06-09T07:45:41.463" v="676" actId="1076"/>
+        <pc:sldMkLst>
+          <pc:docMk/>
+          <pc:sldMk cId="2463113969" sldId="261"/>
+        </pc:sldMkLst>
+        <pc:picChg chg="add mod">
+          <ac:chgData name="安藤　歩夢" userId="97dcaf07-b1c4-4be4-9867-11fbbe4b55fc" providerId="ADAL" clId="{91386090-62EF-4C83-9AE8-E6F2223C4615}" dt="2025-06-09T07:45:41.463" v="676" actId="1076"/>
+          <ac:picMkLst>
+            <pc:docMk/>
+            <pc:sldMk cId="2463113969" sldId="261"/>
+            <ac:picMk id="3" creationId="{54982794-8C12-540F-EA8D-69E495ABA8EB}"/>
           </ac:picMkLst>
         </pc:picChg>
       </pc:sldChg>
@@ -476,7 +443,7 @@
           <a:p>
             <a:fld id="{58BF5568-29AB-45DD-8EFF-69708D92D8DE}" type="datetimeFigureOut">
               <a:rPr kumimoji="1" lang="ja-JP" altLang="en-US" smtClean="0"/>
-              <a:t>2025/5/28</a:t>
+              <a:t>2025/6/9</a:t>
             </a:fld>
             <a:endParaRPr kumimoji="1" lang="ja-JP" altLang="en-US"/>
           </a:p>
@@ -788,7 +755,7 @@
           <a:p>
             <a:fld id="{58BF5568-29AB-45DD-8EFF-69708D92D8DE}" type="datetimeFigureOut">
               <a:rPr kumimoji="1" lang="ja-JP" altLang="en-US" smtClean="0"/>
-              <a:t>2025/5/28</a:t>
+              <a:t>2025/6/9</a:t>
             </a:fld>
             <a:endParaRPr kumimoji="1" lang="ja-JP" altLang="en-US"/>
           </a:p>
@@ -1010,7 +977,7 @@
           <a:p>
             <a:fld id="{58BF5568-29AB-45DD-8EFF-69708D92D8DE}" type="datetimeFigureOut">
               <a:rPr kumimoji="1" lang="ja-JP" altLang="en-US" smtClean="0"/>
-              <a:t>2025/5/28</a:t>
+              <a:t>2025/6/9</a:t>
             </a:fld>
             <a:endParaRPr kumimoji="1" lang="ja-JP" altLang="en-US"/>
           </a:p>
@@ -1301,7 +1268,7 @@
           <a:p>
             <a:fld id="{58BF5568-29AB-45DD-8EFF-69708D92D8DE}" type="datetimeFigureOut">
               <a:rPr kumimoji="1" lang="ja-JP" altLang="en-US" smtClean="0"/>
-              <a:t>2025/5/28</a:t>
+              <a:t>2025/6/9</a:t>
             </a:fld>
             <a:endParaRPr kumimoji="1" lang="ja-JP" altLang="en-US"/>
           </a:p>
@@ -1755,7 +1722,7 @@
           <a:p>
             <a:fld id="{58BF5568-29AB-45DD-8EFF-69708D92D8DE}" type="datetimeFigureOut">
               <a:rPr kumimoji="1" lang="ja-JP" altLang="en-US" smtClean="0"/>
-              <a:t>2025/5/28</a:t>
+              <a:t>2025/6/9</a:t>
             </a:fld>
             <a:endParaRPr kumimoji="1" lang="ja-JP" altLang="en-US"/>
           </a:p>
@@ -2331,7 +2298,7 @@
           <a:p>
             <a:fld id="{58BF5568-29AB-45DD-8EFF-69708D92D8DE}" type="datetimeFigureOut">
               <a:rPr kumimoji="1" lang="ja-JP" altLang="en-US" smtClean="0"/>
-              <a:t>2025/5/28</a:t>
+              <a:t>2025/6/9</a:t>
             </a:fld>
             <a:endParaRPr kumimoji="1" lang="ja-JP" altLang="en-US"/>
           </a:p>
@@ -3183,7 +3150,7 @@
           <a:p>
             <a:fld id="{58BF5568-29AB-45DD-8EFF-69708D92D8DE}" type="datetimeFigureOut">
               <a:rPr kumimoji="1" lang="ja-JP" altLang="en-US" smtClean="0"/>
-              <a:t>2025/5/28</a:t>
+              <a:t>2025/6/9</a:t>
             </a:fld>
             <a:endParaRPr kumimoji="1" lang="ja-JP" altLang="en-US"/>
           </a:p>
@@ -3420,7 +3387,7 @@
           <a:p>
             <a:fld id="{58BF5568-29AB-45DD-8EFF-69708D92D8DE}" type="datetimeFigureOut">
               <a:rPr kumimoji="1" lang="ja-JP" altLang="en-US" smtClean="0"/>
-              <a:t>2025/5/28</a:t>
+              <a:t>2025/6/9</a:t>
             </a:fld>
             <a:endParaRPr kumimoji="1" lang="ja-JP" altLang="en-US"/>
           </a:p>
@@ -3666,7 +3633,7 @@
           <a:p>
             <a:fld id="{58BF5568-29AB-45DD-8EFF-69708D92D8DE}" type="datetimeFigureOut">
               <a:rPr kumimoji="1" lang="ja-JP" altLang="en-US" smtClean="0"/>
-              <a:t>2025/5/28</a:t>
+              <a:t>2025/6/9</a:t>
             </a:fld>
             <a:endParaRPr kumimoji="1" lang="ja-JP" altLang="en-US"/>
           </a:p>
@@ -3868,7 +3835,7 @@
           <a:p>
             <a:fld id="{58BF5568-29AB-45DD-8EFF-69708D92D8DE}" type="datetimeFigureOut">
               <a:rPr kumimoji="1" lang="ja-JP" altLang="en-US" smtClean="0"/>
-              <a:t>2025/5/28</a:t>
+              <a:t>2025/6/9</a:t>
             </a:fld>
             <a:endParaRPr kumimoji="1" lang="ja-JP" altLang="en-US"/>
           </a:p>
@@ -4105,7 +4072,7 @@
           <a:p>
             <a:fld id="{58BF5568-29AB-45DD-8EFF-69708D92D8DE}" type="datetimeFigureOut">
               <a:rPr kumimoji="1" lang="ja-JP" altLang="en-US" smtClean="0"/>
-              <a:t>2025/5/28</a:t>
+              <a:t>2025/6/9</a:t>
             </a:fld>
             <a:endParaRPr kumimoji="1" lang="ja-JP" altLang="en-US"/>
           </a:p>
@@ -4385,7 +4352,7 @@
           <a:p>
             <a:fld id="{58BF5568-29AB-45DD-8EFF-69708D92D8DE}" type="datetimeFigureOut">
               <a:rPr kumimoji="1" lang="ja-JP" altLang="en-US" smtClean="0"/>
-              <a:t>2025/5/28</a:t>
+              <a:t>2025/6/9</a:t>
             </a:fld>
             <a:endParaRPr kumimoji="1" lang="ja-JP" altLang="en-US"/>
           </a:p>
@@ -4716,7 +4683,7 @@
           <a:p>
             <a:fld id="{58BF5568-29AB-45DD-8EFF-69708D92D8DE}" type="datetimeFigureOut">
               <a:rPr kumimoji="1" lang="ja-JP" altLang="en-US" smtClean="0"/>
-              <a:t>2025/5/28</a:t>
+              <a:t>2025/6/9</a:t>
             </a:fld>
             <a:endParaRPr kumimoji="1" lang="ja-JP" altLang="en-US"/>
           </a:p>
@@ -5195,7 +5162,7 @@
           <a:p>
             <a:fld id="{58BF5568-29AB-45DD-8EFF-69708D92D8DE}" type="datetimeFigureOut">
               <a:rPr kumimoji="1" lang="ja-JP" altLang="en-US" smtClean="0"/>
-              <a:t>2025/5/28</a:t>
+              <a:t>2025/6/9</a:t>
             </a:fld>
             <a:endParaRPr kumimoji="1" lang="ja-JP" altLang="en-US"/>
           </a:p>
@@ -5343,7 +5310,7 @@
           <a:p>
             <a:fld id="{58BF5568-29AB-45DD-8EFF-69708D92D8DE}" type="datetimeFigureOut">
               <a:rPr kumimoji="1" lang="ja-JP" altLang="en-US" smtClean="0"/>
-              <a:t>2025/5/28</a:t>
+              <a:t>2025/6/9</a:t>
             </a:fld>
             <a:endParaRPr kumimoji="1" lang="ja-JP" altLang="en-US"/>
           </a:p>
@@ -5468,7 +5435,7 @@
           <a:p>
             <a:fld id="{58BF5568-29AB-45DD-8EFF-69708D92D8DE}" type="datetimeFigureOut">
               <a:rPr kumimoji="1" lang="ja-JP" altLang="en-US" smtClean="0"/>
-              <a:t>2025/5/28</a:t>
+              <a:t>2025/6/9</a:t>
             </a:fld>
             <a:endParaRPr kumimoji="1" lang="ja-JP" altLang="en-US"/>
           </a:p>
@@ -5779,7 +5746,7 @@
           <a:p>
             <a:fld id="{58BF5568-29AB-45DD-8EFF-69708D92D8DE}" type="datetimeFigureOut">
               <a:rPr kumimoji="1" lang="ja-JP" altLang="en-US" smtClean="0"/>
-              <a:t>2025/5/28</a:t>
+              <a:t>2025/6/9</a:t>
             </a:fld>
             <a:endParaRPr kumimoji="1" lang="ja-JP" altLang="en-US"/>
           </a:p>
@@ -6091,7 +6058,7 @@
           <a:p>
             <a:fld id="{58BF5568-29AB-45DD-8EFF-69708D92D8DE}" type="datetimeFigureOut">
               <a:rPr kumimoji="1" lang="ja-JP" altLang="en-US" smtClean="0"/>
-              <a:t>2025/5/28</a:t>
+              <a:t>2025/6/9</a:t>
             </a:fld>
             <a:endParaRPr kumimoji="1" lang="ja-JP" altLang="en-US"/>
           </a:p>
@@ -6376,7 +6343,7 @@
           <a:p>
             <a:fld id="{58BF5568-29AB-45DD-8EFF-69708D92D8DE}" type="datetimeFigureOut">
               <a:rPr kumimoji="1" lang="ja-JP" altLang="en-US" smtClean="0"/>
-              <a:t>2025/5/28</a:t>
+              <a:t>2025/6/9</a:t>
             </a:fld>
             <a:endParaRPr kumimoji="1" lang="ja-JP" altLang="en-US"/>
           </a:p>
@@ -7233,6 +7200,42 @@
           </a:p>
         </p:txBody>
       </p:sp>
+      <p:pic>
+        <p:nvPicPr>
+          <p:cNvPr id="3" name="図 2" descr="水, 屋外, 海, 木製 が含まれている画像&#10;&#10;AI によって生成されたコンテンツは間違っている可能性があります。">
+            <a:extLst>
+              <a:ext uri="{FF2B5EF4-FFF2-40B4-BE49-F238E27FC236}">
+                <a16:creationId xmlns:a16="http://schemas.microsoft.com/office/drawing/2014/main" id="{54982794-8C12-540F-EA8D-69E495ABA8EB}"/>
+              </a:ext>
+            </a:extLst>
+          </p:cNvPr>
+          <p:cNvPicPr>
+            <a:picLocks noChangeAspect="1"/>
+          </p:cNvPicPr>
+          <p:nvPr/>
+        </p:nvPicPr>
+        <p:blipFill>
+          <a:blip r:embed="rId2">
+            <a:extLst>
+              <a:ext uri="{28A0092B-C50C-407E-A947-70E740481C1C}">
+                <a14:useLocalDpi xmlns:a14="http://schemas.microsoft.com/office/drawing/2010/main" val="0"/>
+              </a:ext>
+            </a:extLst>
+          </a:blip>
+          <a:stretch>
+            <a:fillRect/>
+          </a:stretch>
+        </p:blipFill>
+        <p:spPr>
+          <a:xfrm>
+            <a:off x="103031" y="5091431"/>
+            <a:ext cx="2388988" cy="1766569"/>
+          </a:xfrm>
+          <a:prstGeom prst="rect">
+            <a:avLst/>
+          </a:prstGeom>
+        </p:spPr>
+      </p:pic>
     </p:spTree>
     <p:extLst>
       <p:ext uri="{BB962C8B-B14F-4D97-AF65-F5344CB8AC3E}">
@@ -7974,42 +7977,6 @@
           </a:p>
         </p:txBody>
       </p:sp>
-      <p:pic>
-        <p:nvPicPr>
-          <p:cNvPr id="3" name="図 2" descr="水, 屋外, 海, 木製 が含まれている画像&#10;&#10;AI によって生成されたコンテンツは間違っている可能性があります。">
-            <a:extLst>
-              <a:ext uri="{FF2B5EF4-FFF2-40B4-BE49-F238E27FC236}">
-                <a16:creationId xmlns:a16="http://schemas.microsoft.com/office/drawing/2014/main" id="{54982794-8C12-540F-EA8D-69E495ABA8EB}"/>
-              </a:ext>
-            </a:extLst>
-          </p:cNvPr>
-          <p:cNvPicPr>
-            <a:picLocks noChangeAspect="1"/>
-          </p:cNvPicPr>
-          <p:nvPr/>
-        </p:nvPicPr>
-        <p:blipFill>
-          <a:blip r:embed="rId2">
-            <a:extLst>
-              <a:ext uri="{28A0092B-C50C-407E-A947-70E740481C1C}">
-                <a14:useLocalDpi xmlns:a14="http://schemas.microsoft.com/office/drawing/2010/main" val="0"/>
-              </a:ext>
-            </a:extLst>
-          </a:blip>
-          <a:stretch>
-            <a:fillRect/>
-          </a:stretch>
-        </p:blipFill>
-        <p:spPr>
-          <a:xfrm>
-            <a:off x="185737" y="4241854"/>
-            <a:ext cx="3357563" cy="2482795"/>
-          </a:xfrm>
-          <a:prstGeom prst="rect">
-            <a:avLst/>
-          </a:prstGeom>
-        </p:spPr>
-      </p:pic>
       <p:sp>
         <p:nvSpPr>
           <p:cNvPr id="9" name="テキスト ボックス 8">
@@ -9342,6 +9309,18 @@
 </file>
 
 <file path=customXml/item1.xml><?xml version="1.0" encoding="utf-8"?>
+<p:properties xmlns:p="http://schemas.microsoft.com/office/2006/metadata/properties" xmlns:xsi="http://www.w3.org/2001/XMLSchema-instance" xmlns:pc="http://schemas.microsoft.com/office/infopath/2007/PartnerControls">
+  <documentManagement>
+    <TaxCatchAll xmlns="04574505-c322-4981-8ebb-5d25af8d4de8" xsi:nil="true"/>
+    <_x8a73__x7d30_ xmlns="098a3c11-7ac2-46ba-89ce-8b2d5c9f76f8" xsi:nil="true"/>
+    <lcf76f155ced4ddcb4097134ff3c332f xmlns="098a3c11-7ac2-46ba-89ce-8b2d5c9f76f8">
+      <Terms xmlns="http://schemas.microsoft.com/office/infopath/2007/PartnerControls"/>
+    </lcf76f155ced4ddcb4097134ff3c332f>
+  </documentManagement>
+</p:properties>
+</file>
+
+<file path=customXml/item2.xml><?xml version="1.0" encoding="utf-8"?>
 <ct:contentTypeSchema xmlns:ct="http://schemas.microsoft.com/office/2006/metadata/contentType" xmlns:ma="http://schemas.microsoft.com/office/2006/metadata/properties/metaAttributes" ct:_="" ma:_="" ma:contentTypeName="ドキュメント" ma:contentTypeID="0x0101009C7952A5A25B2543AB99BC9B879A46ED" ma:contentTypeVersion="16" ma:contentTypeDescription="新しいドキュメントを作成します。" ma:contentTypeScope="" ma:versionID="18ce886227b4f7d0c1a56646945dc47e">
   <xsd:schema xmlns:xsd="http://www.w3.org/2001/XMLSchema" xmlns:xs="http://www.w3.org/2001/XMLSchema" xmlns:p="http://schemas.microsoft.com/office/2006/metadata/properties" xmlns:ns2="098a3c11-7ac2-46ba-89ce-8b2d5c9f76f8" xmlns:ns3="04574505-c322-4981-8ebb-5d25af8d4de8" targetNamespace="http://schemas.microsoft.com/office/2006/metadata/properties" ma:root="true" ma:fieldsID="e5be0a050d98fc17aa9c3986a154fc28" ns2:_="" ns3:_="">
     <xsd:import namespace="098a3c11-7ac2-46ba-89ce-8b2d5c9f76f8"/>
@@ -9584,18 +9563,6 @@
 </ct:contentTypeSchema>
 </file>
 
-<file path=customXml/item2.xml><?xml version="1.0" encoding="utf-8"?>
-<p:properties xmlns:p="http://schemas.microsoft.com/office/2006/metadata/properties" xmlns:xsi="http://www.w3.org/2001/XMLSchema-instance" xmlns:pc="http://schemas.microsoft.com/office/infopath/2007/PartnerControls">
-  <documentManagement>
-    <TaxCatchAll xmlns="04574505-c322-4981-8ebb-5d25af8d4de8" xsi:nil="true"/>
-    <_x8a73__x7d30_ xmlns="098a3c11-7ac2-46ba-89ce-8b2d5c9f76f8" xsi:nil="true"/>
-    <lcf76f155ced4ddcb4097134ff3c332f xmlns="098a3c11-7ac2-46ba-89ce-8b2d5c9f76f8">
-      <Terms xmlns="http://schemas.microsoft.com/office/infopath/2007/PartnerControls"/>
-    </lcf76f155ced4ddcb4097134ff3c332f>
-  </documentManagement>
-</p:properties>
-</file>
-
 <file path=customXml/item3.xml><?xml version="1.0" encoding="utf-8"?>
 <?mso-contentType ?>
 <FormTemplates xmlns="http://schemas.microsoft.com/sharepoint/v3/contenttype/forms">
@@ -9606,6 +9573,17 @@
 </file>
 
 <file path=customXml/itemProps1.xml><?xml version="1.0" encoding="utf-8"?>
+<ds:datastoreItem xmlns:ds="http://schemas.openxmlformats.org/officeDocument/2006/customXml" ds:itemID="{DA086267-0271-45C5-A69E-0960670D4E40}">
+  <ds:schemaRefs>
+    <ds:schemaRef ds:uri="http://schemas.microsoft.com/office/2006/metadata/properties"/>
+    <ds:schemaRef ds:uri="http://schemas.microsoft.com/office/infopath/2007/PartnerControls"/>
+    <ds:schemaRef ds:uri="04574505-c322-4981-8ebb-5d25af8d4de8"/>
+    <ds:schemaRef ds:uri="098a3c11-7ac2-46ba-89ce-8b2d5c9f76f8"/>
+  </ds:schemaRefs>
+</ds:datastoreItem>
+</file>
+
+<file path=customXml/itemProps2.xml><?xml version="1.0" encoding="utf-8"?>
 <ds:datastoreItem xmlns:ds="http://schemas.openxmlformats.org/officeDocument/2006/customXml" ds:itemID="{B5EBCEBD-8959-49F6-8EEB-98E8559AC7CD}">
   <ds:schemaRefs>
     <ds:schemaRef ds:uri="http://schemas.microsoft.com/office/2006/metadata/contentType"/>
@@ -9624,17 +9602,6 @@
 </ds:datastoreItem>
 </file>
 
-<file path=customXml/itemProps2.xml><?xml version="1.0" encoding="utf-8"?>
-<ds:datastoreItem xmlns:ds="http://schemas.openxmlformats.org/officeDocument/2006/customXml" ds:itemID="{DA086267-0271-45C5-A69E-0960670D4E40}">
-  <ds:schemaRefs>
-    <ds:schemaRef ds:uri="http://schemas.microsoft.com/office/2006/metadata/properties"/>
-    <ds:schemaRef ds:uri="http://schemas.microsoft.com/office/infopath/2007/PartnerControls"/>
-    <ds:schemaRef ds:uri="04574505-c322-4981-8ebb-5d25af8d4de8"/>
-    <ds:schemaRef ds:uri="098a3c11-7ac2-46ba-89ce-8b2d5c9f76f8"/>
-  </ds:schemaRefs>
-</ds:datastoreItem>
-</file>
-
 <file path=customXml/itemProps3.xml><?xml version="1.0" encoding="utf-8"?>
 <ds:datastoreItem xmlns:ds="http://schemas.openxmlformats.org/officeDocument/2006/customXml" ds:itemID="{D47DC5F2-6523-4655-842F-F9070FE53757}">
   <ds:schemaRefs>
